--- a/Presentation6.pptx
+++ b/Presentation6.pptx
@@ -7,14 +7,15 @@
   <p:sldIdLst>
     <p:sldId id="256" r:id="rId2"/>
     <p:sldId id="262" r:id="rId3"/>
-    <p:sldId id="263" r:id="rId4"/>
-    <p:sldId id="261" r:id="rId5"/>
-    <p:sldId id="257" r:id="rId6"/>
-    <p:sldId id="265" r:id="rId7"/>
-    <p:sldId id="264" r:id="rId8"/>
-    <p:sldId id="266" r:id="rId9"/>
-    <p:sldId id="258" r:id="rId10"/>
-    <p:sldId id="260" r:id="rId11"/>
+    <p:sldId id="267" r:id="rId4"/>
+    <p:sldId id="263" r:id="rId5"/>
+    <p:sldId id="265" r:id="rId6"/>
+    <p:sldId id="261" r:id="rId7"/>
+    <p:sldId id="258" r:id="rId8"/>
+    <p:sldId id="264" r:id="rId9"/>
+    <p:sldId id="266" r:id="rId10"/>
+    <p:sldId id="269" r:id="rId11"/>
+    <p:sldId id="268" r:id="rId12"/>
   </p:sldIdLst>
   <p:sldSz cx="12192000" cy="6858000"/>
   <p:notesSz cx="6858000" cy="9144000"/>
@@ -3850,7 +3851,11 @@
           <a:bodyPr/>
           <a:lstStyle/>
           <a:p>
-            <a:endParaRPr lang="en-US"/>
+            <a:pPr algn="ctr"/>
+            <a:r>
+              <a:rPr lang="en-US" dirty="0"/>
+              <a:t>Gender disparity in insurance charges</a:t>
+            </a:r>
           </a:p>
         </p:txBody>
       </p:sp>
@@ -3917,12 +3922,101 @@
           <a:chExt cx="0" cy="0"/>
         </a:xfrm>
       </p:grpSpPr>
+      <p:sp>
+        <p:nvSpPr>
+          <p:cNvPr id="2" name="Title 1">
+            <a:extLst>
+              <a:ext uri="{FF2B5EF4-FFF2-40B4-BE49-F238E27FC236}">
+                <a16:creationId xmlns:a16="http://schemas.microsoft.com/office/drawing/2014/main" id="{A9396DDE-EFE3-B443-9B06-D4DCA8540C4F}"/>
+              </a:ext>
+            </a:extLst>
+          </p:cNvPr>
+          <p:cNvSpPr>
+            <a:spLocks noGrp="1"/>
+          </p:cNvSpPr>
+          <p:nvPr>
+            <p:ph type="title"/>
+          </p:nvPr>
+        </p:nvSpPr>
+        <p:spPr>
+          <a:xfrm>
+            <a:off x="581192" y="702156"/>
+            <a:ext cx="11029616" cy="1013800"/>
+          </a:xfrm>
+        </p:spPr>
+        <p:txBody>
+          <a:bodyPr anchor="ctr">
+            <a:normAutofit/>
+          </a:bodyPr>
+          <a:lstStyle/>
+          <a:p>
+            <a:pPr algn="ctr"/>
+            <a:r>
+              <a:rPr lang="en-US" dirty="0">
+                <a:solidFill>
+                  <a:srgbClr val="FFFFFF"/>
+                </a:solidFill>
+              </a:rPr>
+              <a:t>THE MODELS</a:t>
+            </a:r>
+          </a:p>
+        </p:txBody>
+      </p:sp>
+      <p:sp>
+        <p:nvSpPr>
+          <p:cNvPr id="3" name="Content Placeholder 2">
+            <a:extLst>
+              <a:ext uri="{FF2B5EF4-FFF2-40B4-BE49-F238E27FC236}">
+                <a16:creationId xmlns:a16="http://schemas.microsoft.com/office/drawing/2014/main" id="{AE3CDD08-7C07-F940-9AE2-526EE2F8D84D}"/>
+              </a:ext>
+            </a:extLst>
+          </p:cNvPr>
+          <p:cNvSpPr>
+            <a:spLocks noGrp="1"/>
+          </p:cNvSpPr>
+          <p:nvPr>
+            <p:ph idx="1"/>
+          </p:nvPr>
+        </p:nvSpPr>
+        <p:spPr>
+          <a:xfrm>
+            <a:off x="661361" y="2424136"/>
+            <a:ext cx="3353378" cy="3434663"/>
+          </a:xfrm>
+        </p:spPr>
+        <p:txBody>
+          <a:bodyPr>
+            <a:normAutofit/>
+          </a:bodyPr>
+          <a:lstStyle/>
+          <a:p>
+            <a:pPr>
+              <a:buFont typeface="Wingdings 2" pitchFamily="2" charset="2"/>
+              <a:buChar char=""/>
+            </a:pPr>
+            <a:r>
+              <a:rPr lang="en-US" dirty="0"/>
+              <a:t>THE LINEAR REGRESSION MODEL WAS NOT A GOOD FIT</a:t>
+            </a:r>
+          </a:p>
+          <a:p>
+            <a:pPr>
+              <a:buFont typeface="Wingdings 2" pitchFamily="2" charset="2"/>
+              <a:buChar char=""/>
+            </a:pPr>
+            <a:r>
+              <a:rPr lang="en-US" dirty="0"/>
+              <a:t>THE LOGISTIC REGRESSION MODEL WAS RIGHT ONLY ABOUT 56% OF THE TIME</a:t>
+            </a:r>
+          </a:p>
+        </p:txBody>
+      </p:sp>
       <p:pic>
         <p:nvPicPr>
-          <p:cNvPr id="5" name="Content Placeholder 4">
+          <p:cNvPr id="10" name="Picture 9" descr="A close up of text on a white background&#10;&#10;Description automatically generated">
             <a:extLst>
               <a:ext uri="{FF2B5EF4-FFF2-40B4-BE49-F238E27FC236}">
-                <a16:creationId xmlns:a16="http://schemas.microsoft.com/office/drawing/2014/main" id="{D4928B86-580B-674B-A079-C015F2FCB9F6}"/>
+                <a16:creationId xmlns:a16="http://schemas.microsoft.com/office/drawing/2014/main" id="{D80C8380-02B2-1C43-9B15-2CC60447937B}"/>
               </a:ext>
             </a:extLst>
           </p:cNvPr>
@@ -3931,279 +4025,27 @@
           </p:cNvPicPr>
           <p:nvPr/>
         </p:nvPicPr>
-        <p:blipFill>
+        <p:blipFill rotWithShape="1">
           <a:blip r:embed="rId2"/>
-          <a:srcRect/>
+          <a:srcRect r="3510" b="1"/>
           <a:stretch/>
         </p:blipFill>
         <p:spPr>
           <a:xfrm>
-            <a:off x="0" y="-6913"/>
-            <a:ext cx="3696902" cy="2608957"/>
+            <a:off x="4244443" y="1892627"/>
+            <a:ext cx="3699935" cy="4497938"/>
           </a:xfrm>
           <a:prstGeom prst="rect">
             <a:avLst/>
           </a:prstGeom>
         </p:spPr>
       </p:pic>
-      <p:sp>
-        <p:nvSpPr>
-          <p:cNvPr id="14" name="Rectangle 13">
+      <p:pic>
+        <p:nvPicPr>
+          <p:cNvPr id="12" name="Picture 11" descr="A screenshot of a cell phone&#10;&#10;Description automatically generated">
             <a:extLst>
               <a:ext uri="{FF2B5EF4-FFF2-40B4-BE49-F238E27FC236}">
-                <a16:creationId xmlns:a16="http://schemas.microsoft.com/office/drawing/2014/main" id="{B1ACEF87-056E-4E77-899B-9E9A04E9B574}"/>
-              </a:ext>
-              <a:ext uri="{C183D7F6-B498-43B3-948B-1728B52AA6E4}">
-                <adec:decorative xmlns:adec="http://schemas.microsoft.com/office/drawing/2017/decorative" val="1"/>
-              </a:ext>
-            </a:extLst>
-          </p:cNvPr>
-          <p:cNvSpPr>
-            <a:spLocks noGrp="1" noRot="1" noChangeAspect="1" noMove="1" noResize="1" noEditPoints="1" noAdjustHandles="1" noChangeArrowheads="1" noChangeShapeType="1" noTextEdit="1"/>
-          </p:cNvSpPr>
-          <p:nvPr>
-            <p:extLst>
-              <p:ext uri="{386F3935-93C4-4BCD-93E2-E3B085C9AB24}">
-                <p16:designElem xmlns:p16="http://schemas.microsoft.com/office/powerpoint/2015/main" val="1"/>
-              </p:ext>
-            </p:extLst>
-          </p:nvPr>
-        </p:nvSpPr>
-        <p:spPr>
-          <a:xfrm>
-            <a:off x="0" y="2611819"/>
-            <a:ext cx="4576634" cy="4235946"/>
-          </a:xfrm>
-          <a:prstGeom prst="rect">
-            <a:avLst/>
-          </a:prstGeom>
-          <a:solidFill>
-            <a:schemeClr val="accent1"/>
-          </a:solidFill>
-          <a:ln w="6350" cmpd="sng">
-            <a:noFill/>
-          </a:ln>
-          <a:effectLst/>
-        </p:spPr>
-        <p:style>
-          <a:lnRef idx="1">
-            <a:schemeClr val="accent1"/>
-          </a:lnRef>
-          <a:fillRef idx="3">
-            <a:schemeClr val="accent1"/>
-          </a:fillRef>
-          <a:effectRef idx="2">
-            <a:schemeClr val="accent1"/>
-          </a:effectRef>
-          <a:fontRef idx="minor">
-            <a:schemeClr val="lt1"/>
-          </a:fontRef>
-        </p:style>
-      </p:sp>
-      <p:sp>
-        <p:nvSpPr>
-          <p:cNvPr id="2" name="Title 1">
-            <a:extLst>
-              <a:ext uri="{FF2B5EF4-FFF2-40B4-BE49-F238E27FC236}">
-                <a16:creationId xmlns:a16="http://schemas.microsoft.com/office/drawing/2014/main" id="{43F177D6-6EF9-CC44-95F4-B4D03DC7A9D2}"/>
-              </a:ext>
-            </a:extLst>
-          </p:cNvPr>
-          <p:cNvSpPr>
-            <a:spLocks noGrp="1"/>
-          </p:cNvSpPr>
-          <p:nvPr>
-            <p:ph type="title"/>
-          </p:nvPr>
-        </p:nvSpPr>
-        <p:spPr>
-          <a:xfrm>
-            <a:off x="163506" y="2661835"/>
-            <a:ext cx="3412067" cy="1920675"/>
-          </a:xfrm>
-        </p:spPr>
-        <p:txBody>
-          <a:bodyPr anchor="t">
-            <a:normAutofit fontScale="90000"/>
-          </a:bodyPr>
-          <a:lstStyle/>
-          <a:p>
-            <a:pPr algn="ctr">
-              <a:lnSpc>
-                <a:spcPct val="90000"/>
-              </a:lnSpc>
-            </a:pPr>
-            <a:br>
-              <a:rPr lang="en-US" sz="1100" dirty="0">
-                <a:solidFill>
-                  <a:srgbClr val="FFFFFF"/>
-                </a:solidFill>
-              </a:rPr>
-            </a:br>
-            <a:r>
-              <a:rPr lang="en-US" sz="1100" dirty="0">
-                <a:solidFill>
-                  <a:srgbClr val="FFFFFF"/>
-                </a:solidFill>
-              </a:rPr>
-              <a:t>THIS GRAPH ILLUSTRATES A </a:t>
-            </a:r>
-            <a:r>
-              <a:rPr lang="en-US" sz="1100" dirty="0" err="1">
-                <a:solidFill>
-                  <a:srgbClr val="FFFFFF"/>
-                </a:solidFill>
-              </a:rPr>
-              <a:t>LINEaR</a:t>
-            </a:r>
-            <a:r>
-              <a:rPr lang="en-US" sz="1100" dirty="0">
-                <a:solidFill>
-                  <a:srgbClr val="FFFFFF"/>
-                </a:solidFill>
-              </a:rPr>
-              <a:t> RELATIONSHIP BETWEEN COSTS AND AGE.</a:t>
-            </a:r>
-            <a:br>
-              <a:rPr lang="en-US" sz="1100" dirty="0">
-                <a:solidFill>
-                  <a:srgbClr val="FFFFFF"/>
-                </a:solidFill>
-              </a:rPr>
-            </a:br>
-            <a:br>
-              <a:rPr lang="en-US" sz="1100" dirty="0">
-                <a:solidFill>
-                  <a:srgbClr val="FFFFFF"/>
-                </a:solidFill>
-              </a:rPr>
-            </a:br>
-            <a:r>
-              <a:rPr lang="en-US" sz="1100" dirty="0">
-                <a:solidFill>
-                  <a:srgbClr val="FFFFFF"/>
-                </a:solidFill>
-              </a:rPr>
-              <a:t>BUT THERE ARE ALSO A LOT OF STRANGE OUTLIERS</a:t>
-            </a:r>
-            <a:br>
-              <a:rPr lang="en-US" sz="1100" dirty="0">
-                <a:solidFill>
-                  <a:srgbClr val="FFFFFF"/>
-                </a:solidFill>
-              </a:rPr>
-            </a:br>
-            <a:br>
-              <a:rPr lang="en-US" sz="1100" dirty="0">
-                <a:solidFill>
-                  <a:srgbClr val="FFFFFF"/>
-                </a:solidFill>
-              </a:rPr>
-            </a:br>
-            <a:r>
-              <a:rPr lang="en-US" sz="1100" dirty="0">
-                <a:solidFill>
-                  <a:srgbClr val="FFFFFF"/>
-                </a:solidFill>
-              </a:rPr>
-              <a:t>The boxplot above also illustrates the extreme cost outliers </a:t>
-            </a:r>
-            <a:br>
-              <a:rPr lang="en-US" sz="1100" dirty="0">
-                <a:solidFill>
-                  <a:srgbClr val="FFFFFF"/>
-                </a:solidFill>
-              </a:rPr>
-            </a:br>
-            <a:br>
-              <a:rPr lang="en-US" sz="1100" dirty="0">
-                <a:solidFill>
-                  <a:srgbClr val="FFFFFF"/>
-                </a:solidFill>
-              </a:rPr>
-            </a:br>
-            <a:r>
-              <a:rPr lang="en-US" sz="1100" dirty="0">
-                <a:solidFill>
-                  <a:srgbClr val="FFFFFF"/>
-                </a:solidFill>
-              </a:rPr>
-              <a:t>with the data available there is no way to know what factors are causing the huge increases in cost for the outliers</a:t>
-            </a:r>
-            <a:br>
-              <a:rPr lang="en-US" sz="1100" dirty="0">
-                <a:solidFill>
-                  <a:srgbClr val="FFFFFF"/>
-                </a:solidFill>
-              </a:rPr>
-            </a:br>
-            <a:br>
-              <a:rPr lang="en-US" sz="1100" dirty="0">
-                <a:solidFill>
-                  <a:srgbClr val="FFFFFF"/>
-                </a:solidFill>
-              </a:rPr>
-            </a:br>
-            <a:br>
-              <a:rPr lang="en-US" sz="1100" dirty="0">
-                <a:solidFill>
-                  <a:srgbClr val="FFFFFF"/>
-                </a:solidFill>
-              </a:rPr>
-            </a:br>
-            <a:endParaRPr lang="en-US" sz="1100" dirty="0">
-              <a:solidFill>
-                <a:srgbClr val="FFFFFF"/>
-              </a:solidFill>
-            </a:endParaRPr>
-          </a:p>
-        </p:txBody>
-      </p:sp>
-      <p:sp>
-        <p:nvSpPr>
-          <p:cNvPr id="11" name="Content Placeholder 10">
-            <a:extLst>
-              <a:ext uri="{FF2B5EF4-FFF2-40B4-BE49-F238E27FC236}">
-                <a16:creationId xmlns:a16="http://schemas.microsoft.com/office/drawing/2014/main" id="{16F6568F-317F-4B9A-93D4-73A3A2CFFD1B}"/>
-              </a:ext>
-            </a:extLst>
-          </p:cNvPr>
-          <p:cNvSpPr>
-            <a:spLocks noGrp="1"/>
-          </p:cNvSpPr>
-          <p:nvPr>
-            <p:ph idx="1"/>
-          </p:nvPr>
-        </p:nvSpPr>
-        <p:spPr>
-          <a:xfrm>
-            <a:off x="137838" y="4483881"/>
-            <a:ext cx="3415074" cy="2273340"/>
-          </a:xfrm>
-        </p:spPr>
-        <p:txBody>
-          <a:bodyPr>
-            <a:normAutofit/>
-          </a:bodyPr>
-          <a:lstStyle/>
-          <a:p>
-            <a:r>
-              <a:rPr lang="en-US" dirty="0">
-                <a:solidFill>
-                  <a:srgbClr val="FFFFFF"/>
-                </a:solidFill>
-              </a:rPr>
-              <a:t>Will use $17,500 as the cutoff for examining these outliers. If there is enough to indicate a reliable model, with examine this subset further. If not, will model non-smoking women without these outliers.</a:t>
-            </a:r>
-          </a:p>
-        </p:txBody>
-      </p:sp>
-      <p:pic>
-        <p:nvPicPr>
-          <p:cNvPr id="7" name="Picture 6">
-            <a:extLst>
-              <a:ext uri="{FF2B5EF4-FFF2-40B4-BE49-F238E27FC236}">
-                <a16:creationId xmlns:a16="http://schemas.microsoft.com/office/drawing/2014/main" id="{74F2E641-8570-AA4E-B68E-58A22D0594C2}"/>
+                <a16:creationId xmlns:a16="http://schemas.microsoft.com/office/drawing/2014/main" id="{0387635F-92EA-1043-B0BE-F12313316A64}"/>
               </a:ext>
             </a:extLst>
           </p:cNvPr>
@@ -4212,146 +4054,128 @@
           </p:cNvPicPr>
           <p:nvPr/>
         </p:nvPicPr>
-        <p:blipFill>
+        <p:blipFill rotWithShape="1">
           <a:blip r:embed="rId3"/>
-          <a:srcRect/>
+          <a:srcRect l="4539" r="15673" b="3"/>
           <a:stretch/>
         </p:blipFill>
         <p:spPr>
           <a:xfrm>
-            <a:off x="3696902" y="10971"/>
-            <a:ext cx="8495098" cy="6836035"/>
+            <a:off x="8042494" y="1892627"/>
+            <a:ext cx="3699935" cy="4497938"/>
           </a:xfrm>
           <a:prstGeom prst="rect">
             <a:avLst/>
           </a:prstGeom>
         </p:spPr>
       </p:pic>
-      <p:sp>
-        <p:nvSpPr>
-          <p:cNvPr id="16" name="Rectangle 15">
-            <a:extLst>
-              <a:ext uri="{FF2B5EF4-FFF2-40B4-BE49-F238E27FC236}">
-                <a16:creationId xmlns:a16="http://schemas.microsoft.com/office/drawing/2014/main" id="{DD0C6C3A-73B1-4E33-AD0D-8BCD35B714CD}"/>
-              </a:ext>
-              <a:ext uri="{C183D7F6-B498-43B3-948B-1728B52AA6E4}">
-                <adec:decorative xmlns:adec="http://schemas.microsoft.com/office/drawing/2017/decorative" val="1"/>
-              </a:ext>
-            </a:extLst>
-          </p:cNvPr>
-          <p:cNvSpPr>
-            <a:spLocks noGrp="1" noRot="1" noChangeAspect="1" noMove="1" noResize="1" noEditPoints="1" noAdjustHandles="1" noChangeArrowheads="1" noChangeShapeType="1" noTextEdit="1"/>
-          </p:cNvSpPr>
-          <p:nvPr>
-            <p:extLst>
-              <p:ext uri="{386F3935-93C4-4BCD-93E2-E3B085C9AB24}">
-                <p16:designElem xmlns:p16="http://schemas.microsoft.com/office/powerpoint/2015/main" val="1"/>
-              </p:ext>
-            </p:extLst>
-          </p:nvPr>
-        </p:nvSpPr>
-        <p:spPr>
-          <a:xfrm>
-            <a:off x="4530517" y="-460"/>
-            <a:ext cx="91440" cy="6858000"/>
-          </a:xfrm>
-          <a:prstGeom prst="rect">
-            <a:avLst/>
-          </a:prstGeom>
-          <a:solidFill>
-            <a:srgbClr val="FFFFFF"/>
-          </a:solidFill>
-          <a:ln>
-            <a:noFill/>
-          </a:ln>
-          <a:effectLst/>
-        </p:spPr>
-        <p:style>
-          <a:lnRef idx="1">
-            <a:schemeClr val="accent1"/>
-          </a:lnRef>
-          <a:fillRef idx="3">
-            <a:schemeClr val="accent1"/>
-          </a:fillRef>
-          <a:effectRef idx="2">
-            <a:schemeClr val="accent1"/>
-          </a:effectRef>
-          <a:fontRef idx="minor">
-            <a:schemeClr val="lt1"/>
-          </a:fontRef>
-        </p:style>
-        <p:txBody>
-          <a:bodyPr rtlCol="0" anchor="ctr"/>
-          <a:lstStyle/>
-          <a:p>
-            <a:pPr algn="ctr"/>
-            <a:endParaRPr lang="en-US"/>
-          </a:p>
-        </p:txBody>
-      </p:sp>
-      <p:sp>
-        <p:nvSpPr>
-          <p:cNvPr id="18" name="Rectangle 17">
-            <a:extLst>
-              <a:ext uri="{FF2B5EF4-FFF2-40B4-BE49-F238E27FC236}">
-                <a16:creationId xmlns:a16="http://schemas.microsoft.com/office/drawing/2014/main" id="{303022F3-BFF5-4104-AE9A-399949DAFC26}"/>
-              </a:ext>
-              <a:ext uri="{C183D7F6-B498-43B3-948B-1728B52AA6E4}">
-                <adec:decorative xmlns:adec="http://schemas.microsoft.com/office/drawing/2017/decorative" val="1"/>
-              </a:ext>
-            </a:extLst>
-          </p:cNvPr>
-          <p:cNvSpPr>
-            <a:spLocks noGrp="1" noRot="1" noChangeAspect="1" noMove="1" noResize="1" noEditPoints="1" noAdjustHandles="1" noChangeArrowheads="1" noChangeShapeType="1" noTextEdit="1"/>
-          </p:cNvSpPr>
-          <p:nvPr>
-            <p:extLst>
-              <p:ext uri="{386F3935-93C4-4BCD-93E2-E3B085C9AB24}">
-                <p16:designElem xmlns:p16="http://schemas.microsoft.com/office/powerpoint/2015/main" val="1"/>
-              </p:ext>
-            </p:extLst>
-          </p:nvPr>
-        </p:nvSpPr>
-        <p:spPr>
-          <a:xfrm>
-            <a:off x="-139" y="2560620"/>
-            <a:ext cx="4581144" cy="91440"/>
-          </a:xfrm>
-          <a:prstGeom prst="rect">
-            <a:avLst/>
-          </a:prstGeom>
-          <a:solidFill>
-            <a:srgbClr val="FFFFFF"/>
-          </a:solidFill>
-          <a:ln>
-            <a:noFill/>
-          </a:ln>
-          <a:effectLst/>
-        </p:spPr>
-        <p:style>
-          <a:lnRef idx="1">
-            <a:schemeClr val="accent1"/>
-          </a:lnRef>
-          <a:fillRef idx="3">
-            <a:schemeClr val="accent1"/>
-          </a:fillRef>
-          <a:effectRef idx="2">
-            <a:schemeClr val="accent1"/>
-          </a:effectRef>
-          <a:fontRef idx="minor">
-            <a:schemeClr val="lt1"/>
-          </a:fontRef>
-        </p:style>
-      </p:sp>
     </p:spTree>
     <p:extLst>
       <p:ext uri="{BB962C8B-B14F-4D97-AF65-F5344CB8AC3E}">
-        <p14:creationId xmlns:p14="http://schemas.microsoft.com/office/powerpoint/2010/main" val="670047289"/>
+        <p14:creationId xmlns:p14="http://schemas.microsoft.com/office/powerpoint/2010/main" val="2798943656"/>
       </p:ext>
     </p:extLst>
   </p:cSld>
   <p:clrMapOvr>
-    <a:overrideClrMapping bg1="dk1" tx1="lt1" bg2="dk2" tx2="lt2" accent1="accent1" accent2="accent2" accent3="accent3" accent4="accent4" accent5="accent5" accent6="accent6" hlink="hlink" folHlink="folHlink"/>
+    <a:masterClrMapping/>
+  </p:clrMapOvr>
+</p:sld>
+</file>
+
+<file path=ppt/slides/slide11.xml><?xml version="1.0" encoding="utf-8"?>
+<p:sld xmlns:a="http://schemas.openxmlformats.org/drawingml/2006/main" xmlns:r="http://schemas.openxmlformats.org/officeDocument/2006/relationships" xmlns:p="http://schemas.openxmlformats.org/presentationml/2006/main">
+  <p:cSld>
+    <p:spTree>
+      <p:nvGrpSpPr>
+        <p:cNvPr id="1" name=""/>
+        <p:cNvGrpSpPr/>
+        <p:nvPr/>
+      </p:nvGrpSpPr>
+      <p:grpSpPr>
+        <a:xfrm>
+          <a:off x="0" y="0"/>
+          <a:ext cx="0" cy="0"/>
+          <a:chOff x="0" y="0"/>
+          <a:chExt cx="0" cy="0"/>
+        </a:xfrm>
+      </p:grpSpPr>
+      <p:sp>
+        <p:nvSpPr>
+          <p:cNvPr id="2" name="Title 1">
+            <a:extLst>
+              <a:ext uri="{FF2B5EF4-FFF2-40B4-BE49-F238E27FC236}">
+                <a16:creationId xmlns:a16="http://schemas.microsoft.com/office/drawing/2014/main" id="{5711F0C9-5508-FA40-84B9-72BE20D837C5}"/>
+              </a:ext>
+            </a:extLst>
+          </p:cNvPr>
+          <p:cNvSpPr>
+            <a:spLocks noGrp="1"/>
+          </p:cNvSpPr>
+          <p:nvPr>
+            <p:ph type="title"/>
+          </p:nvPr>
+        </p:nvSpPr>
+        <p:spPr/>
+        <p:txBody>
+          <a:bodyPr/>
+          <a:lstStyle/>
+          <a:p>
+            <a:r>
+              <a:rPr lang="en-US" dirty="0"/>
+              <a:t>SUMMARY AND NEXT STEPS</a:t>
+            </a:r>
+          </a:p>
+        </p:txBody>
+      </p:sp>
+      <p:sp>
+        <p:nvSpPr>
+          <p:cNvPr id="3" name="Content Placeholder 2">
+            <a:extLst>
+              <a:ext uri="{FF2B5EF4-FFF2-40B4-BE49-F238E27FC236}">
+                <a16:creationId xmlns:a16="http://schemas.microsoft.com/office/drawing/2014/main" id="{A987A90A-01B4-D24B-9E4D-132228FE1AEC}"/>
+              </a:ext>
+            </a:extLst>
+          </p:cNvPr>
+          <p:cNvSpPr>
+            <a:spLocks noGrp="1"/>
+          </p:cNvSpPr>
+          <p:nvPr>
+            <p:ph idx="1"/>
+          </p:nvPr>
+        </p:nvSpPr>
+        <p:spPr/>
+        <p:txBody>
+          <a:bodyPr/>
+          <a:lstStyle/>
+          <a:p>
+            <a:r>
+              <a:rPr lang="en-US" dirty="0"/>
+              <a:t>EXPLORE OTHER MODELS OR STATISTICAL TECHNIQUES THAT MIGHT PROVE MORE INSIGHT</a:t>
+            </a:r>
+          </a:p>
+          <a:p>
+            <a:r>
+              <a:rPr lang="en-US" dirty="0"/>
+              <a:t>THE DATA SET WAS LIMITED IN SIZE AND SCOPE, REPEAT PROJECT WITH MORE DETAILED AND LARGER DATA SETS</a:t>
+            </a:r>
+          </a:p>
+          <a:p>
+            <a:r>
+              <a:rPr lang="en-US" dirty="0"/>
+              <a:t>EXPLORE UNEXPLAINED DATA ANOMOLIES AND BIMODAL ACTIVITY </a:t>
+            </a:r>
+          </a:p>
+        </p:txBody>
+      </p:sp>
+    </p:spTree>
+    <p:extLst>
+      <p:ext uri="{BB962C8B-B14F-4D97-AF65-F5344CB8AC3E}">
+        <p14:creationId xmlns:p14="http://schemas.microsoft.com/office/powerpoint/2010/main" val="82148327"/>
+      </p:ext>
+    </p:extLst>
+  </p:cSld>
+  <p:clrMapOvr>
+    <a:masterClrMapping/>
   </p:clrMapOvr>
 </p:sld>
 </file>
@@ -4389,12 +4213,20 @@
             <p:ph type="title"/>
           </p:nvPr>
         </p:nvSpPr>
-        <p:spPr/>
-        <p:txBody>
-          <a:bodyPr/>
+        <p:spPr>
+          <a:xfrm>
+            <a:off x="581192" y="702156"/>
+            <a:ext cx="11029616" cy="1140932"/>
+          </a:xfrm>
+        </p:spPr>
+        <p:txBody>
+          <a:bodyPr anchor="t"/>
           <a:lstStyle/>
           <a:p>
-            <a:endParaRPr lang="en-US"/>
+            <a:br>
+              <a:rPr lang="en-US" dirty="0"/>
+            </a:br>
+            <a:endParaRPr lang="en-US" dirty="0"/>
           </a:p>
         </p:txBody>
       </p:sp>
@@ -4414,7 +4246,12 @@
             <p:ph idx="1"/>
           </p:nvPr>
         </p:nvSpPr>
-        <p:spPr/>
+        <p:spPr>
+          <a:xfrm>
+            <a:off x="6734175" y="2451958"/>
+            <a:ext cx="4876633" cy="3434492"/>
+          </a:xfrm>
+        </p:spPr>
         <p:txBody>
           <a:bodyPr/>
           <a:lstStyle/>
@@ -4427,14 +4264,56 @@
           <a:p>
             <a:r>
               <a:rPr lang="en-US" dirty="0"/>
-              <a:t>Is the difference in cost between men and women in this data set statistically different?</a:t>
+              <a:t>Is the difference in charges between men and women in this data set statistically significant?</a:t>
             </a:r>
           </a:p>
           <a:p>
             <a:r>
               <a:rPr lang="en-US" dirty="0"/>
-              <a:t>How big of an effect is where you live on what you are charged?</a:t>
-            </a:r>
+              <a:t>Does the region in which you live effect your charges?</a:t>
+            </a:r>
+          </a:p>
+        </p:txBody>
+      </p:sp>
+      <p:sp>
+        <p:nvSpPr>
+          <p:cNvPr id="4" name="TextBox 3">
+            <a:extLst>
+              <a:ext uri="{FF2B5EF4-FFF2-40B4-BE49-F238E27FC236}">
+                <a16:creationId xmlns:a16="http://schemas.microsoft.com/office/drawing/2014/main" id="{4A3DD61A-D5EC-2F45-8574-EA3D6EF6EF48}"/>
+              </a:ext>
+            </a:extLst>
+          </p:cNvPr>
+          <p:cNvSpPr txBox="1"/>
+          <p:nvPr/>
+        </p:nvSpPr>
+        <p:spPr>
+          <a:xfrm>
+            <a:off x="328613" y="3015042"/>
+            <a:ext cx="5924382" cy="2308324"/>
+          </a:xfrm>
+          <a:prstGeom prst="rect">
+            <a:avLst/>
+          </a:prstGeom>
+          <a:noFill/>
+        </p:spPr>
+        <p:txBody>
+          <a:bodyPr wrap="square" rtlCol="0" anchor="ctr">
+            <a:spAutoFit/>
+          </a:bodyPr>
+          <a:lstStyle/>
+          <a:p>
+            <a:r>
+              <a:rPr lang="en-US" dirty="0"/>
+              <a:t>“While women and men both feel the impact of health costs, such as insurance premiums, co-payments, and deductibles, they can be particularly burdensome for women who on average earn lower wages, have fewer financial assets, accumulate less wealth, and have higher rates of poverty than men.” - </a:t>
+            </a:r>
+            <a:r>
+              <a:rPr lang="en-US" sz="1400" b="1" i="1" dirty="0"/>
+              <a:t>Women's Coverage, Access, and Affordability: Key Findings from the 2017 Kaiser Women’s Health Survey</a:t>
+            </a:r>
+          </a:p>
+          <a:p>
+            <a:endParaRPr lang="en-US" dirty="0"/>
           </a:p>
         </p:txBody>
       </p:sp>
@@ -4476,12 +4355,12 @@
           <a:chExt cx="0" cy="0"/>
         </a:xfrm>
       </p:grpSpPr>
-      <p:sp useBgFill="1">
-        <p:nvSpPr>
-          <p:cNvPr id="12" name="Rectangle 11">
+      <p:sp>
+        <p:nvSpPr>
+          <p:cNvPr id="30" name="Rectangle 29">
             <a:extLst>
               <a:ext uri="{FF2B5EF4-FFF2-40B4-BE49-F238E27FC236}">
-                <a16:creationId xmlns:a16="http://schemas.microsoft.com/office/drawing/2014/main" id="{F875149D-F692-45DA-8324-D5E0193D5FC4}"/>
+                <a16:creationId xmlns:a16="http://schemas.microsoft.com/office/drawing/2014/main" id="{636F6DB7-CF8D-494A-82F6-13B58DCA9896}"/>
               </a:ext>
               <a:ext uri="{C183D7F6-B498-43B3-948B-1728B52AA6E4}">
                 <adec:decorative xmlns:adec="http://schemas.microsoft.com/office/drawing/2017/decorative" val="1"/>
@@ -4502,11 +4381,14 @@
         <p:spPr>
           <a:xfrm>
             <a:off x="0" y="0"/>
-            <a:ext cx="12191999" cy="6858001"/>
+            <a:ext cx="12192000" cy="6858000"/>
           </a:xfrm>
           <a:prstGeom prst="rect">
             <a:avLst/>
           </a:prstGeom>
+          <a:solidFill>
+            <a:schemeClr val="tx1"/>
+          </a:solidFill>
           <a:ln>
             <a:noFill/>
           </a:ln>
@@ -4538,50 +4420,10 @@
       </p:sp>
       <p:sp>
         <p:nvSpPr>
-          <p:cNvPr id="2" name="Title 1">
+          <p:cNvPr id="32" name="Rectangle 31">
             <a:extLst>
               <a:ext uri="{FF2B5EF4-FFF2-40B4-BE49-F238E27FC236}">
-                <a16:creationId xmlns:a16="http://schemas.microsoft.com/office/drawing/2014/main" id="{9254A15D-CB00-5F4D-92F9-464B8C19B2F2}"/>
-              </a:ext>
-            </a:extLst>
-          </p:cNvPr>
-          <p:cNvSpPr>
-            <a:spLocks noGrp="1"/>
-          </p:cNvSpPr>
-          <p:nvPr>
-            <p:ph type="title"/>
-          </p:nvPr>
-        </p:nvSpPr>
-        <p:spPr>
-          <a:xfrm>
-            <a:off x="581192" y="800931"/>
-            <a:ext cx="5351431" cy="1270758"/>
-          </a:xfrm>
-        </p:spPr>
-        <p:txBody>
-          <a:bodyPr anchor="t">
-            <a:normAutofit/>
-          </a:bodyPr>
-          <a:lstStyle/>
-          <a:p>
-            <a:pPr algn="ctr"/>
-            <a:r>
-              <a:rPr lang="en-US" sz="2400" dirty="0">
-                <a:solidFill>
-                  <a:schemeClr val="tx2"/>
-                </a:solidFill>
-              </a:rPr>
-              <a:t>Smokers account for only 26% of the data, but 49.5% of  the  charges represented</a:t>
-            </a:r>
-          </a:p>
-        </p:txBody>
-      </p:sp>
-      <p:sp>
-        <p:nvSpPr>
-          <p:cNvPr id="14" name="Rectangle 13">
-            <a:extLst>
-              <a:ext uri="{FF2B5EF4-FFF2-40B4-BE49-F238E27FC236}">
-                <a16:creationId xmlns:a16="http://schemas.microsoft.com/office/drawing/2014/main" id="{D4EE8A32-B29E-46B5-B8B8-0148869E904A}"/>
+                <a16:creationId xmlns:a16="http://schemas.microsoft.com/office/drawing/2014/main" id="{0B7E5194-6E82-4A44-99C3-FE7D87F34134}"/>
               </a:ext>
               <a:ext uri="{C183D7F6-B498-43B3-948B-1728B52AA6E4}">
                 <adec:decorative xmlns:adec="http://schemas.microsoft.com/office/drawing/2017/decorative" val="1"/>
@@ -4601,8 +4443,8 @@
         </p:nvSpPr>
         <p:spPr>
           <a:xfrm>
-            <a:off x="446534" y="457200"/>
-            <a:ext cx="5596128" cy="94997"/>
+            <a:off x="442377" y="614407"/>
+            <a:ext cx="3707477" cy="5611772"/>
           </a:xfrm>
           <a:prstGeom prst="rect">
             <a:avLst/>
@@ -4630,711 +4472,12 @@
           </a:fontRef>
         </p:style>
       </p:sp>
-      <p:sp>
-        <p:nvSpPr>
-          <p:cNvPr id="16" name="Rectangle 15">
-            <a:extLst>
-              <a:ext uri="{FF2B5EF4-FFF2-40B4-BE49-F238E27FC236}">
-                <a16:creationId xmlns:a16="http://schemas.microsoft.com/office/drawing/2014/main" id="{BBB92E81-4F6A-4CF1-B486-AE63E15F31D3}"/>
-              </a:ext>
-              <a:ext uri="{C183D7F6-B498-43B3-948B-1728B52AA6E4}">
-                <adec:decorative xmlns:adec="http://schemas.microsoft.com/office/drawing/2017/decorative" val="1"/>
-              </a:ext>
-            </a:extLst>
-          </p:cNvPr>
-          <p:cNvSpPr>
-            <a:spLocks noGrp="1" noRot="1" noChangeAspect="1" noMove="1" noResize="1" noEditPoints="1" noAdjustHandles="1" noChangeArrowheads="1" noChangeShapeType="1" noTextEdit="1"/>
-          </p:cNvSpPr>
-          <p:nvPr>
-            <p:extLst>
-              <p:ext uri="{386F3935-93C4-4BCD-93E2-E3B085C9AB24}">
-                <p16:designElem xmlns:p16="http://schemas.microsoft.com/office/powerpoint/2015/main" val="1"/>
-              </p:ext>
-            </p:extLst>
-          </p:nvPr>
-        </p:nvSpPr>
-        <p:spPr>
-          <a:xfrm>
-            <a:off x="6149338" y="453643"/>
-            <a:ext cx="5596128" cy="98554"/>
-          </a:xfrm>
-          <a:prstGeom prst="rect">
-            <a:avLst/>
-          </a:prstGeom>
-          <a:solidFill>
-            <a:schemeClr val="accent4"/>
-          </a:solidFill>
-          <a:ln>
-            <a:noFill/>
-          </a:ln>
-          <a:effectLst/>
-        </p:spPr>
-        <p:style>
-          <a:lnRef idx="1">
-            <a:schemeClr val="accent1"/>
-          </a:lnRef>
-          <a:fillRef idx="3">
-            <a:schemeClr val="accent1"/>
-          </a:fillRef>
-          <a:effectRef idx="2">
-            <a:schemeClr val="accent1"/>
-          </a:effectRef>
-          <a:fontRef idx="minor">
-            <a:schemeClr val="lt1"/>
-          </a:fontRef>
-        </p:style>
-      </p:sp>
-      <p:sp>
-        <p:nvSpPr>
-          <p:cNvPr id="3" name="Content Placeholder 2">
-            <a:extLst>
-              <a:ext uri="{FF2B5EF4-FFF2-40B4-BE49-F238E27FC236}">
-                <a16:creationId xmlns:a16="http://schemas.microsoft.com/office/drawing/2014/main" id="{C8A4D441-5AC0-814F-8E6E-C35CECC87542}"/>
-              </a:ext>
-            </a:extLst>
-          </p:cNvPr>
-          <p:cNvSpPr>
-            <a:spLocks noGrp="1"/>
-          </p:cNvSpPr>
-          <p:nvPr>
-            <p:ph idx="1"/>
-          </p:nvPr>
-        </p:nvSpPr>
-        <p:spPr>
-          <a:xfrm>
-            <a:off x="6254357" y="800930"/>
-            <a:ext cx="5491110" cy="664358"/>
-          </a:xfrm>
-        </p:spPr>
-        <p:txBody>
-          <a:bodyPr anchor="t">
-            <a:normAutofit/>
-          </a:bodyPr>
-          <a:lstStyle/>
-          <a:p>
-            <a:pPr>
-              <a:buClr>
-                <a:srgbClr val="E0802B"/>
-              </a:buClr>
-            </a:pPr>
-            <a:r>
-              <a:rPr lang="en-US" dirty="0"/>
-              <a:t>Outliers and smokers prevent us from telling the full story for this dataset</a:t>
-            </a:r>
-          </a:p>
-        </p:txBody>
-      </p:sp>
-      <p:pic>
-        <p:nvPicPr>
-          <p:cNvPr id="7" name="Picture 6" descr="A screenshot of a cell phone&#10;&#10;Description automatically generated">
-            <a:extLst>
-              <a:ext uri="{FF2B5EF4-FFF2-40B4-BE49-F238E27FC236}">
-                <a16:creationId xmlns:a16="http://schemas.microsoft.com/office/drawing/2014/main" id="{253A09F4-173B-414D-9248-0F5A5882368E}"/>
-              </a:ext>
-            </a:extLst>
-          </p:cNvPr>
-          <p:cNvPicPr>
-            <a:picLocks noChangeAspect="1"/>
-          </p:cNvPicPr>
-          <p:nvPr/>
-        </p:nvPicPr>
-        <p:blipFill>
-          <a:blip r:embed="rId2"/>
-          <a:stretch>
-            <a:fillRect/>
-          </a:stretch>
-        </p:blipFill>
-        <p:spPr>
-          <a:xfrm>
-            <a:off x="864100" y="3261798"/>
-            <a:ext cx="4652422" cy="3046926"/>
-          </a:xfrm>
-          <a:prstGeom prst="rect">
-            <a:avLst/>
-          </a:prstGeom>
-        </p:spPr>
-      </p:pic>
-      <p:pic>
-        <p:nvPicPr>
-          <p:cNvPr id="5" name="Picture 4" descr="A screenshot of a cell phone&#10;&#10;Description automatically generated">
-            <a:extLst>
-              <a:ext uri="{FF2B5EF4-FFF2-40B4-BE49-F238E27FC236}">
-                <a16:creationId xmlns:a16="http://schemas.microsoft.com/office/drawing/2014/main" id="{2C65FFCE-4D65-4548-8CEC-E6666AC3A68A}"/>
-              </a:ext>
-            </a:extLst>
-          </p:cNvPr>
-          <p:cNvPicPr>
-            <a:picLocks noChangeAspect="1"/>
-          </p:cNvPicPr>
-          <p:nvPr/>
-        </p:nvPicPr>
-        <p:blipFill>
-          <a:blip r:embed="rId3"/>
-          <a:stretch>
-            <a:fillRect/>
-          </a:stretch>
-        </p:blipFill>
-        <p:spPr>
-          <a:xfrm>
-            <a:off x="6614511" y="3261798"/>
-            <a:ext cx="4769337" cy="3012855"/>
-          </a:xfrm>
-          <a:prstGeom prst="rect">
-            <a:avLst/>
-          </a:prstGeom>
-        </p:spPr>
-      </p:pic>
-      <p:pic>
-        <p:nvPicPr>
-          <p:cNvPr id="11" name="Picture 10" descr="A screenshot of a cell phone&#10;&#10;Description automatically generated">
-            <a:extLst>
-              <a:ext uri="{FF2B5EF4-FFF2-40B4-BE49-F238E27FC236}">
-                <a16:creationId xmlns:a16="http://schemas.microsoft.com/office/drawing/2014/main" id="{CCB6336D-380D-7F4E-88F8-F0A4A4FC5041}"/>
-              </a:ext>
-            </a:extLst>
-          </p:cNvPr>
-          <p:cNvPicPr>
-            <a:picLocks noChangeAspect="1"/>
-          </p:cNvPicPr>
-          <p:nvPr/>
-        </p:nvPicPr>
-        <p:blipFill>
-          <a:blip r:embed="rId4"/>
-          <a:stretch>
-            <a:fillRect/>
-          </a:stretch>
-        </p:blipFill>
-        <p:spPr>
-          <a:xfrm>
-            <a:off x="7546279" y="1623768"/>
-            <a:ext cx="3032063" cy="1387554"/>
-          </a:xfrm>
-          <a:prstGeom prst="rect">
-            <a:avLst/>
-          </a:prstGeom>
-        </p:spPr>
-      </p:pic>
-    </p:spTree>
-    <p:extLst>
-      <p:ext uri="{BB962C8B-B14F-4D97-AF65-F5344CB8AC3E}">
-        <p14:creationId xmlns:p14="http://schemas.microsoft.com/office/powerpoint/2010/main" val="3807363449"/>
-      </p:ext>
-    </p:extLst>
-  </p:cSld>
-  <p:clrMapOvr>
-    <a:masterClrMapping/>
-  </p:clrMapOvr>
-</p:sld>
-</file>
-
-<file path=ppt/slides/slide4.xml><?xml version="1.0" encoding="utf-8"?>
-<p:sld xmlns:a="http://schemas.openxmlformats.org/drawingml/2006/main" xmlns:r="http://schemas.openxmlformats.org/officeDocument/2006/relationships" xmlns:p="http://schemas.openxmlformats.org/presentationml/2006/main">
-  <p:cSld>
-    <p:bg>
-      <p:bgPr>
-        <a:solidFill>
-          <a:schemeClr val="bg1"/>
-        </a:solidFill>
-        <a:effectLst/>
-      </p:bgPr>
-    </p:bg>
-    <p:spTree>
-      <p:nvGrpSpPr>
-        <p:cNvPr id="1" name=""/>
-        <p:cNvGrpSpPr/>
-        <p:nvPr/>
-      </p:nvGrpSpPr>
-      <p:grpSpPr>
-        <a:xfrm>
-          <a:off x="0" y="0"/>
-          <a:ext cx="0" cy="0"/>
-          <a:chOff x="0" y="0"/>
-          <a:chExt cx="0" cy="0"/>
-        </a:xfrm>
-      </p:grpSpPr>
-      <p:sp useBgFill="1">
-        <p:nvSpPr>
-          <p:cNvPr id="33" name="Rectangle 27">
-            <a:extLst>
-              <a:ext uri="{FF2B5EF4-FFF2-40B4-BE49-F238E27FC236}">
-                <a16:creationId xmlns:a16="http://schemas.microsoft.com/office/drawing/2014/main" id="{B1CC0937-4B54-4AB8-9605-7DEED999380B}"/>
-              </a:ext>
-              <a:ext uri="{C183D7F6-B498-43B3-948B-1728B52AA6E4}">
-                <adec:decorative xmlns:adec="http://schemas.microsoft.com/office/drawing/2017/decorative" val="1"/>
-              </a:ext>
-            </a:extLst>
-          </p:cNvPr>
-          <p:cNvSpPr>
-            <a:spLocks noGrp="1" noRot="1" noChangeAspect="1" noMove="1" noResize="1" noEditPoints="1" noAdjustHandles="1" noChangeArrowheads="1" noChangeShapeType="1" noTextEdit="1"/>
-          </p:cNvSpPr>
-          <p:nvPr>
-            <p:extLst>
-              <p:ext uri="{386F3935-93C4-4BCD-93E2-E3B085C9AB24}">
-                <p16:designElem xmlns:p16="http://schemas.microsoft.com/office/powerpoint/2015/main" val="1"/>
-              </p:ext>
-            </p:extLst>
-          </p:nvPr>
-        </p:nvSpPr>
-        <p:spPr>
-          <a:xfrm>
-            <a:off x="0" y="548640"/>
-            <a:ext cx="12192000" cy="6309360"/>
-          </a:xfrm>
-          <a:prstGeom prst="rect">
-            <a:avLst/>
-          </a:prstGeom>
-          <a:ln>
-            <a:noFill/>
-          </a:ln>
-        </p:spPr>
-        <p:style>
-          <a:lnRef idx="2">
-            <a:schemeClr val="accent1">
-              <a:shade val="50000"/>
-            </a:schemeClr>
-          </a:lnRef>
-          <a:fillRef idx="1">
-            <a:schemeClr val="accent1"/>
-          </a:fillRef>
-          <a:effectRef idx="0">
-            <a:schemeClr val="accent1"/>
-          </a:effectRef>
-          <a:fontRef idx="minor">
-            <a:schemeClr val="lt1"/>
-          </a:fontRef>
-        </p:style>
-        <p:txBody>
-          <a:bodyPr rtlCol="0" anchor="ctr"/>
-          <a:lstStyle/>
-          <a:p>
-            <a:pPr algn="ctr"/>
-            <a:endParaRPr lang="en-US"/>
-          </a:p>
-        </p:txBody>
-      </p:sp>
-      <p:sp>
-        <p:nvSpPr>
-          <p:cNvPr id="30" name="Rectangle 29">
-            <a:extLst>
-              <a:ext uri="{FF2B5EF4-FFF2-40B4-BE49-F238E27FC236}">
-                <a16:creationId xmlns:a16="http://schemas.microsoft.com/office/drawing/2014/main" id="{BE3EDEA1-97CC-41C2-BE54-EA64ACE7F97E}"/>
-              </a:ext>
-              <a:ext uri="{C183D7F6-B498-43B3-948B-1728B52AA6E4}">
-                <adec:decorative xmlns:adec="http://schemas.microsoft.com/office/drawing/2017/decorative" val="1"/>
-              </a:ext>
-            </a:extLst>
-          </p:cNvPr>
-          <p:cNvSpPr>
-            <a:spLocks noGrp="1" noRot="1" noChangeAspect="1" noMove="1" noResize="1" noEditPoints="1" noAdjustHandles="1" noChangeArrowheads="1" noChangeShapeType="1" noTextEdit="1"/>
-          </p:cNvSpPr>
-          <p:nvPr>
-            <p:extLst>
-              <p:ext uri="{386F3935-93C4-4BCD-93E2-E3B085C9AB24}">
-                <p16:designElem xmlns:p16="http://schemas.microsoft.com/office/powerpoint/2015/main" val="1"/>
-              </p:ext>
-            </p:extLst>
-          </p:nvPr>
-        </p:nvSpPr>
-        <p:spPr>
-          <a:xfrm>
-            <a:off x="4241830" y="614407"/>
-            <a:ext cx="7507794" cy="1189298"/>
-          </a:xfrm>
-          <a:prstGeom prst="rect">
-            <a:avLst/>
-          </a:prstGeom>
-          <a:solidFill>
-            <a:schemeClr val="accent1"/>
-          </a:solidFill>
-          <a:ln>
-            <a:noFill/>
-          </a:ln>
-          <a:effectLst/>
-        </p:spPr>
-        <p:style>
-          <a:lnRef idx="1">
-            <a:schemeClr val="accent1"/>
-          </a:lnRef>
-          <a:fillRef idx="3">
-            <a:schemeClr val="accent1"/>
-          </a:fillRef>
-          <a:effectRef idx="2">
-            <a:schemeClr val="accent1"/>
-          </a:effectRef>
-          <a:fontRef idx="minor">
-            <a:schemeClr val="lt1"/>
-          </a:fontRef>
-        </p:style>
-      </p:sp>
-      <p:sp>
-        <p:nvSpPr>
-          <p:cNvPr id="35" name="Rectangle 31">
-            <a:extLst>
-              <a:ext uri="{FF2B5EF4-FFF2-40B4-BE49-F238E27FC236}">
-                <a16:creationId xmlns:a16="http://schemas.microsoft.com/office/drawing/2014/main" id="{9926A5DB-A90A-4941-81F5-DF0E44A29719}"/>
-              </a:ext>
-              <a:ext uri="{C183D7F6-B498-43B3-948B-1728B52AA6E4}">
-                <adec:decorative xmlns:adec="http://schemas.microsoft.com/office/drawing/2017/decorative" val="1"/>
-              </a:ext>
-            </a:extLst>
-          </p:cNvPr>
-          <p:cNvSpPr>
-            <a:spLocks noGrp="1" noRot="1" noChangeAspect="1" noMove="1" noResize="1" noEditPoints="1" noAdjustHandles="1" noChangeArrowheads="1" noChangeShapeType="1" noTextEdit="1"/>
-          </p:cNvSpPr>
-          <p:nvPr>
-            <p:extLst>
-              <p:ext uri="{386F3935-93C4-4BCD-93E2-E3B085C9AB24}">
-                <p16:designElem xmlns:p16="http://schemas.microsoft.com/office/powerpoint/2015/main" val="1"/>
-              </p:ext>
-            </p:extLst>
-          </p:nvPr>
-        </p:nvSpPr>
-        <p:spPr>
-          <a:xfrm>
-            <a:off x="454391" y="641102"/>
-            <a:ext cx="3695019" cy="2827037"/>
-          </a:xfrm>
-          <a:prstGeom prst="rect">
-            <a:avLst/>
-          </a:prstGeom>
-          <a:noFill/>
-          <a:ln w="19050">
-            <a:solidFill>
-              <a:schemeClr val="tx2"/>
-            </a:solidFill>
-          </a:ln>
-        </p:spPr>
-        <p:style>
-          <a:lnRef idx="2">
-            <a:schemeClr val="accent1">
-              <a:shade val="50000"/>
-            </a:schemeClr>
-          </a:lnRef>
-          <a:fillRef idx="1">
-            <a:schemeClr val="accent1"/>
-          </a:fillRef>
-          <a:effectRef idx="0">
-            <a:schemeClr val="accent1"/>
-          </a:effectRef>
-          <a:fontRef idx="minor">
-            <a:schemeClr val="lt1"/>
-          </a:fontRef>
-        </p:style>
-        <p:txBody>
-          <a:bodyPr rtlCol="0" anchor="ctr"/>
-          <a:lstStyle/>
-          <a:p>
-            <a:pPr algn="ctr"/>
-            <a:endParaRPr lang="en-US"/>
-          </a:p>
-        </p:txBody>
-      </p:sp>
-      <p:pic>
-        <p:nvPicPr>
-          <p:cNvPr id="23" name="Picture 22" descr="A screenshot of a cell phone&#10;&#10;Description automatically generated">
-            <a:extLst>
-              <a:ext uri="{FF2B5EF4-FFF2-40B4-BE49-F238E27FC236}">
-                <a16:creationId xmlns:a16="http://schemas.microsoft.com/office/drawing/2014/main" id="{636CB0C2-9E03-F346-B824-F97DC9152351}"/>
-              </a:ext>
-            </a:extLst>
-          </p:cNvPr>
-          <p:cNvPicPr>
-            <a:picLocks noChangeAspect="1"/>
-          </p:cNvPicPr>
-          <p:nvPr/>
-        </p:nvPicPr>
-        <p:blipFill>
-          <a:blip r:embed="rId2"/>
-          <a:stretch>
-            <a:fillRect/>
-          </a:stretch>
-        </p:blipFill>
-        <p:spPr>
-          <a:xfrm>
-            <a:off x="785870" y="1360843"/>
-            <a:ext cx="3032063" cy="1387554"/>
-          </a:xfrm>
-          <a:prstGeom prst="rect">
-            <a:avLst/>
-          </a:prstGeom>
-        </p:spPr>
-      </p:pic>
-      <p:sp>
-        <p:nvSpPr>
-          <p:cNvPr id="34" name="Rectangle 33">
-            <a:extLst>
-              <a:ext uri="{FF2B5EF4-FFF2-40B4-BE49-F238E27FC236}">
-                <a16:creationId xmlns:a16="http://schemas.microsoft.com/office/drawing/2014/main" id="{AB1B71B9-532D-4BBD-BEBA-D028ACC08316}"/>
-              </a:ext>
-              <a:ext uri="{C183D7F6-B498-43B3-948B-1728B52AA6E4}">
-                <adec:decorative xmlns:adec="http://schemas.microsoft.com/office/drawing/2017/decorative" val="1"/>
-              </a:ext>
-            </a:extLst>
-          </p:cNvPr>
-          <p:cNvSpPr>
-            <a:spLocks noGrp="1" noRot="1" noChangeAspect="1" noMove="1" noResize="1" noEditPoints="1" noAdjustHandles="1" noChangeArrowheads="1" noChangeShapeType="1" noTextEdit="1"/>
-          </p:cNvSpPr>
-          <p:nvPr>
-            <p:extLst>
-              <p:ext uri="{386F3935-93C4-4BCD-93E2-E3B085C9AB24}">
-                <p16:designElem xmlns:p16="http://schemas.microsoft.com/office/powerpoint/2015/main" val="1"/>
-              </p:ext>
-            </p:extLst>
-          </p:nvPr>
-        </p:nvSpPr>
-        <p:spPr>
-          <a:xfrm>
-            <a:off x="455134" y="3557674"/>
-            <a:ext cx="3695019" cy="2827037"/>
-          </a:xfrm>
-          <a:prstGeom prst="rect">
-            <a:avLst/>
-          </a:prstGeom>
-          <a:noFill/>
-          <a:ln w="19050">
-            <a:solidFill>
-              <a:schemeClr val="tx2"/>
-            </a:solidFill>
-          </a:ln>
-        </p:spPr>
-        <p:style>
-          <a:lnRef idx="2">
-            <a:schemeClr val="accent1">
-              <a:shade val="50000"/>
-            </a:schemeClr>
-          </a:lnRef>
-          <a:fillRef idx="1">
-            <a:schemeClr val="accent1"/>
-          </a:fillRef>
-          <a:effectRef idx="0">
-            <a:schemeClr val="accent1"/>
-          </a:effectRef>
-          <a:fontRef idx="minor">
-            <a:schemeClr val="lt1"/>
-          </a:fontRef>
-        </p:style>
-        <p:txBody>
-          <a:bodyPr rtlCol="0" anchor="ctr"/>
-          <a:lstStyle/>
-          <a:p>
-            <a:pPr algn="ctr"/>
-            <a:endParaRPr lang="en-US"/>
-          </a:p>
-        </p:txBody>
-      </p:sp>
-      <p:sp>
-        <p:nvSpPr>
-          <p:cNvPr id="3" name="Content Placeholder 2">
-            <a:extLst>
-              <a:ext uri="{FF2B5EF4-FFF2-40B4-BE49-F238E27FC236}">
-                <a16:creationId xmlns:a16="http://schemas.microsoft.com/office/drawing/2014/main" id="{1D24C776-2173-3F4D-8FB7-049D76370202}"/>
-              </a:ext>
-            </a:extLst>
-          </p:cNvPr>
-          <p:cNvSpPr>
-            <a:spLocks noGrp="1"/>
-          </p:cNvSpPr>
-          <p:nvPr>
-            <p:ph idx="1"/>
-          </p:nvPr>
-        </p:nvSpPr>
-        <p:spPr>
-          <a:xfrm>
-            <a:off x="4401849" y="2180496"/>
-            <a:ext cx="7208957" cy="4045683"/>
-          </a:xfrm>
-        </p:spPr>
-        <p:txBody>
-          <a:bodyPr>
-            <a:normAutofit/>
-          </a:bodyPr>
-          <a:lstStyle/>
-          <a:p>
-            <a:endParaRPr lang="en-US"/>
-          </a:p>
-        </p:txBody>
-      </p:sp>
-      <p:pic>
-        <p:nvPicPr>
-          <p:cNvPr id="37" name="Picture 36" descr="A picture containing filled, table, hanging, group&#10;&#10;Description automatically generated">
-            <a:extLst>
-              <a:ext uri="{FF2B5EF4-FFF2-40B4-BE49-F238E27FC236}">
-                <a16:creationId xmlns:a16="http://schemas.microsoft.com/office/drawing/2014/main" id="{3330A4D7-FE28-5F4A-9D01-E133192E72C3}"/>
-              </a:ext>
-            </a:extLst>
-          </p:cNvPr>
-          <p:cNvPicPr>
-            <a:picLocks noChangeAspect="1"/>
-          </p:cNvPicPr>
-          <p:nvPr/>
-        </p:nvPicPr>
-        <p:blipFill>
-          <a:blip r:embed="rId3"/>
-          <a:stretch>
-            <a:fillRect/>
-          </a:stretch>
-        </p:blipFill>
-        <p:spPr>
-          <a:xfrm>
-            <a:off x="4241830" y="614408"/>
-            <a:ext cx="7495036" cy="6020544"/>
-          </a:xfrm>
-          <a:prstGeom prst="rect">
-            <a:avLst/>
-          </a:prstGeom>
-        </p:spPr>
-      </p:pic>
-      <p:sp>
-        <p:nvSpPr>
-          <p:cNvPr id="2" name="Title 1">
-            <a:extLst>
-              <a:ext uri="{FF2B5EF4-FFF2-40B4-BE49-F238E27FC236}">
-                <a16:creationId xmlns:a16="http://schemas.microsoft.com/office/drawing/2014/main" id="{9901A9B4-B103-744A-9D25-8AEFEAE1BEF2}"/>
-              </a:ext>
-            </a:extLst>
-          </p:cNvPr>
-          <p:cNvSpPr>
-            <a:spLocks noGrp="1"/>
-          </p:cNvSpPr>
-          <p:nvPr>
-            <p:ph type="title"/>
-          </p:nvPr>
-        </p:nvSpPr>
-        <p:spPr>
-          <a:xfrm>
-            <a:off x="581194" y="5100656"/>
-            <a:ext cx="3363542" cy="1013800"/>
-          </a:xfrm>
-        </p:spPr>
-        <p:txBody>
-          <a:bodyPr>
-            <a:normAutofit/>
-          </a:bodyPr>
-          <a:lstStyle/>
-          <a:p>
-            <a:pPr algn="ctr">
-              <a:lnSpc>
-                <a:spcPct val="90000"/>
-              </a:lnSpc>
-            </a:pPr>
-            <a:r>
-              <a:rPr lang="en-US" sz="2200" dirty="0">
-                <a:solidFill>
-                  <a:schemeClr val="accent2"/>
-                </a:solidFill>
-              </a:rPr>
-              <a:t>Smoking is such a driving force for higher cost in this data set,  that it obscures other factors that may also contribute to costs</a:t>
-            </a:r>
-          </a:p>
-        </p:txBody>
-      </p:sp>
-    </p:spTree>
-    <p:extLst>
-      <p:ext uri="{BB962C8B-B14F-4D97-AF65-F5344CB8AC3E}">
-        <p14:creationId xmlns:p14="http://schemas.microsoft.com/office/powerpoint/2010/main" val="299541668"/>
-      </p:ext>
-    </p:extLst>
-  </p:cSld>
-  <p:clrMapOvr>
-    <a:masterClrMapping/>
-  </p:clrMapOvr>
-</p:sld>
-</file>
-
-<file path=ppt/slides/slide5.xml><?xml version="1.0" encoding="utf-8"?>
-<p:sld xmlns:a="http://schemas.openxmlformats.org/drawingml/2006/main" xmlns:r="http://schemas.openxmlformats.org/officeDocument/2006/relationships" xmlns:p="http://schemas.openxmlformats.org/presentationml/2006/main">
-  <p:cSld>
-    <p:bg>
-      <p:bgPr>
-        <a:solidFill>
-          <a:schemeClr val="bg2"/>
-        </a:solidFill>
-        <a:effectLst/>
-      </p:bgPr>
-    </p:bg>
-    <p:spTree>
-      <p:nvGrpSpPr>
-        <p:cNvPr id="1" name=""/>
-        <p:cNvGrpSpPr/>
-        <p:nvPr/>
-      </p:nvGrpSpPr>
-      <p:grpSpPr>
-        <a:xfrm>
-          <a:off x="0" y="0"/>
-          <a:ext cx="0" cy="0"/>
-          <a:chOff x="0" y="0"/>
-          <a:chExt cx="0" cy="0"/>
-        </a:xfrm>
-      </p:grpSpPr>
-      <p:sp>
-        <p:nvSpPr>
-          <p:cNvPr id="32" name="Rectangle 31">
-            <a:extLst>
-              <a:ext uri="{FF2B5EF4-FFF2-40B4-BE49-F238E27FC236}">
-                <a16:creationId xmlns:a16="http://schemas.microsoft.com/office/drawing/2014/main" id="{2AD936F5-D47C-418E-957B-E67FE0AB79A7}"/>
-              </a:ext>
-              <a:ext uri="{C183D7F6-B498-43B3-948B-1728B52AA6E4}">
-                <adec:decorative xmlns:adec="http://schemas.microsoft.com/office/drawing/2017/decorative" val="1"/>
-              </a:ext>
-            </a:extLst>
-          </p:cNvPr>
-          <p:cNvSpPr>
-            <a:spLocks noGrp="1" noRot="1" noChangeAspect="1" noMove="1" noResize="1" noEditPoints="1" noAdjustHandles="1" noChangeArrowheads="1" noChangeShapeType="1" noTextEdit="1"/>
-          </p:cNvSpPr>
-          <p:nvPr>
-            <p:extLst>
-              <p:ext uri="{386F3935-93C4-4BCD-93E2-E3B085C9AB24}">
-                <p16:designElem xmlns:p16="http://schemas.microsoft.com/office/powerpoint/2015/main" val="1"/>
-              </p:ext>
-            </p:extLst>
-          </p:nvPr>
-        </p:nvSpPr>
-        <p:spPr>
-          <a:xfrm>
-            <a:off x="0" y="0"/>
-            <a:ext cx="12192000" cy="6858000"/>
-          </a:xfrm>
-          <a:prstGeom prst="rect">
-            <a:avLst/>
-          </a:prstGeom>
-          <a:solidFill>
-            <a:srgbClr val="FFFFFF"/>
-          </a:solidFill>
-          <a:ln>
-            <a:noFill/>
-          </a:ln>
-        </p:spPr>
-        <p:style>
-          <a:lnRef idx="2">
-            <a:schemeClr val="accent1">
-              <a:shade val="50000"/>
-            </a:schemeClr>
-          </a:lnRef>
-          <a:fillRef idx="1">
-            <a:schemeClr val="accent1"/>
-          </a:fillRef>
-          <a:effectRef idx="0">
-            <a:schemeClr val="accent1"/>
-          </a:effectRef>
-          <a:fontRef idx="minor">
-            <a:schemeClr val="lt1"/>
-          </a:fontRef>
-        </p:style>
-        <p:txBody>
-          <a:bodyPr rtlCol="0" anchor="ctr"/>
-          <a:lstStyle/>
-          <a:p>
-            <a:pPr algn="ctr"/>
-            <a:endParaRPr lang="en-US"/>
-          </a:p>
-        </p:txBody>
-      </p:sp>
       <p:grpSp>
         <p:nvGrpSpPr>
           <p:cNvPr id="34" name="Group 33">
             <a:extLst>
               <a:ext uri="{FF2B5EF4-FFF2-40B4-BE49-F238E27FC236}">
-                <a16:creationId xmlns:a16="http://schemas.microsoft.com/office/drawing/2014/main" id="{25E36C78-D2A7-412A-9321-3AC28893C69A}"/>
+                <a16:creationId xmlns:a16="http://schemas.microsoft.com/office/drawing/2014/main" id="{49FCC1E1-84D3-494D-A0A0-286AFA1C3018}"/>
               </a:ext>
               <a:ext uri="{C183D7F6-B498-43B3-948B-1728B52AA6E4}">
                 <adec:decorative xmlns:adec="http://schemas.microsoft.com/office/drawing/2017/decorative" val="1"/>
@@ -5365,7 +4508,7 @@
             <p:cNvPr id="35" name="Rectangle 34">
               <a:extLst>
                 <a:ext uri="{FF2B5EF4-FFF2-40B4-BE49-F238E27FC236}">
-                  <a16:creationId xmlns:a16="http://schemas.microsoft.com/office/drawing/2014/main" id="{E383D63D-AFF6-450E-9563-88C596AE6E07}"/>
+                  <a16:creationId xmlns:a16="http://schemas.microsoft.com/office/drawing/2014/main" id="{96E09E90-FF79-402E-AF01-97A279BEADAD}"/>
                 </a:ext>
                 <a:ext uri="{C183D7F6-B498-43B3-948B-1728B52AA6E4}">
                   <adec:decorative xmlns:adec="http://schemas.microsoft.com/office/drawing/2017/decorative" val="1"/>
@@ -5417,7 +4560,7 @@
             <p:cNvPr id="36" name="Rectangle 35">
               <a:extLst>
                 <a:ext uri="{FF2B5EF4-FFF2-40B4-BE49-F238E27FC236}">
-                  <a16:creationId xmlns:a16="http://schemas.microsoft.com/office/drawing/2014/main" id="{831BE33D-0E67-4BB0-8A1B-581C9F3C48C0}"/>
+                  <a16:creationId xmlns:a16="http://schemas.microsoft.com/office/drawing/2014/main" id="{EC6946F8-4B9B-4C51-9F51-2DB377392CC1}"/>
                 </a:ext>
                 <a:ext uri="{C183D7F6-B498-43B3-948B-1728B52AA6E4}">
                   <adec:decorative xmlns:adec="http://schemas.microsoft.com/office/drawing/2017/decorative" val="1"/>
@@ -5469,7 +4612,7 @@
             <p:cNvPr id="37" name="Rectangle 36">
               <a:extLst>
                 <a:ext uri="{FF2B5EF4-FFF2-40B4-BE49-F238E27FC236}">
-                  <a16:creationId xmlns:a16="http://schemas.microsoft.com/office/drawing/2014/main" id="{1E16AD71-390C-4868-A5FB-5EB087437182}"/>
+                  <a16:creationId xmlns:a16="http://schemas.microsoft.com/office/drawing/2014/main" id="{7B3D2B3D-A285-438C-A344-AED3E46A0782}"/>
                 </a:ext>
                 <a:ext uri="{C183D7F6-B498-43B3-948B-1728B52AA6E4}">
                   <adec:decorative xmlns:adec="http://schemas.microsoft.com/office/drawing/2017/decorative" val="1"/>
@@ -5519,150 +4662,89 @@
       </p:grpSp>
       <p:sp>
         <p:nvSpPr>
-          <p:cNvPr id="39" name="Rectangle 38">
+          <p:cNvPr id="25" name="Content Placeholder 2">
             <a:extLst>
               <a:ext uri="{FF2B5EF4-FFF2-40B4-BE49-F238E27FC236}">
-                <a16:creationId xmlns:a16="http://schemas.microsoft.com/office/drawing/2014/main" id="{FC428F49-D716-4BA1-9E15-BCC588E9653C}"/>
-              </a:ext>
-              <a:ext uri="{C183D7F6-B498-43B3-948B-1728B52AA6E4}">
-                <adec:decorative xmlns:adec="http://schemas.microsoft.com/office/drawing/2017/decorative" val="1"/>
+                <a16:creationId xmlns:a16="http://schemas.microsoft.com/office/drawing/2014/main" id="{1D50AC1F-0509-ED4D-B9CA-20EBC79925F6}"/>
               </a:ext>
             </a:extLst>
           </p:cNvPr>
           <p:cNvSpPr>
-            <a:spLocks noGrp="1" noRot="1" noChangeAspect="1" noMove="1" noResize="1" noEditPoints="1" noAdjustHandles="1" noChangeArrowheads="1" noChangeShapeType="1" noTextEdit="1"/>
-          </p:cNvSpPr>
-          <p:nvPr>
-            <p:extLst>
-              <p:ext uri="{386F3935-93C4-4BCD-93E2-E3B085C9AB24}">
-                <p16:designElem xmlns:p16="http://schemas.microsoft.com/office/powerpoint/2015/main" val="1"/>
-              </p:ext>
-            </p:extLst>
-          </p:nvPr>
-        </p:nvSpPr>
-        <p:spPr>
-          <a:xfrm>
-            <a:off x="452285" y="619432"/>
-            <a:ext cx="3697570" cy="5771133"/>
-          </a:xfrm>
-          <a:prstGeom prst="rect">
-            <a:avLst/>
-          </a:prstGeom>
-          <a:ln>
-            <a:noFill/>
-          </a:ln>
-        </p:spPr>
-        <p:style>
-          <a:lnRef idx="2">
-            <a:schemeClr val="accent1">
-              <a:shade val="50000"/>
-            </a:schemeClr>
-          </a:lnRef>
-          <a:fillRef idx="1">
-            <a:schemeClr val="accent1"/>
-          </a:fillRef>
-          <a:effectRef idx="0">
-            <a:schemeClr val="accent1"/>
-          </a:effectRef>
-          <a:fontRef idx="minor">
-            <a:schemeClr val="lt1"/>
-          </a:fontRef>
-        </p:style>
-        <p:txBody>
-          <a:bodyPr rtlCol="0" anchor="ctr"/>
-          <a:lstStyle/>
-          <a:p>
-            <a:pPr algn="ctr"/>
-            <a:endParaRPr lang="en-US"/>
-          </a:p>
-        </p:txBody>
-      </p:sp>
-      <p:sp>
-        <p:nvSpPr>
-          <p:cNvPr id="2" name="Title 1">
-            <a:extLst>
-              <a:ext uri="{FF2B5EF4-FFF2-40B4-BE49-F238E27FC236}">
-                <a16:creationId xmlns:a16="http://schemas.microsoft.com/office/drawing/2014/main" id="{249545DB-5D6B-2540-8F4A-4D2C0384472D}"/>
-              </a:ext>
-            </a:extLst>
-          </p:cNvPr>
-          <p:cNvSpPr>
-            <a:spLocks noGrp="1"/>
-          </p:cNvSpPr>
-          <p:nvPr>
-            <p:ph type="title"/>
-          </p:nvPr>
-        </p:nvSpPr>
-        <p:spPr>
-          <a:xfrm>
-            <a:off x="661361" y="790865"/>
-            <a:ext cx="3296490" cy="2109989"/>
-          </a:xfrm>
-        </p:spPr>
-        <p:txBody>
-          <a:bodyPr vert="horz" lIns="91440" tIns="45720" rIns="91440" bIns="45720" rtlCol="0" anchor="t">
+            <a:spLocks noGrp="1"/>
+          </p:cNvSpPr>
+          <p:nvPr>
+            <p:ph idx="1"/>
+          </p:nvPr>
+        </p:nvSpPr>
+        <p:spPr>
+          <a:xfrm>
+            <a:off x="779490" y="919750"/>
+            <a:ext cx="3033249" cy="5027626"/>
+          </a:xfrm>
+        </p:spPr>
+        <p:txBody>
+          <a:bodyPr anchor="t">
             <a:normAutofit/>
           </a:bodyPr>
           <a:lstStyle/>
           <a:p>
-            <a:pPr>
-              <a:lnSpc>
-                <a:spcPct val="90000"/>
-              </a:lnSpc>
-            </a:pPr>
-            <a:r>
-              <a:rPr lang="en-US" sz="1500" dirty="0">
+            <a:r>
+              <a:rPr lang="en-US" sz="1600" dirty="0">
                 <a:solidFill>
                   <a:srgbClr val="FFFFFF"/>
                 </a:solidFill>
               </a:rPr>
-              <a:t>Smoking is such HUGE predicter of higher cost in this data set,  that it obscures other factors that may also contribute to costs, SUCH AS BMI,  AGE, THE REGION YOU LIVE IN, AND WHETHER OR NOT YOU HAVE CHILDREN.</a:t>
-            </a:r>
-          </a:p>
-        </p:txBody>
-      </p:sp>
-      <p:sp>
-        <p:nvSpPr>
-          <p:cNvPr id="29" name="Content Placeholder 28">
+              <a:t>SAMPLE DATA SET OF  676 MALES AND 662 FEMALES</a:t>
+            </a:r>
+          </a:p>
+          <a:p>
+            <a:r>
+              <a:rPr lang="en-US" sz="1600" dirty="0">
+                <a:solidFill>
+                  <a:srgbClr val="FFFFFF"/>
+                </a:solidFill>
+              </a:rPr>
+              <a:t>AGED 18 – 64 WITH AN AVERAGE AGE OF 39 </a:t>
+            </a:r>
+          </a:p>
+          <a:p>
+            <a:r>
+              <a:rPr lang="en-US" sz="1600" dirty="0">
+                <a:solidFill>
+                  <a:srgbClr val="FFFFFF"/>
+                </a:solidFill>
+              </a:rPr>
+              <a:t>AS EXPECTED, CHARGES INCREASE FOR WOMEN AND MEN AS THEY GET OLDER</a:t>
+            </a:r>
+          </a:p>
+          <a:p>
+            <a:r>
+              <a:rPr lang="en-US" sz="1600" dirty="0">
+                <a:solidFill>
+                  <a:srgbClr val="FFFFFF"/>
+                </a:solidFill>
+              </a:rPr>
+              <a:t>THE CHARGES OUTLIERS IN THIS DATA SET ARE NOT EXPLAINED. IT IS UNKOWN IF THEY REPRESENT CHRONIC ILLNESSES, ACCIDENTS ETC</a:t>
+            </a:r>
+          </a:p>
+          <a:p>
+            <a:r>
+              <a:rPr lang="en-US" sz="1600" dirty="0">
+                <a:solidFill>
+                  <a:srgbClr val="FFFFFF"/>
+                </a:solidFill>
+              </a:rPr>
+              <a:t>LOOKS LIKE TWO SEPARATE DATA SETS</a:t>
+            </a:r>
+          </a:p>
+        </p:txBody>
+      </p:sp>
+      <p:pic>
+        <p:nvPicPr>
+          <p:cNvPr id="9" name="Picture 8">
             <a:extLst>
               <a:ext uri="{FF2B5EF4-FFF2-40B4-BE49-F238E27FC236}">
-                <a16:creationId xmlns:a16="http://schemas.microsoft.com/office/drawing/2014/main" id="{E75F51DE-9421-4492-BDB8-66D25961FFCF}"/>
-              </a:ext>
-            </a:extLst>
-          </p:cNvPr>
-          <p:cNvSpPr>
-            <a:spLocks noGrp="1"/>
-          </p:cNvSpPr>
-          <p:nvPr>
-            <p:ph idx="1"/>
-          </p:nvPr>
-        </p:nvSpPr>
-        <p:spPr>
-          <a:xfrm>
-            <a:off x="661361" y="2424099"/>
-            <a:ext cx="3296490" cy="3523411"/>
-          </a:xfrm>
-        </p:spPr>
-        <p:txBody>
-          <a:bodyPr>
-            <a:normAutofit/>
-          </a:bodyPr>
-          <a:lstStyle/>
-          <a:p>
-            <a:endParaRPr lang="en-US" sz="1600">
-              <a:solidFill>
-                <a:srgbClr val="FFFFFF"/>
-              </a:solidFill>
-            </a:endParaRPr>
-          </a:p>
-        </p:txBody>
-      </p:sp>
-      <p:pic>
-        <p:nvPicPr>
-          <p:cNvPr id="13" name="Content Placeholder 12" descr="A screenshot of a cell phone&#10;&#10;Description automatically generated">
-            <a:extLst>
-              <a:ext uri="{FF2B5EF4-FFF2-40B4-BE49-F238E27FC236}">
-                <a16:creationId xmlns:a16="http://schemas.microsoft.com/office/drawing/2014/main" id="{D78340D5-BEBA-624B-89C4-1C474AB8C1A4}"/>
+                <a16:creationId xmlns:a16="http://schemas.microsoft.com/office/drawing/2014/main" id="{A5DAD290-765F-FD4F-AA29-FFA00D7459E1}"/>
               </a:ext>
             </a:extLst>
           </p:cNvPr>
@@ -5671,102 +4753,15 @@
           </p:cNvPicPr>
           <p:nvPr/>
         </p:nvPicPr>
-        <p:blipFill rotWithShape="1">
+        <p:blipFill>
           <a:blip r:embed="rId2"/>
-          <a:srcRect l="5183" r="9635" b="3"/>
+          <a:srcRect/>
           <a:stretch/>
         </p:blipFill>
         <p:spPr>
           <a:xfrm>
-            <a:off x="4241823" y="619432"/>
-            <a:ext cx="3795295" cy="2847165"/>
-          </a:xfrm>
-          <a:prstGeom prst="rect">
-            <a:avLst/>
-          </a:prstGeom>
-        </p:spPr>
-      </p:pic>
-      <p:pic>
-        <p:nvPicPr>
-          <p:cNvPr id="25" name="Picture 24" descr="A picture containing cabinet&#10;&#10;Description automatically generated">
-            <a:extLst>
-              <a:ext uri="{FF2B5EF4-FFF2-40B4-BE49-F238E27FC236}">
-                <a16:creationId xmlns:a16="http://schemas.microsoft.com/office/drawing/2014/main" id="{57AE4EE6-0F44-C840-B3F1-85EDAABF523C}"/>
-              </a:ext>
-            </a:extLst>
-          </p:cNvPr>
-          <p:cNvPicPr>
-            <a:picLocks noChangeAspect="1"/>
-          </p:cNvPicPr>
-          <p:nvPr/>
-        </p:nvPicPr>
-        <p:blipFill rotWithShape="1">
-          <a:blip r:embed="rId3"/>
-          <a:srcRect r="14826" b="3"/>
-          <a:stretch/>
-        </p:blipFill>
-        <p:spPr>
-          <a:xfrm>
-            <a:off x="8042506" y="619432"/>
-            <a:ext cx="3702973" cy="2847165"/>
-          </a:xfrm>
-          <a:prstGeom prst="rect">
-            <a:avLst/>
-          </a:prstGeom>
-        </p:spPr>
-      </p:pic>
-      <p:pic>
-        <p:nvPicPr>
-          <p:cNvPr id="21" name="Picture 20" descr="A screenshot of a cell phone&#10;&#10;Description automatically generated">
-            <a:extLst>
-              <a:ext uri="{FF2B5EF4-FFF2-40B4-BE49-F238E27FC236}">
-                <a16:creationId xmlns:a16="http://schemas.microsoft.com/office/drawing/2014/main" id="{1BBC8D73-2DFC-4849-A2F8-2335FA25AE70}"/>
-              </a:ext>
-            </a:extLst>
-          </p:cNvPr>
-          <p:cNvPicPr>
-            <a:picLocks noChangeAspect="1"/>
-          </p:cNvPicPr>
-          <p:nvPr/>
-        </p:nvPicPr>
-        <p:blipFill rotWithShape="1">
-          <a:blip r:embed="rId4"/>
-          <a:srcRect l="10060" r="4100" b="-3"/>
-          <a:stretch/>
-        </p:blipFill>
-        <p:spPr>
-          <a:xfrm>
-            <a:off x="4241818" y="3562350"/>
-            <a:ext cx="3703320" cy="2825496"/>
-          </a:xfrm>
-          <a:prstGeom prst="rect">
-            <a:avLst/>
-          </a:prstGeom>
-        </p:spPr>
-      </p:pic>
-      <p:pic>
-        <p:nvPicPr>
-          <p:cNvPr id="17" name="Picture 16" descr="A screenshot of a cell phone&#10;&#10;Description automatically generated">
-            <a:extLst>
-              <a:ext uri="{FF2B5EF4-FFF2-40B4-BE49-F238E27FC236}">
-                <a16:creationId xmlns:a16="http://schemas.microsoft.com/office/drawing/2014/main" id="{DE780B8C-BD30-9A47-B368-4872B7264AC4}"/>
-              </a:ext>
-            </a:extLst>
-          </p:cNvPr>
-          <p:cNvPicPr>
-            <a:picLocks noChangeAspect="1"/>
-          </p:cNvPicPr>
-          <p:nvPr/>
-        </p:nvPicPr>
-        <p:blipFill rotWithShape="1">
-          <a:blip r:embed="rId5"/>
-          <a:srcRect l="2889" r="11279" b="-3"/>
-          <a:stretch/>
-        </p:blipFill>
-        <p:spPr>
-          <a:xfrm>
-            <a:off x="8037119" y="3562351"/>
-            <a:ext cx="3702973" cy="2825496"/>
+            <a:off x="4358429" y="1105148"/>
+            <a:ext cx="7393710" cy="4842228"/>
           </a:xfrm>
           <a:prstGeom prst="rect">
             <a:avLst/>
@@ -5776,7 +4771,7 @@
     </p:spTree>
     <p:extLst>
       <p:ext uri="{BB962C8B-B14F-4D97-AF65-F5344CB8AC3E}">
-        <p14:creationId xmlns:p14="http://schemas.microsoft.com/office/powerpoint/2010/main" val="3018809516"/>
+        <p14:creationId xmlns:p14="http://schemas.microsoft.com/office/powerpoint/2010/main" val="2637650362"/>
       </p:ext>
     </p:extLst>
   </p:cSld>
@@ -5786,7 +4781,383 @@
 </p:sld>
 </file>
 
-<file path=ppt/slides/slide6.xml><?xml version="1.0" encoding="utf-8"?>
+<file path=ppt/slides/slide4.xml><?xml version="1.0" encoding="utf-8"?>
+<p:sld xmlns:a="http://schemas.openxmlformats.org/drawingml/2006/main" xmlns:r="http://schemas.openxmlformats.org/officeDocument/2006/relationships" xmlns:p="http://schemas.openxmlformats.org/presentationml/2006/main">
+  <p:cSld>
+    <p:bg>
+      <p:bgPr>
+        <a:solidFill>
+          <a:schemeClr val="bg1"/>
+        </a:solidFill>
+        <a:effectLst/>
+      </p:bgPr>
+    </p:bg>
+    <p:spTree>
+      <p:nvGrpSpPr>
+        <p:cNvPr id="1" name=""/>
+        <p:cNvGrpSpPr/>
+        <p:nvPr/>
+      </p:nvGrpSpPr>
+      <p:grpSpPr>
+        <a:xfrm>
+          <a:off x="0" y="0"/>
+          <a:ext cx="0" cy="0"/>
+          <a:chOff x="0" y="0"/>
+          <a:chExt cx="0" cy="0"/>
+        </a:xfrm>
+      </p:grpSpPr>
+      <p:sp useBgFill="1">
+        <p:nvSpPr>
+          <p:cNvPr id="12" name="Rectangle 11">
+            <a:extLst>
+              <a:ext uri="{FF2B5EF4-FFF2-40B4-BE49-F238E27FC236}">
+                <a16:creationId xmlns:a16="http://schemas.microsoft.com/office/drawing/2014/main" id="{F875149D-F692-45DA-8324-D5E0193D5FC4}"/>
+              </a:ext>
+              <a:ext uri="{C183D7F6-B498-43B3-948B-1728B52AA6E4}">
+                <adec:decorative xmlns:adec="http://schemas.microsoft.com/office/drawing/2017/decorative" val="1"/>
+              </a:ext>
+            </a:extLst>
+          </p:cNvPr>
+          <p:cNvSpPr>
+            <a:spLocks noGrp="1" noRot="1" noChangeAspect="1" noMove="1" noResize="1" noEditPoints="1" noAdjustHandles="1" noChangeArrowheads="1" noChangeShapeType="1" noTextEdit="1"/>
+          </p:cNvSpPr>
+          <p:nvPr>
+            <p:extLst>
+              <p:ext uri="{386F3935-93C4-4BCD-93E2-E3B085C9AB24}">
+                <p16:designElem xmlns:p16="http://schemas.microsoft.com/office/powerpoint/2015/main" val="1"/>
+              </p:ext>
+            </p:extLst>
+          </p:nvPr>
+        </p:nvSpPr>
+        <p:spPr>
+          <a:xfrm>
+            <a:off x="0" y="0"/>
+            <a:ext cx="12191999" cy="6858001"/>
+          </a:xfrm>
+          <a:prstGeom prst="rect">
+            <a:avLst/>
+          </a:prstGeom>
+          <a:ln>
+            <a:noFill/>
+          </a:ln>
+        </p:spPr>
+        <p:style>
+          <a:lnRef idx="2">
+            <a:schemeClr val="accent1">
+              <a:shade val="50000"/>
+            </a:schemeClr>
+          </a:lnRef>
+          <a:fillRef idx="1">
+            <a:schemeClr val="accent1"/>
+          </a:fillRef>
+          <a:effectRef idx="0">
+            <a:schemeClr val="accent1"/>
+          </a:effectRef>
+          <a:fontRef idx="minor">
+            <a:schemeClr val="lt1"/>
+          </a:fontRef>
+        </p:style>
+        <p:txBody>
+          <a:bodyPr rtlCol="0" anchor="ctr"/>
+          <a:lstStyle/>
+          <a:p>
+            <a:pPr algn="ctr"/>
+            <a:endParaRPr lang="en-US"/>
+          </a:p>
+        </p:txBody>
+      </p:sp>
+      <p:sp>
+        <p:nvSpPr>
+          <p:cNvPr id="2" name="Title 1">
+            <a:extLst>
+              <a:ext uri="{FF2B5EF4-FFF2-40B4-BE49-F238E27FC236}">
+                <a16:creationId xmlns:a16="http://schemas.microsoft.com/office/drawing/2014/main" id="{9254A15D-CB00-5F4D-92F9-464B8C19B2F2}"/>
+              </a:ext>
+            </a:extLst>
+          </p:cNvPr>
+          <p:cNvSpPr>
+            <a:spLocks noGrp="1"/>
+          </p:cNvSpPr>
+          <p:nvPr>
+            <p:ph type="title"/>
+          </p:nvPr>
+        </p:nvSpPr>
+        <p:spPr>
+          <a:xfrm>
+            <a:off x="581192" y="800931"/>
+            <a:ext cx="5351431" cy="1387554"/>
+          </a:xfrm>
+        </p:spPr>
+        <p:txBody>
+          <a:bodyPr anchor="t">
+            <a:normAutofit/>
+          </a:bodyPr>
+          <a:lstStyle/>
+          <a:p>
+            <a:pPr algn="ctr"/>
+            <a:r>
+              <a:rPr lang="en-US" sz="2400" dirty="0">
+                <a:solidFill>
+                  <a:schemeClr val="tx2"/>
+                </a:solidFill>
+              </a:rPr>
+              <a:t>Smokers account for only 26% of the data, but 49.5% of  the  charges IN THIS DATA SET</a:t>
+            </a:r>
+          </a:p>
+        </p:txBody>
+      </p:sp>
+      <p:sp>
+        <p:nvSpPr>
+          <p:cNvPr id="14" name="Rectangle 13">
+            <a:extLst>
+              <a:ext uri="{FF2B5EF4-FFF2-40B4-BE49-F238E27FC236}">
+                <a16:creationId xmlns:a16="http://schemas.microsoft.com/office/drawing/2014/main" id="{D4EE8A32-B29E-46B5-B8B8-0148869E904A}"/>
+              </a:ext>
+              <a:ext uri="{C183D7F6-B498-43B3-948B-1728B52AA6E4}">
+                <adec:decorative xmlns:adec="http://schemas.microsoft.com/office/drawing/2017/decorative" val="1"/>
+              </a:ext>
+            </a:extLst>
+          </p:cNvPr>
+          <p:cNvSpPr>
+            <a:spLocks noGrp="1" noRot="1" noChangeAspect="1" noMove="1" noResize="1" noEditPoints="1" noAdjustHandles="1" noChangeArrowheads="1" noChangeShapeType="1" noTextEdit="1"/>
+          </p:cNvSpPr>
+          <p:nvPr>
+            <p:extLst>
+              <p:ext uri="{386F3935-93C4-4BCD-93E2-E3B085C9AB24}">
+                <p16:designElem xmlns:p16="http://schemas.microsoft.com/office/powerpoint/2015/main" val="1"/>
+              </p:ext>
+            </p:extLst>
+          </p:nvPr>
+        </p:nvSpPr>
+        <p:spPr>
+          <a:xfrm>
+            <a:off x="446534" y="457200"/>
+            <a:ext cx="5596128" cy="94997"/>
+          </a:xfrm>
+          <a:prstGeom prst="rect">
+            <a:avLst/>
+          </a:prstGeom>
+          <a:solidFill>
+            <a:schemeClr val="accent1"/>
+          </a:solidFill>
+          <a:ln>
+            <a:noFill/>
+          </a:ln>
+          <a:effectLst/>
+        </p:spPr>
+        <p:style>
+          <a:lnRef idx="1">
+            <a:schemeClr val="accent1"/>
+          </a:lnRef>
+          <a:fillRef idx="3">
+            <a:schemeClr val="accent1"/>
+          </a:fillRef>
+          <a:effectRef idx="2">
+            <a:schemeClr val="accent1"/>
+          </a:effectRef>
+          <a:fontRef idx="minor">
+            <a:schemeClr val="lt1"/>
+          </a:fontRef>
+        </p:style>
+      </p:sp>
+      <p:sp>
+        <p:nvSpPr>
+          <p:cNvPr id="16" name="Rectangle 15">
+            <a:extLst>
+              <a:ext uri="{FF2B5EF4-FFF2-40B4-BE49-F238E27FC236}">
+                <a16:creationId xmlns:a16="http://schemas.microsoft.com/office/drawing/2014/main" id="{BBB92E81-4F6A-4CF1-B486-AE63E15F31D3}"/>
+              </a:ext>
+              <a:ext uri="{C183D7F6-B498-43B3-948B-1728B52AA6E4}">
+                <adec:decorative xmlns:adec="http://schemas.microsoft.com/office/drawing/2017/decorative" val="1"/>
+              </a:ext>
+            </a:extLst>
+          </p:cNvPr>
+          <p:cNvSpPr>
+            <a:spLocks noGrp="1" noRot="1" noChangeAspect="1" noMove="1" noResize="1" noEditPoints="1" noAdjustHandles="1" noChangeArrowheads="1" noChangeShapeType="1" noTextEdit="1"/>
+          </p:cNvSpPr>
+          <p:nvPr>
+            <p:extLst>
+              <p:ext uri="{386F3935-93C4-4BCD-93E2-E3B085C9AB24}">
+                <p16:designElem xmlns:p16="http://schemas.microsoft.com/office/powerpoint/2015/main" val="1"/>
+              </p:ext>
+            </p:extLst>
+          </p:nvPr>
+        </p:nvSpPr>
+        <p:spPr>
+          <a:xfrm>
+            <a:off x="6149338" y="453643"/>
+            <a:ext cx="5596128" cy="98554"/>
+          </a:xfrm>
+          <a:prstGeom prst="rect">
+            <a:avLst/>
+          </a:prstGeom>
+          <a:solidFill>
+            <a:schemeClr val="accent4"/>
+          </a:solidFill>
+          <a:ln>
+            <a:noFill/>
+          </a:ln>
+          <a:effectLst/>
+        </p:spPr>
+        <p:style>
+          <a:lnRef idx="1">
+            <a:schemeClr val="accent1"/>
+          </a:lnRef>
+          <a:fillRef idx="3">
+            <a:schemeClr val="accent1"/>
+          </a:fillRef>
+          <a:effectRef idx="2">
+            <a:schemeClr val="accent1"/>
+          </a:effectRef>
+          <a:fontRef idx="minor">
+            <a:schemeClr val="lt1"/>
+          </a:fontRef>
+        </p:style>
+      </p:sp>
+      <p:sp>
+        <p:nvSpPr>
+          <p:cNvPr id="3" name="Content Placeholder 2">
+            <a:extLst>
+              <a:ext uri="{FF2B5EF4-FFF2-40B4-BE49-F238E27FC236}">
+                <a16:creationId xmlns:a16="http://schemas.microsoft.com/office/drawing/2014/main" id="{C8A4D441-5AC0-814F-8E6E-C35CECC87542}"/>
+              </a:ext>
+            </a:extLst>
+          </p:cNvPr>
+          <p:cNvSpPr>
+            <a:spLocks noGrp="1"/>
+          </p:cNvSpPr>
+          <p:nvPr>
+            <p:ph idx="1"/>
+          </p:nvPr>
+        </p:nvSpPr>
+        <p:spPr>
+          <a:xfrm>
+            <a:off x="6254357" y="800930"/>
+            <a:ext cx="5491110" cy="664358"/>
+          </a:xfrm>
+        </p:spPr>
+        <p:txBody>
+          <a:bodyPr anchor="t">
+            <a:normAutofit/>
+          </a:bodyPr>
+          <a:lstStyle/>
+          <a:p>
+            <a:pPr>
+              <a:buClr>
+                <a:srgbClr val="E0802B"/>
+              </a:buClr>
+            </a:pPr>
+            <a:r>
+              <a:rPr lang="en-US" dirty="0"/>
+              <a:t>Outliers and smokers obscure other factors that may affect charges</a:t>
+            </a:r>
+          </a:p>
+        </p:txBody>
+      </p:sp>
+      <p:pic>
+        <p:nvPicPr>
+          <p:cNvPr id="7" name="Picture 6" descr="A screenshot of a cell phone&#10;&#10;Description automatically generated">
+            <a:extLst>
+              <a:ext uri="{FF2B5EF4-FFF2-40B4-BE49-F238E27FC236}">
+                <a16:creationId xmlns:a16="http://schemas.microsoft.com/office/drawing/2014/main" id="{253A09F4-173B-414D-9248-0F5A5882368E}"/>
+              </a:ext>
+            </a:extLst>
+          </p:cNvPr>
+          <p:cNvPicPr>
+            <a:picLocks noChangeAspect="1"/>
+          </p:cNvPicPr>
+          <p:nvPr/>
+        </p:nvPicPr>
+        <p:blipFill>
+          <a:blip r:embed="rId2"/>
+          <a:stretch>
+            <a:fillRect/>
+          </a:stretch>
+        </p:blipFill>
+        <p:spPr>
+          <a:xfrm>
+            <a:off x="808152" y="3353874"/>
+            <a:ext cx="4652422" cy="3046926"/>
+          </a:xfrm>
+          <a:prstGeom prst="rect">
+            <a:avLst/>
+          </a:prstGeom>
+        </p:spPr>
+      </p:pic>
+      <p:pic>
+        <p:nvPicPr>
+          <p:cNvPr id="5" name="Picture 4" descr="A screenshot of a cell phone&#10;&#10;Description automatically generated">
+            <a:extLst>
+              <a:ext uri="{FF2B5EF4-FFF2-40B4-BE49-F238E27FC236}">
+                <a16:creationId xmlns:a16="http://schemas.microsoft.com/office/drawing/2014/main" id="{2C65FFCE-4D65-4548-8CEC-E6666AC3A68A}"/>
+              </a:ext>
+            </a:extLst>
+          </p:cNvPr>
+          <p:cNvPicPr>
+            <a:picLocks noChangeAspect="1"/>
+          </p:cNvPicPr>
+          <p:nvPr/>
+        </p:nvPicPr>
+        <p:blipFill>
+          <a:blip r:embed="rId3"/>
+          <a:stretch>
+            <a:fillRect/>
+          </a:stretch>
+        </p:blipFill>
+        <p:spPr>
+          <a:xfrm>
+            <a:off x="6731428" y="3353874"/>
+            <a:ext cx="4769337" cy="3012855"/>
+          </a:xfrm>
+          <a:prstGeom prst="rect">
+            <a:avLst/>
+          </a:prstGeom>
+        </p:spPr>
+      </p:pic>
+      <p:pic>
+        <p:nvPicPr>
+          <p:cNvPr id="11" name="Picture 10" descr="A screenshot of a cell phone&#10;&#10;Description automatically generated">
+            <a:extLst>
+              <a:ext uri="{FF2B5EF4-FFF2-40B4-BE49-F238E27FC236}">
+                <a16:creationId xmlns:a16="http://schemas.microsoft.com/office/drawing/2014/main" id="{CCB6336D-380D-7F4E-88F8-F0A4A4FC5041}"/>
+              </a:ext>
+            </a:extLst>
+          </p:cNvPr>
+          <p:cNvPicPr>
+            <a:picLocks noChangeAspect="1"/>
+          </p:cNvPicPr>
+          <p:nvPr/>
+        </p:nvPicPr>
+        <p:blipFill>
+          <a:blip r:embed="rId4"/>
+          <a:stretch>
+            <a:fillRect/>
+          </a:stretch>
+        </p:blipFill>
+        <p:spPr>
+          <a:xfrm>
+            <a:off x="1913771" y="2089736"/>
+            <a:ext cx="2686272" cy="1229311"/>
+          </a:xfrm>
+          <a:prstGeom prst="rect">
+            <a:avLst/>
+          </a:prstGeom>
+        </p:spPr>
+      </p:pic>
+    </p:spTree>
+    <p:extLst>
+      <p:ext uri="{BB962C8B-B14F-4D97-AF65-F5344CB8AC3E}">
+        <p14:creationId xmlns:p14="http://schemas.microsoft.com/office/powerpoint/2010/main" val="3807363449"/>
+      </p:ext>
+    </p:extLst>
+  </p:cSld>
+  <p:clrMapOvr>
+    <a:masterClrMapping/>
+  </p:clrMapOvr>
+</p:sld>
+</file>
+
+<file path=ppt/slides/slide5.xml><?xml version="1.0" encoding="utf-8"?>
 <p:sld xmlns:a="http://schemas.openxmlformats.org/drawingml/2006/main" xmlns:r="http://schemas.openxmlformats.org/officeDocument/2006/relationships" xmlns:p="http://schemas.openxmlformats.org/presentationml/2006/main">
   <p:cSld>
     <p:spTree>
@@ -5910,7 +5281,649 @@
 </p:sld>
 </file>
 
+<file path=ppt/slides/slide6.xml><?xml version="1.0" encoding="utf-8"?>
+<p:sld xmlns:a="http://schemas.openxmlformats.org/drawingml/2006/main" xmlns:r="http://schemas.openxmlformats.org/officeDocument/2006/relationships" xmlns:p="http://schemas.openxmlformats.org/presentationml/2006/main">
+  <p:cSld>
+    <p:bg>
+      <p:bgPr>
+        <a:solidFill>
+          <a:schemeClr val="bg1"/>
+        </a:solidFill>
+        <a:effectLst/>
+      </p:bgPr>
+    </p:bg>
+    <p:spTree>
+      <p:nvGrpSpPr>
+        <p:cNvPr id="1" name=""/>
+        <p:cNvGrpSpPr/>
+        <p:nvPr/>
+      </p:nvGrpSpPr>
+      <p:grpSpPr>
+        <a:xfrm>
+          <a:off x="0" y="0"/>
+          <a:ext cx="0" cy="0"/>
+          <a:chOff x="0" y="0"/>
+          <a:chExt cx="0" cy="0"/>
+        </a:xfrm>
+      </p:grpSpPr>
+      <p:sp useBgFill="1">
+        <p:nvSpPr>
+          <p:cNvPr id="33" name="Rectangle 27">
+            <a:extLst>
+              <a:ext uri="{FF2B5EF4-FFF2-40B4-BE49-F238E27FC236}">
+                <a16:creationId xmlns:a16="http://schemas.microsoft.com/office/drawing/2014/main" id="{B1CC0937-4B54-4AB8-9605-7DEED999380B}"/>
+              </a:ext>
+              <a:ext uri="{C183D7F6-B498-43B3-948B-1728B52AA6E4}">
+                <adec:decorative xmlns:adec="http://schemas.microsoft.com/office/drawing/2017/decorative" val="1"/>
+              </a:ext>
+            </a:extLst>
+          </p:cNvPr>
+          <p:cNvSpPr>
+            <a:spLocks noGrp="1" noRot="1" noChangeAspect="1" noMove="1" noResize="1" noEditPoints="1" noAdjustHandles="1" noChangeArrowheads="1" noChangeShapeType="1" noTextEdit="1"/>
+          </p:cNvSpPr>
+          <p:nvPr>
+            <p:extLst>
+              <p:ext uri="{386F3935-93C4-4BCD-93E2-E3B085C9AB24}">
+                <p16:designElem xmlns:p16="http://schemas.microsoft.com/office/powerpoint/2015/main" val="1"/>
+              </p:ext>
+            </p:extLst>
+          </p:nvPr>
+        </p:nvSpPr>
+        <p:spPr>
+          <a:xfrm>
+            <a:off x="0" y="548640"/>
+            <a:ext cx="12192000" cy="6309360"/>
+          </a:xfrm>
+          <a:prstGeom prst="rect">
+            <a:avLst/>
+          </a:prstGeom>
+          <a:ln>
+            <a:noFill/>
+          </a:ln>
+        </p:spPr>
+        <p:style>
+          <a:lnRef idx="2">
+            <a:schemeClr val="accent1">
+              <a:shade val="50000"/>
+            </a:schemeClr>
+          </a:lnRef>
+          <a:fillRef idx="1">
+            <a:schemeClr val="accent1"/>
+          </a:fillRef>
+          <a:effectRef idx="0">
+            <a:schemeClr val="accent1"/>
+          </a:effectRef>
+          <a:fontRef idx="minor">
+            <a:schemeClr val="lt1"/>
+          </a:fontRef>
+        </p:style>
+        <p:txBody>
+          <a:bodyPr rtlCol="0" anchor="ctr"/>
+          <a:lstStyle/>
+          <a:p>
+            <a:pPr algn="ctr"/>
+            <a:endParaRPr lang="en-US"/>
+          </a:p>
+        </p:txBody>
+      </p:sp>
+      <p:sp>
+        <p:nvSpPr>
+          <p:cNvPr id="30" name="Rectangle 29">
+            <a:extLst>
+              <a:ext uri="{FF2B5EF4-FFF2-40B4-BE49-F238E27FC236}">
+                <a16:creationId xmlns:a16="http://schemas.microsoft.com/office/drawing/2014/main" id="{BE3EDEA1-97CC-41C2-BE54-EA64ACE7F97E}"/>
+              </a:ext>
+              <a:ext uri="{C183D7F6-B498-43B3-948B-1728B52AA6E4}">
+                <adec:decorative xmlns:adec="http://schemas.microsoft.com/office/drawing/2017/decorative" val="1"/>
+              </a:ext>
+            </a:extLst>
+          </p:cNvPr>
+          <p:cNvSpPr>
+            <a:spLocks noGrp="1" noRot="1" noChangeAspect="1" noMove="1" noResize="1" noEditPoints="1" noAdjustHandles="1" noChangeArrowheads="1" noChangeShapeType="1" noTextEdit="1"/>
+          </p:cNvSpPr>
+          <p:nvPr>
+            <p:extLst>
+              <p:ext uri="{386F3935-93C4-4BCD-93E2-E3B085C9AB24}">
+                <p16:designElem xmlns:p16="http://schemas.microsoft.com/office/powerpoint/2015/main" val="1"/>
+              </p:ext>
+            </p:extLst>
+          </p:nvPr>
+        </p:nvSpPr>
+        <p:spPr>
+          <a:xfrm>
+            <a:off x="4241830" y="614407"/>
+            <a:ext cx="7507794" cy="1189298"/>
+          </a:xfrm>
+          <a:prstGeom prst="rect">
+            <a:avLst/>
+          </a:prstGeom>
+          <a:solidFill>
+            <a:schemeClr val="accent1"/>
+          </a:solidFill>
+          <a:ln>
+            <a:noFill/>
+          </a:ln>
+          <a:effectLst/>
+        </p:spPr>
+        <p:style>
+          <a:lnRef idx="1">
+            <a:schemeClr val="accent1"/>
+          </a:lnRef>
+          <a:fillRef idx="3">
+            <a:schemeClr val="accent1"/>
+          </a:fillRef>
+          <a:effectRef idx="2">
+            <a:schemeClr val="accent1"/>
+          </a:effectRef>
+          <a:fontRef idx="minor">
+            <a:schemeClr val="lt1"/>
+          </a:fontRef>
+        </p:style>
+      </p:sp>
+      <p:sp>
+        <p:nvSpPr>
+          <p:cNvPr id="35" name="Rectangle 31">
+            <a:extLst>
+              <a:ext uri="{FF2B5EF4-FFF2-40B4-BE49-F238E27FC236}">
+                <a16:creationId xmlns:a16="http://schemas.microsoft.com/office/drawing/2014/main" id="{9926A5DB-A90A-4941-81F5-DF0E44A29719}"/>
+              </a:ext>
+              <a:ext uri="{C183D7F6-B498-43B3-948B-1728B52AA6E4}">
+                <adec:decorative xmlns:adec="http://schemas.microsoft.com/office/drawing/2017/decorative" val="1"/>
+              </a:ext>
+            </a:extLst>
+          </p:cNvPr>
+          <p:cNvSpPr>
+            <a:spLocks noGrp="1" noRot="1" noChangeAspect="1" noMove="1" noResize="1" noEditPoints="1" noAdjustHandles="1" noChangeArrowheads="1" noChangeShapeType="1" noTextEdit="1"/>
+          </p:cNvSpPr>
+          <p:nvPr>
+            <p:extLst>
+              <p:ext uri="{386F3935-93C4-4BCD-93E2-E3B085C9AB24}">
+                <p16:designElem xmlns:p16="http://schemas.microsoft.com/office/powerpoint/2015/main" val="1"/>
+              </p:ext>
+            </p:extLst>
+          </p:nvPr>
+        </p:nvSpPr>
+        <p:spPr>
+          <a:xfrm>
+            <a:off x="454391" y="641102"/>
+            <a:ext cx="3695019" cy="2827037"/>
+          </a:xfrm>
+          <a:prstGeom prst="rect">
+            <a:avLst/>
+          </a:prstGeom>
+          <a:noFill/>
+          <a:ln w="19050">
+            <a:solidFill>
+              <a:schemeClr val="tx2"/>
+            </a:solidFill>
+          </a:ln>
+        </p:spPr>
+        <p:style>
+          <a:lnRef idx="2">
+            <a:schemeClr val="accent1">
+              <a:shade val="50000"/>
+            </a:schemeClr>
+          </a:lnRef>
+          <a:fillRef idx="1">
+            <a:schemeClr val="accent1"/>
+          </a:fillRef>
+          <a:effectRef idx="0">
+            <a:schemeClr val="accent1"/>
+          </a:effectRef>
+          <a:fontRef idx="minor">
+            <a:schemeClr val="lt1"/>
+          </a:fontRef>
+        </p:style>
+        <p:txBody>
+          <a:bodyPr rtlCol="0" anchor="ctr"/>
+          <a:lstStyle/>
+          <a:p>
+            <a:pPr algn="ctr"/>
+            <a:endParaRPr lang="en-US"/>
+          </a:p>
+        </p:txBody>
+      </p:sp>
+      <p:sp>
+        <p:nvSpPr>
+          <p:cNvPr id="34" name="Rectangle 33">
+            <a:extLst>
+              <a:ext uri="{FF2B5EF4-FFF2-40B4-BE49-F238E27FC236}">
+                <a16:creationId xmlns:a16="http://schemas.microsoft.com/office/drawing/2014/main" id="{AB1B71B9-532D-4BBD-BEBA-D028ACC08316}"/>
+              </a:ext>
+              <a:ext uri="{C183D7F6-B498-43B3-948B-1728B52AA6E4}">
+                <adec:decorative xmlns:adec="http://schemas.microsoft.com/office/drawing/2017/decorative" val="1"/>
+              </a:ext>
+            </a:extLst>
+          </p:cNvPr>
+          <p:cNvSpPr>
+            <a:spLocks noGrp="1" noRot="1" noChangeAspect="1" noMove="1" noResize="1" noEditPoints="1" noAdjustHandles="1" noChangeArrowheads="1" noChangeShapeType="1" noTextEdit="1"/>
+          </p:cNvSpPr>
+          <p:nvPr>
+            <p:extLst>
+              <p:ext uri="{386F3935-93C4-4BCD-93E2-E3B085C9AB24}">
+                <p16:designElem xmlns:p16="http://schemas.microsoft.com/office/powerpoint/2015/main" val="1"/>
+              </p:ext>
+            </p:extLst>
+          </p:nvPr>
+        </p:nvSpPr>
+        <p:spPr>
+          <a:xfrm>
+            <a:off x="455134" y="3557674"/>
+            <a:ext cx="3695019" cy="2827037"/>
+          </a:xfrm>
+          <a:prstGeom prst="rect">
+            <a:avLst/>
+          </a:prstGeom>
+          <a:noFill/>
+          <a:ln w="19050">
+            <a:solidFill>
+              <a:schemeClr val="tx2"/>
+            </a:solidFill>
+          </a:ln>
+        </p:spPr>
+        <p:style>
+          <a:lnRef idx="2">
+            <a:schemeClr val="accent1">
+              <a:shade val="50000"/>
+            </a:schemeClr>
+          </a:lnRef>
+          <a:fillRef idx="1">
+            <a:schemeClr val="accent1"/>
+          </a:fillRef>
+          <a:effectRef idx="0">
+            <a:schemeClr val="accent1"/>
+          </a:effectRef>
+          <a:fontRef idx="minor">
+            <a:schemeClr val="lt1"/>
+          </a:fontRef>
+        </p:style>
+        <p:txBody>
+          <a:bodyPr rtlCol="0" anchor="ctr"/>
+          <a:lstStyle/>
+          <a:p>
+            <a:pPr algn="ctr"/>
+            <a:endParaRPr lang="en-US"/>
+          </a:p>
+        </p:txBody>
+      </p:sp>
+      <p:sp>
+        <p:nvSpPr>
+          <p:cNvPr id="3" name="Content Placeholder 2">
+            <a:extLst>
+              <a:ext uri="{FF2B5EF4-FFF2-40B4-BE49-F238E27FC236}">
+                <a16:creationId xmlns:a16="http://schemas.microsoft.com/office/drawing/2014/main" id="{1D24C776-2173-3F4D-8FB7-049D76370202}"/>
+              </a:ext>
+            </a:extLst>
+          </p:cNvPr>
+          <p:cNvSpPr>
+            <a:spLocks noGrp="1"/>
+          </p:cNvSpPr>
+          <p:nvPr>
+            <p:ph idx="1"/>
+          </p:nvPr>
+        </p:nvSpPr>
+        <p:spPr>
+          <a:xfrm>
+            <a:off x="4401849" y="2180496"/>
+            <a:ext cx="7208957" cy="4045683"/>
+          </a:xfrm>
+        </p:spPr>
+        <p:txBody>
+          <a:bodyPr>
+            <a:normAutofit/>
+          </a:bodyPr>
+          <a:lstStyle/>
+          <a:p>
+            <a:endParaRPr lang="en-US"/>
+          </a:p>
+        </p:txBody>
+      </p:sp>
+      <p:pic>
+        <p:nvPicPr>
+          <p:cNvPr id="37" name="Picture 36">
+            <a:extLst>
+              <a:ext uri="{FF2B5EF4-FFF2-40B4-BE49-F238E27FC236}">
+                <a16:creationId xmlns:a16="http://schemas.microsoft.com/office/drawing/2014/main" id="{3330A4D7-FE28-5F4A-9D01-E133192E72C3}"/>
+              </a:ext>
+            </a:extLst>
+          </p:cNvPr>
+          <p:cNvPicPr>
+            <a:picLocks noChangeAspect="1"/>
+          </p:cNvPicPr>
+          <p:nvPr/>
+        </p:nvPicPr>
+        <p:blipFill>
+          <a:blip r:embed="rId2"/>
+          <a:srcRect/>
+          <a:stretch/>
+        </p:blipFill>
+        <p:spPr>
+          <a:xfrm>
+            <a:off x="4287952" y="1803705"/>
+            <a:ext cx="7507794" cy="4916942"/>
+          </a:xfrm>
+          <a:prstGeom prst="rect">
+            <a:avLst/>
+          </a:prstGeom>
+        </p:spPr>
+      </p:pic>
+      <p:sp>
+        <p:nvSpPr>
+          <p:cNvPr id="2" name="Title 1">
+            <a:extLst>
+              <a:ext uri="{FF2B5EF4-FFF2-40B4-BE49-F238E27FC236}">
+                <a16:creationId xmlns:a16="http://schemas.microsoft.com/office/drawing/2014/main" id="{9901A9B4-B103-744A-9D25-8AEFEAE1BEF2}"/>
+              </a:ext>
+            </a:extLst>
+          </p:cNvPr>
+          <p:cNvSpPr>
+            <a:spLocks noGrp="1"/>
+          </p:cNvSpPr>
+          <p:nvPr>
+            <p:ph type="title"/>
+          </p:nvPr>
+        </p:nvSpPr>
+        <p:spPr>
+          <a:xfrm>
+            <a:off x="581194" y="3705726"/>
+            <a:ext cx="3363542" cy="2408730"/>
+          </a:xfrm>
+        </p:spPr>
+        <p:txBody>
+          <a:bodyPr anchor="t">
+            <a:normAutofit/>
+          </a:bodyPr>
+          <a:lstStyle/>
+          <a:p>
+            <a:pPr algn="ctr">
+              <a:lnSpc>
+                <a:spcPct val="90000"/>
+              </a:lnSpc>
+            </a:pPr>
+            <a:r>
+              <a:rPr lang="en-US" sz="1800" dirty="0">
+                <a:solidFill>
+                  <a:schemeClr val="accent2"/>
+                </a:solidFill>
+              </a:rPr>
+              <a:t>LOOK AT NON SMOKERS AND REMOVE THE ‘NOISE’, outliers in outer regions of the data</a:t>
+            </a:r>
+            <a:br>
+              <a:rPr lang="en-US" sz="2200" dirty="0">
+                <a:solidFill>
+                  <a:schemeClr val="accent2"/>
+                </a:solidFill>
+              </a:rPr>
+            </a:br>
+            <a:br>
+              <a:rPr lang="en-US" sz="1400" dirty="0">
+                <a:solidFill>
+                  <a:schemeClr val="accent2"/>
+                </a:solidFill>
+              </a:rPr>
+            </a:br>
+            <a:r>
+              <a:rPr lang="en-US" sz="1800" dirty="0">
+                <a:solidFill>
+                  <a:schemeClr val="accent2"/>
+                </a:solidFill>
+              </a:rPr>
+              <a:t>After removing 24% of outlier we created a model that is applicable to 74% of cases"</a:t>
+            </a:r>
+          </a:p>
+        </p:txBody>
+      </p:sp>
+      <p:pic>
+        <p:nvPicPr>
+          <p:cNvPr id="39" name="Picture 38" descr="A picture containing door, clock, drawing&#10;&#10;Description automatically generated">
+            <a:extLst>
+              <a:ext uri="{FF2B5EF4-FFF2-40B4-BE49-F238E27FC236}">
+                <a16:creationId xmlns:a16="http://schemas.microsoft.com/office/drawing/2014/main" id="{BA1B2657-85F4-B047-8BFE-0416860A80D2}"/>
+              </a:ext>
+            </a:extLst>
+          </p:cNvPr>
+          <p:cNvPicPr>
+            <a:picLocks noChangeAspect="1"/>
+          </p:cNvPicPr>
+          <p:nvPr/>
+        </p:nvPicPr>
+        <p:blipFill>
+          <a:blip r:embed="rId3"/>
+          <a:stretch>
+            <a:fillRect/>
+          </a:stretch>
+        </p:blipFill>
+        <p:spPr>
+          <a:xfrm>
+            <a:off x="581194" y="906656"/>
+            <a:ext cx="3249195" cy="2293003"/>
+          </a:xfrm>
+          <a:prstGeom prst="rect">
+            <a:avLst/>
+          </a:prstGeom>
+        </p:spPr>
+      </p:pic>
+    </p:spTree>
+    <p:extLst>
+      <p:ext uri="{BB962C8B-B14F-4D97-AF65-F5344CB8AC3E}">
+        <p14:creationId xmlns:p14="http://schemas.microsoft.com/office/powerpoint/2010/main" val="299541668"/>
+      </p:ext>
+    </p:extLst>
+  </p:cSld>
+  <p:clrMapOvr>
+    <a:masterClrMapping/>
+  </p:clrMapOvr>
+</p:sld>
+</file>
+
 <file path=ppt/slides/slide7.xml><?xml version="1.0" encoding="utf-8"?>
+<p:sld xmlns:a="http://schemas.openxmlformats.org/drawingml/2006/main" xmlns:r="http://schemas.openxmlformats.org/officeDocument/2006/relationships" xmlns:p="http://schemas.openxmlformats.org/presentationml/2006/main">
+  <p:cSld>
+    <p:bg>
+      <p:bgPr>
+        <a:solidFill>
+          <a:schemeClr val="bg1"/>
+        </a:solidFill>
+        <a:effectLst/>
+      </p:bgPr>
+    </p:bg>
+    <p:spTree>
+      <p:nvGrpSpPr>
+        <p:cNvPr id="1" name=""/>
+        <p:cNvGrpSpPr/>
+        <p:nvPr/>
+      </p:nvGrpSpPr>
+      <p:grpSpPr>
+        <a:xfrm>
+          <a:off x="0" y="0"/>
+          <a:ext cx="0" cy="0"/>
+          <a:chOff x="0" y="0"/>
+          <a:chExt cx="0" cy="0"/>
+        </a:xfrm>
+      </p:grpSpPr>
+      <p:sp>
+        <p:nvSpPr>
+          <p:cNvPr id="2" name="Title 1">
+            <a:extLst>
+              <a:ext uri="{FF2B5EF4-FFF2-40B4-BE49-F238E27FC236}">
+                <a16:creationId xmlns:a16="http://schemas.microsoft.com/office/drawing/2014/main" id="{2D496A30-C778-B047-B7F9-2AD768D402C3}"/>
+              </a:ext>
+            </a:extLst>
+          </p:cNvPr>
+          <p:cNvSpPr>
+            <a:spLocks noGrp="1"/>
+          </p:cNvSpPr>
+          <p:nvPr>
+            <p:ph type="title"/>
+          </p:nvPr>
+        </p:nvSpPr>
+        <p:spPr/>
+        <p:txBody>
+          <a:bodyPr anchor="t">
+            <a:normAutofit/>
+          </a:bodyPr>
+          <a:lstStyle/>
+          <a:p>
+            <a:pPr algn="ctr">
+              <a:lnSpc>
+                <a:spcPct val="90000"/>
+              </a:lnSpc>
+            </a:pPr>
+            <a:r>
+              <a:rPr lang="en-US" sz="2200" dirty="0">
+                <a:solidFill>
+                  <a:srgbClr val="FFFFFF"/>
+                </a:solidFill>
+              </a:rPr>
+              <a:t>When we examine non-smokers AS an independent group,  only AGE appears highly correlated with costs, for both men and women.</a:t>
+            </a:r>
+          </a:p>
+        </p:txBody>
+      </p:sp>
+      <p:pic>
+        <p:nvPicPr>
+          <p:cNvPr id="9" name="Content Placeholder 8">
+            <a:extLst>
+              <a:ext uri="{FF2B5EF4-FFF2-40B4-BE49-F238E27FC236}">
+                <a16:creationId xmlns:a16="http://schemas.microsoft.com/office/drawing/2014/main" id="{E061C99A-84F3-914B-93C1-C96BAE1BF6D0}"/>
+              </a:ext>
+            </a:extLst>
+          </p:cNvPr>
+          <p:cNvPicPr>
+            <a:picLocks noChangeAspect="1"/>
+          </p:cNvPicPr>
+          <p:nvPr/>
+        </p:nvPicPr>
+        <p:blipFill>
+          <a:blip r:embed="rId2"/>
+          <a:srcRect/>
+          <a:stretch/>
+        </p:blipFill>
+        <p:spPr>
+          <a:xfrm>
+            <a:off x="537030" y="2459867"/>
+            <a:ext cx="4992622" cy="3621816"/>
+          </a:xfrm>
+          <a:prstGeom prst="rect">
+            <a:avLst/>
+          </a:prstGeom>
+        </p:spPr>
+      </p:pic>
+      <p:pic>
+        <p:nvPicPr>
+          <p:cNvPr id="11" name="Picture 10">
+            <a:extLst>
+              <a:ext uri="{FF2B5EF4-FFF2-40B4-BE49-F238E27FC236}">
+                <a16:creationId xmlns:a16="http://schemas.microsoft.com/office/drawing/2014/main" id="{4FC8C4F9-40AD-C241-8EBF-47DF99831262}"/>
+              </a:ext>
+            </a:extLst>
+          </p:cNvPr>
+          <p:cNvPicPr>
+            <a:picLocks noChangeAspect="1"/>
+          </p:cNvPicPr>
+          <p:nvPr/>
+        </p:nvPicPr>
+        <p:blipFill>
+          <a:blip r:embed="rId3"/>
+          <a:srcRect/>
+          <a:stretch/>
+        </p:blipFill>
+        <p:spPr>
+          <a:xfrm>
+            <a:off x="6211614" y="2459656"/>
+            <a:ext cx="4992913" cy="3622027"/>
+          </a:xfrm>
+          <a:prstGeom prst="rect">
+            <a:avLst/>
+          </a:prstGeom>
+        </p:spPr>
+      </p:pic>
+      <p:sp>
+        <p:nvSpPr>
+          <p:cNvPr id="13" name="TextBox 12">
+            <a:extLst>
+              <a:ext uri="{FF2B5EF4-FFF2-40B4-BE49-F238E27FC236}">
+                <a16:creationId xmlns:a16="http://schemas.microsoft.com/office/drawing/2014/main" id="{D1409E6C-CE3B-B147-B6DB-321C77998857}"/>
+              </a:ext>
+            </a:extLst>
+          </p:cNvPr>
+          <p:cNvSpPr txBox="1"/>
+          <p:nvPr/>
+        </p:nvSpPr>
+        <p:spPr>
+          <a:xfrm>
+            <a:off x="1371455" y="1903245"/>
+            <a:ext cx="3323772" cy="369332"/>
+          </a:xfrm>
+          <a:prstGeom prst="rect">
+            <a:avLst/>
+          </a:prstGeom>
+          <a:noFill/>
+        </p:spPr>
+        <p:txBody>
+          <a:bodyPr wrap="square" rtlCol="0">
+            <a:spAutoFit/>
+          </a:bodyPr>
+          <a:lstStyle/>
+          <a:p>
+            <a:pPr algn="ctr"/>
+            <a:r>
+              <a:rPr lang="en-US" dirty="0"/>
+              <a:t>Women</a:t>
+            </a:r>
+          </a:p>
+        </p:txBody>
+      </p:sp>
+      <p:sp>
+        <p:nvSpPr>
+          <p:cNvPr id="19" name="TextBox 18">
+            <a:extLst>
+              <a:ext uri="{FF2B5EF4-FFF2-40B4-BE49-F238E27FC236}">
+                <a16:creationId xmlns:a16="http://schemas.microsoft.com/office/drawing/2014/main" id="{1356071C-4B00-3748-A13A-524EFCDFF78A}"/>
+              </a:ext>
+            </a:extLst>
+          </p:cNvPr>
+          <p:cNvSpPr txBox="1"/>
+          <p:nvPr/>
+        </p:nvSpPr>
+        <p:spPr>
+          <a:xfrm>
+            <a:off x="6930571" y="1853727"/>
+            <a:ext cx="3323772" cy="369332"/>
+          </a:xfrm>
+          <a:prstGeom prst="rect">
+            <a:avLst/>
+          </a:prstGeom>
+          <a:noFill/>
+        </p:spPr>
+        <p:txBody>
+          <a:bodyPr wrap="square" rtlCol="0">
+            <a:spAutoFit/>
+          </a:bodyPr>
+          <a:lstStyle/>
+          <a:p>
+            <a:pPr algn="ctr"/>
+            <a:r>
+              <a:rPr lang="en-US" dirty="0"/>
+              <a:t>Men</a:t>
+            </a:r>
+          </a:p>
+        </p:txBody>
+      </p:sp>
+    </p:spTree>
+    <p:extLst>
+      <p:ext uri="{BB962C8B-B14F-4D97-AF65-F5344CB8AC3E}">
+        <p14:creationId xmlns:p14="http://schemas.microsoft.com/office/powerpoint/2010/main" val="1835407551"/>
+      </p:ext>
+    </p:extLst>
+  </p:cSld>
+  <p:clrMapOvr>
+    <a:masterClrMapping/>
+  </p:clrMapOvr>
+</p:sld>
+</file>
+
+<file path=ppt/slides/slide8.xml><?xml version="1.0" encoding="utf-8"?>
 <p:sld xmlns:a="http://schemas.openxmlformats.org/drawingml/2006/main" xmlns:r="http://schemas.openxmlformats.org/officeDocument/2006/relationships" xmlns:p="http://schemas.openxmlformats.org/presentationml/2006/main">
   <p:cSld>
     <p:bg>
@@ -6000,7 +6013,7 @@
       </p:sp>
       <p:pic>
         <p:nvPicPr>
-          <p:cNvPr id="23" name="Picture 22" descr="A screenshot of a cell phone&#10;&#10;Description automatically generated">
+          <p:cNvPr id="23" name="Picture 22">
             <a:extLst>
               <a:ext uri="{FF2B5EF4-FFF2-40B4-BE49-F238E27FC236}">
                 <a16:creationId xmlns:a16="http://schemas.microsoft.com/office/drawing/2014/main" id="{73F9B532-B43B-3F45-BE06-979F7F3A8811}"/>
@@ -6014,14 +6027,13 @@
         </p:nvPicPr>
         <p:blipFill>
           <a:blip r:embed="rId2"/>
-          <a:stretch>
-            <a:fillRect/>
-          </a:stretch>
+          <a:srcRect/>
+          <a:stretch/>
         </p:blipFill>
         <p:spPr>
           <a:xfrm>
-            <a:off x="382260" y="584874"/>
-            <a:ext cx="5331481" cy="3348272"/>
+            <a:off x="382261" y="752978"/>
+            <a:ext cx="5331479" cy="3348272"/>
           </a:xfrm>
           <a:prstGeom prst="rect">
             <a:avLst/>
@@ -6101,7 +6113,7 @@
         </p:blipFill>
         <p:spPr>
           <a:xfrm>
-            <a:off x="6478260" y="389738"/>
+            <a:off x="6478261" y="618985"/>
             <a:ext cx="4497987" cy="3435892"/>
           </a:xfrm>
           <a:prstGeom prst="rect">
@@ -6229,8 +6241,8 @@
         </p:nvSpPr>
         <p:spPr>
           <a:xfrm>
-            <a:off x="679600" y="4596992"/>
-            <a:ext cx="3353432" cy="1607013"/>
+            <a:off x="679600" y="4518020"/>
+            <a:ext cx="3353432" cy="1685985"/>
           </a:xfrm>
         </p:spPr>
         <p:txBody>
@@ -6245,28 +6257,28 @@
               </a:lnSpc>
             </a:pPr>
             <a:r>
-              <a:rPr lang="en-US" sz="2200" dirty="0">
+              <a:rPr lang="en-US" sz="1600" dirty="0">
                 <a:solidFill>
                   <a:schemeClr val="tx2"/>
                 </a:solidFill>
               </a:rPr>
-              <a:t>When we look only at the non-smokers, we see women appear  </a:t>
-            </a:r>
-            <a:r>
-              <a:rPr lang="en-US" sz="2200" dirty="0" err="1">
+              <a:t>When we look only at the non-smokers, WE SEE WOMEN’S CHARGES ARE 13% </a:t>
+            </a:r>
+            <a:r>
+              <a:rPr lang="en-US" sz="1600" dirty="0" err="1">
                 <a:solidFill>
                   <a:schemeClr val="tx2"/>
                 </a:solidFill>
               </a:rPr>
-              <a:t>tO</a:t>
-            </a:r>
-            <a:r>
-              <a:rPr lang="en-US" sz="2200" dirty="0">
+              <a:t>HIGHERregardless</a:t>
+            </a:r>
+            <a:r>
+              <a:rPr lang="en-US" sz="1600" dirty="0">
                 <a:solidFill>
                   <a:schemeClr val="tx2"/>
                 </a:solidFill>
               </a:rPr>
-              <a:t> pay more regardless of region</a:t>
+              <a:t> of region</a:t>
             </a:r>
           </a:p>
         </p:txBody>
@@ -6322,6 +6334,45 @@
             <a:r>
               <a:rPr lang="en-US" dirty="0"/>
               <a:t>Is there a statistical difference in average charges between men and women?</a:t>
+            </a:r>
+          </a:p>
+        </p:txBody>
+      </p:sp>
+      <p:sp>
+        <p:nvSpPr>
+          <p:cNvPr id="25" name="TextBox 24">
+            <a:extLst>
+              <a:ext uri="{FF2B5EF4-FFF2-40B4-BE49-F238E27FC236}">
+                <a16:creationId xmlns:a16="http://schemas.microsoft.com/office/drawing/2014/main" id="{C7300E78-324F-9C44-98EC-60043FA778C7}"/>
+              </a:ext>
+            </a:extLst>
+          </p:cNvPr>
+          <p:cNvSpPr txBox="1"/>
+          <p:nvPr/>
+        </p:nvSpPr>
+        <p:spPr>
+          <a:xfrm>
+            <a:off x="1189866" y="111934"/>
+            <a:ext cx="9047748" cy="461665"/>
+          </a:xfrm>
+          <a:prstGeom prst="rect">
+            <a:avLst/>
+          </a:prstGeom>
+          <a:noFill/>
+        </p:spPr>
+        <p:txBody>
+          <a:bodyPr wrap="square" rtlCol="0">
+            <a:spAutoFit/>
+          </a:bodyPr>
+          <a:lstStyle/>
+          <a:p>
+            <a:r>
+              <a:rPr lang="en-US" sz="2400" dirty="0">
+                <a:solidFill>
+                  <a:schemeClr val="accent1"/>
+                </a:solidFill>
+              </a:rPr>
+              <a:t>ARE REGION AND GENDER SIGNIFICANTLY RELATED TO COSTS?</a:t>
             </a:r>
           </a:p>
         </p:txBody>
@@ -6339,7 +6390,7 @@
 </p:sld>
 </file>
 
-<file path=ppt/slides/slide8.xml><?xml version="1.0" encoding="utf-8"?>
+<file path=ppt/slides/slide9.xml><?xml version="1.0" encoding="utf-8"?>
 <p:sld xmlns:a="http://schemas.openxmlformats.org/drawingml/2006/main" xmlns:r="http://schemas.openxmlformats.org/officeDocument/2006/relationships" xmlns:p="http://schemas.openxmlformats.org/presentationml/2006/main">
   <p:cSld>
     <p:spTree>
@@ -6403,26 +6454,25 @@
             <p:ph idx="1"/>
           </p:nvPr>
         </p:nvSpPr>
-        <p:spPr/>
+        <p:spPr>
+          <a:xfrm>
+            <a:off x="581193" y="2180496"/>
+            <a:ext cx="3140576" cy="3678303"/>
+          </a:xfrm>
+        </p:spPr>
         <p:txBody>
           <a:bodyPr/>
           <a:lstStyle/>
           <a:p>
             <a:r>
               <a:rPr lang="en-US" dirty="0"/>
-              <a:t>I have to talk about the outliers I removed. </a:t>
+              <a:t>BUT I WAS NOT ABLE TO BUILD A RELIABLE LINEAR REGRESSION MODEL</a:t>
             </a:r>
           </a:p>
           <a:p>
             <a:r>
               <a:rPr lang="en-US" dirty="0"/>
-              <a:t>What percentage of the data they represented</a:t>
-            </a:r>
-          </a:p>
-          <a:p>
-            <a:r>
-              <a:rPr lang="en-US" dirty="0"/>
-              <a:t>And the resulting model that used sex as a measure of charges</a:t>
+              <a:t>THE LOGISTIC REGRESSION MODEL WAS RIGHTONLY  ABOUT ½ THE TIME</a:t>
             </a:r>
           </a:p>
         </p:txBody>
@@ -6431,229 +6481,6 @@
     <p:extLst>
       <p:ext uri="{BB962C8B-B14F-4D97-AF65-F5344CB8AC3E}">
         <p14:creationId xmlns:p14="http://schemas.microsoft.com/office/powerpoint/2010/main" val="3973478709"/>
-      </p:ext>
-    </p:extLst>
-  </p:cSld>
-  <p:clrMapOvr>
-    <a:masterClrMapping/>
-  </p:clrMapOvr>
-</p:sld>
-</file>
-
-<file path=ppt/slides/slide9.xml><?xml version="1.0" encoding="utf-8"?>
-<p:sld xmlns:a="http://schemas.openxmlformats.org/drawingml/2006/main" xmlns:r="http://schemas.openxmlformats.org/officeDocument/2006/relationships" xmlns:p="http://schemas.openxmlformats.org/presentationml/2006/main">
-  <p:cSld>
-    <p:bg>
-      <p:bgPr>
-        <a:solidFill>
-          <a:schemeClr val="bg1"/>
-        </a:solidFill>
-        <a:effectLst/>
-      </p:bgPr>
-    </p:bg>
-    <p:spTree>
-      <p:nvGrpSpPr>
-        <p:cNvPr id="1" name=""/>
-        <p:cNvGrpSpPr/>
-        <p:nvPr/>
-      </p:nvGrpSpPr>
-      <p:grpSpPr>
-        <a:xfrm>
-          <a:off x="0" y="0"/>
-          <a:ext cx="0" cy="0"/>
-          <a:chOff x="0" y="0"/>
-          <a:chExt cx="0" cy="0"/>
-        </a:xfrm>
-      </p:grpSpPr>
-      <p:sp>
-        <p:nvSpPr>
-          <p:cNvPr id="2" name="Title 1">
-            <a:extLst>
-              <a:ext uri="{FF2B5EF4-FFF2-40B4-BE49-F238E27FC236}">
-                <a16:creationId xmlns:a16="http://schemas.microsoft.com/office/drawing/2014/main" id="{2D496A30-C778-B047-B7F9-2AD768D402C3}"/>
-              </a:ext>
-            </a:extLst>
-          </p:cNvPr>
-          <p:cNvSpPr>
-            <a:spLocks noGrp="1"/>
-          </p:cNvSpPr>
-          <p:nvPr>
-            <p:ph type="title"/>
-          </p:nvPr>
-        </p:nvSpPr>
-        <p:spPr/>
-        <p:txBody>
-          <a:bodyPr anchor="t">
-            <a:normAutofit/>
-          </a:bodyPr>
-          <a:lstStyle/>
-          <a:p>
-            <a:pPr algn="ctr">
-              <a:lnSpc>
-                <a:spcPct val="90000"/>
-              </a:lnSpc>
-            </a:pPr>
-            <a:r>
-              <a:rPr lang="en-US" sz="2200" dirty="0">
-                <a:solidFill>
-                  <a:srgbClr val="FFFFFF"/>
-                </a:solidFill>
-              </a:rPr>
-              <a:t>When we examine non-smokers an independent group, </a:t>
-            </a:r>
-            <a:r>
-              <a:rPr lang="en-US" sz="2200">
-                <a:solidFill>
-                  <a:srgbClr val="FFFFFF"/>
-                </a:solidFill>
-              </a:rPr>
-              <a:t>only AGE </a:t>
-            </a:r>
-            <a:r>
-              <a:rPr lang="en-US" sz="2200" dirty="0">
-                <a:solidFill>
-                  <a:srgbClr val="FFFFFF"/>
-                </a:solidFill>
-              </a:rPr>
-              <a:t>seems to be highly correlated with costs, for both men and women.</a:t>
-            </a:r>
-          </a:p>
-        </p:txBody>
-      </p:sp>
-      <p:pic>
-        <p:nvPicPr>
-          <p:cNvPr id="9" name="Content Placeholder 8">
-            <a:extLst>
-              <a:ext uri="{FF2B5EF4-FFF2-40B4-BE49-F238E27FC236}">
-                <a16:creationId xmlns:a16="http://schemas.microsoft.com/office/drawing/2014/main" id="{E061C99A-84F3-914B-93C1-C96BAE1BF6D0}"/>
-              </a:ext>
-            </a:extLst>
-          </p:cNvPr>
-          <p:cNvPicPr>
-            <a:picLocks noChangeAspect="1"/>
-          </p:cNvPicPr>
-          <p:nvPr/>
-        </p:nvPicPr>
-        <p:blipFill>
-          <a:blip r:embed="rId2"/>
-          <a:srcRect/>
-          <a:stretch/>
-        </p:blipFill>
-        <p:spPr>
-          <a:xfrm>
-            <a:off x="537030" y="2459867"/>
-            <a:ext cx="4992622" cy="3621816"/>
-          </a:xfrm>
-          <a:prstGeom prst="rect">
-            <a:avLst/>
-          </a:prstGeom>
-        </p:spPr>
-      </p:pic>
-      <p:pic>
-        <p:nvPicPr>
-          <p:cNvPr id="11" name="Picture 10">
-            <a:extLst>
-              <a:ext uri="{FF2B5EF4-FFF2-40B4-BE49-F238E27FC236}">
-                <a16:creationId xmlns:a16="http://schemas.microsoft.com/office/drawing/2014/main" id="{4FC8C4F9-40AD-C241-8EBF-47DF99831262}"/>
-              </a:ext>
-            </a:extLst>
-          </p:cNvPr>
-          <p:cNvPicPr>
-            <a:picLocks noChangeAspect="1"/>
-          </p:cNvPicPr>
-          <p:nvPr/>
-        </p:nvPicPr>
-        <p:blipFill>
-          <a:blip r:embed="rId3"/>
-          <a:srcRect/>
-          <a:stretch/>
-        </p:blipFill>
-        <p:spPr>
-          <a:xfrm>
-            <a:off x="6211614" y="2459656"/>
-            <a:ext cx="4992913" cy="3622027"/>
-          </a:xfrm>
-          <a:prstGeom prst="rect">
-            <a:avLst/>
-          </a:prstGeom>
-        </p:spPr>
-      </p:pic>
-      <p:sp>
-        <p:nvSpPr>
-          <p:cNvPr id="13" name="TextBox 12">
-            <a:extLst>
-              <a:ext uri="{FF2B5EF4-FFF2-40B4-BE49-F238E27FC236}">
-                <a16:creationId xmlns:a16="http://schemas.microsoft.com/office/drawing/2014/main" id="{D1409E6C-CE3B-B147-B6DB-321C77998857}"/>
-              </a:ext>
-            </a:extLst>
-          </p:cNvPr>
-          <p:cNvSpPr txBox="1"/>
-          <p:nvPr/>
-        </p:nvSpPr>
-        <p:spPr>
-          <a:xfrm>
-            <a:off x="1371455" y="1903245"/>
-            <a:ext cx="3323772" cy="369332"/>
-          </a:xfrm>
-          <a:prstGeom prst="rect">
-            <a:avLst/>
-          </a:prstGeom>
-          <a:noFill/>
-        </p:spPr>
-        <p:txBody>
-          <a:bodyPr wrap="square" rtlCol="0">
-            <a:spAutoFit/>
-          </a:bodyPr>
-          <a:lstStyle/>
-          <a:p>
-            <a:pPr algn="ctr"/>
-            <a:r>
-              <a:rPr lang="en-US" dirty="0"/>
-              <a:t>Women</a:t>
-            </a:r>
-          </a:p>
-        </p:txBody>
-      </p:sp>
-      <p:sp>
-        <p:nvSpPr>
-          <p:cNvPr id="19" name="TextBox 18">
-            <a:extLst>
-              <a:ext uri="{FF2B5EF4-FFF2-40B4-BE49-F238E27FC236}">
-                <a16:creationId xmlns:a16="http://schemas.microsoft.com/office/drawing/2014/main" id="{1356071C-4B00-3748-A13A-524EFCDFF78A}"/>
-              </a:ext>
-            </a:extLst>
-          </p:cNvPr>
-          <p:cNvSpPr txBox="1"/>
-          <p:nvPr/>
-        </p:nvSpPr>
-        <p:spPr>
-          <a:xfrm>
-            <a:off x="6930571" y="1853727"/>
-            <a:ext cx="3323772" cy="369332"/>
-          </a:xfrm>
-          <a:prstGeom prst="rect">
-            <a:avLst/>
-          </a:prstGeom>
-          <a:noFill/>
-        </p:spPr>
-        <p:txBody>
-          <a:bodyPr wrap="square" rtlCol="0">
-            <a:spAutoFit/>
-          </a:bodyPr>
-          <a:lstStyle/>
-          <a:p>
-            <a:pPr algn="ctr"/>
-            <a:r>
-              <a:rPr lang="en-US" dirty="0"/>
-              <a:t>Men</a:t>
-            </a:r>
-          </a:p>
-        </p:txBody>
-      </p:sp>
-    </p:spTree>
-    <p:extLst>
-      <p:ext uri="{BB962C8B-B14F-4D97-AF65-F5344CB8AC3E}">
-        <p14:creationId xmlns:p14="http://schemas.microsoft.com/office/powerpoint/2010/main" val="1835407551"/>
       </p:ext>
     </p:extLst>
   </p:cSld>

--- a/Presentation6.pptx
+++ b/Presentation6.pptx
@@ -4,11 +4,17 @@
   <p:sldMasterIdLst>
     <p:sldMasterId id="2147483648" r:id="rId1"/>
   </p:sldMasterIdLst>
+  <p:notesMasterIdLst>
+    <p:notesMasterId r:id="rId13"/>
+  </p:notesMasterIdLst>
+  <p:handoutMasterIdLst>
+    <p:handoutMasterId r:id="rId14"/>
+  </p:handoutMasterIdLst>
   <p:sldIdLst>
     <p:sldId id="256" r:id="rId2"/>
     <p:sldId id="262" r:id="rId3"/>
-    <p:sldId id="267" r:id="rId4"/>
-    <p:sldId id="263" r:id="rId5"/>
+    <p:sldId id="270" r:id="rId4"/>
+    <p:sldId id="272" r:id="rId5"/>
     <p:sldId id="265" r:id="rId6"/>
     <p:sldId id="261" r:id="rId7"/>
     <p:sldId id="258" r:id="rId8"/>
@@ -117,6 +123,799 @@
 </p:presentation>
 </file>
 
+<file path=ppt/handoutMasters/handoutMaster1.xml><?xml version="1.0" encoding="utf-8"?>
+<p:handoutMaster xmlns:a="http://schemas.openxmlformats.org/drawingml/2006/main" xmlns:r="http://schemas.openxmlformats.org/officeDocument/2006/relationships" xmlns:p="http://schemas.openxmlformats.org/presentationml/2006/main">
+  <p:cSld>
+    <p:bg>
+      <p:bgRef idx="1001">
+        <a:schemeClr val="bg1"/>
+      </p:bgRef>
+    </p:bg>
+    <p:spTree>
+      <p:nvGrpSpPr>
+        <p:cNvPr id="1" name=""/>
+        <p:cNvGrpSpPr/>
+        <p:nvPr/>
+      </p:nvGrpSpPr>
+      <p:grpSpPr>
+        <a:xfrm>
+          <a:off x="0" y="0"/>
+          <a:ext cx="0" cy="0"/>
+          <a:chOff x="0" y="0"/>
+          <a:chExt cx="0" cy="0"/>
+        </a:xfrm>
+      </p:grpSpPr>
+      <p:sp>
+        <p:nvSpPr>
+          <p:cNvPr id="2" name="Header Placeholder 1">
+            <a:extLst>
+              <a:ext uri="{FF2B5EF4-FFF2-40B4-BE49-F238E27FC236}">
+                <a16:creationId xmlns:a16="http://schemas.microsoft.com/office/drawing/2014/main" id="{ABF44120-52EA-F743-ABBE-2F6887BB300C}"/>
+              </a:ext>
+            </a:extLst>
+          </p:cNvPr>
+          <p:cNvSpPr>
+            <a:spLocks noGrp="1"/>
+          </p:cNvSpPr>
+          <p:nvPr>
+            <p:ph type="hdr" sz="quarter"/>
+          </p:nvPr>
+        </p:nvSpPr>
+        <p:spPr>
+          <a:xfrm>
+            <a:off x="0" y="0"/>
+            <a:ext cx="2971800" cy="458788"/>
+          </a:xfrm>
+          <a:prstGeom prst="rect">
+            <a:avLst/>
+          </a:prstGeom>
+        </p:spPr>
+        <p:txBody>
+          <a:bodyPr vert="horz" lIns="91440" tIns="45720" rIns="91440" bIns="45720" rtlCol="0"/>
+          <a:lstStyle>
+            <a:lvl1pPr algn="l">
+              <a:defRPr sz="1200"/>
+            </a:lvl1pPr>
+          </a:lstStyle>
+          <a:p>
+            <a:endParaRPr lang="en-US"/>
+          </a:p>
+        </p:txBody>
+      </p:sp>
+      <p:sp>
+        <p:nvSpPr>
+          <p:cNvPr id="3" name="Date Placeholder 2">
+            <a:extLst>
+              <a:ext uri="{FF2B5EF4-FFF2-40B4-BE49-F238E27FC236}">
+                <a16:creationId xmlns:a16="http://schemas.microsoft.com/office/drawing/2014/main" id="{096A86C0-5ED6-F44B-8CEF-EAA69653F9AE}"/>
+              </a:ext>
+            </a:extLst>
+          </p:cNvPr>
+          <p:cNvSpPr>
+            <a:spLocks noGrp="1"/>
+          </p:cNvSpPr>
+          <p:nvPr>
+            <p:ph type="dt" sz="quarter" idx="1"/>
+          </p:nvPr>
+        </p:nvSpPr>
+        <p:spPr>
+          <a:xfrm>
+            <a:off x="3884613" y="0"/>
+            <a:ext cx="2971800" cy="458788"/>
+          </a:xfrm>
+          <a:prstGeom prst="rect">
+            <a:avLst/>
+          </a:prstGeom>
+        </p:spPr>
+        <p:txBody>
+          <a:bodyPr vert="horz" lIns="91440" tIns="45720" rIns="91440" bIns="45720" rtlCol="0"/>
+          <a:lstStyle>
+            <a:lvl1pPr algn="r">
+              <a:defRPr sz="1200"/>
+            </a:lvl1pPr>
+          </a:lstStyle>
+          <a:p>
+            <a:fld id="{0AFC1C30-F44C-2C44-8CE0-A38EAA5B5623}" type="datetimeFigureOut">
+              <a:rPr lang="en-US" smtClean="0"/>
+              <a:t>9/25/20</a:t>
+            </a:fld>
+            <a:endParaRPr lang="en-US"/>
+          </a:p>
+        </p:txBody>
+      </p:sp>
+      <p:sp>
+        <p:nvSpPr>
+          <p:cNvPr id="4" name="Footer Placeholder 3">
+            <a:extLst>
+              <a:ext uri="{FF2B5EF4-FFF2-40B4-BE49-F238E27FC236}">
+                <a16:creationId xmlns:a16="http://schemas.microsoft.com/office/drawing/2014/main" id="{012901CF-7E31-4643-9F7F-3F495F0A2AD9}"/>
+              </a:ext>
+            </a:extLst>
+          </p:cNvPr>
+          <p:cNvSpPr>
+            <a:spLocks noGrp="1"/>
+          </p:cNvSpPr>
+          <p:nvPr>
+            <p:ph type="ftr" sz="quarter" idx="2"/>
+          </p:nvPr>
+        </p:nvSpPr>
+        <p:spPr>
+          <a:xfrm>
+            <a:off x="0" y="8685213"/>
+            <a:ext cx="2971800" cy="458787"/>
+          </a:xfrm>
+          <a:prstGeom prst="rect">
+            <a:avLst/>
+          </a:prstGeom>
+        </p:spPr>
+        <p:txBody>
+          <a:bodyPr vert="horz" lIns="91440" tIns="45720" rIns="91440" bIns="45720" rtlCol="0" anchor="b"/>
+          <a:lstStyle>
+            <a:lvl1pPr algn="l">
+              <a:defRPr sz="1200"/>
+            </a:lvl1pPr>
+          </a:lstStyle>
+          <a:p>
+            <a:endParaRPr lang="en-US"/>
+          </a:p>
+        </p:txBody>
+      </p:sp>
+      <p:sp>
+        <p:nvSpPr>
+          <p:cNvPr id="5" name="Slide Number Placeholder 4">
+            <a:extLst>
+              <a:ext uri="{FF2B5EF4-FFF2-40B4-BE49-F238E27FC236}">
+                <a16:creationId xmlns:a16="http://schemas.microsoft.com/office/drawing/2014/main" id="{B02693C2-EA55-B842-9A81-E5C0A4367DB9}"/>
+              </a:ext>
+            </a:extLst>
+          </p:cNvPr>
+          <p:cNvSpPr>
+            <a:spLocks noGrp="1"/>
+          </p:cNvSpPr>
+          <p:nvPr>
+            <p:ph type="sldNum" sz="quarter" idx="3"/>
+          </p:nvPr>
+        </p:nvSpPr>
+        <p:spPr>
+          <a:xfrm>
+            <a:off x="3884613" y="8685213"/>
+            <a:ext cx="2971800" cy="458787"/>
+          </a:xfrm>
+          <a:prstGeom prst="rect">
+            <a:avLst/>
+          </a:prstGeom>
+        </p:spPr>
+        <p:txBody>
+          <a:bodyPr vert="horz" lIns="91440" tIns="45720" rIns="91440" bIns="45720" rtlCol="0" anchor="b"/>
+          <a:lstStyle>
+            <a:lvl1pPr algn="r">
+              <a:defRPr sz="1200"/>
+            </a:lvl1pPr>
+          </a:lstStyle>
+          <a:p>
+            <a:fld id="{85F48282-8218-F141-860C-FC8271BDA9D1}" type="slidenum">
+              <a:rPr lang="en-US" smtClean="0"/>
+              <a:t>‹#›</a:t>
+            </a:fld>
+            <a:endParaRPr lang="en-US"/>
+          </a:p>
+        </p:txBody>
+      </p:sp>
+    </p:spTree>
+    <p:extLst>
+      <p:ext uri="{BB962C8B-B14F-4D97-AF65-F5344CB8AC3E}">
+        <p14:creationId xmlns:p14="http://schemas.microsoft.com/office/powerpoint/2010/main" val="299696851"/>
+      </p:ext>
+    </p:extLst>
+  </p:cSld>
+  <p:clrMap bg1="lt1" tx1="dk1" bg2="lt2" tx2="dk2" accent1="accent1" accent2="accent2" accent3="accent3" accent4="accent4" accent5="accent5" accent6="accent6" hlink="hlink" folHlink="folHlink"/>
+</p:handoutMaster>
+</file>
+
+<file path=ppt/notesMasters/notesMaster1.xml><?xml version="1.0" encoding="utf-8"?>
+<p:notesMaster xmlns:a="http://schemas.openxmlformats.org/drawingml/2006/main" xmlns:r="http://schemas.openxmlformats.org/officeDocument/2006/relationships" xmlns:p="http://schemas.openxmlformats.org/presentationml/2006/main">
+  <p:cSld>
+    <p:bg>
+      <p:bgRef idx="1001">
+        <a:schemeClr val="bg1"/>
+      </p:bgRef>
+    </p:bg>
+    <p:spTree>
+      <p:nvGrpSpPr>
+        <p:cNvPr id="1" name=""/>
+        <p:cNvGrpSpPr/>
+        <p:nvPr/>
+      </p:nvGrpSpPr>
+      <p:grpSpPr>
+        <a:xfrm>
+          <a:off x="0" y="0"/>
+          <a:ext cx="0" cy="0"/>
+          <a:chOff x="0" y="0"/>
+          <a:chExt cx="0" cy="0"/>
+        </a:xfrm>
+      </p:grpSpPr>
+      <p:sp>
+        <p:nvSpPr>
+          <p:cNvPr id="2" name="Header Placeholder 1"/>
+          <p:cNvSpPr>
+            <a:spLocks noGrp="1"/>
+          </p:cNvSpPr>
+          <p:nvPr>
+            <p:ph type="hdr" sz="quarter"/>
+          </p:nvPr>
+        </p:nvSpPr>
+        <p:spPr>
+          <a:xfrm>
+            <a:off x="0" y="0"/>
+            <a:ext cx="2971800" cy="458788"/>
+          </a:xfrm>
+          <a:prstGeom prst="rect">
+            <a:avLst/>
+          </a:prstGeom>
+        </p:spPr>
+        <p:txBody>
+          <a:bodyPr vert="horz" lIns="91440" tIns="45720" rIns="91440" bIns="45720" rtlCol="0"/>
+          <a:lstStyle>
+            <a:lvl1pPr algn="l">
+              <a:defRPr sz="1200"/>
+            </a:lvl1pPr>
+          </a:lstStyle>
+          <a:p>
+            <a:endParaRPr lang="en-US"/>
+          </a:p>
+        </p:txBody>
+      </p:sp>
+      <p:sp>
+        <p:nvSpPr>
+          <p:cNvPr id="3" name="Date Placeholder 2"/>
+          <p:cNvSpPr>
+            <a:spLocks noGrp="1"/>
+          </p:cNvSpPr>
+          <p:nvPr>
+            <p:ph type="dt" idx="1"/>
+          </p:nvPr>
+        </p:nvSpPr>
+        <p:spPr>
+          <a:xfrm>
+            <a:off x="3884613" y="0"/>
+            <a:ext cx="2971800" cy="458788"/>
+          </a:xfrm>
+          <a:prstGeom prst="rect">
+            <a:avLst/>
+          </a:prstGeom>
+        </p:spPr>
+        <p:txBody>
+          <a:bodyPr vert="horz" lIns="91440" tIns="45720" rIns="91440" bIns="45720" rtlCol="0"/>
+          <a:lstStyle>
+            <a:lvl1pPr algn="r">
+              <a:defRPr sz="1200"/>
+            </a:lvl1pPr>
+          </a:lstStyle>
+          <a:p>
+            <a:fld id="{A11C6DF8-DABD-4042-9E30-CFC69C4C3C74}" type="datetimeFigureOut">
+              <a:rPr lang="en-US" smtClean="0"/>
+              <a:t>9/24/20</a:t>
+            </a:fld>
+            <a:endParaRPr lang="en-US"/>
+          </a:p>
+        </p:txBody>
+      </p:sp>
+      <p:sp>
+        <p:nvSpPr>
+          <p:cNvPr id="4" name="Slide Image Placeholder 3"/>
+          <p:cNvSpPr>
+            <a:spLocks noGrp="1" noRot="1" noChangeAspect="1"/>
+          </p:cNvSpPr>
+          <p:nvPr>
+            <p:ph type="sldImg" idx="2"/>
+          </p:nvPr>
+        </p:nvSpPr>
+        <p:spPr>
+          <a:xfrm>
+            <a:off x="685800" y="1143000"/>
+            <a:ext cx="5486400" cy="3086100"/>
+          </a:xfrm>
+          <a:prstGeom prst="rect">
+            <a:avLst/>
+          </a:prstGeom>
+          <a:noFill/>
+          <a:ln w="12700">
+            <a:solidFill>
+              <a:prstClr val="black"/>
+            </a:solidFill>
+          </a:ln>
+        </p:spPr>
+        <p:txBody>
+          <a:bodyPr vert="horz" lIns="91440" tIns="45720" rIns="91440" bIns="45720" rtlCol="0" anchor="ctr"/>
+          <a:lstStyle/>
+          <a:p>
+            <a:endParaRPr lang="en-US"/>
+          </a:p>
+        </p:txBody>
+      </p:sp>
+      <p:sp>
+        <p:nvSpPr>
+          <p:cNvPr id="5" name="Notes Placeholder 4"/>
+          <p:cNvSpPr>
+            <a:spLocks noGrp="1"/>
+          </p:cNvSpPr>
+          <p:nvPr>
+            <p:ph type="body" sz="quarter" idx="3"/>
+          </p:nvPr>
+        </p:nvSpPr>
+        <p:spPr>
+          <a:xfrm>
+            <a:off x="685800" y="4400550"/>
+            <a:ext cx="5486400" cy="3600450"/>
+          </a:xfrm>
+          <a:prstGeom prst="rect">
+            <a:avLst/>
+          </a:prstGeom>
+        </p:spPr>
+        <p:txBody>
+          <a:bodyPr vert="horz" lIns="91440" tIns="45720" rIns="91440" bIns="45720" rtlCol="0"/>
+          <a:lstStyle/>
+          <a:p>
+            <a:pPr lvl="0"/>
+            <a:r>
+              <a:rPr lang="en-US"/>
+              <a:t>Click to edit Master text styles</a:t>
+            </a:r>
+          </a:p>
+          <a:p>
+            <a:pPr lvl="1"/>
+            <a:r>
+              <a:rPr lang="en-US"/>
+              <a:t>Second level</a:t>
+            </a:r>
+          </a:p>
+          <a:p>
+            <a:pPr lvl="2"/>
+            <a:r>
+              <a:rPr lang="en-US"/>
+              <a:t>Third level</a:t>
+            </a:r>
+          </a:p>
+          <a:p>
+            <a:pPr lvl="3"/>
+            <a:r>
+              <a:rPr lang="en-US"/>
+              <a:t>Fourth level</a:t>
+            </a:r>
+          </a:p>
+          <a:p>
+            <a:pPr lvl="4"/>
+            <a:r>
+              <a:rPr lang="en-US"/>
+              <a:t>Fifth level</a:t>
+            </a:r>
+          </a:p>
+        </p:txBody>
+      </p:sp>
+      <p:sp>
+        <p:nvSpPr>
+          <p:cNvPr id="6" name="Footer Placeholder 5"/>
+          <p:cNvSpPr>
+            <a:spLocks noGrp="1"/>
+          </p:cNvSpPr>
+          <p:nvPr>
+            <p:ph type="ftr" sz="quarter" idx="4"/>
+          </p:nvPr>
+        </p:nvSpPr>
+        <p:spPr>
+          <a:xfrm>
+            <a:off x="0" y="8685213"/>
+            <a:ext cx="2971800" cy="458787"/>
+          </a:xfrm>
+          <a:prstGeom prst="rect">
+            <a:avLst/>
+          </a:prstGeom>
+        </p:spPr>
+        <p:txBody>
+          <a:bodyPr vert="horz" lIns="91440" tIns="45720" rIns="91440" bIns="45720" rtlCol="0" anchor="b"/>
+          <a:lstStyle>
+            <a:lvl1pPr algn="l">
+              <a:defRPr sz="1200"/>
+            </a:lvl1pPr>
+          </a:lstStyle>
+          <a:p>
+            <a:endParaRPr lang="en-US"/>
+          </a:p>
+        </p:txBody>
+      </p:sp>
+      <p:sp>
+        <p:nvSpPr>
+          <p:cNvPr id="7" name="Slide Number Placeholder 6"/>
+          <p:cNvSpPr>
+            <a:spLocks noGrp="1"/>
+          </p:cNvSpPr>
+          <p:nvPr>
+            <p:ph type="sldNum" sz="quarter" idx="5"/>
+          </p:nvPr>
+        </p:nvSpPr>
+        <p:spPr>
+          <a:xfrm>
+            <a:off x="3884613" y="8685213"/>
+            <a:ext cx="2971800" cy="458787"/>
+          </a:xfrm>
+          <a:prstGeom prst="rect">
+            <a:avLst/>
+          </a:prstGeom>
+        </p:spPr>
+        <p:txBody>
+          <a:bodyPr vert="horz" lIns="91440" tIns="45720" rIns="91440" bIns="45720" rtlCol="0" anchor="b"/>
+          <a:lstStyle>
+            <a:lvl1pPr algn="r">
+              <a:defRPr sz="1200"/>
+            </a:lvl1pPr>
+          </a:lstStyle>
+          <a:p>
+            <a:fld id="{3CFD093F-147C-534F-828E-C80044553B62}" type="slidenum">
+              <a:rPr lang="en-US" smtClean="0"/>
+              <a:t>‹#›</a:t>
+            </a:fld>
+            <a:endParaRPr lang="en-US"/>
+          </a:p>
+        </p:txBody>
+      </p:sp>
+    </p:spTree>
+    <p:extLst>
+      <p:ext uri="{BB962C8B-B14F-4D97-AF65-F5344CB8AC3E}">
+        <p14:creationId xmlns:p14="http://schemas.microsoft.com/office/powerpoint/2010/main" val="1512652169"/>
+      </p:ext>
+    </p:extLst>
+  </p:cSld>
+  <p:clrMap bg1="lt1" tx1="dk1" bg2="lt2" tx2="dk2" accent1="accent1" accent2="accent2" accent3="accent3" accent4="accent4" accent5="accent5" accent6="accent6" hlink="hlink" folHlink="folHlink"/>
+  <p:notesStyle>
+    <a:lvl1pPr marL="0" algn="l" defTabSz="914400" rtl="0" eaLnBrk="1" latinLnBrk="0" hangingPunct="1">
+      <a:defRPr sz="1200" kern="1200">
+        <a:solidFill>
+          <a:schemeClr val="tx1"/>
+        </a:solidFill>
+        <a:latin typeface="+mn-lt"/>
+        <a:ea typeface="+mn-ea"/>
+        <a:cs typeface="+mn-cs"/>
+      </a:defRPr>
+    </a:lvl1pPr>
+    <a:lvl2pPr marL="457200" algn="l" defTabSz="914400" rtl="0" eaLnBrk="1" latinLnBrk="0" hangingPunct="1">
+      <a:defRPr sz="1200" kern="1200">
+        <a:solidFill>
+          <a:schemeClr val="tx1"/>
+        </a:solidFill>
+        <a:latin typeface="+mn-lt"/>
+        <a:ea typeface="+mn-ea"/>
+        <a:cs typeface="+mn-cs"/>
+      </a:defRPr>
+    </a:lvl2pPr>
+    <a:lvl3pPr marL="914400" algn="l" defTabSz="914400" rtl="0" eaLnBrk="1" latinLnBrk="0" hangingPunct="1">
+      <a:defRPr sz="1200" kern="1200">
+        <a:solidFill>
+          <a:schemeClr val="tx1"/>
+        </a:solidFill>
+        <a:latin typeface="+mn-lt"/>
+        <a:ea typeface="+mn-ea"/>
+        <a:cs typeface="+mn-cs"/>
+      </a:defRPr>
+    </a:lvl3pPr>
+    <a:lvl4pPr marL="1371600" algn="l" defTabSz="914400" rtl="0" eaLnBrk="1" latinLnBrk="0" hangingPunct="1">
+      <a:defRPr sz="1200" kern="1200">
+        <a:solidFill>
+          <a:schemeClr val="tx1"/>
+        </a:solidFill>
+        <a:latin typeface="+mn-lt"/>
+        <a:ea typeface="+mn-ea"/>
+        <a:cs typeface="+mn-cs"/>
+      </a:defRPr>
+    </a:lvl4pPr>
+    <a:lvl5pPr marL="1828800" algn="l" defTabSz="914400" rtl="0" eaLnBrk="1" latinLnBrk="0" hangingPunct="1">
+      <a:defRPr sz="1200" kern="1200">
+        <a:solidFill>
+          <a:schemeClr val="tx1"/>
+        </a:solidFill>
+        <a:latin typeface="+mn-lt"/>
+        <a:ea typeface="+mn-ea"/>
+        <a:cs typeface="+mn-cs"/>
+      </a:defRPr>
+    </a:lvl5pPr>
+    <a:lvl6pPr marL="2286000" algn="l" defTabSz="914400" rtl="0" eaLnBrk="1" latinLnBrk="0" hangingPunct="1">
+      <a:defRPr sz="1200" kern="1200">
+        <a:solidFill>
+          <a:schemeClr val="tx1"/>
+        </a:solidFill>
+        <a:latin typeface="+mn-lt"/>
+        <a:ea typeface="+mn-ea"/>
+        <a:cs typeface="+mn-cs"/>
+      </a:defRPr>
+    </a:lvl6pPr>
+    <a:lvl7pPr marL="2743200" algn="l" defTabSz="914400" rtl="0" eaLnBrk="1" latinLnBrk="0" hangingPunct="1">
+      <a:defRPr sz="1200" kern="1200">
+        <a:solidFill>
+          <a:schemeClr val="tx1"/>
+        </a:solidFill>
+        <a:latin typeface="+mn-lt"/>
+        <a:ea typeface="+mn-ea"/>
+        <a:cs typeface="+mn-cs"/>
+      </a:defRPr>
+    </a:lvl7pPr>
+    <a:lvl8pPr marL="3200400" algn="l" defTabSz="914400" rtl="0" eaLnBrk="1" latinLnBrk="0" hangingPunct="1">
+      <a:defRPr sz="1200" kern="1200">
+        <a:solidFill>
+          <a:schemeClr val="tx1"/>
+        </a:solidFill>
+        <a:latin typeface="+mn-lt"/>
+        <a:ea typeface="+mn-ea"/>
+        <a:cs typeface="+mn-cs"/>
+      </a:defRPr>
+    </a:lvl8pPr>
+    <a:lvl9pPr marL="3657600" algn="l" defTabSz="914400" rtl="0" eaLnBrk="1" latinLnBrk="0" hangingPunct="1">
+      <a:defRPr sz="1200" kern="1200">
+        <a:solidFill>
+          <a:schemeClr val="tx1"/>
+        </a:solidFill>
+        <a:latin typeface="+mn-lt"/>
+        <a:ea typeface="+mn-ea"/>
+        <a:cs typeface="+mn-cs"/>
+      </a:defRPr>
+    </a:lvl9pPr>
+  </p:notesStyle>
+</p:notesMaster>
+</file>
+
+<file path=ppt/notesSlides/notesSlide1.xml><?xml version="1.0" encoding="utf-8"?>
+<p:notes xmlns:a="http://schemas.openxmlformats.org/drawingml/2006/main" xmlns:r="http://schemas.openxmlformats.org/officeDocument/2006/relationships" xmlns:p="http://schemas.openxmlformats.org/presentationml/2006/main">
+  <p:cSld>
+    <p:spTree>
+      <p:nvGrpSpPr>
+        <p:cNvPr id="1" name=""/>
+        <p:cNvGrpSpPr/>
+        <p:nvPr/>
+      </p:nvGrpSpPr>
+      <p:grpSpPr>
+        <a:xfrm>
+          <a:off x="0" y="0"/>
+          <a:ext cx="0" cy="0"/>
+          <a:chOff x="0" y="0"/>
+          <a:chExt cx="0" cy="0"/>
+        </a:xfrm>
+      </p:grpSpPr>
+      <p:sp>
+        <p:nvSpPr>
+          <p:cNvPr id="2" name="Slide Image Placeholder 1"/>
+          <p:cNvSpPr>
+            <a:spLocks noGrp="1" noRot="1" noChangeAspect="1"/>
+          </p:cNvSpPr>
+          <p:nvPr>
+            <p:ph type="sldImg"/>
+          </p:nvPr>
+        </p:nvSpPr>
+        <p:spPr/>
+      </p:sp>
+      <p:sp>
+        <p:nvSpPr>
+          <p:cNvPr id="3" name="Notes Placeholder 2"/>
+          <p:cNvSpPr>
+            <a:spLocks noGrp="1"/>
+          </p:cNvSpPr>
+          <p:nvPr>
+            <p:ph type="body" idx="1"/>
+          </p:nvPr>
+        </p:nvSpPr>
+        <p:spPr/>
+        <p:txBody>
+          <a:bodyPr/>
+          <a:lstStyle/>
+          <a:p>
+            <a:r>
+              <a:rPr lang="en-US" dirty="0"/>
+              <a:t>GOOD MORNING, MY NAME IS DAWN WALKER. MY TOPIC OF DISCUSSION TODAY IN ‘HIDDEN DISPARITIES IN INSURANCE CHARGES’</a:t>
+            </a:r>
+          </a:p>
+        </p:txBody>
+      </p:sp>
+      <p:sp>
+        <p:nvSpPr>
+          <p:cNvPr id="4" name="Slide Number Placeholder 3"/>
+          <p:cNvSpPr>
+            <a:spLocks noGrp="1"/>
+          </p:cNvSpPr>
+          <p:nvPr>
+            <p:ph type="sldNum" sz="quarter" idx="5"/>
+          </p:nvPr>
+        </p:nvSpPr>
+        <p:spPr/>
+        <p:txBody>
+          <a:bodyPr/>
+          <a:lstStyle/>
+          <a:p>
+            <a:fld id="{3CFD093F-147C-534F-828E-C80044553B62}" type="slidenum">
+              <a:rPr lang="en-US" smtClean="0"/>
+              <a:t>1</a:t>
+            </a:fld>
+            <a:endParaRPr lang="en-US"/>
+          </a:p>
+        </p:txBody>
+      </p:sp>
+    </p:spTree>
+    <p:extLst>
+      <p:ext uri="{BB962C8B-B14F-4D97-AF65-F5344CB8AC3E}">
+        <p14:creationId xmlns:p14="http://schemas.microsoft.com/office/powerpoint/2010/main" val="4249968086"/>
+      </p:ext>
+    </p:extLst>
+  </p:cSld>
+  <p:clrMapOvr>
+    <a:masterClrMapping/>
+  </p:clrMapOvr>
+</p:notes>
+</file>
+
+<file path=ppt/notesSlides/notesSlide2.xml><?xml version="1.0" encoding="utf-8"?>
+<p:notes xmlns:a="http://schemas.openxmlformats.org/drawingml/2006/main" xmlns:r="http://schemas.openxmlformats.org/officeDocument/2006/relationships" xmlns:p="http://schemas.openxmlformats.org/presentationml/2006/main">
+  <p:cSld>
+    <p:spTree>
+      <p:nvGrpSpPr>
+        <p:cNvPr id="1" name=""/>
+        <p:cNvGrpSpPr/>
+        <p:nvPr/>
+      </p:nvGrpSpPr>
+      <p:grpSpPr>
+        <a:xfrm>
+          <a:off x="0" y="0"/>
+          <a:ext cx="0" cy="0"/>
+          <a:chOff x="0" y="0"/>
+          <a:chExt cx="0" cy="0"/>
+        </a:xfrm>
+      </p:grpSpPr>
+      <p:sp>
+        <p:nvSpPr>
+          <p:cNvPr id="2" name="Slide Image Placeholder 1"/>
+          <p:cNvSpPr>
+            <a:spLocks noGrp="1" noRot="1" noChangeAspect="1"/>
+          </p:cNvSpPr>
+          <p:nvPr>
+            <p:ph type="sldImg"/>
+          </p:nvPr>
+        </p:nvSpPr>
+        <p:spPr/>
+      </p:sp>
+      <p:sp>
+        <p:nvSpPr>
+          <p:cNvPr id="3" name="Notes Placeholder 2"/>
+          <p:cNvSpPr>
+            <a:spLocks noGrp="1"/>
+          </p:cNvSpPr>
+          <p:nvPr>
+            <p:ph type="body" idx="1"/>
+          </p:nvPr>
+        </p:nvSpPr>
+        <p:spPr/>
+        <p:txBody>
+          <a:bodyPr/>
+          <a:lstStyle/>
+          <a:p>
+            <a:endParaRPr lang="en-US" dirty="0"/>
+          </a:p>
+        </p:txBody>
+      </p:sp>
+      <p:sp>
+        <p:nvSpPr>
+          <p:cNvPr id="4" name="Slide Number Placeholder 3"/>
+          <p:cNvSpPr>
+            <a:spLocks noGrp="1"/>
+          </p:cNvSpPr>
+          <p:nvPr>
+            <p:ph type="sldNum" sz="quarter" idx="5"/>
+          </p:nvPr>
+        </p:nvSpPr>
+        <p:spPr/>
+        <p:txBody>
+          <a:bodyPr/>
+          <a:lstStyle/>
+          <a:p>
+            <a:fld id="{3CFD093F-147C-534F-828E-C80044553B62}" type="slidenum">
+              <a:rPr lang="en-US" smtClean="0"/>
+              <a:t>2</a:t>
+            </a:fld>
+            <a:endParaRPr lang="en-US"/>
+          </a:p>
+        </p:txBody>
+      </p:sp>
+    </p:spTree>
+    <p:extLst>
+      <p:ext uri="{BB962C8B-B14F-4D97-AF65-F5344CB8AC3E}">
+        <p14:creationId xmlns:p14="http://schemas.microsoft.com/office/powerpoint/2010/main" val="3958077032"/>
+      </p:ext>
+    </p:extLst>
+  </p:cSld>
+  <p:clrMapOvr>
+    <a:masterClrMapping/>
+  </p:clrMapOvr>
+</p:notes>
+</file>
+
+<file path=ppt/notesSlides/notesSlide3.xml><?xml version="1.0" encoding="utf-8"?>
+<p:notes xmlns:a="http://schemas.openxmlformats.org/drawingml/2006/main" xmlns:r="http://schemas.openxmlformats.org/officeDocument/2006/relationships" xmlns:p="http://schemas.openxmlformats.org/presentationml/2006/main">
+  <p:cSld>
+    <p:spTree>
+      <p:nvGrpSpPr>
+        <p:cNvPr id="1" name=""/>
+        <p:cNvGrpSpPr/>
+        <p:nvPr/>
+      </p:nvGrpSpPr>
+      <p:grpSpPr>
+        <a:xfrm>
+          <a:off x="0" y="0"/>
+          <a:ext cx="0" cy="0"/>
+          <a:chOff x="0" y="0"/>
+          <a:chExt cx="0" cy="0"/>
+        </a:xfrm>
+      </p:grpSpPr>
+      <p:sp>
+        <p:nvSpPr>
+          <p:cNvPr id="2" name="Slide Image Placeholder 1"/>
+          <p:cNvSpPr>
+            <a:spLocks noGrp="1" noRot="1" noChangeAspect="1"/>
+          </p:cNvSpPr>
+          <p:nvPr>
+            <p:ph type="sldImg"/>
+          </p:nvPr>
+        </p:nvSpPr>
+        <p:spPr/>
+      </p:sp>
+      <p:sp>
+        <p:nvSpPr>
+          <p:cNvPr id="3" name="Notes Placeholder 2"/>
+          <p:cNvSpPr>
+            <a:spLocks noGrp="1"/>
+          </p:cNvSpPr>
+          <p:nvPr>
+            <p:ph type="body" idx="1"/>
+          </p:nvPr>
+        </p:nvSpPr>
+        <p:spPr/>
+        <p:txBody>
+          <a:bodyPr/>
+          <a:lstStyle/>
+          <a:p>
+            <a:endParaRPr lang="en-US" dirty="0"/>
+          </a:p>
+        </p:txBody>
+      </p:sp>
+      <p:sp>
+        <p:nvSpPr>
+          <p:cNvPr id="4" name="Slide Number Placeholder 3"/>
+          <p:cNvSpPr>
+            <a:spLocks noGrp="1"/>
+          </p:cNvSpPr>
+          <p:nvPr>
+            <p:ph type="sldNum" sz="quarter" idx="5"/>
+          </p:nvPr>
+        </p:nvSpPr>
+        <p:spPr/>
+        <p:txBody>
+          <a:bodyPr/>
+          <a:lstStyle/>
+          <a:p>
+            <a:fld id="{3CFD093F-147C-534F-828E-C80044553B62}" type="slidenum">
+              <a:rPr lang="en-US" smtClean="0"/>
+              <a:t>6</a:t>
+            </a:fld>
+            <a:endParaRPr lang="en-US"/>
+          </a:p>
+        </p:txBody>
+      </p:sp>
+    </p:spTree>
+    <p:extLst>
+      <p:ext uri="{BB962C8B-B14F-4D97-AF65-F5344CB8AC3E}">
+        <p14:creationId xmlns:p14="http://schemas.microsoft.com/office/powerpoint/2010/main" val="3405891204"/>
+      </p:ext>
+    </p:extLst>
+  </p:cSld>
+  <p:clrMapOvr>
+    <a:masterClrMapping/>
+  </p:clrMapOvr>
+</p:notes>
+</file>
+
 <file path=ppt/slideLayouts/slideLayout1.xml><?xml version="1.0" encoding="utf-8"?>
 <p:sldLayout xmlns:a="http://schemas.openxmlformats.org/drawingml/2006/main" xmlns:r="http://schemas.openxmlformats.org/officeDocument/2006/relationships" xmlns:p="http://schemas.openxmlformats.org/presentationml/2006/main" type="title" preserve="1">
   <p:cSld name="Title Slide">
@@ -951,45 +1750,6 @@
       </p:grpSpPr>
       <p:sp>
         <p:nvSpPr>
-          <p:cNvPr id="7" name="Rectangle 6"/>
-          <p:cNvSpPr>
-            <a:spLocks noChangeAspect="1"/>
-          </p:cNvSpPr>
-          <p:nvPr/>
-        </p:nvSpPr>
-        <p:spPr>
-          <a:xfrm>
-            <a:off x="440286" y="614407"/>
-            <a:ext cx="11309338" cy="1189298"/>
-          </a:xfrm>
-          <a:prstGeom prst="rect">
-            <a:avLst/>
-          </a:prstGeom>
-          <a:solidFill>
-            <a:schemeClr val="accent1"/>
-          </a:solidFill>
-          <a:ln>
-            <a:noFill/>
-          </a:ln>
-          <a:effectLst/>
-        </p:spPr>
-        <p:style>
-          <a:lnRef idx="1">
-            <a:schemeClr val="accent1"/>
-          </a:lnRef>
-          <a:fillRef idx="3">
-            <a:schemeClr val="accent1"/>
-          </a:fillRef>
-          <a:effectRef idx="2">
-            <a:schemeClr val="accent1"/>
-          </a:effectRef>
-          <a:fontRef idx="minor">
-            <a:schemeClr val="lt1"/>
-          </a:fontRef>
-        </p:style>
-      </p:sp>
-      <p:sp>
-        <p:nvSpPr>
           <p:cNvPr id="2" name="Title 1"/>
           <p:cNvSpPr>
             <a:spLocks noGrp="1"/>
@@ -1000,19 +1760,26 @@
         </p:nvSpPr>
         <p:spPr>
           <a:xfrm>
-            <a:off x="581192" y="702156"/>
-            <a:ext cx="11029616" cy="1013800"/>
-          </a:xfrm>
-        </p:spPr>
-        <p:txBody>
-          <a:bodyPr/>
-          <a:lstStyle/>
-          <a:p>
-            <a:r>
-              <a:rPr lang="en-US"/>
+            <a:off x="631310" y="611127"/>
+            <a:ext cx="11029616" cy="543905"/>
+          </a:xfrm>
+        </p:spPr>
+        <p:txBody>
+          <a:bodyPr anchor="t"/>
+          <a:lstStyle>
+            <a:lvl1pPr algn="ctr">
+              <a:defRPr>
+                <a:solidFill>
+                  <a:schemeClr val="accent1"/>
+                </a:solidFill>
+              </a:defRPr>
+            </a:lvl1pPr>
+          </a:lstStyle>
+          <a:p>
+            <a:r>
+              <a:rPr lang="en-US" dirty="0"/>
               <a:t>Click to edit Master title style</a:t>
             </a:r>
-            <a:endParaRPr lang="en-US" dirty="0"/>
           </a:p>
         </p:txBody>
       </p:sp>
@@ -3854,7 +4621,15 @@
             <a:pPr algn="ctr"/>
             <a:r>
               <a:rPr lang="en-US" dirty="0"/>
-              <a:t>Gender disparity in insurance charges</a:t>
+              <a:t>HIDDEN </a:t>
+            </a:r>
+            <a:r>
+              <a:rPr lang="en-US" dirty="0" err="1"/>
+              <a:t>disparitIES</a:t>
+            </a:r>
+            <a:r>
+              <a:rPr lang="en-US" dirty="0"/>
+              <a:t> in insurance charges</a:t>
             </a:r>
           </a:p>
         </p:txBody>
@@ -4145,12 +4920,15 @@
         </p:nvSpPr>
         <p:spPr/>
         <p:txBody>
-          <a:bodyPr/>
+          <a:bodyPr anchor="t"/>
           <a:lstStyle/>
           <a:p>
+            <a:endParaRPr lang="en-US" dirty="0"/>
+          </a:p>
+          <a:p>
             <a:r>
               <a:rPr lang="en-US" dirty="0"/>
-              <a:t>EXPLORE OTHER MODELS OR STATISTICAL TECHNIQUES THAT MIGHT PROVE MORE INSIGHT</a:t>
+              <a:t>EXPLORE OTHER TYPES OF STATISTICAL MODELS  THAT MIGHT FIT THE DATA BETTER</a:t>
             </a:r>
           </a:p>
           <a:p>
@@ -4333,14 +5111,6 @@
 <file path=ppt/slides/slide3.xml><?xml version="1.0" encoding="utf-8"?>
 <p:sld xmlns:a="http://schemas.openxmlformats.org/drawingml/2006/main" xmlns:r="http://schemas.openxmlformats.org/officeDocument/2006/relationships" xmlns:p="http://schemas.openxmlformats.org/presentationml/2006/main">
   <p:cSld>
-    <p:bg>
-      <p:bgPr>
-        <a:solidFill>
-          <a:schemeClr val="bg1"/>
-        </a:solidFill>
-        <a:effectLst/>
-      </p:bgPr>
-    </p:bg>
     <p:spTree>
       <p:nvGrpSpPr>
         <p:cNvPr id="1" name=""/>
@@ -4357,319 +5127,70 @@
       </p:grpSpPr>
       <p:sp>
         <p:nvSpPr>
-          <p:cNvPr id="30" name="Rectangle 29">
+          <p:cNvPr id="2" name="Title 1">
             <a:extLst>
               <a:ext uri="{FF2B5EF4-FFF2-40B4-BE49-F238E27FC236}">
-                <a16:creationId xmlns:a16="http://schemas.microsoft.com/office/drawing/2014/main" id="{636F6DB7-CF8D-494A-82F6-13B58DCA9896}"/>
-              </a:ext>
-              <a:ext uri="{C183D7F6-B498-43B3-948B-1728B52AA6E4}">
-                <adec:decorative xmlns:adec="http://schemas.microsoft.com/office/drawing/2017/decorative" val="1"/>
+                <a16:creationId xmlns:a16="http://schemas.microsoft.com/office/drawing/2014/main" id="{E952DAF5-3E11-E640-BABB-9C5F65800E88}"/>
               </a:ext>
             </a:extLst>
           </p:cNvPr>
           <p:cNvSpPr>
-            <a:spLocks noGrp="1" noRot="1" noChangeAspect="1" noMove="1" noResize="1" noEditPoints="1" noAdjustHandles="1" noChangeArrowheads="1" noChangeShapeType="1" noTextEdit="1"/>
-          </p:cNvSpPr>
-          <p:nvPr>
-            <p:extLst>
-              <p:ext uri="{386F3935-93C4-4BCD-93E2-E3B085C9AB24}">
-                <p16:designElem xmlns:p16="http://schemas.microsoft.com/office/powerpoint/2015/main" val="1"/>
-              </p:ext>
-            </p:extLst>
-          </p:nvPr>
-        </p:nvSpPr>
-        <p:spPr>
-          <a:xfrm>
-            <a:off x="0" y="0"/>
-            <a:ext cx="12192000" cy="6858000"/>
-          </a:xfrm>
-          <a:prstGeom prst="rect">
-            <a:avLst/>
-          </a:prstGeom>
-          <a:solidFill>
-            <a:schemeClr val="tx1"/>
-          </a:solidFill>
-          <a:ln>
-            <a:noFill/>
-          </a:ln>
-        </p:spPr>
-        <p:style>
-          <a:lnRef idx="2">
-            <a:schemeClr val="accent1">
-              <a:shade val="50000"/>
-            </a:schemeClr>
-          </a:lnRef>
-          <a:fillRef idx="1">
-            <a:schemeClr val="accent1"/>
-          </a:fillRef>
-          <a:effectRef idx="0">
-            <a:schemeClr val="accent1"/>
-          </a:effectRef>
-          <a:fontRef idx="minor">
-            <a:schemeClr val="lt1"/>
-          </a:fontRef>
-        </p:style>
-        <p:txBody>
-          <a:bodyPr rtlCol="0" anchor="ctr"/>
+            <a:spLocks noGrp="1"/>
+          </p:cNvSpPr>
+          <p:nvPr>
+            <p:ph type="title"/>
+          </p:nvPr>
+        </p:nvSpPr>
+        <p:spPr>
+          <a:xfrm>
+            <a:off x="424447" y="824092"/>
+            <a:ext cx="11029616" cy="988666"/>
+          </a:xfrm>
+        </p:spPr>
+        <p:txBody>
+          <a:bodyPr/>
           <a:lstStyle/>
           <a:p>
-            <a:pPr algn="ctr"/>
-            <a:endParaRPr lang="en-US"/>
-          </a:p>
-        </p:txBody>
-      </p:sp>
-      <p:sp>
-        <p:nvSpPr>
-          <p:cNvPr id="32" name="Rectangle 31">
+            <a:r>
+              <a:rPr lang="en-US" b="1" dirty="0">
+                <a:solidFill>
+                  <a:schemeClr val="accent1"/>
+                </a:solidFill>
+              </a:rPr>
+              <a:t>THE SAMPLE DATA SET</a:t>
+            </a:r>
+            <a:br>
+              <a:rPr lang="en-US" sz="3200" b="1" dirty="0">
+                <a:solidFill>
+                  <a:schemeClr val="accent1"/>
+                </a:solidFill>
+              </a:rPr>
+            </a:br>
+            <a:r>
+              <a:rPr lang="en-US" sz="2400" b="1" dirty="0"/>
+              <a:t>ONE  YEAR OF insurance charges for 1,338 people</a:t>
+            </a:r>
+            <a:br>
+              <a:rPr lang="en-US" sz="2400" b="1" dirty="0"/>
+            </a:br>
+            <a:endParaRPr lang="en-US" sz="2400" b="1" dirty="0">
+              <a:solidFill>
+                <a:schemeClr val="accent1"/>
+              </a:solidFill>
+            </a:endParaRPr>
+          </a:p>
+        </p:txBody>
+      </p:sp>
+      <p:sp>
+        <p:nvSpPr>
+          <p:cNvPr id="11" name="Content Placeholder 10">
             <a:extLst>
               <a:ext uri="{FF2B5EF4-FFF2-40B4-BE49-F238E27FC236}">
-                <a16:creationId xmlns:a16="http://schemas.microsoft.com/office/drawing/2014/main" id="{0B7E5194-6E82-4A44-99C3-FE7D87F34134}"/>
-              </a:ext>
-              <a:ext uri="{C183D7F6-B498-43B3-948B-1728B52AA6E4}">
-                <adec:decorative xmlns:adec="http://schemas.microsoft.com/office/drawing/2017/decorative" val="1"/>
+                <a16:creationId xmlns:a16="http://schemas.microsoft.com/office/drawing/2014/main" id="{AE544CB2-EF18-B846-9DD3-9E955C2169A9}"/>
               </a:ext>
             </a:extLst>
           </p:cNvPr>
           <p:cNvSpPr>
-            <a:spLocks noGrp="1" noRot="1" noChangeAspect="1" noMove="1" noResize="1" noEditPoints="1" noAdjustHandles="1" noChangeArrowheads="1" noChangeShapeType="1" noTextEdit="1"/>
-          </p:cNvSpPr>
-          <p:nvPr>
-            <p:extLst>
-              <p:ext uri="{386F3935-93C4-4BCD-93E2-E3B085C9AB24}">
-                <p16:designElem xmlns:p16="http://schemas.microsoft.com/office/powerpoint/2015/main" val="1"/>
-              </p:ext>
-            </p:extLst>
-          </p:nvPr>
-        </p:nvSpPr>
-        <p:spPr>
-          <a:xfrm>
-            <a:off x="442377" y="614407"/>
-            <a:ext cx="3707477" cy="5611772"/>
-          </a:xfrm>
-          <a:prstGeom prst="rect">
-            <a:avLst/>
-          </a:prstGeom>
-          <a:solidFill>
-            <a:schemeClr val="accent1"/>
-          </a:solidFill>
-          <a:ln>
-            <a:noFill/>
-          </a:ln>
-          <a:effectLst/>
-        </p:spPr>
-        <p:style>
-          <a:lnRef idx="1">
-            <a:schemeClr val="accent1"/>
-          </a:lnRef>
-          <a:fillRef idx="3">
-            <a:schemeClr val="accent1"/>
-          </a:fillRef>
-          <a:effectRef idx="2">
-            <a:schemeClr val="accent1"/>
-          </a:effectRef>
-          <a:fontRef idx="minor">
-            <a:schemeClr val="lt1"/>
-          </a:fontRef>
-        </p:style>
-      </p:sp>
-      <p:grpSp>
-        <p:nvGrpSpPr>
-          <p:cNvPr id="34" name="Group 33">
-            <a:extLst>
-              <a:ext uri="{FF2B5EF4-FFF2-40B4-BE49-F238E27FC236}">
-                <a16:creationId xmlns:a16="http://schemas.microsoft.com/office/drawing/2014/main" id="{49FCC1E1-84D3-494D-A0A0-286AFA1C3018}"/>
-              </a:ext>
-              <a:ext uri="{C183D7F6-B498-43B3-948B-1728B52AA6E4}">
-                <adec:decorative xmlns:adec="http://schemas.microsoft.com/office/drawing/2017/decorative" val="1"/>
-              </a:ext>
-            </a:extLst>
-          </p:cNvPr>
-          <p:cNvGrpSpPr>
-            <a:grpSpLocks noGrp="1" noUngrp="1" noRot="1" noChangeAspect="1" noMove="1" noResize="1"/>
-          </p:cNvGrpSpPr>
-          <p:nvPr>
-            <p:extLst>
-              <p:ext uri="{386F3935-93C4-4BCD-93E2-E3B085C9AB24}">
-                <p16:designElem xmlns:p16="http://schemas.microsoft.com/office/powerpoint/2015/main" val="1"/>
-              </p:ext>
-            </p:extLst>
-          </p:nvPr>
-        </p:nvGrpSpPr>
-        <p:grpSpPr>
-          <a:xfrm>
-            <a:off x="446534" y="453643"/>
-            <a:ext cx="11298933" cy="98554"/>
-            <a:chOff x="446534" y="453643"/>
-            <a:chExt cx="11298933" cy="98554"/>
-          </a:xfrm>
-        </p:grpSpPr>
-        <p:sp>
-          <p:nvSpPr>
-            <p:cNvPr id="35" name="Rectangle 34">
-              <a:extLst>
-                <a:ext uri="{FF2B5EF4-FFF2-40B4-BE49-F238E27FC236}">
-                  <a16:creationId xmlns:a16="http://schemas.microsoft.com/office/drawing/2014/main" id="{96E09E90-FF79-402E-AF01-97A279BEADAD}"/>
-                </a:ext>
-                <a:ext uri="{C183D7F6-B498-43B3-948B-1728B52AA6E4}">
-                  <adec:decorative xmlns:adec="http://schemas.microsoft.com/office/drawing/2017/decorative" val="1"/>
-                </a:ext>
-              </a:extLst>
-            </p:cNvPr>
-            <p:cNvSpPr/>
-            <p:nvPr>
-              <p:extLst>
-                <p:ext uri="{386F3935-93C4-4BCD-93E2-E3B085C9AB24}">
-                  <p16:designElem xmlns:p16="http://schemas.microsoft.com/office/powerpoint/2015/main" val="1"/>
-                </p:ext>
-              </p:extLst>
-            </p:nvPr>
-          </p:nvSpPr>
-          <p:spPr>
-            <a:xfrm>
-              <a:off x="446534" y="457200"/>
-              <a:ext cx="3703320" cy="94997"/>
-            </a:xfrm>
-            <a:prstGeom prst="rect">
-              <a:avLst/>
-            </a:prstGeom>
-            <a:solidFill>
-              <a:schemeClr val="accent1"/>
-            </a:solidFill>
-            <a:ln>
-              <a:noFill/>
-            </a:ln>
-            <a:effectLst/>
-          </p:spPr>
-          <p:style>
-            <a:lnRef idx="1">
-              <a:schemeClr val="accent1"/>
-            </a:lnRef>
-            <a:fillRef idx="3">
-              <a:schemeClr val="accent1"/>
-            </a:fillRef>
-            <a:effectRef idx="2">
-              <a:schemeClr val="accent1"/>
-            </a:effectRef>
-            <a:fontRef idx="minor">
-              <a:schemeClr val="lt1"/>
-            </a:fontRef>
-          </p:style>
-        </p:sp>
-        <p:sp>
-          <p:nvSpPr>
-            <p:cNvPr id="36" name="Rectangle 35">
-              <a:extLst>
-                <a:ext uri="{FF2B5EF4-FFF2-40B4-BE49-F238E27FC236}">
-                  <a16:creationId xmlns:a16="http://schemas.microsoft.com/office/drawing/2014/main" id="{EC6946F8-4B9B-4C51-9F51-2DB377392CC1}"/>
-                </a:ext>
-                <a:ext uri="{C183D7F6-B498-43B3-948B-1728B52AA6E4}">
-                  <adec:decorative xmlns:adec="http://schemas.microsoft.com/office/drawing/2017/decorative" val="1"/>
-                </a:ext>
-              </a:extLst>
-            </p:cNvPr>
-            <p:cNvSpPr/>
-            <p:nvPr>
-              <p:extLst>
-                <p:ext uri="{386F3935-93C4-4BCD-93E2-E3B085C9AB24}">
-                  <p16:designElem xmlns:p16="http://schemas.microsoft.com/office/powerpoint/2015/main" val="1"/>
-                </p:ext>
-              </p:extLst>
-            </p:nvPr>
-          </p:nvSpPr>
-          <p:spPr>
-            <a:xfrm>
-              <a:off x="8042147" y="453643"/>
-              <a:ext cx="3703320" cy="98554"/>
-            </a:xfrm>
-            <a:prstGeom prst="rect">
-              <a:avLst/>
-            </a:prstGeom>
-            <a:solidFill>
-              <a:schemeClr val="accent4"/>
-            </a:solidFill>
-            <a:ln>
-              <a:noFill/>
-            </a:ln>
-            <a:effectLst/>
-          </p:spPr>
-          <p:style>
-            <a:lnRef idx="1">
-              <a:schemeClr val="accent1"/>
-            </a:lnRef>
-            <a:fillRef idx="3">
-              <a:schemeClr val="accent1"/>
-            </a:fillRef>
-            <a:effectRef idx="2">
-              <a:schemeClr val="accent1"/>
-            </a:effectRef>
-            <a:fontRef idx="minor">
-              <a:schemeClr val="lt1"/>
-            </a:fontRef>
-          </p:style>
-        </p:sp>
-        <p:sp>
-          <p:nvSpPr>
-            <p:cNvPr id="37" name="Rectangle 36">
-              <a:extLst>
-                <a:ext uri="{FF2B5EF4-FFF2-40B4-BE49-F238E27FC236}">
-                  <a16:creationId xmlns:a16="http://schemas.microsoft.com/office/drawing/2014/main" id="{7B3D2B3D-A285-438C-A344-AED3E46A0782}"/>
-                </a:ext>
-                <a:ext uri="{C183D7F6-B498-43B3-948B-1728B52AA6E4}">
-                  <adec:decorative xmlns:adec="http://schemas.microsoft.com/office/drawing/2017/decorative" val="1"/>
-                </a:ext>
-              </a:extLst>
-            </p:cNvPr>
-            <p:cNvSpPr/>
-            <p:nvPr>
-              <p:extLst>
-                <p:ext uri="{386F3935-93C4-4BCD-93E2-E3B085C9AB24}">
-                  <p16:designElem xmlns:p16="http://schemas.microsoft.com/office/powerpoint/2015/main" val="1"/>
-                </p:ext>
-              </p:extLst>
-            </p:nvPr>
-          </p:nvSpPr>
-          <p:spPr>
-            <a:xfrm>
-              <a:off x="4241830" y="457200"/>
-              <a:ext cx="3703320" cy="91440"/>
-            </a:xfrm>
-            <a:prstGeom prst="rect">
-              <a:avLst/>
-            </a:prstGeom>
-            <a:solidFill>
-              <a:schemeClr val="accent2"/>
-            </a:solidFill>
-            <a:ln>
-              <a:noFill/>
-            </a:ln>
-            <a:effectLst/>
-          </p:spPr>
-          <p:style>
-            <a:lnRef idx="1">
-              <a:schemeClr val="accent1"/>
-            </a:lnRef>
-            <a:fillRef idx="3">
-              <a:schemeClr val="accent1"/>
-            </a:fillRef>
-            <a:effectRef idx="2">
-              <a:schemeClr val="accent1"/>
-            </a:effectRef>
-            <a:fontRef idx="minor">
-              <a:schemeClr val="lt1"/>
-            </a:fontRef>
-          </p:style>
-        </p:sp>
-      </p:grpSp>
-      <p:sp>
-        <p:nvSpPr>
-          <p:cNvPr id="25" name="Content Placeholder 2">
-            <a:extLst>
-              <a:ext uri="{FF2B5EF4-FFF2-40B4-BE49-F238E27FC236}">
-                <a16:creationId xmlns:a16="http://schemas.microsoft.com/office/drawing/2014/main" id="{1D50AC1F-0509-ED4D-B9CA-20EBC79925F6}"/>
-              </a:ext>
-            </a:extLst>
-          </p:cNvPr>
-          <p:cNvSpPr>
             <a:spLocks noGrp="1"/>
           </p:cNvSpPr>
           <p:nvPr>
@@ -4678,40 +5199,71 @@
         </p:nvSpPr>
         <p:spPr>
           <a:xfrm>
-            <a:off x="779490" y="919750"/>
-            <a:ext cx="3033249" cy="5027626"/>
-          </a:xfrm>
-        </p:spPr>
-        <p:txBody>
-          <a:bodyPr anchor="t">
-            <a:normAutofit/>
-          </a:bodyPr>
+            <a:off x="424448" y="1989221"/>
+            <a:ext cx="11186360" cy="4283242"/>
+          </a:xfrm>
+        </p:spPr>
+        <p:txBody>
+          <a:bodyPr/>
           <a:lstStyle/>
           <a:p>
-            <a:r>
-              <a:rPr lang="en-US" sz="1600" dirty="0">
+            <a:pPr marL="0" indent="0">
+              <a:buNone/>
+            </a:pPr>
+            <a:r>
+              <a:rPr lang="en-US" sz="2400" b="1" dirty="0">
                 <a:solidFill>
-                  <a:srgbClr val="FFFFFF"/>
+                  <a:schemeClr val="accent1"/>
                 </a:solidFill>
               </a:rPr>
-              <a:t>SAMPLE DATA SET OF  676 MALES AND 662 FEMALES</a:t>
-            </a:r>
-          </a:p>
-          <a:p>
-            <a:r>
-              <a:rPr lang="en-US" sz="1600" dirty="0">
+              <a:t> </a:t>
+            </a:r>
+          </a:p>
+          <a:p>
+            <a:r>
+              <a:rPr lang="en-US" sz="2400" b="1" dirty="0">
                 <a:solidFill>
-                  <a:srgbClr val="FFFFFF"/>
+                  <a:schemeClr val="accent1"/>
                 </a:solidFill>
               </a:rPr>
-              <a:t>AGED 18 – 64 WITH AN AVERAGE AGE OF 39 </a:t>
-            </a:r>
-          </a:p>
-          <a:p>
-            <a:r>
-              <a:rPr lang="en-US" sz="1600" dirty="0">
+              <a:t>TOTAL CHARGES FOR THE YEAR</a:t>
+            </a:r>
+          </a:p>
+          <a:p>
+            <a:r>
+              <a:rPr lang="en-US" sz="2400" b="1" dirty="0">
                 <a:solidFill>
-                  <a:srgbClr val="FFFFFF"/>
+                  <a:schemeClr val="accent1"/>
+                </a:solidFill>
+              </a:rPr>
+              <a:t>676 MALES, 662 FEMALES</a:t>
+            </a:r>
+          </a:p>
+          <a:p>
+            <a:r>
+              <a:rPr lang="en-US" sz="2400" b="1" dirty="0">
+                <a:solidFill>
+                  <a:schemeClr val="accent1"/>
+                </a:solidFill>
+              </a:rPr>
+              <a:t>AVERAGE AGE OF 39 </a:t>
+            </a:r>
+          </a:p>
+          <a:p>
+            <a:r>
+              <a:rPr lang="en-US" sz="2400" b="1" dirty="0">
+                <a:solidFill>
+                  <a:schemeClr val="accent1"/>
+                </a:solidFill>
+              </a:rPr>
+              <a:t>BMI,  NUMBER OF CHILDREN,  REGION</a:t>
+            </a:r>
+          </a:p>
+          <a:p>
+            <a:r>
+              <a:rPr lang="en-US" sz="2400" b="1" dirty="0">
+                <a:solidFill>
+                  <a:schemeClr val="accent1"/>
                 </a:solidFill>
               </a:rPr>
               <a:t>AS EXPECTED, CHARGES INCREASE FOR WOMEN AND MEN AS THEY GET OLDER</a:t>
@@ -4719,64 +5271,28 @@
           </a:p>
           <a:p>
             <a:r>
-              <a:rPr lang="en-US" sz="1600" dirty="0">
+              <a:rPr lang="en-US" sz="2400" b="1" dirty="0">
                 <a:solidFill>
-                  <a:srgbClr val="FFFFFF"/>
+                  <a:schemeClr val="accent1"/>
                 </a:solidFill>
               </a:rPr>
               <a:t>THE CHARGES OUTLIERS IN THIS DATA SET ARE NOT EXPLAINED. IT IS UNKOWN IF THEY REPRESENT CHRONIC ILLNESSES, ACCIDENTS ETC</a:t>
             </a:r>
           </a:p>
           <a:p>
-            <a:r>
-              <a:rPr lang="en-US" sz="1600" dirty="0">
-                <a:solidFill>
-                  <a:srgbClr val="FFFFFF"/>
-                </a:solidFill>
-              </a:rPr>
-              <a:t>LOOKS LIKE TWO SEPARATE DATA SETS</a:t>
-            </a:r>
-          </a:p>
-        </p:txBody>
-      </p:sp>
-      <p:pic>
-        <p:nvPicPr>
-          <p:cNvPr id="9" name="Picture 8">
-            <a:extLst>
-              <a:ext uri="{FF2B5EF4-FFF2-40B4-BE49-F238E27FC236}">
-                <a16:creationId xmlns:a16="http://schemas.microsoft.com/office/drawing/2014/main" id="{A5DAD290-765F-FD4F-AA29-FFA00D7459E1}"/>
-              </a:ext>
-            </a:extLst>
-          </p:cNvPr>
-          <p:cNvPicPr>
-            <a:picLocks noChangeAspect="1"/>
-          </p:cNvPicPr>
-          <p:nvPr/>
-        </p:nvPicPr>
-        <p:blipFill>
-          <a:blip r:embed="rId2"/>
-          <a:srcRect/>
-          <a:stretch/>
-        </p:blipFill>
-        <p:spPr>
-          <a:xfrm>
-            <a:off x="4358429" y="1105148"/>
-            <a:ext cx="7393710" cy="4842228"/>
-          </a:xfrm>
-          <a:prstGeom prst="rect">
-            <a:avLst/>
-          </a:prstGeom>
-        </p:spPr>
-      </p:pic>
+            <a:endParaRPr lang="en-US" dirty="0"/>
+          </a:p>
+        </p:txBody>
+      </p:sp>
     </p:spTree>
     <p:extLst>
       <p:ext uri="{BB962C8B-B14F-4D97-AF65-F5344CB8AC3E}">
-        <p14:creationId xmlns:p14="http://schemas.microsoft.com/office/powerpoint/2010/main" val="2637650362"/>
+        <p14:creationId xmlns:p14="http://schemas.microsoft.com/office/powerpoint/2010/main" val="2874590467"/>
       </p:ext>
     </p:extLst>
   </p:cSld>
   <p:clrMapOvr>
-    <a:overrideClrMapping bg1="dk1" tx1="lt1" bg2="dk2" tx2="lt2" accent1="accent1" accent2="accent2" accent3="accent3" accent4="accent4" accent5="accent5" accent6="accent6" hlink="hlink" folHlink="folHlink"/>
+    <a:masterClrMapping/>
   </p:clrMapOvr>
 </p:sld>
 </file>
@@ -4784,14 +5300,6 @@
 <file path=ppt/slides/slide4.xml><?xml version="1.0" encoding="utf-8"?>
 <p:sld xmlns:a="http://schemas.openxmlformats.org/drawingml/2006/main" xmlns:r="http://schemas.openxmlformats.org/officeDocument/2006/relationships" xmlns:p="http://schemas.openxmlformats.org/presentationml/2006/main">
   <p:cSld>
-    <p:bg>
-      <p:bgPr>
-        <a:solidFill>
-          <a:schemeClr val="bg1"/>
-        </a:solidFill>
-        <a:effectLst/>
-      </p:bgPr>
-    </p:bg>
     <p:spTree>
       <p:nvGrpSpPr>
         <p:cNvPr id="1" name=""/>
@@ -4806,260 +5314,12 @@
           <a:chExt cx="0" cy="0"/>
         </a:xfrm>
       </p:grpSpPr>
-      <p:sp useBgFill="1">
-        <p:nvSpPr>
-          <p:cNvPr id="12" name="Rectangle 11">
+      <p:pic>
+        <p:nvPicPr>
+          <p:cNvPr id="2" name="Picture 1">
             <a:extLst>
               <a:ext uri="{FF2B5EF4-FFF2-40B4-BE49-F238E27FC236}">
-                <a16:creationId xmlns:a16="http://schemas.microsoft.com/office/drawing/2014/main" id="{F875149D-F692-45DA-8324-D5E0193D5FC4}"/>
-              </a:ext>
-              <a:ext uri="{C183D7F6-B498-43B3-948B-1728B52AA6E4}">
-                <adec:decorative xmlns:adec="http://schemas.microsoft.com/office/drawing/2017/decorative" val="1"/>
-              </a:ext>
-            </a:extLst>
-          </p:cNvPr>
-          <p:cNvSpPr>
-            <a:spLocks noGrp="1" noRot="1" noChangeAspect="1" noMove="1" noResize="1" noEditPoints="1" noAdjustHandles="1" noChangeArrowheads="1" noChangeShapeType="1" noTextEdit="1"/>
-          </p:cNvSpPr>
-          <p:nvPr>
-            <p:extLst>
-              <p:ext uri="{386F3935-93C4-4BCD-93E2-E3B085C9AB24}">
-                <p16:designElem xmlns:p16="http://schemas.microsoft.com/office/powerpoint/2015/main" val="1"/>
-              </p:ext>
-            </p:extLst>
-          </p:nvPr>
-        </p:nvSpPr>
-        <p:spPr>
-          <a:xfrm>
-            <a:off x="0" y="0"/>
-            <a:ext cx="12191999" cy="6858001"/>
-          </a:xfrm>
-          <a:prstGeom prst="rect">
-            <a:avLst/>
-          </a:prstGeom>
-          <a:ln>
-            <a:noFill/>
-          </a:ln>
-        </p:spPr>
-        <p:style>
-          <a:lnRef idx="2">
-            <a:schemeClr val="accent1">
-              <a:shade val="50000"/>
-            </a:schemeClr>
-          </a:lnRef>
-          <a:fillRef idx="1">
-            <a:schemeClr val="accent1"/>
-          </a:fillRef>
-          <a:effectRef idx="0">
-            <a:schemeClr val="accent1"/>
-          </a:effectRef>
-          <a:fontRef idx="minor">
-            <a:schemeClr val="lt1"/>
-          </a:fontRef>
-        </p:style>
-        <p:txBody>
-          <a:bodyPr rtlCol="0" anchor="ctr"/>
-          <a:lstStyle/>
-          <a:p>
-            <a:pPr algn="ctr"/>
-            <a:endParaRPr lang="en-US"/>
-          </a:p>
-        </p:txBody>
-      </p:sp>
-      <p:sp>
-        <p:nvSpPr>
-          <p:cNvPr id="2" name="Title 1">
-            <a:extLst>
-              <a:ext uri="{FF2B5EF4-FFF2-40B4-BE49-F238E27FC236}">
-                <a16:creationId xmlns:a16="http://schemas.microsoft.com/office/drawing/2014/main" id="{9254A15D-CB00-5F4D-92F9-464B8C19B2F2}"/>
-              </a:ext>
-            </a:extLst>
-          </p:cNvPr>
-          <p:cNvSpPr>
-            <a:spLocks noGrp="1"/>
-          </p:cNvSpPr>
-          <p:nvPr>
-            <p:ph type="title"/>
-          </p:nvPr>
-        </p:nvSpPr>
-        <p:spPr>
-          <a:xfrm>
-            <a:off x="581192" y="800931"/>
-            <a:ext cx="5351431" cy="1387554"/>
-          </a:xfrm>
-        </p:spPr>
-        <p:txBody>
-          <a:bodyPr anchor="t">
-            <a:normAutofit/>
-          </a:bodyPr>
-          <a:lstStyle/>
-          <a:p>
-            <a:pPr algn="ctr"/>
-            <a:r>
-              <a:rPr lang="en-US" sz="2400" dirty="0">
-                <a:solidFill>
-                  <a:schemeClr val="tx2"/>
-                </a:solidFill>
-              </a:rPr>
-              <a:t>Smokers account for only 26% of the data, but 49.5% of  the  charges IN THIS DATA SET</a:t>
-            </a:r>
-          </a:p>
-        </p:txBody>
-      </p:sp>
-      <p:sp>
-        <p:nvSpPr>
-          <p:cNvPr id="14" name="Rectangle 13">
-            <a:extLst>
-              <a:ext uri="{FF2B5EF4-FFF2-40B4-BE49-F238E27FC236}">
-                <a16:creationId xmlns:a16="http://schemas.microsoft.com/office/drawing/2014/main" id="{D4EE8A32-B29E-46B5-B8B8-0148869E904A}"/>
-              </a:ext>
-              <a:ext uri="{C183D7F6-B498-43B3-948B-1728B52AA6E4}">
-                <adec:decorative xmlns:adec="http://schemas.microsoft.com/office/drawing/2017/decorative" val="1"/>
-              </a:ext>
-            </a:extLst>
-          </p:cNvPr>
-          <p:cNvSpPr>
-            <a:spLocks noGrp="1" noRot="1" noChangeAspect="1" noMove="1" noResize="1" noEditPoints="1" noAdjustHandles="1" noChangeArrowheads="1" noChangeShapeType="1" noTextEdit="1"/>
-          </p:cNvSpPr>
-          <p:nvPr>
-            <p:extLst>
-              <p:ext uri="{386F3935-93C4-4BCD-93E2-E3B085C9AB24}">
-                <p16:designElem xmlns:p16="http://schemas.microsoft.com/office/powerpoint/2015/main" val="1"/>
-              </p:ext>
-            </p:extLst>
-          </p:nvPr>
-        </p:nvSpPr>
-        <p:spPr>
-          <a:xfrm>
-            <a:off x="446534" y="457200"/>
-            <a:ext cx="5596128" cy="94997"/>
-          </a:xfrm>
-          <a:prstGeom prst="rect">
-            <a:avLst/>
-          </a:prstGeom>
-          <a:solidFill>
-            <a:schemeClr val="accent1"/>
-          </a:solidFill>
-          <a:ln>
-            <a:noFill/>
-          </a:ln>
-          <a:effectLst/>
-        </p:spPr>
-        <p:style>
-          <a:lnRef idx="1">
-            <a:schemeClr val="accent1"/>
-          </a:lnRef>
-          <a:fillRef idx="3">
-            <a:schemeClr val="accent1"/>
-          </a:fillRef>
-          <a:effectRef idx="2">
-            <a:schemeClr val="accent1"/>
-          </a:effectRef>
-          <a:fontRef idx="minor">
-            <a:schemeClr val="lt1"/>
-          </a:fontRef>
-        </p:style>
-      </p:sp>
-      <p:sp>
-        <p:nvSpPr>
-          <p:cNvPr id="16" name="Rectangle 15">
-            <a:extLst>
-              <a:ext uri="{FF2B5EF4-FFF2-40B4-BE49-F238E27FC236}">
-                <a16:creationId xmlns:a16="http://schemas.microsoft.com/office/drawing/2014/main" id="{BBB92E81-4F6A-4CF1-B486-AE63E15F31D3}"/>
-              </a:ext>
-              <a:ext uri="{C183D7F6-B498-43B3-948B-1728B52AA6E4}">
-                <adec:decorative xmlns:adec="http://schemas.microsoft.com/office/drawing/2017/decorative" val="1"/>
-              </a:ext>
-            </a:extLst>
-          </p:cNvPr>
-          <p:cNvSpPr>
-            <a:spLocks noGrp="1" noRot="1" noChangeAspect="1" noMove="1" noResize="1" noEditPoints="1" noAdjustHandles="1" noChangeArrowheads="1" noChangeShapeType="1" noTextEdit="1"/>
-          </p:cNvSpPr>
-          <p:nvPr>
-            <p:extLst>
-              <p:ext uri="{386F3935-93C4-4BCD-93E2-E3B085C9AB24}">
-                <p16:designElem xmlns:p16="http://schemas.microsoft.com/office/powerpoint/2015/main" val="1"/>
-              </p:ext>
-            </p:extLst>
-          </p:nvPr>
-        </p:nvSpPr>
-        <p:spPr>
-          <a:xfrm>
-            <a:off x="6149338" y="453643"/>
-            <a:ext cx="5596128" cy="98554"/>
-          </a:xfrm>
-          <a:prstGeom prst="rect">
-            <a:avLst/>
-          </a:prstGeom>
-          <a:solidFill>
-            <a:schemeClr val="accent4"/>
-          </a:solidFill>
-          <a:ln>
-            <a:noFill/>
-          </a:ln>
-          <a:effectLst/>
-        </p:spPr>
-        <p:style>
-          <a:lnRef idx="1">
-            <a:schemeClr val="accent1"/>
-          </a:lnRef>
-          <a:fillRef idx="3">
-            <a:schemeClr val="accent1"/>
-          </a:fillRef>
-          <a:effectRef idx="2">
-            <a:schemeClr val="accent1"/>
-          </a:effectRef>
-          <a:fontRef idx="minor">
-            <a:schemeClr val="lt1"/>
-          </a:fontRef>
-        </p:style>
-      </p:sp>
-      <p:sp>
-        <p:nvSpPr>
-          <p:cNvPr id="3" name="Content Placeholder 2">
-            <a:extLst>
-              <a:ext uri="{FF2B5EF4-FFF2-40B4-BE49-F238E27FC236}">
-                <a16:creationId xmlns:a16="http://schemas.microsoft.com/office/drawing/2014/main" id="{C8A4D441-5AC0-814F-8E6E-C35CECC87542}"/>
-              </a:ext>
-            </a:extLst>
-          </p:cNvPr>
-          <p:cNvSpPr>
-            <a:spLocks noGrp="1"/>
-          </p:cNvSpPr>
-          <p:nvPr>
-            <p:ph idx="1"/>
-          </p:nvPr>
-        </p:nvSpPr>
-        <p:spPr>
-          <a:xfrm>
-            <a:off x="6254357" y="800930"/>
-            <a:ext cx="5491110" cy="664358"/>
-          </a:xfrm>
-        </p:spPr>
-        <p:txBody>
-          <a:bodyPr anchor="t">
-            <a:normAutofit/>
-          </a:bodyPr>
-          <a:lstStyle/>
-          <a:p>
-            <a:pPr>
-              <a:buClr>
-                <a:srgbClr val="E0802B"/>
-              </a:buClr>
-            </a:pPr>
-            <a:r>
-              <a:rPr lang="en-US" dirty="0"/>
-              <a:t>Outliers and smokers obscure other factors that may affect charges</a:t>
-            </a:r>
-          </a:p>
-        </p:txBody>
-      </p:sp>
-      <p:pic>
-        <p:nvPicPr>
-          <p:cNvPr id="7" name="Picture 6" descr="A screenshot of a cell phone&#10;&#10;Description automatically generated">
-            <a:extLst>
-              <a:ext uri="{FF2B5EF4-FFF2-40B4-BE49-F238E27FC236}">
-                <a16:creationId xmlns:a16="http://schemas.microsoft.com/office/drawing/2014/main" id="{253A09F4-173B-414D-9248-0F5A5882368E}"/>
+                <a16:creationId xmlns:a16="http://schemas.microsoft.com/office/drawing/2014/main" id="{86E2E6AF-BDEA-934D-8E96-05FF342E83BE}"/>
               </a:ext>
             </a:extLst>
           </p:cNvPr>
@@ -5070,26 +5330,110 @@
         </p:nvPicPr>
         <p:blipFill>
           <a:blip r:embed="rId2"/>
-          <a:stretch>
-            <a:fillRect/>
-          </a:stretch>
+          <a:srcRect/>
+          <a:stretch/>
         </p:blipFill>
         <p:spPr>
           <a:xfrm>
-            <a:off x="808152" y="3353874"/>
-            <a:ext cx="4652422" cy="3046926"/>
+            <a:off x="0" y="1989221"/>
+            <a:ext cx="6469995" cy="4237277"/>
           </a:xfrm>
           <a:prstGeom prst="rect">
             <a:avLst/>
           </a:prstGeom>
         </p:spPr>
       </p:pic>
+      <p:sp>
+        <p:nvSpPr>
+          <p:cNvPr id="4" name="TextBox 3">
+            <a:extLst>
+              <a:ext uri="{FF2B5EF4-FFF2-40B4-BE49-F238E27FC236}">
+                <a16:creationId xmlns:a16="http://schemas.microsoft.com/office/drawing/2014/main" id="{9CEB39A4-E6FD-2449-A5B8-0CE6284D33EB}"/>
+              </a:ext>
+            </a:extLst>
+          </p:cNvPr>
+          <p:cNvSpPr txBox="1"/>
+          <p:nvPr/>
+        </p:nvSpPr>
+        <p:spPr>
+          <a:xfrm>
+            <a:off x="1106908" y="788892"/>
+            <a:ext cx="5197640" cy="1477328"/>
+          </a:xfrm>
+          <a:prstGeom prst="rect">
+            <a:avLst/>
+          </a:prstGeom>
+          <a:noFill/>
+        </p:spPr>
+        <p:txBody>
+          <a:bodyPr wrap="square" rtlCol="0">
+            <a:spAutoFit/>
+          </a:bodyPr>
+          <a:lstStyle/>
+          <a:p>
+            <a:pPr marL="285750" indent="-285750">
+              <a:buFont typeface="Wingdings" pitchFamily="2" charset="2"/>
+              <a:buChar char="§"/>
+            </a:pPr>
+            <a:r>
+              <a:rPr lang="en-US" b="1" dirty="0">
+                <a:solidFill>
+                  <a:schemeClr val="accent1"/>
+                </a:solidFill>
+              </a:rPr>
+              <a:t>BIMODAL, 2 DISTINCT DATA SETS?</a:t>
+            </a:r>
+          </a:p>
+          <a:p>
+            <a:pPr marL="285750" indent="-285750">
+              <a:buFont typeface="Wingdings" pitchFamily="2" charset="2"/>
+              <a:buChar char="§"/>
+            </a:pPr>
+            <a:r>
+              <a:rPr lang="en-US" b="1" dirty="0">
+                <a:solidFill>
+                  <a:schemeClr val="accent1"/>
+                </a:solidFill>
+              </a:rPr>
+              <a:t>UNEXPLAINABLE OUTLIERS</a:t>
+            </a:r>
+          </a:p>
+          <a:p>
+            <a:pPr marL="285750" indent="-285750">
+              <a:buFont typeface="Wingdings" pitchFamily="2" charset="2"/>
+              <a:buChar char="§"/>
+            </a:pPr>
+            <a:r>
+              <a:rPr lang="en-US" b="1" dirty="0">
+                <a:solidFill>
+                  <a:schemeClr val="accent1"/>
+                </a:solidFill>
+              </a:rPr>
+              <a:t>CHARGES INCREASE WITH AGE</a:t>
+            </a:r>
+          </a:p>
+          <a:p>
+            <a:pPr marL="285750" indent="-285750">
+              <a:buFont typeface="Wingdings" pitchFamily="2" charset="2"/>
+              <a:buChar char="§"/>
+            </a:pPr>
+            <a:endParaRPr lang="en-US" b="1" dirty="0">
+              <a:solidFill>
+                <a:schemeClr val="accent1"/>
+              </a:solidFill>
+            </a:endParaRPr>
+          </a:p>
+          <a:p>
+            <a:endParaRPr lang="en-US" dirty="0"/>
+          </a:p>
+        </p:txBody>
+      </p:sp>
       <p:pic>
         <p:nvPicPr>
-          <p:cNvPr id="5" name="Picture 4" descr="A screenshot of a cell phone&#10;&#10;Description automatically generated">
+          <p:cNvPr id="6" name="Picture 5" descr="A screenshot of a cell phone&#10;&#10;Description automatically generated">
             <a:extLst>
               <a:ext uri="{FF2B5EF4-FFF2-40B4-BE49-F238E27FC236}">
-                <a16:creationId xmlns:a16="http://schemas.microsoft.com/office/drawing/2014/main" id="{2C65FFCE-4D65-4548-8CEC-E6666AC3A68A}"/>
+                <a16:creationId xmlns:a16="http://schemas.microsoft.com/office/drawing/2014/main" id="{94ECF8B9-B051-3647-B6E3-17E282959682}"/>
               </a:ext>
             </a:extLst>
           </p:cNvPr>
@@ -5106,48 +5450,89 @@
         </p:blipFill>
         <p:spPr>
           <a:xfrm>
-            <a:off x="6731428" y="3353874"/>
-            <a:ext cx="4769337" cy="3012855"/>
+            <a:off x="6469995" y="1989221"/>
+            <a:ext cx="5703231" cy="3735113"/>
           </a:xfrm>
           <a:prstGeom prst="rect">
             <a:avLst/>
           </a:prstGeom>
         </p:spPr>
       </p:pic>
-      <p:pic>
-        <p:nvPicPr>
-          <p:cNvPr id="11" name="Picture 10" descr="A screenshot of a cell phone&#10;&#10;Description automatically generated">
+      <p:sp>
+        <p:nvSpPr>
+          <p:cNvPr id="7" name="TextBox 6">
             <a:extLst>
               <a:ext uri="{FF2B5EF4-FFF2-40B4-BE49-F238E27FC236}">
-                <a16:creationId xmlns:a16="http://schemas.microsoft.com/office/drawing/2014/main" id="{CCB6336D-380D-7F4E-88F8-F0A4A4FC5041}"/>
+                <a16:creationId xmlns:a16="http://schemas.microsoft.com/office/drawing/2014/main" id="{9C361D79-BEB6-AE46-8600-C268459ED428}"/>
               </a:ext>
             </a:extLst>
           </p:cNvPr>
-          <p:cNvPicPr>
-            <a:picLocks noChangeAspect="1"/>
-          </p:cNvPicPr>
+          <p:cNvSpPr txBox="1"/>
           <p:nvPr/>
-        </p:nvPicPr>
-        <p:blipFill>
-          <a:blip r:embed="rId4"/>
-          <a:stretch>
-            <a:fillRect/>
-          </a:stretch>
-        </p:blipFill>
-        <p:spPr>
-          <a:xfrm>
-            <a:off x="1913771" y="2089736"/>
-            <a:ext cx="2686272" cy="1229311"/>
+        </p:nvSpPr>
+        <p:spPr>
+          <a:xfrm>
+            <a:off x="7218947" y="788892"/>
+            <a:ext cx="4828674" cy="1200329"/>
           </a:xfrm>
           <a:prstGeom prst="rect">
             <a:avLst/>
           </a:prstGeom>
-        </p:spPr>
-      </p:pic>
+          <a:noFill/>
+        </p:spPr>
+        <p:txBody>
+          <a:bodyPr wrap="square" rtlCol="0">
+            <a:spAutoFit/>
+          </a:bodyPr>
+          <a:lstStyle/>
+          <a:p>
+            <a:r>
+              <a:rPr lang="en-US" b="1" dirty="0">
+                <a:solidFill>
+                  <a:schemeClr val="accent1"/>
+                </a:solidFill>
+              </a:rPr>
+              <a:t>NON-SMOKERS: 1064</a:t>
+            </a:r>
+          </a:p>
+          <a:p>
+            <a:endParaRPr lang="en-US" b="1" dirty="0">
+              <a:solidFill>
+                <a:schemeClr val="accent1"/>
+              </a:solidFill>
+            </a:endParaRPr>
+          </a:p>
+          <a:p>
+            <a:r>
+              <a:rPr lang="en-US" b="1" dirty="0">
+                <a:solidFill>
+                  <a:schemeClr val="accent1"/>
+                </a:solidFill>
+              </a:rPr>
+              <a:t>SMOKERS: 274</a:t>
+            </a:r>
+          </a:p>
+          <a:p>
+            <a:r>
+              <a:rPr lang="en-US" dirty="0">
+                <a:solidFill>
+                  <a:schemeClr val="tx2"/>
+                </a:solidFill>
+              </a:rPr>
+              <a:t>26% of the data, but 49.5% of the charges</a:t>
+            </a:r>
+            <a:endParaRPr lang="en-US" b="1" dirty="0">
+              <a:solidFill>
+                <a:schemeClr val="accent1"/>
+              </a:solidFill>
+            </a:endParaRPr>
+          </a:p>
+        </p:txBody>
+      </p:sp>
     </p:spTree>
     <p:extLst>
       <p:ext uri="{BB962C8B-B14F-4D97-AF65-F5344CB8AC3E}">
-        <p14:creationId xmlns:p14="http://schemas.microsoft.com/office/powerpoint/2010/main" val="3807363449"/>
+        <p14:creationId xmlns:p14="http://schemas.microsoft.com/office/powerpoint/2010/main" val="3928363096"/>
       </p:ext>
     </p:extLst>
   </p:cSld>
@@ -5176,6 +5561,223 @@
       </p:grpSpPr>
       <p:sp>
         <p:nvSpPr>
+          <p:cNvPr id="21" name="Rectangle 23">
+            <a:extLst>
+              <a:ext uri="{FF2B5EF4-FFF2-40B4-BE49-F238E27FC236}">
+                <a16:creationId xmlns:a16="http://schemas.microsoft.com/office/drawing/2014/main" id="{00401440-1DC9-4C9E-A3BA-4DECEEB46503}"/>
+              </a:ext>
+              <a:ext uri="{C183D7F6-B498-43B3-948B-1728B52AA6E4}">
+                <adec:decorative xmlns:adec="http://schemas.microsoft.com/office/drawing/2017/decorative" val="1"/>
+              </a:ext>
+            </a:extLst>
+          </p:cNvPr>
+          <p:cNvSpPr>
+            <a:spLocks noGrp="1" noRot="1" noChangeAspect="1" noMove="1" noResize="1" noEditPoints="1" noAdjustHandles="1" noChangeArrowheads="1" noChangeShapeType="1" noTextEdit="1"/>
+          </p:cNvSpPr>
+          <p:nvPr>
+            <p:extLst>
+              <p:ext uri="{386F3935-93C4-4BCD-93E2-E3B085C9AB24}">
+                <p16:designElem xmlns:p16="http://schemas.microsoft.com/office/powerpoint/2015/main" val="1"/>
+              </p:ext>
+            </p:extLst>
+          </p:nvPr>
+        </p:nvSpPr>
+        <p:spPr>
+          <a:xfrm>
+            <a:off x="0" y="0"/>
+            <a:ext cx="12192000" cy="6858000"/>
+          </a:xfrm>
+          <a:prstGeom prst="rect">
+            <a:avLst/>
+          </a:prstGeom>
+          <a:solidFill>
+            <a:srgbClr val="FFFFFF"/>
+          </a:solidFill>
+          <a:ln>
+            <a:noFill/>
+          </a:ln>
+        </p:spPr>
+        <p:style>
+          <a:lnRef idx="2">
+            <a:schemeClr val="accent1">
+              <a:shade val="50000"/>
+            </a:schemeClr>
+          </a:lnRef>
+          <a:fillRef idx="1">
+            <a:schemeClr val="accent1"/>
+          </a:fillRef>
+          <a:effectRef idx="0">
+            <a:schemeClr val="accent1"/>
+          </a:effectRef>
+          <a:fontRef idx="minor">
+            <a:schemeClr val="lt1"/>
+          </a:fontRef>
+        </p:style>
+        <p:txBody>
+          <a:bodyPr rtlCol="0" anchor="ctr"/>
+          <a:lstStyle/>
+          <a:p>
+            <a:pPr algn="ctr"/>
+            <a:endParaRPr lang="en-US" dirty="0"/>
+          </a:p>
+        </p:txBody>
+      </p:sp>
+      <p:cxnSp>
+        <p:nvCxnSpPr>
+          <p:cNvPr id="22" name="Straight Connector 25">
+            <a:extLst>
+              <a:ext uri="{FF2B5EF4-FFF2-40B4-BE49-F238E27FC236}">
+                <a16:creationId xmlns:a16="http://schemas.microsoft.com/office/drawing/2014/main" id="{EEE3F140-02CB-4BBC-ABC0-8BF046C9D1B8}"/>
+              </a:ext>
+              <a:ext uri="{C183D7F6-B498-43B3-948B-1728B52AA6E4}">
+                <adec:decorative xmlns:adec="http://schemas.microsoft.com/office/drawing/2017/decorative" val="1"/>
+              </a:ext>
+            </a:extLst>
+          </p:cNvPr>
+          <p:cNvCxnSpPr>
+            <a:cxnSpLocks noGrp="1" noRot="1" noChangeAspect="1" noMove="1" noResize="1" noEditPoints="1" noAdjustHandles="1" noChangeArrowheads="1" noChangeShapeType="1"/>
+          </p:cNvCxnSpPr>
+          <p:nvPr>
+            <p:extLst>
+              <p:ext uri="{386F3935-93C4-4BCD-93E2-E3B085C9AB24}">
+                <p16:designElem xmlns:p16="http://schemas.microsoft.com/office/powerpoint/2015/main" val="1"/>
+              </p:ext>
+            </p:extLst>
+          </p:nvPr>
+        </p:nvCxnSpPr>
+        <p:spPr>
+          <a:xfrm>
+            <a:off x="6096000" y="1436050"/>
+            <a:ext cx="0" cy="1645920"/>
+          </a:xfrm>
+          <a:prstGeom prst="line">
+            <a:avLst/>
+          </a:prstGeom>
+          <a:ln w="19050">
+            <a:solidFill>
+              <a:srgbClr val="465359"/>
+            </a:solidFill>
+          </a:ln>
+        </p:spPr>
+        <p:style>
+          <a:lnRef idx="1">
+            <a:schemeClr val="accent1"/>
+          </a:lnRef>
+          <a:fillRef idx="0">
+            <a:schemeClr val="accent1"/>
+          </a:fillRef>
+          <a:effectRef idx="0">
+            <a:schemeClr val="accent1"/>
+          </a:effectRef>
+          <a:fontRef idx="minor">
+            <a:schemeClr val="tx1"/>
+          </a:fontRef>
+        </p:style>
+      </p:cxnSp>
+      <p:sp useBgFill="1">
+        <p:nvSpPr>
+          <p:cNvPr id="23" name="Rectangle 27">
+            <a:extLst>
+              <a:ext uri="{FF2B5EF4-FFF2-40B4-BE49-F238E27FC236}">
+                <a16:creationId xmlns:a16="http://schemas.microsoft.com/office/drawing/2014/main" id="{36B822CC-7DA9-4417-AA94-64CEB676F0B8}"/>
+              </a:ext>
+              <a:ext uri="{C183D7F6-B498-43B3-948B-1728B52AA6E4}">
+                <adec:decorative xmlns:adec="http://schemas.microsoft.com/office/drawing/2017/decorative" val="1"/>
+              </a:ext>
+            </a:extLst>
+          </p:cNvPr>
+          <p:cNvSpPr>
+            <a:spLocks noGrp="1" noRot="1" noChangeAspect="1" noMove="1" noResize="1" noEditPoints="1" noAdjustHandles="1" noChangeArrowheads="1" noChangeShapeType="1" noTextEdit="1"/>
+          </p:cNvSpPr>
+          <p:nvPr>
+            <p:extLst>
+              <p:ext uri="{386F3935-93C4-4BCD-93E2-E3B085C9AB24}">
+                <p16:designElem xmlns:p16="http://schemas.microsoft.com/office/powerpoint/2015/main" val="1"/>
+              </p:ext>
+            </p:extLst>
+          </p:nvPr>
+        </p:nvSpPr>
+        <p:spPr>
+          <a:xfrm>
+            <a:off x="447234" y="4219240"/>
+            <a:ext cx="11301984" cy="94997"/>
+          </a:xfrm>
+          <a:prstGeom prst="rect">
+            <a:avLst/>
+          </a:prstGeom>
+          <a:ln>
+            <a:noFill/>
+          </a:ln>
+          <a:effectLst/>
+        </p:spPr>
+        <p:style>
+          <a:lnRef idx="1">
+            <a:schemeClr val="accent1"/>
+          </a:lnRef>
+          <a:fillRef idx="3">
+            <a:schemeClr val="accent1"/>
+          </a:fillRef>
+          <a:effectRef idx="2">
+            <a:schemeClr val="accent1"/>
+          </a:effectRef>
+          <a:fontRef idx="minor">
+            <a:schemeClr val="lt1"/>
+          </a:fontRef>
+        </p:style>
+      </p:sp>
+      <p:sp useBgFill="1">
+        <p:nvSpPr>
+          <p:cNvPr id="25" name="Rectangle 29">
+            <a:extLst>
+              <a:ext uri="{FF2B5EF4-FFF2-40B4-BE49-F238E27FC236}">
+                <a16:creationId xmlns:a16="http://schemas.microsoft.com/office/drawing/2014/main" id="{AFA01E88-71CC-4FF3-9E81-51E0C32B45E4}"/>
+              </a:ext>
+              <a:ext uri="{C183D7F6-B498-43B3-948B-1728B52AA6E4}">
+                <adec:decorative xmlns:adec="http://schemas.microsoft.com/office/drawing/2017/decorative" val="1"/>
+              </a:ext>
+            </a:extLst>
+          </p:cNvPr>
+          <p:cNvSpPr>
+            <a:spLocks noGrp="1" noRot="1" noChangeAspect="1" noMove="1" noResize="1" noEditPoints="1" noAdjustHandles="1" noChangeArrowheads="1" noChangeShapeType="1" noTextEdit="1"/>
+          </p:cNvSpPr>
+          <p:nvPr>
+            <p:extLst>
+              <p:ext uri="{386F3935-93C4-4BCD-93E2-E3B085C9AB24}">
+                <p16:designElem xmlns:p16="http://schemas.microsoft.com/office/powerpoint/2015/main" val="1"/>
+              </p:ext>
+            </p:extLst>
+          </p:nvPr>
+        </p:nvSpPr>
+        <p:spPr>
+          <a:xfrm>
+            <a:off x="447234" y="4359623"/>
+            <a:ext cx="11303626" cy="2051143"/>
+          </a:xfrm>
+          <a:prstGeom prst="rect">
+            <a:avLst/>
+          </a:prstGeom>
+          <a:ln w="6350" cmpd="sng">
+            <a:noFill/>
+          </a:ln>
+          <a:effectLst/>
+        </p:spPr>
+        <p:style>
+          <a:lnRef idx="1">
+            <a:schemeClr val="accent1"/>
+          </a:lnRef>
+          <a:fillRef idx="3">
+            <a:schemeClr val="accent1"/>
+          </a:fillRef>
+          <a:effectRef idx="2">
+            <a:schemeClr val="accent1"/>
+          </a:effectRef>
+          <a:fontRef idx="minor">
+            <a:schemeClr val="lt1"/>
+          </a:fontRef>
+        </p:style>
+      </p:sp>
+      <p:sp>
+        <p:nvSpPr>
           <p:cNvPr id="2" name="Title 1">
             <a:extLst>
               <a:ext uri="{FF2B5EF4-FFF2-40B4-BE49-F238E27FC236}">
@@ -5190,12 +5792,27 @@
             <p:ph type="title"/>
           </p:nvPr>
         </p:nvSpPr>
-        <p:spPr/>
-        <p:txBody>
-          <a:bodyPr/>
+        <p:spPr>
+          <a:xfrm>
+            <a:off x="2772062" y="265910"/>
+            <a:ext cx="5759193" cy="924907"/>
+          </a:xfrm>
+        </p:spPr>
+        <p:txBody>
+          <a:bodyPr anchor="ctr">
+            <a:normAutofit/>
+          </a:bodyPr>
           <a:lstStyle/>
           <a:p>
-            <a:endParaRPr lang="en-US"/>
+            <a:pPr algn="ctr"/>
+            <a:r>
+              <a:rPr lang="en-US" sz="3200" dirty="0">
+                <a:solidFill>
+                  <a:schemeClr val="tx2"/>
+                </a:solidFill>
+              </a:rPr>
+              <a:t>WHAT ELSE IS HERE?</a:t>
+            </a:r>
           </a:p>
         </p:txBody>
       </p:sp>
@@ -5217,13 +5834,25 @@
         </p:nvSpPr>
         <p:spPr>
           <a:xfrm>
-            <a:off x="581192" y="2180496"/>
-            <a:ext cx="4205121" cy="3678303"/>
-          </a:xfrm>
-        </p:spPr>
-        <p:txBody>
-          <a:bodyPr/>
+            <a:off x="2475545" y="1064267"/>
+            <a:ext cx="7240909" cy="1256611"/>
+          </a:xfrm>
+        </p:spPr>
+        <p:txBody>
+          <a:bodyPr anchor="t">
+            <a:normAutofit/>
+          </a:bodyPr>
           <a:lstStyle/>
+          <a:p>
+            <a:pPr>
+              <a:buFont typeface="Wingdings" pitchFamily="2" charset="2"/>
+              <a:buChar char="§"/>
+            </a:pPr>
+            <a:r>
+              <a:rPr lang="en-US" dirty="0"/>
+              <a:t>Slight relationship between charges and age, much weaker correlation </a:t>
+            </a:r>
+          </a:p>
           <a:p>
             <a:r>
               <a:rPr lang="en-US" dirty="0"/>
@@ -5238,6 +5867,36 @@
           </a:p>
         </p:txBody>
       </p:sp>
+      <p:pic>
+        <p:nvPicPr>
+          <p:cNvPr id="12" name="Picture 11" descr="A screenshot of a cell phone&#10;&#10;Description automatically generated">
+            <a:extLst>
+              <a:ext uri="{FF2B5EF4-FFF2-40B4-BE49-F238E27FC236}">
+                <a16:creationId xmlns:a16="http://schemas.microsoft.com/office/drawing/2014/main" id="{2EC57C8F-898A-0B42-8972-BE80FA36A8CF}"/>
+              </a:ext>
+            </a:extLst>
+          </p:cNvPr>
+          <p:cNvPicPr>
+            <a:picLocks noChangeAspect="1"/>
+          </p:cNvPicPr>
+          <p:nvPr/>
+        </p:nvPicPr>
+        <p:blipFill>
+          <a:blip r:embed="rId2"/>
+          <a:stretch>
+            <a:fillRect/>
+          </a:stretch>
+        </p:blipFill>
+        <p:spPr>
+          <a:xfrm>
+            <a:off x="637463" y="2973754"/>
+            <a:ext cx="5331481" cy="2624979"/>
+          </a:xfrm>
+          <a:prstGeom prst="rect">
+            <a:avLst/>
+          </a:prstGeom>
+        </p:spPr>
+      </p:pic>
       <p:pic>
         <p:nvPicPr>
           <p:cNvPr id="7" name="Picture 6" descr="A screenshot of a cell phone&#10;&#10;Description automatically generated">
@@ -5253,15 +5912,15 @@
           <p:nvPr/>
         </p:nvPicPr>
         <p:blipFill>
-          <a:blip r:embed="rId2"/>
+          <a:blip r:embed="rId3"/>
           <a:stretch>
             <a:fillRect/>
           </a:stretch>
         </p:blipFill>
         <p:spPr>
           <a:xfrm>
-            <a:off x="5676733" y="2312110"/>
-            <a:ext cx="5676900" cy="3843734"/>
+            <a:off x="6223056" y="2973754"/>
+            <a:ext cx="5086605" cy="3444056"/>
           </a:xfrm>
           <a:prstGeom prst="rect">
             <a:avLst/>
@@ -5593,13 +6252,13 @@
           <p:nvPr/>
         </p:nvPicPr>
         <p:blipFill>
-          <a:blip r:embed="rId2"/>
+          <a:blip r:embed="rId3"/>
           <a:srcRect/>
           <a:stretch/>
         </p:blipFill>
         <p:spPr>
           <a:xfrm>
-            <a:off x="4287952" y="1803705"/>
+            <a:off x="4241830" y="1803705"/>
             <a:ext cx="7507794" cy="4916942"/>
           </a:xfrm>
           <a:prstGeom prst="rect">
@@ -5625,8 +6284,8 @@
         </p:nvSpPr>
         <p:spPr>
           <a:xfrm>
-            <a:off x="581194" y="3705726"/>
-            <a:ext cx="3363542" cy="2408730"/>
+            <a:off x="581194" y="3705725"/>
+            <a:ext cx="3310504" cy="2502967"/>
           </a:xfrm>
         </p:spPr>
         <p:txBody>
@@ -5635,10 +6294,12 @@
           </a:bodyPr>
           <a:lstStyle/>
           <a:p>
-            <a:pPr algn="ctr">
+            <a:pPr marL="285750" indent="-285750" algn="l">
               <a:lnSpc>
                 <a:spcPct val="90000"/>
               </a:lnSpc>
+              <a:buFont typeface="Wingdings" pitchFamily="2" charset="2"/>
+              <a:buChar char="§"/>
             </a:pPr>
             <a:r>
               <a:rPr lang="en-US" sz="1800" dirty="0">
@@ -5646,8 +6307,15 @@
                   <a:schemeClr val="accent2"/>
                 </a:solidFill>
               </a:rPr>
-              <a:t>LOOK AT NON SMOKERS AND REMOVE THE ‘NOISE’, outliers in outer regions of the data</a:t>
-            </a:r>
+              <a:t>REMOVE OUTLIERS: TOTAL CHARGES &gt; 22,500</a:t>
+            </a:r>
+            <a:br>
+              <a:rPr lang="en-US" sz="1800" dirty="0">
+                <a:solidFill>
+                  <a:schemeClr val="accent2"/>
+                </a:solidFill>
+              </a:rPr>
+            </a:br>
             <a:br>
               <a:rPr lang="en-US" sz="2200" dirty="0">
                 <a:solidFill>
@@ -5655,21 +6323,26 @@
                 </a:solidFill>
               </a:rPr>
             </a:br>
+            <a:r>
+              <a:rPr lang="en-US" sz="1800" dirty="0">
+                <a:solidFill>
+                  <a:schemeClr val="accent2"/>
+                </a:solidFill>
+              </a:rPr>
+              <a:t>After removing 24% of outlier we created a DATA SET  that is applicable to 74% of cases</a:t>
+            </a:r>
             <a:br>
-              <a:rPr lang="en-US" sz="1400" dirty="0">
+              <a:rPr lang="en-US" sz="1800" dirty="0">
                 <a:solidFill>
                   <a:schemeClr val="accent2"/>
                 </a:solidFill>
               </a:rPr>
             </a:br>
-            <a:r>
-              <a:rPr lang="en-US" sz="1800" dirty="0">
-                <a:solidFill>
-                  <a:schemeClr val="accent2"/>
-                </a:solidFill>
-              </a:rPr>
-              <a:t>After removing 24% of outlier we created a model that is applicable to 74% of cases"</a:t>
-            </a:r>
+            <a:endParaRPr lang="en-US" sz="1800" dirty="0">
+              <a:solidFill>
+                <a:schemeClr val="accent2"/>
+              </a:solidFill>
+            </a:endParaRPr>
           </a:p>
         </p:txBody>
       </p:sp>
@@ -5688,7 +6361,7 @@
           <p:nvPr/>
         </p:nvPicPr>
         <p:blipFill>
-          <a:blip r:embed="rId3"/>
+          <a:blip r:embed="rId4"/>
           <a:stretch>
             <a:fillRect/>
           </a:stretch>
@@ -5703,6 +6376,46 @@
           </a:prstGeom>
         </p:spPr>
       </p:pic>
+      <p:sp>
+        <p:nvSpPr>
+          <p:cNvPr id="42" name="TextBox 41">
+            <a:extLst>
+              <a:ext uri="{FF2B5EF4-FFF2-40B4-BE49-F238E27FC236}">
+                <a16:creationId xmlns:a16="http://schemas.microsoft.com/office/drawing/2014/main" id="{2FD841A5-8909-0F4F-A914-FF9C507A18C3}"/>
+              </a:ext>
+            </a:extLst>
+          </p:cNvPr>
+          <p:cNvSpPr txBox="1"/>
+          <p:nvPr/>
+        </p:nvSpPr>
+        <p:spPr>
+          <a:xfrm>
+            <a:off x="4391249" y="847572"/>
+            <a:ext cx="7208956" cy="461665"/>
+          </a:xfrm>
+          <a:prstGeom prst="rect">
+            <a:avLst/>
+          </a:prstGeom>
+          <a:noFill/>
+        </p:spPr>
+        <p:txBody>
+          <a:bodyPr wrap="square" rtlCol="0">
+            <a:spAutoFit/>
+          </a:bodyPr>
+          <a:lstStyle/>
+          <a:p>
+            <a:pPr algn="ctr"/>
+            <a:r>
+              <a:rPr lang="en-US" sz="2400" dirty="0">
+                <a:solidFill>
+                  <a:schemeClr val="bg1"/>
+                </a:solidFill>
+              </a:rPr>
+              <a:t>VIEW OF NON-SMOKERS ONLY</a:t>
+            </a:r>
+          </a:p>
+        </p:txBody>
+      </p:sp>
     </p:spTree>
     <p:extLst>
       <p:ext uri="{BB962C8B-B14F-4D97-AF65-F5344CB8AC3E}">
@@ -5743,6 +6456,59 @@
       </p:grpSpPr>
       <p:sp>
         <p:nvSpPr>
+          <p:cNvPr id="16" name="Rectangle 15">
+            <a:extLst>
+              <a:ext uri="{FF2B5EF4-FFF2-40B4-BE49-F238E27FC236}">
+                <a16:creationId xmlns:a16="http://schemas.microsoft.com/office/drawing/2014/main" id="{E00AC7A8-1927-9A4E-8CC4-47C5E37D86B5}"/>
+              </a:ext>
+            </a:extLst>
+          </p:cNvPr>
+          <p:cNvSpPr/>
+          <p:nvPr/>
+        </p:nvSpPr>
+        <p:spPr>
+          <a:xfrm>
+            <a:off x="3441321" y="1363991"/>
+            <a:ext cx="6096000" cy="1754326"/>
+          </a:xfrm>
+          <a:prstGeom prst="rect">
+            <a:avLst/>
+          </a:prstGeom>
+        </p:spPr>
+        <p:txBody>
+          <a:bodyPr>
+            <a:spAutoFit/>
+          </a:bodyPr>
+          <a:lstStyle/>
+          <a:p>
+            <a:r>
+              <a:rPr lang="en-US" dirty="0">
+                <a:solidFill>
+                  <a:schemeClr val="accent2"/>
+                </a:solidFill>
+              </a:rPr>
+              <a:t>After removing 24% of the outliers data, the data set was now in a model that was applicable to 74% of cases. This allowed for a cleaner data set to be able to examine the larger population, non-smokers. </a:t>
+            </a:r>
+            <a:br>
+              <a:rPr lang="en-US" dirty="0">
+                <a:solidFill>
+                  <a:schemeClr val="accent2"/>
+                </a:solidFill>
+              </a:rPr>
+            </a:br>
+            <a:r>
+              <a:rPr lang="en-US" dirty="0">
+                <a:solidFill>
+                  <a:schemeClr val="accent2"/>
+                </a:solidFill>
+              </a:rPr>
+              <a:t>For non-smoking men and women, only age appears highly correlated with costs.</a:t>
+            </a:r>
+          </a:p>
+        </p:txBody>
+      </p:sp>
+      <p:sp>
+        <p:nvSpPr>
           <p:cNvPr id="2" name="Title 1">
             <a:extLst>
               <a:ext uri="{FF2B5EF4-FFF2-40B4-BE49-F238E27FC236}">
@@ -5775,69 +6541,11 @@
                   <a:srgbClr val="FFFFFF"/>
                 </a:solidFill>
               </a:rPr>
-              <a:t>When we examine non-smokers AS an independent group,  only AGE appears highly correlated with costs, for both men and women.</a:t>
-            </a:r>
-          </a:p>
-        </p:txBody>
-      </p:sp>
-      <p:pic>
-        <p:nvPicPr>
-          <p:cNvPr id="9" name="Content Placeholder 8">
-            <a:extLst>
-              <a:ext uri="{FF2B5EF4-FFF2-40B4-BE49-F238E27FC236}">
-                <a16:creationId xmlns:a16="http://schemas.microsoft.com/office/drawing/2014/main" id="{E061C99A-84F3-914B-93C1-C96BAE1BF6D0}"/>
-              </a:ext>
-            </a:extLst>
-          </p:cNvPr>
-          <p:cNvPicPr>
-            <a:picLocks noChangeAspect="1"/>
-          </p:cNvPicPr>
-          <p:nvPr/>
-        </p:nvPicPr>
-        <p:blipFill>
-          <a:blip r:embed="rId2"/>
-          <a:srcRect/>
-          <a:stretch/>
-        </p:blipFill>
-        <p:spPr>
-          <a:xfrm>
-            <a:off x="537030" y="2459867"/>
-            <a:ext cx="4992622" cy="3621816"/>
-          </a:xfrm>
-          <a:prstGeom prst="rect">
-            <a:avLst/>
-          </a:prstGeom>
-        </p:spPr>
-      </p:pic>
-      <p:pic>
-        <p:nvPicPr>
-          <p:cNvPr id="11" name="Picture 10">
-            <a:extLst>
-              <a:ext uri="{FF2B5EF4-FFF2-40B4-BE49-F238E27FC236}">
-                <a16:creationId xmlns:a16="http://schemas.microsoft.com/office/drawing/2014/main" id="{4FC8C4F9-40AD-C241-8EBF-47DF99831262}"/>
-              </a:ext>
-            </a:extLst>
-          </p:cNvPr>
-          <p:cNvPicPr>
-            <a:picLocks noChangeAspect="1"/>
-          </p:cNvPicPr>
-          <p:nvPr/>
-        </p:nvPicPr>
-        <p:blipFill>
-          <a:blip r:embed="rId3"/>
-          <a:srcRect/>
-          <a:stretch/>
-        </p:blipFill>
-        <p:spPr>
-          <a:xfrm>
-            <a:off x="6211614" y="2459656"/>
-            <a:ext cx="4992913" cy="3622027"/>
-          </a:xfrm>
-          <a:prstGeom prst="rect">
-            <a:avLst/>
-          </a:prstGeom>
-        </p:spPr>
-      </p:pic>
+              <a:t>for both men and women non-smokers,  only AGE appears highly correlated with costs.</a:t>
+            </a:r>
+          </a:p>
+        </p:txBody>
+      </p:sp>
       <p:sp>
         <p:nvSpPr>
           <p:cNvPr id="13" name="TextBox 12">
@@ -5852,7 +6560,7 @@
         </p:nvSpPr>
         <p:spPr>
           <a:xfrm>
-            <a:off x="1371455" y="1903245"/>
+            <a:off x="559410" y="3244334"/>
             <a:ext cx="3323772" cy="369332"/>
           </a:xfrm>
           <a:prstGeom prst="rect">
@@ -5888,7 +6596,7 @@
         </p:nvSpPr>
         <p:spPr>
           <a:xfrm>
-            <a:off x="6930571" y="1853727"/>
+            <a:off x="7520474" y="3212614"/>
             <a:ext cx="3323772" cy="369332"/>
           </a:xfrm>
           <a:prstGeom prst="rect">
@@ -5906,6 +6614,260 @@
             <a:r>
               <a:rPr lang="en-US" dirty="0"/>
               <a:t>Men</a:t>
+            </a:r>
+          </a:p>
+        </p:txBody>
+      </p:sp>
+      <p:grpSp>
+        <p:nvGrpSpPr>
+          <p:cNvPr id="17" name="Group 16">
+            <a:extLst>
+              <a:ext uri="{FF2B5EF4-FFF2-40B4-BE49-F238E27FC236}">
+                <a16:creationId xmlns:a16="http://schemas.microsoft.com/office/drawing/2014/main" id="{516FBDC5-BF3B-D44F-BA9C-36A1E1134E82}"/>
+              </a:ext>
+            </a:extLst>
+          </p:cNvPr>
+          <p:cNvGrpSpPr/>
+          <p:nvPr/>
+        </p:nvGrpSpPr>
+        <p:grpSpPr>
+          <a:xfrm>
+            <a:off x="299551" y="3613660"/>
+            <a:ext cx="4113858" cy="3019215"/>
+            <a:chOff x="299551" y="3613660"/>
+            <a:chExt cx="4113858" cy="3019215"/>
+          </a:xfrm>
+        </p:grpSpPr>
+        <p:pic>
+          <p:nvPicPr>
+            <p:cNvPr id="9" name="Content Placeholder 8">
+              <a:extLst>
+                <a:ext uri="{FF2B5EF4-FFF2-40B4-BE49-F238E27FC236}">
+                  <a16:creationId xmlns:a16="http://schemas.microsoft.com/office/drawing/2014/main" id="{E061C99A-84F3-914B-93C1-C96BAE1BF6D0}"/>
+                </a:ext>
+              </a:extLst>
+            </p:cNvPr>
+            <p:cNvPicPr>
+              <a:picLocks noChangeAspect="1"/>
+            </p:cNvPicPr>
+            <p:nvPr/>
+          </p:nvPicPr>
+          <p:blipFill>
+            <a:blip r:embed="rId2"/>
+            <a:srcRect/>
+            <a:stretch/>
+          </p:blipFill>
+          <p:spPr>
+            <a:xfrm>
+              <a:off x="299551" y="3648544"/>
+              <a:ext cx="4113858" cy="2984331"/>
+            </a:xfrm>
+            <a:prstGeom prst="rect">
+              <a:avLst/>
+            </a:prstGeom>
+          </p:spPr>
+        </p:pic>
+        <p:sp>
+          <p:nvSpPr>
+            <p:cNvPr id="21" name="Oval 20">
+              <a:extLst>
+                <a:ext uri="{FF2B5EF4-FFF2-40B4-BE49-F238E27FC236}">
+                  <a16:creationId xmlns:a16="http://schemas.microsoft.com/office/drawing/2014/main" id="{AEF7AC96-1891-EF48-A14F-F5C3F4CE251C}"/>
+                </a:ext>
+              </a:extLst>
+            </p:cNvPr>
+            <p:cNvSpPr/>
+            <p:nvPr/>
+          </p:nvSpPr>
+          <p:spPr>
+            <a:xfrm rot="20936872">
+              <a:off x="2918121" y="3613660"/>
+              <a:ext cx="893504" cy="832982"/>
+            </a:xfrm>
+            <a:prstGeom prst="ellipse">
+              <a:avLst/>
+            </a:prstGeom>
+            <a:noFill/>
+            <a:ln>
+              <a:solidFill>
+                <a:srgbClr val="FF0000"/>
+              </a:solidFill>
+            </a:ln>
+          </p:spPr>
+          <p:style>
+            <a:lnRef idx="1">
+              <a:schemeClr val="accent1"/>
+            </a:lnRef>
+            <a:fillRef idx="3">
+              <a:schemeClr val="accent1"/>
+            </a:fillRef>
+            <a:effectRef idx="2">
+              <a:schemeClr val="accent1"/>
+            </a:effectRef>
+            <a:fontRef idx="minor">
+              <a:schemeClr val="lt1"/>
+            </a:fontRef>
+          </p:style>
+          <p:txBody>
+            <a:bodyPr rtlCol="0" anchor="ctr"/>
+            <a:lstStyle/>
+            <a:p>
+              <a:pPr algn="ctr"/>
+              <a:endParaRPr lang="en-US"/>
+            </a:p>
+          </p:txBody>
+        </p:sp>
+      </p:grpSp>
+      <p:grpSp>
+        <p:nvGrpSpPr>
+          <p:cNvPr id="25" name="Group 24">
+            <a:extLst>
+              <a:ext uri="{FF2B5EF4-FFF2-40B4-BE49-F238E27FC236}">
+                <a16:creationId xmlns:a16="http://schemas.microsoft.com/office/drawing/2014/main" id="{EE1AEF7B-AF47-8F48-8CD8-1CBE861F38BE}"/>
+              </a:ext>
+            </a:extLst>
+          </p:cNvPr>
+          <p:cNvGrpSpPr/>
+          <p:nvPr/>
+        </p:nvGrpSpPr>
+        <p:grpSpPr>
+          <a:xfrm>
+            <a:off x="7306286" y="3616915"/>
+            <a:ext cx="3752149" cy="2784174"/>
+            <a:chOff x="7306286" y="3616915"/>
+            <a:chExt cx="3752149" cy="2784174"/>
+          </a:xfrm>
+        </p:grpSpPr>
+        <p:pic>
+          <p:nvPicPr>
+            <p:cNvPr id="11" name="Picture 10">
+              <a:extLst>
+                <a:ext uri="{FF2B5EF4-FFF2-40B4-BE49-F238E27FC236}">
+                  <a16:creationId xmlns:a16="http://schemas.microsoft.com/office/drawing/2014/main" id="{4FC8C4F9-40AD-C241-8EBF-47DF99831262}"/>
+                </a:ext>
+              </a:extLst>
+            </p:cNvPr>
+            <p:cNvPicPr>
+              <a:picLocks noChangeAspect="1"/>
+            </p:cNvPicPr>
+            <p:nvPr/>
+          </p:nvPicPr>
+          <p:blipFill>
+            <a:blip r:embed="rId3"/>
+            <a:srcRect/>
+            <a:stretch/>
+          </p:blipFill>
+          <p:spPr>
+            <a:xfrm>
+              <a:off x="7306286" y="3679154"/>
+              <a:ext cx="3752149" cy="2721935"/>
+            </a:xfrm>
+            <a:prstGeom prst="rect">
+              <a:avLst/>
+            </a:prstGeom>
+          </p:spPr>
+        </p:pic>
+        <p:sp>
+          <p:nvSpPr>
+            <p:cNvPr id="23" name="Oval 22">
+              <a:extLst>
+                <a:ext uri="{FF2B5EF4-FFF2-40B4-BE49-F238E27FC236}">
+                  <a16:creationId xmlns:a16="http://schemas.microsoft.com/office/drawing/2014/main" id="{40B4C149-BB34-6E45-BCFA-C8F568482EDE}"/>
+                </a:ext>
+              </a:extLst>
+            </p:cNvPr>
+            <p:cNvSpPr/>
+            <p:nvPr/>
+          </p:nvSpPr>
+          <p:spPr>
+            <a:xfrm rot="20936872">
+              <a:off x="9607944" y="3616915"/>
+              <a:ext cx="926836" cy="826468"/>
+            </a:xfrm>
+            <a:prstGeom prst="ellipse">
+              <a:avLst/>
+            </a:prstGeom>
+            <a:noFill/>
+            <a:ln>
+              <a:solidFill>
+                <a:srgbClr val="FF0000"/>
+              </a:solidFill>
+            </a:ln>
+          </p:spPr>
+          <p:style>
+            <a:lnRef idx="1">
+              <a:schemeClr val="accent1"/>
+            </a:lnRef>
+            <a:fillRef idx="3">
+              <a:schemeClr val="accent1"/>
+            </a:fillRef>
+            <a:effectRef idx="2">
+              <a:schemeClr val="accent1"/>
+            </a:effectRef>
+            <a:fontRef idx="minor">
+              <a:schemeClr val="lt1"/>
+            </a:fontRef>
+          </p:style>
+          <p:txBody>
+            <a:bodyPr rtlCol="0" anchor="ctr"/>
+            <a:lstStyle/>
+            <a:p>
+              <a:pPr algn="ctr"/>
+              <a:endParaRPr lang="en-US"/>
+            </a:p>
+          </p:txBody>
+        </p:sp>
+      </p:grpSp>
+      <p:sp>
+        <p:nvSpPr>
+          <p:cNvPr id="14" name="Rectangle 13">
+            <a:extLst>
+              <a:ext uri="{FF2B5EF4-FFF2-40B4-BE49-F238E27FC236}">
+                <a16:creationId xmlns:a16="http://schemas.microsoft.com/office/drawing/2014/main" id="{C1C99066-953A-7F45-ADA1-D59FF8B012A1}"/>
+              </a:ext>
+            </a:extLst>
+          </p:cNvPr>
+          <p:cNvSpPr/>
+          <p:nvPr/>
+        </p:nvSpPr>
+        <p:spPr>
+          <a:xfrm>
+            <a:off x="3348388" y="664421"/>
+            <a:ext cx="6096000" cy="646331"/>
+          </a:xfrm>
+          <a:prstGeom prst="rect">
+            <a:avLst/>
+          </a:prstGeom>
+        </p:spPr>
+        <p:txBody>
+          <a:bodyPr>
+            <a:spAutoFit/>
+          </a:bodyPr>
+          <a:lstStyle/>
+          <a:p>
+            <a:pPr algn="ctr"/>
+            <a:r>
+              <a:rPr lang="en-US" b="1" dirty="0">
+                <a:solidFill>
+                  <a:schemeClr val="accent2"/>
+                </a:solidFill>
+              </a:rPr>
+              <a:t>Double click on Non-Smokers as the Larger Population</a:t>
+            </a:r>
+            <a:br>
+              <a:rPr lang="en-US" b="1" dirty="0">
+                <a:solidFill>
+                  <a:schemeClr val="accent2"/>
+                </a:solidFill>
+              </a:rPr>
+            </a:br>
+            <a:r>
+              <a:rPr lang="en-US" b="1" dirty="0">
+                <a:solidFill>
+                  <a:schemeClr val="accent2"/>
+                </a:solidFill>
+              </a:rPr>
+              <a:t>(excluding outliers)</a:t>
             </a:r>
           </a:p>
         </p:txBody>
@@ -5929,7 +6891,7 @@
     <p:bg>
       <p:bgPr>
         <a:solidFill>
-          <a:schemeClr val="bg2"/>
+          <a:schemeClr val="bg1"/>
         </a:solidFill>
         <a:effectLst/>
       </p:bgPr>
@@ -5948,12 +6910,12 @@
           <a:chExt cx="0" cy="0"/>
         </a:xfrm>
       </p:grpSpPr>
-      <p:sp>
-        <p:nvSpPr>
-          <p:cNvPr id="37" name="Rectangle 36">
+      <p:sp useBgFill="1">
+        <p:nvSpPr>
+          <p:cNvPr id="53" name="Rectangle 47">
             <a:extLst>
               <a:ext uri="{FF2B5EF4-FFF2-40B4-BE49-F238E27FC236}">
-                <a16:creationId xmlns:a16="http://schemas.microsoft.com/office/drawing/2014/main" id="{00401440-1DC9-4C9E-A3BA-4DECEEB46503}"/>
+                <a16:creationId xmlns:a16="http://schemas.microsoft.com/office/drawing/2014/main" id="{A21E7785-3D2D-4FF8-9C82-42CE9DBD7BB9}"/>
               </a:ext>
               <a:ext uri="{C183D7F6-B498-43B3-948B-1728B52AA6E4}">
                 <adec:decorative xmlns:adec="http://schemas.microsoft.com/office/drawing/2017/decorative" val="1"/>
@@ -5973,15 +6935,12 @@
         </p:nvSpPr>
         <p:spPr>
           <a:xfrm>
-            <a:off x="0" y="0"/>
-            <a:ext cx="12192000" cy="6858000"/>
+            <a:off x="0" y="548641"/>
+            <a:ext cx="12191999" cy="6309360"/>
           </a:xfrm>
           <a:prstGeom prst="rect">
             <a:avLst/>
           </a:prstGeom>
-          <a:solidFill>
-            <a:srgbClr val="FFFFFF"/>
-          </a:solidFill>
           <a:ln>
             <a:noFill/>
           </a:ln>
@@ -6007,54 +6966,25 @@
           <a:lstStyle/>
           <a:p>
             <a:pPr algn="ctr"/>
-            <a:endParaRPr lang="en-US" dirty="0"/>
-          </a:p>
-        </p:txBody>
-      </p:sp>
-      <p:pic>
-        <p:nvPicPr>
-          <p:cNvPr id="23" name="Picture 22">
+            <a:endParaRPr lang="en-US"/>
+          </a:p>
+        </p:txBody>
+      </p:sp>
+      <p:sp>
+        <p:nvSpPr>
+          <p:cNvPr id="55" name="Rectangle 49">
             <a:extLst>
               <a:ext uri="{FF2B5EF4-FFF2-40B4-BE49-F238E27FC236}">
-                <a16:creationId xmlns:a16="http://schemas.microsoft.com/office/drawing/2014/main" id="{73F9B532-B43B-3F45-BE06-979F7F3A8811}"/>
-              </a:ext>
-            </a:extLst>
-          </p:cNvPr>
-          <p:cNvPicPr>
-            <a:picLocks noChangeAspect="1"/>
-          </p:cNvPicPr>
-          <p:nvPr/>
-        </p:nvPicPr>
-        <p:blipFill>
-          <a:blip r:embed="rId2"/>
-          <a:srcRect/>
-          <a:stretch/>
-        </p:blipFill>
-        <p:spPr>
-          <a:xfrm>
-            <a:off x="382261" y="752978"/>
-            <a:ext cx="5331479" cy="3348272"/>
-          </a:xfrm>
-          <a:prstGeom prst="rect">
-            <a:avLst/>
-          </a:prstGeom>
-        </p:spPr>
-      </p:pic>
-      <p:cxnSp>
-        <p:nvCxnSpPr>
-          <p:cNvPr id="39" name="Straight Connector 38">
-            <a:extLst>
-              <a:ext uri="{FF2B5EF4-FFF2-40B4-BE49-F238E27FC236}">
-                <a16:creationId xmlns:a16="http://schemas.microsoft.com/office/drawing/2014/main" id="{EEE3F140-02CB-4BBC-ABC0-8BF046C9D1B8}"/>
+                <a16:creationId xmlns:a16="http://schemas.microsoft.com/office/drawing/2014/main" id="{9911E146-5AE8-4892-B0B5-42052873B9E5}"/>
               </a:ext>
               <a:ext uri="{C183D7F6-B498-43B3-948B-1728B52AA6E4}">
                 <adec:decorative xmlns:adec="http://schemas.microsoft.com/office/drawing/2017/decorative" val="1"/>
               </a:ext>
             </a:extLst>
           </p:cNvPr>
-          <p:cNvCxnSpPr>
-            <a:cxnSpLocks noGrp="1" noRot="1" noChangeAspect="1" noMove="1" noResize="1" noEditPoints="1" noAdjustHandles="1" noChangeArrowheads="1" noChangeShapeType="1"/>
-          </p:cNvCxnSpPr>
+          <p:cNvSpPr>
+            <a:spLocks noGrp="1" noRot="1" noChangeAspect="1" noMove="1" noResize="1" noEditPoints="1" noAdjustHandles="1" noChangeArrowheads="1" noChangeShapeType="1" noTextEdit="1"/>
+          </p:cNvSpPr>
           <p:nvPr>
             <p:extLst>
               <p:ext uri="{386F3935-93C4-4BCD-93E2-E3B085C9AB24}">
@@ -6062,36 +6992,307 @@
               </p:ext>
             </p:extLst>
           </p:nvPr>
-        </p:nvCxnSpPr>
-        <p:spPr>
-          <a:xfrm>
-            <a:off x="6096000" y="1436050"/>
-            <a:ext cx="0" cy="1645920"/>
-          </a:xfrm>
-          <a:prstGeom prst="line">
+        </p:nvSpPr>
+        <p:spPr>
+          <a:xfrm>
+            <a:off x="442377" y="3194092"/>
+            <a:ext cx="3705323" cy="3206708"/>
+          </a:xfrm>
+          <a:prstGeom prst="rect">
             <a:avLst/>
           </a:prstGeom>
-          <a:ln w="19050">
-            <a:solidFill>
-              <a:srgbClr val="465359"/>
-            </a:solidFill>
+          <a:solidFill>
+            <a:schemeClr val="accent1"/>
+          </a:solidFill>
+          <a:ln>
+            <a:noFill/>
           </a:ln>
+          <a:effectLst/>
         </p:spPr>
         <p:style>
           <a:lnRef idx="1">
             <a:schemeClr val="accent1"/>
           </a:lnRef>
-          <a:fillRef idx="0">
+          <a:fillRef idx="3">
+            <a:schemeClr val="accent1"/>
+          </a:fillRef>
+          <a:effectRef idx="2">
+            <a:schemeClr val="accent1"/>
+          </a:effectRef>
+          <a:fontRef idx="minor">
+            <a:schemeClr val="lt1"/>
+          </a:fontRef>
+        </p:style>
+      </p:sp>
+      <p:sp>
+        <p:nvSpPr>
+          <p:cNvPr id="2" name="Title 1">
+            <a:extLst>
+              <a:ext uri="{FF2B5EF4-FFF2-40B4-BE49-F238E27FC236}">
+                <a16:creationId xmlns:a16="http://schemas.microsoft.com/office/drawing/2014/main" id="{331C21C6-7084-FE4F-8FC4-AD73E7446C3F}"/>
+              </a:ext>
+            </a:extLst>
+          </p:cNvPr>
+          <p:cNvSpPr>
+            <a:spLocks noGrp="1"/>
+          </p:cNvSpPr>
+          <p:nvPr>
+            <p:ph type="title"/>
+          </p:nvPr>
+        </p:nvSpPr>
+        <p:spPr>
+          <a:xfrm>
+            <a:off x="593253" y="3425294"/>
+            <a:ext cx="3397924" cy="2800478"/>
+          </a:xfrm>
+        </p:spPr>
+        <p:txBody>
+          <a:bodyPr anchor="ctr">
+            <a:normAutofit/>
+          </a:bodyPr>
+          <a:lstStyle/>
+          <a:p>
+            <a:pPr>
+              <a:lnSpc>
+                <a:spcPct val="90000"/>
+              </a:lnSpc>
+            </a:pPr>
+            <a:r>
+              <a:rPr lang="en-US" sz="2600">
+                <a:solidFill>
+                  <a:srgbClr val="FFFFFF"/>
+                </a:solidFill>
+              </a:rPr>
+              <a:t>When we look only at the non-smokers, WE SEE WOMEN’S CHARGES ARE 13% HIGHER regardless of region</a:t>
+            </a:r>
+          </a:p>
+        </p:txBody>
+      </p:sp>
+      <p:sp>
+        <p:nvSpPr>
+          <p:cNvPr id="57" name="Rectangle 51">
+            <a:extLst>
+              <a:ext uri="{FF2B5EF4-FFF2-40B4-BE49-F238E27FC236}">
+                <a16:creationId xmlns:a16="http://schemas.microsoft.com/office/drawing/2014/main" id="{978A552A-290C-474C-9CC8-401379CD133C}"/>
+              </a:ext>
+              <a:ext uri="{C183D7F6-B498-43B3-948B-1728B52AA6E4}">
+                <adec:decorative xmlns:adec="http://schemas.microsoft.com/office/drawing/2017/decorative" val="1"/>
+              </a:ext>
+            </a:extLst>
+          </p:cNvPr>
+          <p:cNvSpPr>
+            <a:spLocks noGrp="1" noRot="1" noChangeAspect="1" noMove="1" noResize="1" noEditPoints="1" noAdjustHandles="1" noChangeArrowheads="1" noChangeShapeType="1" noTextEdit="1"/>
+          </p:cNvSpPr>
+          <p:nvPr>
+            <p:extLst>
+              <p:ext uri="{386F3935-93C4-4BCD-93E2-E3B085C9AB24}">
+                <p16:designElem xmlns:p16="http://schemas.microsoft.com/office/powerpoint/2015/main" val="1"/>
+              </p:ext>
+            </p:extLst>
+          </p:nvPr>
+        </p:nvSpPr>
+        <p:spPr>
+          <a:xfrm>
+            <a:off x="446534" y="457200"/>
+            <a:ext cx="3703320" cy="94997"/>
+          </a:xfrm>
+          <a:prstGeom prst="rect">
+            <a:avLst/>
+          </a:prstGeom>
+          <a:solidFill>
+            <a:schemeClr val="accent1"/>
+          </a:solidFill>
+          <a:ln>
+            <a:noFill/>
+          </a:ln>
+          <a:effectLst/>
+        </p:spPr>
+        <p:style>
+          <a:lnRef idx="1">
+            <a:schemeClr val="accent1"/>
+          </a:lnRef>
+          <a:fillRef idx="3">
+            <a:schemeClr val="accent1"/>
+          </a:fillRef>
+          <a:effectRef idx="2">
+            <a:schemeClr val="accent1"/>
+          </a:effectRef>
+          <a:fontRef idx="minor">
+            <a:schemeClr val="lt1"/>
+          </a:fontRef>
+        </p:style>
+      </p:sp>
+      <p:sp>
+        <p:nvSpPr>
+          <p:cNvPr id="59" name="Rectangle 53">
+            <a:extLst>
+              <a:ext uri="{FF2B5EF4-FFF2-40B4-BE49-F238E27FC236}">
+                <a16:creationId xmlns:a16="http://schemas.microsoft.com/office/drawing/2014/main" id="{57D8432A-7050-43CE-AC0E-48F00C7D5232}"/>
+              </a:ext>
+              <a:ext uri="{C183D7F6-B498-43B3-948B-1728B52AA6E4}">
+                <adec:decorative xmlns:adec="http://schemas.microsoft.com/office/drawing/2017/decorative" val="1"/>
+              </a:ext>
+            </a:extLst>
+          </p:cNvPr>
+          <p:cNvSpPr>
+            <a:spLocks noGrp="1" noRot="1" noChangeAspect="1" noMove="1" noResize="1" noEditPoints="1" noAdjustHandles="1" noChangeArrowheads="1" noChangeShapeType="1" noTextEdit="1"/>
+          </p:cNvSpPr>
+          <p:nvPr>
+            <p:extLst>
+              <p:ext uri="{386F3935-93C4-4BCD-93E2-E3B085C9AB24}">
+                <p16:designElem xmlns:p16="http://schemas.microsoft.com/office/powerpoint/2015/main" val="1"/>
+              </p:ext>
+            </p:extLst>
+          </p:nvPr>
+        </p:nvSpPr>
+        <p:spPr>
+          <a:xfrm>
+            <a:off x="4241830" y="457200"/>
+            <a:ext cx="3703320" cy="91440"/>
+          </a:xfrm>
+          <a:prstGeom prst="rect">
+            <a:avLst/>
+          </a:prstGeom>
+          <a:solidFill>
+            <a:schemeClr val="accent2"/>
+          </a:solidFill>
+          <a:ln>
+            <a:noFill/>
+          </a:ln>
+          <a:effectLst/>
+        </p:spPr>
+        <p:style>
+          <a:lnRef idx="1">
+            <a:schemeClr val="accent1"/>
+          </a:lnRef>
+          <a:fillRef idx="3">
+            <a:schemeClr val="accent1"/>
+          </a:fillRef>
+          <a:effectRef idx="2">
+            <a:schemeClr val="accent1"/>
+          </a:effectRef>
+          <a:fontRef idx="minor">
+            <a:schemeClr val="lt1"/>
+          </a:fontRef>
+        </p:style>
+      </p:sp>
+      <p:sp>
+        <p:nvSpPr>
+          <p:cNvPr id="61" name="Rectangle 55">
+            <a:extLst>
+              <a:ext uri="{FF2B5EF4-FFF2-40B4-BE49-F238E27FC236}">
+                <a16:creationId xmlns:a16="http://schemas.microsoft.com/office/drawing/2014/main" id="{55B5BA19-E267-49E0-A8F7-3435C91189DE}"/>
+              </a:ext>
+              <a:ext uri="{C183D7F6-B498-43B3-948B-1728B52AA6E4}">
+                <adec:decorative xmlns:adec="http://schemas.microsoft.com/office/drawing/2017/decorative" val="1"/>
+              </a:ext>
+            </a:extLst>
+          </p:cNvPr>
+          <p:cNvSpPr>
+            <a:spLocks noGrp="1" noRot="1" noChangeAspect="1" noMove="1" noResize="1" noEditPoints="1" noAdjustHandles="1" noChangeArrowheads="1" noChangeShapeType="1" noTextEdit="1"/>
+          </p:cNvSpPr>
+          <p:nvPr>
+            <p:extLst>
+              <p:ext uri="{386F3935-93C4-4BCD-93E2-E3B085C9AB24}">
+                <p16:designElem xmlns:p16="http://schemas.microsoft.com/office/powerpoint/2015/main" val="1"/>
+              </p:ext>
+            </p:extLst>
+          </p:nvPr>
+        </p:nvSpPr>
+        <p:spPr>
+          <a:xfrm>
+            <a:off x="8042147" y="453643"/>
+            <a:ext cx="3703320" cy="98554"/>
+          </a:xfrm>
+          <a:prstGeom prst="rect">
+            <a:avLst/>
+          </a:prstGeom>
+          <a:solidFill>
+            <a:schemeClr val="accent4"/>
+          </a:solidFill>
+          <a:ln>
+            <a:noFill/>
+          </a:ln>
+          <a:effectLst/>
+        </p:spPr>
+        <p:style>
+          <a:lnRef idx="1">
+            <a:schemeClr val="accent1"/>
+          </a:lnRef>
+          <a:fillRef idx="3">
+            <a:schemeClr val="accent1"/>
+          </a:fillRef>
+          <a:effectRef idx="2">
+            <a:schemeClr val="accent1"/>
+          </a:effectRef>
+          <a:fontRef idx="minor">
+            <a:schemeClr val="lt1"/>
+          </a:fontRef>
+        </p:style>
+      </p:sp>
+      <p:sp>
+        <p:nvSpPr>
+          <p:cNvPr id="63" name="Rectangle 57">
+            <a:extLst>
+              <a:ext uri="{FF2B5EF4-FFF2-40B4-BE49-F238E27FC236}">
+                <a16:creationId xmlns:a16="http://schemas.microsoft.com/office/drawing/2014/main" id="{D19504FF-266B-4F6E-BAA1-DF9730E90020}"/>
+              </a:ext>
+              <a:ext uri="{C183D7F6-B498-43B3-948B-1728B52AA6E4}">
+                <adec:decorative xmlns:adec="http://schemas.microsoft.com/office/drawing/2017/decorative" val="1"/>
+              </a:ext>
+            </a:extLst>
+          </p:cNvPr>
+          <p:cNvSpPr>
+            <a:spLocks noGrp="1" noRot="1" noChangeAspect="1" noMove="1" noResize="1" noEditPoints="1" noAdjustHandles="1" noChangeArrowheads="1" noChangeShapeType="1" noTextEdit="1"/>
+          </p:cNvSpPr>
+          <p:nvPr>
+            <p:extLst>
+              <p:ext uri="{386F3935-93C4-4BCD-93E2-E3B085C9AB24}">
+                <p16:designElem xmlns:p16="http://schemas.microsoft.com/office/powerpoint/2015/main" val="1"/>
+              </p:ext>
+            </p:extLst>
+          </p:nvPr>
+        </p:nvSpPr>
+        <p:spPr>
+          <a:xfrm>
+            <a:off x="442377" y="654222"/>
+            <a:ext cx="3702878" cy="2437844"/>
+          </a:xfrm>
+          <a:prstGeom prst="rect">
+            <a:avLst/>
+          </a:prstGeom>
+          <a:noFill/>
+          <a:ln w="19050">
+            <a:solidFill>
+              <a:schemeClr val="accent4"/>
+            </a:solidFill>
+          </a:ln>
+        </p:spPr>
+        <p:style>
+          <a:lnRef idx="2">
+            <a:schemeClr val="accent1">
+              <a:shade val="50000"/>
+            </a:schemeClr>
+          </a:lnRef>
+          <a:fillRef idx="1">
             <a:schemeClr val="accent1"/>
           </a:fillRef>
           <a:effectRef idx="0">
             <a:schemeClr val="accent1"/>
           </a:effectRef>
           <a:fontRef idx="minor">
-            <a:schemeClr val="tx1"/>
+            <a:schemeClr val="lt1"/>
           </a:fontRef>
         </p:style>
-      </p:cxnSp>
+        <p:txBody>
+          <a:bodyPr rtlCol="0" anchor="ctr"/>
+          <a:lstStyle/>
+          <a:p>
+            <a:pPr algn="ctr"/>
+            <a:endParaRPr lang="en-US"/>
+          </a:p>
+        </p:txBody>
+      </p:sp>
       <p:pic>
         <p:nvPicPr>
           <p:cNvPr id="16" name="Picture 15" descr="A screenshot of a cell phone&#10;&#10;Description automatically generated">
@@ -6107,26 +7308,26 @@
           <p:nvPr/>
         </p:nvPicPr>
         <p:blipFill rotWithShape="1">
-          <a:blip r:embed="rId3"/>
+          <a:blip r:embed="rId2"/>
           <a:srcRect t="9209" r="2" b="4809"/>
           <a:stretch/>
         </p:blipFill>
         <p:spPr>
           <a:xfrm>
-            <a:off x="6478261" y="618985"/>
-            <a:ext cx="4497987" cy="3435892"/>
+            <a:off x="873473" y="780711"/>
+            <a:ext cx="2837481" cy="2167476"/>
           </a:xfrm>
           <a:prstGeom prst="rect">
             <a:avLst/>
           </a:prstGeom>
         </p:spPr>
       </p:pic>
-      <p:sp useBgFill="1">
-        <p:nvSpPr>
-          <p:cNvPr id="41" name="Rectangle 40">
+      <p:sp>
+        <p:nvSpPr>
+          <p:cNvPr id="64" name="Rectangle 59">
             <a:extLst>
               <a:ext uri="{FF2B5EF4-FFF2-40B4-BE49-F238E27FC236}">
-                <a16:creationId xmlns:a16="http://schemas.microsoft.com/office/drawing/2014/main" id="{36B822CC-7DA9-4417-AA94-64CEB676F0B8}"/>
+                <a16:creationId xmlns:a16="http://schemas.microsoft.com/office/drawing/2014/main" id="{6464F78D-891F-49EC-ADDE-5E581A66ACA9}"/>
               </a:ext>
               <a:ext uri="{C183D7F6-B498-43B3-948B-1728B52AA6E4}">
                 <adec:decorative xmlns:adec="http://schemas.microsoft.com/office/drawing/2017/decorative" val="1"/>
@@ -6146,38 +7347,108 @@
         </p:nvSpPr>
         <p:spPr>
           <a:xfrm>
-            <a:off x="447234" y="4219240"/>
-            <a:ext cx="11301984" cy="94997"/>
+            <a:off x="4240312" y="654222"/>
+            <a:ext cx="3702878" cy="2437844"/>
           </a:xfrm>
           <a:prstGeom prst="rect">
             <a:avLst/>
           </a:prstGeom>
-          <a:ln>
-            <a:noFill/>
+          <a:noFill/>
+          <a:ln w="19050">
+            <a:solidFill>
+              <a:schemeClr val="accent4"/>
+            </a:solidFill>
           </a:ln>
-          <a:effectLst/>
         </p:spPr>
         <p:style>
-          <a:lnRef idx="1">
-            <a:schemeClr val="accent1"/>
+          <a:lnRef idx="2">
+            <a:schemeClr val="accent1">
+              <a:shade val="50000"/>
+            </a:schemeClr>
           </a:lnRef>
-          <a:fillRef idx="3">
+          <a:fillRef idx="1">
             <a:schemeClr val="accent1"/>
           </a:fillRef>
-          <a:effectRef idx="2">
+          <a:effectRef idx="0">
             <a:schemeClr val="accent1"/>
           </a:effectRef>
           <a:fontRef idx="minor">
             <a:schemeClr val="lt1"/>
           </a:fontRef>
         </p:style>
-      </p:sp>
-      <p:sp useBgFill="1">
-        <p:nvSpPr>
-          <p:cNvPr id="43" name="Rectangle 42">
+        <p:txBody>
+          <a:bodyPr rtlCol="0" anchor="ctr"/>
+          <a:lstStyle/>
+          <a:p>
+            <a:pPr algn="ctr"/>
+            <a:endParaRPr lang="en-US"/>
+          </a:p>
+        </p:txBody>
+      </p:sp>
+      <p:pic>
+        <p:nvPicPr>
+          <p:cNvPr id="28" name="Picture 27" descr="A screenshot of a cell phone&#10;&#10;Description automatically generated">
             <a:extLst>
               <a:ext uri="{FF2B5EF4-FFF2-40B4-BE49-F238E27FC236}">
-                <a16:creationId xmlns:a16="http://schemas.microsoft.com/office/drawing/2014/main" id="{AFA01E88-71CC-4FF3-9E81-51E0C32B45E4}"/>
+                <a16:creationId xmlns:a16="http://schemas.microsoft.com/office/drawing/2014/main" id="{5218AD00-53C0-3843-9C3A-7F1857EDAE0B}"/>
+              </a:ext>
+            </a:extLst>
+          </p:cNvPr>
+          <p:cNvPicPr>
+            <a:picLocks noChangeAspect="1"/>
+          </p:cNvPicPr>
+          <p:nvPr/>
+        </p:nvPicPr>
+        <p:blipFill>
+          <a:blip r:embed="rId3"/>
+          <a:stretch>
+            <a:fillRect/>
+          </a:stretch>
+        </p:blipFill>
+        <p:spPr>
+          <a:xfrm>
+            <a:off x="4391187" y="797468"/>
+            <a:ext cx="3392496" cy="2130552"/>
+          </a:xfrm>
+          <a:prstGeom prst="rect">
+            <a:avLst/>
+          </a:prstGeom>
+        </p:spPr>
+      </p:pic>
+      <p:pic>
+        <p:nvPicPr>
+          <p:cNvPr id="23" name="Picture 22" descr="A screenshot of a cell phone&#10;&#10;Description automatically generated">
+            <a:extLst>
+              <a:ext uri="{FF2B5EF4-FFF2-40B4-BE49-F238E27FC236}">
+                <a16:creationId xmlns:a16="http://schemas.microsoft.com/office/drawing/2014/main" id="{73F9B532-B43B-3F45-BE06-979F7F3A8811}"/>
+              </a:ext>
+            </a:extLst>
+          </p:cNvPr>
+          <p:cNvPicPr>
+            <a:picLocks noChangeAspect="1"/>
+          </p:cNvPicPr>
+          <p:nvPr/>
+        </p:nvPicPr>
+        <p:blipFill>
+          <a:blip r:embed="rId4"/>
+          <a:stretch/>
+        </p:blipFill>
+        <p:spPr>
+          <a:xfrm>
+            <a:off x="8188827" y="805372"/>
+            <a:ext cx="3400442" cy="2135543"/>
+          </a:xfrm>
+          <a:prstGeom prst="rect">
+            <a:avLst/>
+          </a:prstGeom>
+        </p:spPr>
+      </p:pic>
+      <p:sp>
+        <p:nvSpPr>
+          <p:cNvPr id="65" name="Rectangle 61">
+            <a:extLst>
+              <a:ext uri="{FF2B5EF4-FFF2-40B4-BE49-F238E27FC236}">
+                <a16:creationId xmlns:a16="http://schemas.microsoft.com/office/drawing/2014/main" id="{E125488F-35F4-46B0-BDF0-AFAA3610078B}"/>
               </a:ext>
               <a:ext uri="{C183D7F6-B498-43B3-948B-1728B52AA6E4}">
                 <adec:decorative xmlns:adec="http://schemas.microsoft.com/office/drawing/2017/decorative" val="1"/>
@@ -6197,89 +7468,41 @@
         </p:nvSpPr>
         <p:spPr>
           <a:xfrm>
-            <a:off x="447234" y="4359623"/>
-            <a:ext cx="11303626" cy="2051143"/>
+            <a:off x="8036239" y="654222"/>
+            <a:ext cx="3702878" cy="2437844"/>
           </a:xfrm>
           <a:prstGeom prst="rect">
             <a:avLst/>
           </a:prstGeom>
-          <a:ln w="6350" cmpd="sng">
-            <a:noFill/>
+          <a:noFill/>
+          <a:ln w="19050">
+            <a:solidFill>
+              <a:schemeClr val="accent4"/>
+            </a:solidFill>
           </a:ln>
-          <a:effectLst/>
         </p:spPr>
         <p:style>
-          <a:lnRef idx="1">
-            <a:schemeClr val="accent1"/>
+          <a:lnRef idx="2">
+            <a:schemeClr val="accent1">
+              <a:shade val="50000"/>
+            </a:schemeClr>
           </a:lnRef>
-          <a:fillRef idx="3">
+          <a:fillRef idx="1">
             <a:schemeClr val="accent1"/>
           </a:fillRef>
-          <a:effectRef idx="2">
+          <a:effectRef idx="0">
             <a:schemeClr val="accent1"/>
           </a:effectRef>
           <a:fontRef idx="minor">
             <a:schemeClr val="lt1"/>
           </a:fontRef>
         </p:style>
-      </p:sp>
-      <p:sp>
-        <p:nvSpPr>
-          <p:cNvPr id="2" name="Title 1">
-            <a:extLst>
-              <a:ext uri="{FF2B5EF4-FFF2-40B4-BE49-F238E27FC236}">
-                <a16:creationId xmlns:a16="http://schemas.microsoft.com/office/drawing/2014/main" id="{331C21C6-7084-FE4F-8FC4-AD73E7446C3F}"/>
-              </a:ext>
-            </a:extLst>
-          </p:cNvPr>
-          <p:cNvSpPr>
-            <a:spLocks noGrp="1"/>
-          </p:cNvSpPr>
-          <p:nvPr>
-            <p:ph type="title"/>
-          </p:nvPr>
-        </p:nvSpPr>
-        <p:spPr>
-          <a:xfrm>
-            <a:off x="679600" y="4518020"/>
-            <a:ext cx="3353432" cy="1685985"/>
-          </a:xfrm>
-        </p:spPr>
-        <p:txBody>
-          <a:bodyPr anchor="ctr">
-            <a:normAutofit/>
-          </a:bodyPr>
+        <p:txBody>
+          <a:bodyPr rtlCol="0" anchor="ctr"/>
           <a:lstStyle/>
           <a:p>
-            <a:pPr>
-              <a:lnSpc>
-                <a:spcPct val="90000"/>
-              </a:lnSpc>
-            </a:pPr>
-            <a:r>
-              <a:rPr lang="en-US" sz="1600" dirty="0">
-                <a:solidFill>
-                  <a:schemeClr val="tx2"/>
-                </a:solidFill>
-              </a:rPr>
-              <a:t>When we look only at the non-smokers, WE SEE WOMEN’S CHARGES ARE 13% </a:t>
-            </a:r>
-            <a:r>
-              <a:rPr lang="en-US" sz="1600" dirty="0" err="1">
-                <a:solidFill>
-                  <a:schemeClr val="tx2"/>
-                </a:solidFill>
-              </a:rPr>
-              <a:t>HIGHERregardless</a:t>
-            </a:r>
-            <a:r>
-              <a:rPr lang="en-US" sz="1600" dirty="0">
-                <a:solidFill>
-                  <a:schemeClr val="tx2"/>
-                </a:solidFill>
-              </a:rPr>
-              <a:t> of region</a:t>
-            </a:r>
+            <a:pPr algn="ctr"/>
+            <a:endParaRPr lang="en-US"/>
           </a:p>
         </p:txBody>
       </p:sp>
@@ -6301,8 +7524,8 @@
         </p:nvSpPr>
         <p:spPr>
           <a:xfrm>
-            <a:off x="4271491" y="4596992"/>
-            <a:ext cx="7240909" cy="1607012"/>
+            <a:off x="4590077" y="3608649"/>
+            <a:ext cx="6864154" cy="2800477"/>
           </a:xfrm>
         </p:spPr>
         <p:txBody>
@@ -6352,24 +7575,36 @@
         </p:nvSpPr>
         <p:spPr>
           <a:xfrm>
-            <a:off x="1189866" y="111934"/>
-            <a:ext cx="9047748" cy="461665"/>
+            <a:off x="873473" y="2731440"/>
+            <a:ext cx="2837481" cy="216747"/>
           </a:xfrm>
           <a:prstGeom prst="rect">
             <a:avLst/>
           </a:prstGeom>
-          <a:noFill/>
+          <a:solidFill>
+            <a:srgbClr val="000000">
+              <a:alpha val="50000"/>
+            </a:srgbClr>
+          </a:solidFill>
+          <a:ln>
+            <a:noFill/>
+          </a:ln>
         </p:spPr>
         <p:txBody>
           <a:bodyPr wrap="square" rtlCol="0">
-            <a:spAutoFit/>
+            <a:noAutofit/>
           </a:bodyPr>
           <a:lstStyle/>
           <a:p>
-            <a:r>
-              <a:rPr lang="en-US" sz="2400" dirty="0">
+            <a:pPr algn="ctr">
+              <a:spcAft>
+                <a:spcPts val="600"/>
+              </a:spcAft>
+            </a:pPr>
+            <a:r>
+              <a:rPr lang="en-US" sz="800">
                 <a:solidFill>
-                  <a:schemeClr val="accent1"/>
+                  <a:srgbClr val="FFFFFF"/>
                 </a:solidFill>
               </a:rPr>
               <a:t>ARE REGION AND GENDER SIGNIFICANTLY RELATED TO COSTS?</a:t>
@@ -6385,7 +7620,7 @@
     </p:extLst>
   </p:cSld>
   <p:clrMapOvr>
-    <a:overrideClrMapping bg1="dk1" tx1="lt1" bg2="dk2" tx2="lt2" accent1="accent1" accent2="accent2" accent3="accent3" accent4="accent4" accent5="accent5" accent6="accent6" hlink="hlink" folHlink="folHlink"/>
+    <a:masterClrMapping/>
   </p:clrMapOvr>
 </p:sld>
 </file>
@@ -6757,4 +7992,594 @@
     </a:ext>
   </a:extLst>
 </a:theme>
+</file>
+
+<file path=ppt/theme/theme2.xml><?xml version="1.0" encoding="utf-8"?>
+<a:theme xmlns:a="http://schemas.openxmlformats.org/drawingml/2006/main" name="Office Theme">
+  <a:themeElements>
+    <a:clrScheme name="Office">
+      <a:dk1>
+        <a:sysClr val="windowText" lastClr="000000"/>
+      </a:dk1>
+      <a:lt1>
+        <a:sysClr val="window" lastClr="FFFFFF"/>
+      </a:lt1>
+      <a:dk2>
+        <a:srgbClr val="44546A"/>
+      </a:dk2>
+      <a:lt2>
+        <a:srgbClr val="E7E6E6"/>
+      </a:lt2>
+      <a:accent1>
+        <a:srgbClr val="4472C4"/>
+      </a:accent1>
+      <a:accent2>
+        <a:srgbClr val="ED7D31"/>
+      </a:accent2>
+      <a:accent3>
+        <a:srgbClr val="A5A5A5"/>
+      </a:accent3>
+      <a:accent4>
+        <a:srgbClr val="FFC000"/>
+      </a:accent4>
+      <a:accent5>
+        <a:srgbClr val="5B9BD5"/>
+      </a:accent5>
+      <a:accent6>
+        <a:srgbClr val="70AD47"/>
+      </a:accent6>
+      <a:hlink>
+        <a:srgbClr val="0563C1"/>
+      </a:hlink>
+      <a:folHlink>
+        <a:srgbClr val="954F72"/>
+      </a:folHlink>
+    </a:clrScheme>
+    <a:fontScheme name="Office">
+      <a:majorFont>
+        <a:latin typeface="Calibri Light" panose="020F0302020204030204"/>
+        <a:ea typeface=""/>
+        <a:cs typeface=""/>
+        <a:font script="Jpan" typeface="游ゴシック Light"/>
+        <a:font script="Hang" typeface="맑은 고딕"/>
+        <a:font script="Hans" typeface="等线 Light"/>
+        <a:font script="Hant" typeface="新細明體"/>
+        <a:font script="Arab" typeface="Times New Roman"/>
+        <a:font script="Hebr" typeface="Times New Roman"/>
+        <a:font script="Thai" typeface="Angsana New"/>
+        <a:font script="Ethi" typeface="Nyala"/>
+        <a:font script="Beng" typeface="Vrinda"/>
+        <a:font script="Gujr" typeface="Shruti"/>
+        <a:font script="Khmr" typeface="MoolBoran"/>
+        <a:font script="Knda" typeface="Tunga"/>
+        <a:font script="Guru" typeface="Raavi"/>
+        <a:font script="Cans" typeface="Euphemia"/>
+        <a:font script="Cher" typeface="Plantagenet Cherokee"/>
+        <a:font script="Yiii" typeface="Microsoft Yi Baiti"/>
+        <a:font script="Tibt" typeface="Microsoft Himalaya"/>
+        <a:font script="Thaa" typeface="MV Boli"/>
+        <a:font script="Deva" typeface="Mangal"/>
+        <a:font script="Telu" typeface="Gautami"/>
+        <a:font script="Taml" typeface="Latha"/>
+        <a:font script="Syrc" typeface="Estrangelo Edessa"/>
+        <a:font script="Orya" typeface="Kalinga"/>
+        <a:font script="Mlym" typeface="Kartika"/>
+        <a:font script="Laoo" typeface="DokChampa"/>
+        <a:font script="Sinh" typeface="Iskoola Pota"/>
+        <a:font script="Mong" typeface="Mongolian Baiti"/>
+        <a:font script="Viet" typeface="Times New Roman"/>
+        <a:font script="Uigh" typeface="Microsoft Uighur"/>
+        <a:font script="Geor" typeface="Sylfaen"/>
+        <a:font script="Armn" typeface="Arial"/>
+        <a:font script="Bugi" typeface="Leelawadee UI"/>
+        <a:font script="Bopo" typeface="Microsoft JhengHei"/>
+        <a:font script="Java" typeface="Javanese Text"/>
+        <a:font script="Lisu" typeface="Segoe UI"/>
+        <a:font script="Mymr" typeface="Myanmar Text"/>
+        <a:font script="Nkoo" typeface="Ebrima"/>
+        <a:font script="Olck" typeface="Nirmala UI"/>
+        <a:font script="Osma" typeface="Ebrima"/>
+        <a:font script="Phag" typeface="Phagspa"/>
+        <a:font script="Syrn" typeface="Estrangelo Edessa"/>
+        <a:font script="Syrj" typeface="Estrangelo Edessa"/>
+        <a:font script="Syre" typeface="Estrangelo Edessa"/>
+        <a:font script="Sora" typeface="Nirmala UI"/>
+        <a:font script="Tale" typeface="Microsoft Tai Le"/>
+        <a:font script="Talu" typeface="Microsoft New Tai Lue"/>
+        <a:font script="Tfng" typeface="Ebrima"/>
+      </a:majorFont>
+      <a:minorFont>
+        <a:latin typeface="Calibri" panose="020F0502020204030204"/>
+        <a:ea typeface=""/>
+        <a:cs typeface=""/>
+        <a:font script="Jpan" typeface="游ゴシック"/>
+        <a:font script="Hang" typeface="맑은 고딕"/>
+        <a:font script="Hans" typeface="等线"/>
+        <a:font script="Hant" typeface="新細明體"/>
+        <a:font script="Arab" typeface="Arial"/>
+        <a:font script="Hebr" typeface="Arial"/>
+        <a:font script="Thai" typeface="Cordia New"/>
+        <a:font script="Ethi" typeface="Nyala"/>
+        <a:font script="Beng" typeface="Vrinda"/>
+        <a:font script="Gujr" typeface="Shruti"/>
+        <a:font script="Khmr" typeface="DaunPenh"/>
+        <a:font script="Knda" typeface="Tunga"/>
+        <a:font script="Guru" typeface="Raavi"/>
+        <a:font script="Cans" typeface="Euphemia"/>
+        <a:font script="Cher" typeface="Plantagenet Cherokee"/>
+        <a:font script="Yiii" typeface="Microsoft Yi Baiti"/>
+        <a:font script="Tibt" typeface="Microsoft Himalaya"/>
+        <a:font script="Thaa" typeface="MV Boli"/>
+        <a:font script="Deva" typeface="Mangal"/>
+        <a:font script="Telu" typeface="Gautami"/>
+        <a:font script="Taml" typeface="Latha"/>
+        <a:font script="Syrc" typeface="Estrangelo Edessa"/>
+        <a:font script="Orya" typeface="Kalinga"/>
+        <a:font script="Mlym" typeface="Kartika"/>
+        <a:font script="Laoo" typeface="DokChampa"/>
+        <a:font script="Sinh" typeface="Iskoola Pota"/>
+        <a:font script="Mong" typeface="Mongolian Baiti"/>
+        <a:font script="Viet" typeface="Arial"/>
+        <a:font script="Uigh" typeface="Microsoft Uighur"/>
+        <a:font script="Geor" typeface="Sylfaen"/>
+        <a:font script="Armn" typeface="Arial"/>
+        <a:font script="Bugi" typeface="Leelawadee UI"/>
+        <a:font script="Bopo" typeface="Microsoft JhengHei"/>
+        <a:font script="Java" typeface="Javanese Text"/>
+        <a:font script="Lisu" typeface="Segoe UI"/>
+        <a:font script="Mymr" typeface="Myanmar Text"/>
+        <a:font script="Nkoo" typeface="Ebrima"/>
+        <a:font script="Olck" typeface="Nirmala UI"/>
+        <a:font script="Osma" typeface="Ebrima"/>
+        <a:font script="Phag" typeface="Phagspa"/>
+        <a:font script="Syrn" typeface="Estrangelo Edessa"/>
+        <a:font script="Syrj" typeface="Estrangelo Edessa"/>
+        <a:font script="Syre" typeface="Estrangelo Edessa"/>
+        <a:font script="Sora" typeface="Nirmala UI"/>
+        <a:font script="Tale" typeface="Microsoft Tai Le"/>
+        <a:font script="Talu" typeface="Microsoft New Tai Lue"/>
+        <a:font script="Tfng" typeface="Ebrima"/>
+      </a:minorFont>
+    </a:fontScheme>
+    <a:fmtScheme name="Office">
+      <a:fillStyleLst>
+        <a:solidFill>
+          <a:schemeClr val="phClr"/>
+        </a:solidFill>
+        <a:gradFill rotWithShape="1">
+          <a:gsLst>
+            <a:gs pos="0">
+              <a:schemeClr val="phClr">
+                <a:lumMod val="110000"/>
+                <a:satMod val="105000"/>
+                <a:tint val="67000"/>
+              </a:schemeClr>
+            </a:gs>
+            <a:gs pos="50000">
+              <a:schemeClr val="phClr">
+                <a:lumMod val="105000"/>
+                <a:satMod val="103000"/>
+                <a:tint val="73000"/>
+              </a:schemeClr>
+            </a:gs>
+            <a:gs pos="100000">
+              <a:schemeClr val="phClr">
+                <a:lumMod val="105000"/>
+                <a:satMod val="109000"/>
+                <a:tint val="81000"/>
+              </a:schemeClr>
+            </a:gs>
+          </a:gsLst>
+          <a:lin ang="5400000" scaled="0"/>
+        </a:gradFill>
+        <a:gradFill rotWithShape="1">
+          <a:gsLst>
+            <a:gs pos="0">
+              <a:schemeClr val="phClr">
+                <a:satMod val="103000"/>
+                <a:lumMod val="102000"/>
+                <a:tint val="94000"/>
+              </a:schemeClr>
+            </a:gs>
+            <a:gs pos="50000">
+              <a:schemeClr val="phClr">
+                <a:satMod val="110000"/>
+                <a:lumMod val="100000"/>
+                <a:shade val="100000"/>
+              </a:schemeClr>
+            </a:gs>
+            <a:gs pos="100000">
+              <a:schemeClr val="phClr">
+                <a:lumMod val="99000"/>
+                <a:satMod val="120000"/>
+                <a:shade val="78000"/>
+              </a:schemeClr>
+            </a:gs>
+          </a:gsLst>
+          <a:lin ang="5400000" scaled="0"/>
+        </a:gradFill>
+      </a:fillStyleLst>
+      <a:lnStyleLst>
+        <a:ln w="6350" cap="flat" cmpd="sng" algn="ctr">
+          <a:solidFill>
+            <a:schemeClr val="phClr"/>
+          </a:solidFill>
+          <a:prstDash val="solid"/>
+          <a:miter lim="800000"/>
+        </a:ln>
+        <a:ln w="12700" cap="flat" cmpd="sng" algn="ctr">
+          <a:solidFill>
+            <a:schemeClr val="phClr"/>
+          </a:solidFill>
+          <a:prstDash val="solid"/>
+          <a:miter lim="800000"/>
+        </a:ln>
+        <a:ln w="19050" cap="flat" cmpd="sng" algn="ctr">
+          <a:solidFill>
+            <a:schemeClr val="phClr"/>
+          </a:solidFill>
+          <a:prstDash val="solid"/>
+          <a:miter lim="800000"/>
+        </a:ln>
+      </a:lnStyleLst>
+      <a:effectStyleLst>
+        <a:effectStyle>
+          <a:effectLst/>
+        </a:effectStyle>
+        <a:effectStyle>
+          <a:effectLst/>
+        </a:effectStyle>
+        <a:effectStyle>
+          <a:effectLst>
+            <a:outerShdw blurRad="57150" dist="19050" dir="5400000" algn="ctr" rotWithShape="0">
+              <a:srgbClr val="000000">
+                <a:alpha val="63000"/>
+              </a:srgbClr>
+            </a:outerShdw>
+          </a:effectLst>
+        </a:effectStyle>
+      </a:effectStyleLst>
+      <a:bgFillStyleLst>
+        <a:solidFill>
+          <a:schemeClr val="phClr"/>
+        </a:solidFill>
+        <a:solidFill>
+          <a:schemeClr val="phClr">
+            <a:tint val="95000"/>
+            <a:satMod val="170000"/>
+          </a:schemeClr>
+        </a:solidFill>
+        <a:gradFill rotWithShape="1">
+          <a:gsLst>
+            <a:gs pos="0">
+              <a:schemeClr val="phClr">
+                <a:tint val="93000"/>
+                <a:satMod val="150000"/>
+                <a:shade val="98000"/>
+                <a:lumMod val="102000"/>
+              </a:schemeClr>
+            </a:gs>
+            <a:gs pos="50000">
+              <a:schemeClr val="phClr">
+                <a:tint val="98000"/>
+                <a:satMod val="130000"/>
+                <a:shade val="90000"/>
+                <a:lumMod val="103000"/>
+              </a:schemeClr>
+            </a:gs>
+            <a:gs pos="100000">
+              <a:schemeClr val="phClr">
+                <a:shade val="63000"/>
+                <a:satMod val="120000"/>
+              </a:schemeClr>
+            </a:gs>
+          </a:gsLst>
+          <a:lin ang="5400000" scaled="0"/>
+        </a:gradFill>
+      </a:bgFillStyleLst>
+    </a:fmtScheme>
+  </a:themeElements>
+  <a:objectDefaults/>
+  <a:extraClrSchemeLst/>
+  <a:extLst>
+    <a:ext uri="{05A4C25C-085E-4340-85A3-A5531E510DB2}">
+      <thm15:themeFamily xmlns:thm15="http://schemas.microsoft.com/office/thememl/2012/main" name="Office Theme" id="{62F939B6-93AF-4DB8-9C6B-D6C7DFDC589F}" vid="{4A3C46E8-61CC-4603-A589-7422A47A8E4A}"/>
+    </a:ext>
+  </a:extLst>
+</a:theme>
+</file>
+
+<file path=ppt/theme/theme3.xml><?xml version="1.0" encoding="utf-8"?>
+<a:theme xmlns:a="http://schemas.openxmlformats.org/drawingml/2006/main" name="Office Theme">
+  <a:themeElements>
+    <a:clrScheme name="Office">
+      <a:dk1>
+        <a:sysClr val="windowText" lastClr="000000"/>
+      </a:dk1>
+      <a:lt1>
+        <a:sysClr val="window" lastClr="FFFFFF"/>
+      </a:lt1>
+      <a:dk2>
+        <a:srgbClr val="44546A"/>
+      </a:dk2>
+      <a:lt2>
+        <a:srgbClr val="E7E6E6"/>
+      </a:lt2>
+      <a:accent1>
+        <a:srgbClr val="4472C4"/>
+      </a:accent1>
+      <a:accent2>
+        <a:srgbClr val="ED7D31"/>
+      </a:accent2>
+      <a:accent3>
+        <a:srgbClr val="A5A5A5"/>
+      </a:accent3>
+      <a:accent4>
+        <a:srgbClr val="FFC000"/>
+      </a:accent4>
+      <a:accent5>
+        <a:srgbClr val="5B9BD5"/>
+      </a:accent5>
+      <a:accent6>
+        <a:srgbClr val="70AD47"/>
+      </a:accent6>
+      <a:hlink>
+        <a:srgbClr val="0563C1"/>
+      </a:hlink>
+      <a:folHlink>
+        <a:srgbClr val="954F72"/>
+      </a:folHlink>
+    </a:clrScheme>
+    <a:fontScheme name="Office">
+      <a:majorFont>
+        <a:latin typeface="Calibri Light" panose="020F0302020204030204"/>
+        <a:ea typeface=""/>
+        <a:cs typeface=""/>
+        <a:font script="Jpan" typeface="游ゴシック Light"/>
+        <a:font script="Hang" typeface="맑은 고딕"/>
+        <a:font script="Hans" typeface="等线 Light"/>
+        <a:font script="Hant" typeface="新細明體"/>
+        <a:font script="Arab" typeface="Times New Roman"/>
+        <a:font script="Hebr" typeface="Times New Roman"/>
+        <a:font script="Thai" typeface="Angsana New"/>
+        <a:font script="Ethi" typeface="Nyala"/>
+        <a:font script="Beng" typeface="Vrinda"/>
+        <a:font script="Gujr" typeface="Shruti"/>
+        <a:font script="Khmr" typeface="MoolBoran"/>
+        <a:font script="Knda" typeface="Tunga"/>
+        <a:font script="Guru" typeface="Raavi"/>
+        <a:font script="Cans" typeface="Euphemia"/>
+        <a:font script="Cher" typeface="Plantagenet Cherokee"/>
+        <a:font script="Yiii" typeface="Microsoft Yi Baiti"/>
+        <a:font script="Tibt" typeface="Microsoft Himalaya"/>
+        <a:font script="Thaa" typeface="MV Boli"/>
+        <a:font script="Deva" typeface="Mangal"/>
+        <a:font script="Telu" typeface="Gautami"/>
+        <a:font script="Taml" typeface="Latha"/>
+        <a:font script="Syrc" typeface="Estrangelo Edessa"/>
+        <a:font script="Orya" typeface="Kalinga"/>
+        <a:font script="Mlym" typeface="Kartika"/>
+        <a:font script="Laoo" typeface="DokChampa"/>
+        <a:font script="Sinh" typeface="Iskoola Pota"/>
+        <a:font script="Mong" typeface="Mongolian Baiti"/>
+        <a:font script="Viet" typeface="Times New Roman"/>
+        <a:font script="Uigh" typeface="Microsoft Uighur"/>
+        <a:font script="Geor" typeface="Sylfaen"/>
+        <a:font script="Armn" typeface="Arial"/>
+        <a:font script="Bugi" typeface="Leelawadee UI"/>
+        <a:font script="Bopo" typeface="Microsoft JhengHei"/>
+        <a:font script="Java" typeface="Javanese Text"/>
+        <a:font script="Lisu" typeface="Segoe UI"/>
+        <a:font script="Mymr" typeface="Myanmar Text"/>
+        <a:font script="Nkoo" typeface="Ebrima"/>
+        <a:font script="Olck" typeface="Nirmala UI"/>
+        <a:font script="Osma" typeface="Ebrima"/>
+        <a:font script="Phag" typeface="Phagspa"/>
+        <a:font script="Syrn" typeface="Estrangelo Edessa"/>
+        <a:font script="Syrj" typeface="Estrangelo Edessa"/>
+        <a:font script="Syre" typeface="Estrangelo Edessa"/>
+        <a:font script="Sora" typeface="Nirmala UI"/>
+        <a:font script="Tale" typeface="Microsoft Tai Le"/>
+        <a:font script="Talu" typeface="Microsoft New Tai Lue"/>
+        <a:font script="Tfng" typeface="Ebrima"/>
+      </a:majorFont>
+      <a:minorFont>
+        <a:latin typeface="Calibri" panose="020F0502020204030204"/>
+        <a:ea typeface=""/>
+        <a:cs typeface=""/>
+        <a:font script="Jpan" typeface="游ゴシック"/>
+        <a:font script="Hang" typeface="맑은 고딕"/>
+        <a:font script="Hans" typeface="等线"/>
+        <a:font script="Hant" typeface="新細明體"/>
+        <a:font script="Arab" typeface="Arial"/>
+        <a:font script="Hebr" typeface="Arial"/>
+        <a:font script="Thai" typeface="Cordia New"/>
+        <a:font script="Ethi" typeface="Nyala"/>
+        <a:font script="Beng" typeface="Vrinda"/>
+        <a:font script="Gujr" typeface="Shruti"/>
+        <a:font script="Khmr" typeface="DaunPenh"/>
+        <a:font script="Knda" typeface="Tunga"/>
+        <a:font script="Guru" typeface="Raavi"/>
+        <a:font script="Cans" typeface="Euphemia"/>
+        <a:font script="Cher" typeface="Plantagenet Cherokee"/>
+        <a:font script="Yiii" typeface="Microsoft Yi Baiti"/>
+        <a:font script="Tibt" typeface="Microsoft Himalaya"/>
+        <a:font script="Thaa" typeface="MV Boli"/>
+        <a:font script="Deva" typeface="Mangal"/>
+        <a:font script="Telu" typeface="Gautami"/>
+        <a:font script="Taml" typeface="Latha"/>
+        <a:font script="Syrc" typeface="Estrangelo Edessa"/>
+        <a:font script="Orya" typeface="Kalinga"/>
+        <a:font script="Mlym" typeface="Kartika"/>
+        <a:font script="Laoo" typeface="DokChampa"/>
+        <a:font script="Sinh" typeface="Iskoola Pota"/>
+        <a:font script="Mong" typeface="Mongolian Baiti"/>
+        <a:font script="Viet" typeface="Arial"/>
+        <a:font script="Uigh" typeface="Microsoft Uighur"/>
+        <a:font script="Geor" typeface="Sylfaen"/>
+        <a:font script="Armn" typeface="Arial"/>
+        <a:font script="Bugi" typeface="Leelawadee UI"/>
+        <a:font script="Bopo" typeface="Microsoft JhengHei"/>
+        <a:font script="Java" typeface="Javanese Text"/>
+        <a:font script="Lisu" typeface="Segoe UI"/>
+        <a:font script="Mymr" typeface="Myanmar Text"/>
+        <a:font script="Nkoo" typeface="Ebrima"/>
+        <a:font script="Olck" typeface="Nirmala UI"/>
+        <a:font script="Osma" typeface="Ebrima"/>
+        <a:font script="Phag" typeface="Phagspa"/>
+        <a:font script="Syrn" typeface="Estrangelo Edessa"/>
+        <a:font script="Syrj" typeface="Estrangelo Edessa"/>
+        <a:font script="Syre" typeface="Estrangelo Edessa"/>
+        <a:font script="Sora" typeface="Nirmala UI"/>
+        <a:font script="Tale" typeface="Microsoft Tai Le"/>
+        <a:font script="Talu" typeface="Microsoft New Tai Lue"/>
+        <a:font script="Tfng" typeface="Ebrima"/>
+      </a:minorFont>
+    </a:fontScheme>
+    <a:fmtScheme name="Office">
+      <a:fillStyleLst>
+        <a:solidFill>
+          <a:schemeClr val="phClr"/>
+        </a:solidFill>
+        <a:gradFill rotWithShape="1">
+          <a:gsLst>
+            <a:gs pos="0">
+              <a:schemeClr val="phClr">
+                <a:lumMod val="110000"/>
+                <a:satMod val="105000"/>
+                <a:tint val="67000"/>
+              </a:schemeClr>
+            </a:gs>
+            <a:gs pos="50000">
+              <a:schemeClr val="phClr">
+                <a:lumMod val="105000"/>
+                <a:satMod val="103000"/>
+                <a:tint val="73000"/>
+              </a:schemeClr>
+            </a:gs>
+            <a:gs pos="100000">
+              <a:schemeClr val="phClr">
+                <a:lumMod val="105000"/>
+                <a:satMod val="109000"/>
+                <a:tint val="81000"/>
+              </a:schemeClr>
+            </a:gs>
+          </a:gsLst>
+          <a:lin ang="5400000" scaled="0"/>
+        </a:gradFill>
+        <a:gradFill rotWithShape="1">
+          <a:gsLst>
+            <a:gs pos="0">
+              <a:schemeClr val="phClr">
+                <a:satMod val="103000"/>
+                <a:lumMod val="102000"/>
+                <a:tint val="94000"/>
+              </a:schemeClr>
+            </a:gs>
+            <a:gs pos="50000">
+              <a:schemeClr val="phClr">
+                <a:satMod val="110000"/>
+                <a:lumMod val="100000"/>
+                <a:shade val="100000"/>
+              </a:schemeClr>
+            </a:gs>
+            <a:gs pos="100000">
+              <a:schemeClr val="phClr">
+                <a:lumMod val="99000"/>
+                <a:satMod val="120000"/>
+                <a:shade val="78000"/>
+              </a:schemeClr>
+            </a:gs>
+          </a:gsLst>
+          <a:lin ang="5400000" scaled="0"/>
+        </a:gradFill>
+      </a:fillStyleLst>
+      <a:lnStyleLst>
+        <a:ln w="6350" cap="flat" cmpd="sng" algn="ctr">
+          <a:solidFill>
+            <a:schemeClr val="phClr"/>
+          </a:solidFill>
+          <a:prstDash val="solid"/>
+          <a:miter lim="800000"/>
+        </a:ln>
+        <a:ln w="12700" cap="flat" cmpd="sng" algn="ctr">
+          <a:solidFill>
+            <a:schemeClr val="phClr"/>
+          </a:solidFill>
+          <a:prstDash val="solid"/>
+          <a:miter lim="800000"/>
+        </a:ln>
+        <a:ln w="19050" cap="flat" cmpd="sng" algn="ctr">
+          <a:solidFill>
+            <a:schemeClr val="phClr"/>
+          </a:solidFill>
+          <a:prstDash val="solid"/>
+          <a:miter lim="800000"/>
+        </a:ln>
+      </a:lnStyleLst>
+      <a:effectStyleLst>
+        <a:effectStyle>
+          <a:effectLst/>
+        </a:effectStyle>
+        <a:effectStyle>
+          <a:effectLst/>
+        </a:effectStyle>
+        <a:effectStyle>
+          <a:effectLst>
+            <a:outerShdw blurRad="57150" dist="19050" dir="5400000" algn="ctr" rotWithShape="0">
+              <a:srgbClr val="000000">
+                <a:alpha val="63000"/>
+              </a:srgbClr>
+            </a:outerShdw>
+          </a:effectLst>
+        </a:effectStyle>
+      </a:effectStyleLst>
+      <a:bgFillStyleLst>
+        <a:solidFill>
+          <a:schemeClr val="phClr"/>
+        </a:solidFill>
+        <a:solidFill>
+          <a:schemeClr val="phClr">
+            <a:tint val="95000"/>
+            <a:satMod val="170000"/>
+          </a:schemeClr>
+        </a:solidFill>
+        <a:gradFill rotWithShape="1">
+          <a:gsLst>
+            <a:gs pos="0">
+              <a:schemeClr val="phClr">
+                <a:tint val="93000"/>
+                <a:satMod val="150000"/>
+                <a:shade val="98000"/>
+                <a:lumMod val="102000"/>
+              </a:schemeClr>
+            </a:gs>
+            <a:gs pos="50000">
+              <a:schemeClr val="phClr">
+                <a:tint val="98000"/>
+                <a:satMod val="130000"/>
+                <a:shade val="90000"/>
+                <a:lumMod val="103000"/>
+              </a:schemeClr>
+            </a:gs>
+            <a:gs pos="100000">
+              <a:schemeClr val="phClr">
+                <a:shade val="63000"/>
+                <a:satMod val="120000"/>
+              </a:schemeClr>
+            </a:gs>
+          </a:gsLst>
+          <a:lin ang="5400000" scaled="0"/>
+        </a:gradFill>
+      </a:bgFillStyleLst>
+    </a:fmtScheme>
+  </a:themeElements>
+  <a:objectDefaults/>
+  <a:extraClrSchemeLst/>
+  <a:extLst>
+    <a:ext uri="{05A4C25C-085E-4340-85A3-A5531E510DB2}">
+      <thm15:themeFamily xmlns:thm15="http://schemas.microsoft.com/office/thememl/2012/main" name="Office Theme" id="{62F939B6-93AF-4DB8-9C6B-D6C7DFDC589F}" vid="{4A3C46E8-61CC-4603-A589-7422A47A8E4A}"/>
+    </a:ext>
+  </a:extLst>
+</a:theme>
 </file>
--- a/Presentation6.pptx
+++ b/Presentation6.pptx
@@ -5,23 +5,25 @@
     <p:sldMasterId id="2147483648" r:id="rId1"/>
   </p:sldMasterIdLst>
   <p:notesMasterIdLst>
-    <p:notesMasterId r:id="rId13"/>
+    <p:notesMasterId r:id="rId15"/>
   </p:notesMasterIdLst>
   <p:handoutMasterIdLst>
-    <p:handoutMasterId r:id="rId14"/>
+    <p:handoutMasterId r:id="rId16"/>
   </p:handoutMasterIdLst>
   <p:sldIdLst>
     <p:sldId id="256" r:id="rId2"/>
-    <p:sldId id="262" r:id="rId3"/>
-    <p:sldId id="270" r:id="rId4"/>
-    <p:sldId id="272" r:id="rId5"/>
-    <p:sldId id="265" r:id="rId6"/>
-    <p:sldId id="261" r:id="rId7"/>
-    <p:sldId id="258" r:id="rId8"/>
-    <p:sldId id="264" r:id="rId9"/>
-    <p:sldId id="266" r:id="rId10"/>
+    <p:sldId id="270" r:id="rId3"/>
+    <p:sldId id="272" r:id="rId4"/>
+    <p:sldId id="275" r:id="rId5"/>
+    <p:sldId id="276" r:id="rId6"/>
+    <p:sldId id="277" r:id="rId7"/>
+    <p:sldId id="266" r:id="rId8"/>
+    <p:sldId id="268" r:id="rId9"/>
+    <p:sldId id="262" r:id="rId10"/>
     <p:sldId id="269" r:id="rId11"/>
-    <p:sldId id="268" r:id="rId12"/>
+    <p:sldId id="265" r:id="rId12"/>
+    <p:sldId id="261" r:id="rId13"/>
+    <p:sldId id="258" r:id="rId14"/>
   </p:sldIdLst>
   <p:sldSz cx="12192000" cy="6858000"/>
   <p:notesSz cx="6858000" cy="9144000"/>
@@ -120,6 +122,29 @@
       </a:defRPr>
     </a:lvl9pPr>
   </p:defaultTextStyle>
+  <p:extLst>
+    <p:ext uri="{521415D9-36F7-43E2-AB2F-B90AF26B5E84}">
+      <p14:sectionLst xmlns:p14="http://schemas.microsoft.com/office/powerpoint/2010/main">
+        <p14:section name="Default Section" id="{38DE4253-38F6-B448-9261-BCF1A8BDB741}">
+          <p14:sldIdLst>
+            <p14:sldId id="256"/>
+            <p14:sldId id="270"/>
+            <p14:sldId id="272"/>
+            <p14:sldId id="275"/>
+            <p14:sldId id="276"/>
+            <p14:sldId id="277"/>
+            <p14:sldId id="266"/>
+            <p14:sldId id="268"/>
+            <p14:sldId id="262"/>
+            <p14:sldId id="269"/>
+            <p14:sldId id="265"/>
+            <p14:sldId id="261"/>
+            <p14:sldId id="258"/>
+          </p14:sldIdLst>
+        </p14:section>
+      </p14:sectionLst>
+    </p:ext>
+  </p:extLst>
 </p:presentation>
 </file>
 
@@ -792,7 +817,18 @@
           <a:bodyPr/>
           <a:lstStyle/>
           <a:p>
-            <a:endParaRPr lang="en-US" dirty="0"/>
+            <a:r>
+              <a:rPr lang="en-US" dirty="0"/>
+              <a:t>There are many unexplained outliers for both smokers and non-smokers regardless of gender and age. Given the limited details of the dataset, I can not say if the outliers are due to chronic illness, accident </a:t>
+            </a:r>
+            <a:r>
+              <a:rPr lang="en-US" dirty="0" err="1"/>
+              <a:t>etc</a:t>
+            </a:r>
+            <a:r>
+              <a:rPr lang="en-US" dirty="0"/>
+              <a:t> that might result in very high insurance charges</a:t>
+            </a:r>
           </a:p>
         </p:txBody>
       </p:sp>
@@ -813,7 +849,7 @@
           <a:p>
             <a:fld id="{3CFD093F-147C-534F-828E-C80044553B62}" type="slidenum">
               <a:rPr lang="en-US" smtClean="0"/>
-              <a:t>2</a:t>
+              <a:t>3</a:t>
             </a:fld>
             <a:endParaRPr lang="en-US"/>
           </a:p>
@@ -822,7 +858,7 @@
     </p:spTree>
     <p:extLst>
       <p:ext uri="{BB962C8B-B14F-4D97-AF65-F5344CB8AC3E}">
-        <p14:creationId xmlns:p14="http://schemas.microsoft.com/office/powerpoint/2010/main" val="3958077032"/>
+        <p14:creationId xmlns:p14="http://schemas.microsoft.com/office/powerpoint/2010/main" val="2289001831"/>
       </p:ext>
     </p:extLst>
   </p:cSld>
@@ -897,7 +933,482 @@
           <a:p>
             <a:fld id="{3CFD093F-147C-534F-828E-C80044553B62}" type="slidenum">
               <a:rPr lang="en-US" smtClean="0"/>
+              <a:t>4</a:t>
+            </a:fld>
+            <a:endParaRPr lang="en-US"/>
+          </a:p>
+        </p:txBody>
+      </p:sp>
+    </p:spTree>
+    <p:extLst>
+      <p:ext uri="{BB962C8B-B14F-4D97-AF65-F5344CB8AC3E}">
+        <p14:creationId xmlns:p14="http://schemas.microsoft.com/office/powerpoint/2010/main" val="3700504261"/>
+      </p:ext>
+    </p:extLst>
+  </p:cSld>
+  <p:clrMapOvr>
+    <a:masterClrMapping/>
+  </p:clrMapOvr>
+</p:notes>
+</file>
+
+<file path=ppt/notesSlides/notesSlide4.xml><?xml version="1.0" encoding="utf-8"?>
+<p:notes xmlns:a="http://schemas.openxmlformats.org/drawingml/2006/main" xmlns:r="http://schemas.openxmlformats.org/officeDocument/2006/relationships" xmlns:p="http://schemas.openxmlformats.org/presentationml/2006/main">
+  <p:cSld>
+    <p:spTree>
+      <p:nvGrpSpPr>
+        <p:cNvPr id="1" name=""/>
+        <p:cNvGrpSpPr/>
+        <p:nvPr/>
+      </p:nvGrpSpPr>
+      <p:grpSpPr>
+        <a:xfrm>
+          <a:off x="0" y="0"/>
+          <a:ext cx="0" cy="0"/>
+          <a:chOff x="0" y="0"/>
+          <a:chExt cx="0" cy="0"/>
+        </a:xfrm>
+      </p:grpSpPr>
+      <p:sp>
+        <p:nvSpPr>
+          <p:cNvPr id="2" name="Slide Image Placeholder 1"/>
+          <p:cNvSpPr>
+            <a:spLocks noGrp="1" noRot="1" noChangeAspect="1"/>
+          </p:cNvSpPr>
+          <p:nvPr>
+            <p:ph type="sldImg"/>
+          </p:nvPr>
+        </p:nvSpPr>
+        <p:spPr/>
+      </p:sp>
+      <p:sp>
+        <p:nvSpPr>
+          <p:cNvPr id="3" name="Notes Placeholder 2"/>
+          <p:cNvSpPr>
+            <a:spLocks noGrp="1"/>
+          </p:cNvSpPr>
+          <p:nvPr>
+            <p:ph type="body" idx="1"/>
+          </p:nvPr>
+        </p:nvSpPr>
+        <p:spPr/>
+        <p:txBody>
+          <a:bodyPr/>
+          <a:lstStyle/>
+          <a:p>
+            <a:r>
+              <a:rPr lang="en-US" dirty="0"/>
+              <a:t>To examine the data more deeply too a look at Non-smokers as a separate group. </a:t>
+            </a:r>
+          </a:p>
+          <a:p>
+            <a:r>
+              <a:rPr lang="en-US" dirty="0"/>
+              <a:t>We can see a very linear relationship between age and charges. There are both males and females whose charges don’t</a:t>
+            </a:r>
+          </a:p>
+          <a:p>
+            <a:r>
+              <a:rPr lang="en-US" sz="1200" dirty="0">
+                <a:solidFill>
+                  <a:schemeClr val="accent2"/>
+                </a:solidFill>
+              </a:rPr>
+              <a:t>After removing 24% of outlier we created a DATA SET  that is applicable to 74% of cases</a:t>
+            </a:r>
+            <a:endParaRPr lang="en-US" dirty="0"/>
+          </a:p>
+        </p:txBody>
+      </p:sp>
+      <p:sp>
+        <p:nvSpPr>
+          <p:cNvPr id="4" name="Slide Number Placeholder 3"/>
+          <p:cNvSpPr>
+            <a:spLocks noGrp="1"/>
+          </p:cNvSpPr>
+          <p:nvPr>
+            <p:ph type="sldNum" sz="quarter" idx="5"/>
+          </p:nvPr>
+        </p:nvSpPr>
+        <p:spPr/>
+        <p:txBody>
+          <a:bodyPr/>
+          <a:lstStyle/>
+          <a:p>
+            <a:fld id="{3CFD093F-147C-534F-828E-C80044553B62}" type="slidenum">
+              <a:rPr lang="en-US" smtClean="0"/>
+              <a:t>5</a:t>
+            </a:fld>
+            <a:endParaRPr lang="en-US"/>
+          </a:p>
+        </p:txBody>
+      </p:sp>
+    </p:spTree>
+    <p:extLst>
+      <p:ext uri="{BB962C8B-B14F-4D97-AF65-F5344CB8AC3E}">
+        <p14:creationId xmlns:p14="http://schemas.microsoft.com/office/powerpoint/2010/main" val="530099488"/>
+      </p:ext>
+    </p:extLst>
+  </p:cSld>
+  <p:clrMapOvr>
+    <a:masterClrMapping/>
+  </p:clrMapOvr>
+</p:notes>
+</file>
+
+<file path=ppt/notesSlides/notesSlide5.xml><?xml version="1.0" encoding="utf-8"?>
+<p:notes xmlns:a="http://schemas.openxmlformats.org/drawingml/2006/main" xmlns:r="http://schemas.openxmlformats.org/officeDocument/2006/relationships" xmlns:p="http://schemas.openxmlformats.org/presentationml/2006/main">
+  <p:cSld>
+    <p:spTree>
+      <p:nvGrpSpPr>
+        <p:cNvPr id="1" name=""/>
+        <p:cNvGrpSpPr/>
+        <p:nvPr/>
+      </p:nvGrpSpPr>
+      <p:grpSpPr>
+        <a:xfrm>
+          <a:off x="0" y="0"/>
+          <a:ext cx="0" cy="0"/>
+          <a:chOff x="0" y="0"/>
+          <a:chExt cx="0" cy="0"/>
+        </a:xfrm>
+      </p:grpSpPr>
+      <p:sp>
+        <p:nvSpPr>
+          <p:cNvPr id="2" name="Slide Image Placeholder 1"/>
+          <p:cNvSpPr>
+            <a:spLocks noGrp="1" noRot="1" noChangeAspect="1"/>
+          </p:cNvSpPr>
+          <p:nvPr>
+            <p:ph type="sldImg"/>
+          </p:nvPr>
+        </p:nvSpPr>
+        <p:spPr/>
+      </p:sp>
+      <p:sp>
+        <p:nvSpPr>
+          <p:cNvPr id="3" name="Notes Placeholder 2"/>
+          <p:cNvSpPr>
+            <a:spLocks noGrp="1"/>
+          </p:cNvSpPr>
+          <p:nvPr>
+            <p:ph type="body" idx="1"/>
+          </p:nvPr>
+        </p:nvSpPr>
+        <p:spPr/>
+        <p:txBody>
+          <a:bodyPr/>
+          <a:lstStyle/>
+          <a:p>
+            <a:r>
+              <a:rPr lang="en-US" dirty="0"/>
+              <a:t>Even if you don’t smoke, where you live can significantly effect your charges</a:t>
+            </a:r>
+          </a:p>
+          <a:p>
+            <a:r>
+              <a:rPr lang="en-US" dirty="0"/>
+              <a:t>If you are a woman, gender and where you live effect your charges</a:t>
+            </a:r>
+          </a:p>
+        </p:txBody>
+      </p:sp>
+      <p:sp>
+        <p:nvSpPr>
+          <p:cNvPr id="4" name="Slide Number Placeholder 3"/>
+          <p:cNvSpPr>
+            <a:spLocks noGrp="1"/>
+          </p:cNvSpPr>
+          <p:nvPr>
+            <p:ph type="sldNum" sz="quarter" idx="5"/>
+          </p:nvPr>
+        </p:nvSpPr>
+        <p:spPr/>
+        <p:txBody>
+          <a:bodyPr/>
+          <a:lstStyle/>
+          <a:p>
+            <a:fld id="{3CFD093F-147C-534F-828E-C80044553B62}" type="slidenum">
+              <a:rPr lang="en-US" smtClean="0"/>
               <a:t>6</a:t>
+            </a:fld>
+            <a:endParaRPr lang="en-US"/>
+          </a:p>
+        </p:txBody>
+      </p:sp>
+    </p:spTree>
+    <p:extLst>
+      <p:ext uri="{BB962C8B-B14F-4D97-AF65-F5344CB8AC3E}">
+        <p14:creationId xmlns:p14="http://schemas.microsoft.com/office/powerpoint/2010/main" val="569036597"/>
+      </p:ext>
+    </p:extLst>
+  </p:cSld>
+  <p:clrMapOvr>
+    <a:masterClrMapping/>
+  </p:clrMapOvr>
+</p:notes>
+</file>
+
+<file path=ppt/notesSlides/notesSlide6.xml><?xml version="1.0" encoding="utf-8"?>
+<p:notes xmlns:a="http://schemas.openxmlformats.org/drawingml/2006/main" xmlns:r="http://schemas.openxmlformats.org/officeDocument/2006/relationships" xmlns:p="http://schemas.openxmlformats.org/presentationml/2006/main">
+  <p:cSld>
+    <p:spTree>
+      <p:nvGrpSpPr>
+        <p:cNvPr id="1" name=""/>
+        <p:cNvGrpSpPr/>
+        <p:nvPr/>
+      </p:nvGrpSpPr>
+      <p:grpSpPr>
+        <a:xfrm>
+          <a:off x="0" y="0"/>
+          <a:ext cx="0" cy="0"/>
+          <a:chOff x="0" y="0"/>
+          <a:chExt cx="0" cy="0"/>
+        </a:xfrm>
+      </p:grpSpPr>
+      <p:sp>
+        <p:nvSpPr>
+          <p:cNvPr id="2" name="Slide Image Placeholder 1"/>
+          <p:cNvSpPr>
+            <a:spLocks noGrp="1" noRot="1" noChangeAspect="1"/>
+          </p:cNvSpPr>
+          <p:nvPr>
+            <p:ph type="sldImg"/>
+          </p:nvPr>
+        </p:nvSpPr>
+        <p:spPr/>
+      </p:sp>
+      <p:sp>
+        <p:nvSpPr>
+          <p:cNvPr id="3" name="Notes Placeholder 2"/>
+          <p:cNvSpPr>
+            <a:spLocks noGrp="1"/>
+          </p:cNvSpPr>
+          <p:nvPr>
+            <p:ph type="body" idx="1"/>
+          </p:nvPr>
+        </p:nvSpPr>
+        <p:spPr/>
+        <p:txBody>
+          <a:bodyPr/>
+          <a:lstStyle/>
+          <a:p>
+            <a:endParaRPr lang="en-US" dirty="0"/>
+          </a:p>
+        </p:txBody>
+      </p:sp>
+      <p:sp>
+        <p:nvSpPr>
+          <p:cNvPr id="4" name="Slide Number Placeholder 3"/>
+          <p:cNvSpPr>
+            <a:spLocks noGrp="1"/>
+          </p:cNvSpPr>
+          <p:nvPr>
+            <p:ph type="sldNum" sz="quarter" idx="5"/>
+          </p:nvPr>
+        </p:nvSpPr>
+        <p:spPr/>
+        <p:txBody>
+          <a:bodyPr/>
+          <a:lstStyle/>
+          <a:p>
+            <a:fld id="{3CFD093F-147C-534F-828E-C80044553B62}" type="slidenum">
+              <a:rPr lang="en-US" smtClean="0"/>
+              <a:t>9</a:t>
+            </a:fld>
+            <a:endParaRPr lang="en-US"/>
+          </a:p>
+        </p:txBody>
+      </p:sp>
+    </p:spTree>
+    <p:extLst>
+      <p:ext uri="{BB962C8B-B14F-4D97-AF65-F5344CB8AC3E}">
+        <p14:creationId xmlns:p14="http://schemas.microsoft.com/office/powerpoint/2010/main" val="3958077032"/>
+      </p:ext>
+    </p:extLst>
+  </p:cSld>
+  <p:clrMapOvr>
+    <a:masterClrMapping/>
+  </p:clrMapOvr>
+</p:notes>
+</file>
+
+<file path=ppt/notesSlides/notesSlide7.xml><?xml version="1.0" encoding="utf-8"?>
+<p:notes xmlns:a="http://schemas.openxmlformats.org/drawingml/2006/main" xmlns:r="http://schemas.openxmlformats.org/officeDocument/2006/relationships" xmlns:p="http://schemas.openxmlformats.org/presentationml/2006/main">
+  <p:cSld>
+    <p:spTree>
+      <p:nvGrpSpPr>
+        <p:cNvPr id="1" name=""/>
+        <p:cNvGrpSpPr/>
+        <p:nvPr/>
+      </p:nvGrpSpPr>
+      <p:grpSpPr>
+        <a:xfrm>
+          <a:off x="0" y="0"/>
+          <a:ext cx="0" cy="0"/>
+          <a:chOff x="0" y="0"/>
+          <a:chExt cx="0" cy="0"/>
+        </a:xfrm>
+      </p:grpSpPr>
+      <p:sp>
+        <p:nvSpPr>
+          <p:cNvPr id="2" name="Slide Image Placeholder 1"/>
+          <p:cNvSpPr>
+            <a:spLocks noGrp="1" noRot="1" noChangeAspect="1"/>
+          </p:cNvSpPr>
+          <p:nvPr>
+            <p:ph type="sldImg"/>
+          </p:nvPr>
+        </p:nvSpPr>
+        <p:spPr/>
+      </p:sp>
+      <p:sp>
+        <p:nvSpPr>
+          <p:cNvPr id="3" name="Notes Placeholder 2"/>
+          <p:cNvSpPr>
+            <a:spLocks noGrp="1"/>
+          </p:cNvSpPr>
+          <p:nvPr>
+            <p:ph type="body" idx="1"/>
+          </p:nvPr>
+        </p:nvSpPr>
+        <p:spPr/>
+        <p:txBody>
+          <a:bodyPr/>
+          <a:lstStyle/>
+          <a:p>
+            <a:endParaRPr lang="en-US" dirty="0"/>
+          </a:p>
+          <a:p>
+            <a:r>
+              <a:rPr lang="en-US" dirty="0"/>
+              <a:t>When you look at the smoker and non-smokers as a single data set, you don’t see a very strong correlation between age and the charges.</a:t>
+            </a:r>
+          </a:p>
+          <a:p>
+            <a:r>
+              <a:rPr lang="en-US" dirty="0"/>
+              <a:t>Smoking is such a determining factor that is obscures other stories this data might tell</a:t>
+            </a:r>
+          </a:p>
+        </p:txBody>
+      </p:sp>
+      <p:sp>
+        <p:nvSpPr>
+          <p:cNvPr id="4" name="Slide Number Placeholder 3"/>
+          <p:cNvSpPr>
+            <a:spLocks noGrp="1"/>
+          </p:cNvSpPr>
+          <p:nvPr>
+            <p:ph type="sldNum" sz="quarter" idx="5"/>
+          </p:nvPr>
+        </p:nvSpPr>
+        <p:spPr/>
+        <p:txBody>
+          <a:bodyPr/>
+          <a:lstStyle/>
+          <a:p>
+            <a:fld id="{3CFD093F-147C-534F-828E-C80044553B62}" type="slidenum">
+              <a:rPr lang="en-US" smtClean="0"/>
+              <a:t>11</a:t>
+            </a:fld>
+            <a:endParaRPr lang="en-US"/>
+          </a:p>
+        </p:txBody>
+      </p:sp>
+    </p:spTree>
+    <p:extLst>
+      <p:ext uri="{BB962C8B-B14F-4D97-AF65-F5344CB8AC3E}">
+        <p14:creationId xmlns:p14="http://schemas.microsoft.com/office/powerpoint/2010/main" val="3589214684"/>
+      </p:ext>
+    </p:extLst>
+  </p:cSld>
+  <p:clrMapOvr>
+    <a:masterClrMapping/>
+  </p:clrMapOvr>
+</p:notes>
+</file>
+
+<file path=ppt/notesSlides/notesSlide8.xml><?xml version="1.0" encoding="utf-8"?>
+<p:notes xmlns:a="http://schemas.openxmlformats.org/drawingml/2006/main" xmlns:r="http://schemas.openxmlformats.org/officeDocument/2006/relationships" xmlns:p="http://schemas.openxmlformats.org/presentationml/2006/main">
+  <p:cSld>
+    <p:spTree>
+      <p:nvGrpSpPr>
+        <p:cNvPr id="1" name=""/>
+        <p:cNvGrpSpPr/>
+        <p:nvPr/>
+      </p:nvGrpSpPr>
+      <p:grpSpPr>
+        <a:xfrm>
+          <a:off x="0" y="0"/>
+          <a:ext cx="0" cy="0"/>
+          <a:chOff x="0" y="0"/>
+          <a:chExt cx="0" cy="0"/>
+        </a:xfrm>
+      </p:grpSpPr>
+      <p:sp>
+        <p:nvSpPr>
+          <p:cNvPr id="2" name="Slide Image Placeholder 1"/>
+          <p:cNvSpPr>
+            <a:spLocks noGrp="1" noRot="1" noChangeAspect="1"/>
+          </p:cNvSpPr>
+          <p:nvPr>
+            <p:ph type="sldImg"/>
+          </p:nvPr>
+        </p:nvSpPr>
+        <p:spPr/>
+      </p:sp>
+      <p:sp>
+        <p:nvSpPr>
+          <p:cNvPr id="3" name="Notes Placeholder 2"/>
+          <p:cNvSpPr>
+            <a:spLocks noGrp="1"/>
+          </p:cNvSpPr>
+          <p:nvPr>
+            <p:ph type="body" idx="1"/>
+          </p:nvPr>
+        </p:nvSpPr>
+        <p:spPr/>
+        <p:txBody>
+          <a:bodyPr/>
+          <a:lstStyle/>
+          <a:p>
+            <a:r>
+              <a:rPr lang="en-US" dirty="0"/>
+              <a:t>To examine the data more deeply too a look at Non-smokers as a separate group. </a:t>
+            </a:r>
+          </a:p>
+          <a:p>
+            <a:r>
+              <a:rPr lang="en-US" dirty="0"/>
+              <a:t>We can see a very linear relationship between age and charges. There are both males and females whose charges </a:t>
+            </a:r>
+            <a:r>
+              <a:rPr lang="en-US" dirty="0" err="1"/>
+              <a:t>dont</a:t>
+            </a:r>
+            <a:endParaRPr lang="en-US" dirty="0"/>
+          </a:p>
+        </p:txBody>
+      </p:sp>
+      <p:sp>
+        <p:nvSpPr>
+          <p:cNvPr id="4" name="Slide Number Placeholder 3"/>
+          <p:cNvSpPr>
+            <a:spLocks noGrp="1"/>
+          </p:cNvSpPr>
+          <p:nvPr>
+            <p:ph type="sldNum" sz="quarter" idx="5"/>
+          </p:nvPr>
+        </p:nvSpPr>
+        <p:spPr/>
+        <p:txBody>
+          <a:bodyPr/>
+          <a:lstStyle/>
+          <a:p>
+            <a:fld id="{3CFD093F-147C-534F-828E-C80044553B62}" type="slidenum">
+              <a:rPr lang="en-US" smtClean="0"/>
+              <a:t>12</a:t>
             </a:fld>
             <a:endParaRPr lang="en-US"/>
           </a:p>
@@ -907,6 +1418,93 @@
     <p:extLst>
       <p:ext uri="{BB962C8B-B14F-4D97-AF65-F5344CB8AC3E}">
         <p14:creationId xmlns:p14="http://schemas.microsoft.com/office/powerpoint/2010/main" val="3405891204"/>
+      </p:ext>
+    </p:extLst>
+  </p:cSld>
+  <p:clrMapOvr>
+    <a:masterClrMapping/>
+  </p:clrMapOvr>
+</p:notes>
+</file>
+
+<file path=ppt/notesSlides/notesSlide9.xml><?xml version="1.0" encoding="utf-8"?>
+<p:notes xmlns:a="http://schemas.openxmlformats.org/drawingml/2006/main" xmlns:r="http://schemas.openxmlformats.org/officeDocument/2006/relationships" xmlns:p="http://schemas.openxmlformats.org/presentationml/2006/main">
+  <p:cSld>
+    <p:spTree>
+      <p:nvGrpSpPr>
+        <p:cNvPr id="1" name=""/>
+        <p:cNvGrpSpPr/>
+        <p:nvPr/>
+      </p:nvGrpSpPr>
+      <p:grpSpPr>
+        <a:xfrm>
+          <a:off x="0" y="0"/>
+          <a:ext cx="0" cy="0"/>
+          <a:chOff x="0" y="0"/>
+          <a:chExt cx="0" cy="0"/>
+        </a:xfrm>
+      </p:grpSpPr>
+      <p:sp>
+        <p:nvSpPr>
+          <p:cNvPr id="2" name="Slide Image Placeholder 1"/>
+          <p:cNvSpPr>
+            <a:spLocks noGrp="1" noRot="1" noChangeAspect="1"/>
+          </p:cNvSpPr>
+          <p:nvPr>
+            <p:ph type="sldImg"/>
+          </p:nvPr>
+        </p:nvSpPr>
+        <p:spPr/>
+      </p:sp>
+      <p:sp>
+        <p:nvSpPr>
+          <p:cNvPr id="3" name="Notes Placeholder 2"/>
+          <p:cNvSpPr>
+            <a:spLocks noGrp="1"/>
+          </p:cNvSpPr>
+          <p:nvPr>
+            <p:ph type="body" idx="1"/>
+          </p:nvPr>
+        </p:nvSpPr>
+        <p:spPr/>
+        <p:txBody>
+          <a:bodyPr/>
+          <a:lstStyle/>
+          <a:p>
+            <a:r>
+              <a:rPr lang="en-US" dirty="0"/>
+              <a:t>WHAT WAS ONLY A WEAK CORRELATION WHEN I EXAMINED SMOKERS AND NON-SMOKERS TOGETHER, THE  RELATIONSHIP BETWEEN AGE AND CHARGES  IS MUCH MORE HIGHLY CORRELATED  AND CLEARER CLEARER WHEN NON-SMOKERS ARE VIEWED INDEPENDENTLY. THE RELATIONSHIP BETWEEN AGE AND CHARGES IS ALMOST IDENTICAL FOR MEN AND WOMEN</a:t>
+            </a:r>
+          </a:p>
+        </p:txBody>
+      </p:sp>
+      <p:sp>
+        <p:nvSpPr>
+          <p:cNvPr id="4" name="Slide Number Placeholder 3"/>
+          <p:cNvSpPr>
+            <a:spLocks noGrp="1"/>
+          </p:cNvSpPr>
+          <p:nvPr>
+            <p:ph type="sldNum" sz="quarter" idx="5"/>
+          </p:nvPr>
+        </p:nvSpPr>
+        <p:spPr/>
+        <p:txBody>
+          <a:bodyPr/>
+          <a:lstStyle/>
+          <a:p>
+            <a:fld id="{3CFD093F-147C-534F-828E-C80044553B62}" type="slidenum">
+              <a:rPr lang="en-US" smtClean="0"/>
+              <a:t>13</a:t>
+            </a:fld>
+            <a:endParaRPr lang="en-US"/>
+          </a:p>
+        </p:txBody>
+      </p:sp>
+    </p:spTree>
+    <p:extLst>
+      <p:ext uri="{BB962C8B-B14F-4D97-AF65-F5344CB8AC3E}">
+        <p14:creationId xmlns:p14="http://schemas.microsoft.com/office/powerpoint/2010/main" val="2557258611"/>
       </p:ext>
     </p:extLst>
   </p:cSld>
@@ -4879,908 +5477,6 @@
           <p:cNvPr id="2" name="Title 1">
             <a:extLst>
               <a:ext uri="{FF2B5EF4-FFF2-40B4-BE49-F238E27FC236}">
-                <a16:creationId xmlns:a16="http://schemas.microsoft.com/office/drawing/2014/main" id="{5711F0C9-5508-FA40-84B9-72BE20D837C5}"/>
-              </a:ext>
-            </a:extLst>
-          </p:cNvPr>
-          <p:cNvSpPr>
-            <a:spLocks noGrp="1"/>
-          </p:cNvSpPr>
-          <p:nvPr>
-            <p:ph type="title"/>
-          </p:nvPr>
-        </p:nvSpPr>
-        <p:spPr/>
-        <p:txBody>
-          <a:bodyPr/>
-          <a:lstStyle/>
-          <a:p>
-            <a:r>
-              <a:rPr lang="en-US" dirty="0"/>
-              <a:t>SUMMARY AND NEXT STEPS</a:t>
-            </a:r>
-          </a:p>
-        </p:txBody>
-      </p:sp>
-      <p:sp>
-        <p:nvSpPr>
-          <p:cNvPr id="3" name="Content Placeholder 2">
-            <a:extLst>
-              <a:ext uri="{FF2B5EF4-FFF2-40B4-BE49-F238E27FC236}">
-                <a16:creationId xmlns:a16="http://schemas.microsoft.com/office/drawing/2014/main" id="{A987A90A-01B4-D24B-9E4D-132228FE1AEC}"/>
-              </a:ext>
-            </a:extLst>
-          </p:cNvPr>
-          <p:cNvSpPr>
-            <a:spLocks noGrp="1"/>
-          </p:cNvSpPr>
-          <p:nvPr>
-            <p:ph idx="1"/>
-          </p:nvPr>
-        </p:nvSpPr>
-        <p:spPr/>
-        <p:txBody>
-          <a:bodyPr anchor="t"/>
-          <a:lstStyle/>
-          <a:p>
-            <a:endParaRPr lang="en-US" dirty="0"/>
-          </a:p>
-          <a:p>
-            <a:r>
-              <a:rPr lang="en-US" dirty="0"/>
-              <a:t>EXPLORE OTHER TYPES OF STATISTICAL MODELS  THAT MIGHT FIT THE DATA BETTER</a:t>
-            </a:r>
-          </a:p>
-          <a:p>
-            <a:r>
-              <a:rPr lang="en-US" dirty="0"/>
-              <a:t>THE DATA SET WAS LIMITED IN SIZE AND SCOPE, REPEAT PROJECT WITH MORE DETAILED AND LARGER DATA SETS</a:t>
-            </a:r>
-          </a:p>
-          <a:p>
-            <a:r>
-              <a:rPr lang="en-US" dirty="0"/>
-              <a:t>EXPLORE UNEXPLAINED DATA ANOMOLIES AND BIMODAL ACTIVITY </a:t>
-            </a:r>
-          </a:p>
-        </p:txBody>
-      </p:sp>
-    </p:spTree>
-    <p:extLst>
-      <p:ext uri="{BB962C8B-B14F-4D97-AF65-F5344CB8AC3E}">
-        <p14:creationId xmlns:p14="http://schemas.microsoft.com/office/powerpoint/2010/main" val="82148327"/>
-      </p:ext>
-    </p:extLst>
-  </p:cSld>
-  <p:clrMapOvr>
-    <a:masterClrMapping/>
-  </p:clrMapOvr>
-</p:sld>
-</file>
-
-<file path=ppt/slides/slide2.xml><?xml version="1.0" encoding="utf-8"?>
-<p:sld xmlns:a="http://schemas.openxmlformats.org/drawingml/2006/main" xmlns:r="http://schemas.openxmlformats.org/officeDocument/2006/relationships" xmlns:p="http://schemas.openxmlformats.org/presentationml/2006/main">
-  <p:cSld>
-    <p:spTree>
-      <p:nvGrpSpPr>
-        <p:cNvPr id="1" name=""/>
-        <p:cNvGrpSpPr/>
-        <p:nvPr/>
-      </p:nvGrpSpPr>
-      <p:grpSpPr>
-        <a:xfrm>
-          <a:off x="0" y="0"/>
-          <a:ext cx="0" cy="0"/>
-          <a:chOff x="0" y="0"/>
-          <a:chExt cx="0" cy="0"/>
-        </a:xfrm>
-      </p:grpSpPr>
-      <p:sp>
-        <p:nvSpPr>
-          <p:cNvPr id="2" name="Title 1">
-            <a:extLst>
-              <a:ext uri="{FF2B5EF4-FFF2-40B4-BE49-F238E27FC236}">
-                <a16:creationId xmlns:a16="http://schemas.microsoft.com/office/drawing/2014/main" id="{71BD1667-0455-594F-AB36-C17B22BE530A}"/>
-              </a:ext>
-            </a:extLst>
-          </p:cNvPr>
-          <p:cNvSpPr>
-            <a:spLocks noGrp="1"/>
-          </p:cNvSpPr>
-          <p:nvPr>
-            <p:ph type="title"/>
-          </p:nvPr>
-        </p:nvSpPr>
-        <p:spPr>
-          <a:xfrm>
-            <a:off x="581192" y="702156"/>
-            <a:ext cx="11029616" cy="1140932"/>
-          </a:xfrm>
-        </p:spPr>
-        <p:txBody>
-          <a:bodyPr anchor="t"/>
-          <a:lstStyle/>
-          <a:p>
-            <a:br>
-              <a:rPr lang="en-US" dirty="0"/>
-            </a:br>
-            <a:endParaRPr lang="en-US" dirty="0"/>
-          </a:p>
-        </p:txBody>
-      </p:sp>
-      <p:sp>
-        <p:nvSpPr>
-          <p:cNvPr id="3" name="Content Placeholder 2">
-            <a:extLst>
-              <a:ext uri="{FF2B5EF4-FFF2-40B4-BE49-F238E27FC236}">
-                <a16:creationId xmlns:a16="http://schemas.microsoft.com/office/drawing/2014/main" id="{CD723FF6-03FF-4B49-A8EF-E97D5FD4C2C6}"/>
-              </a:ext>
-            </a:extLst>
-          </p:cNvPr>
-          <p:cNvSpPr>
-            <a:spLocks noGrp="1"/>
-          </p:cNvSpPr>
-          <p:nvPr>
-            <p:ph idx="1"/>
-          </p:nvPr>
-        </p:nvSpPr>
-        <p:spPr>
-          <a:xfrm>
-            <a:off x="6734175" y="2451958"/>
-            <a:ext cx="4876633" cy="3434492"/>
-          </a:xfrm>
-        </p:spPr>
-        <p:txBody>
-          <a:bodyPr/>
-          <a:lstStyle/>
-          <a:p>
-            <a:r>
-              <a:rPr lang="en-US" dirty="0"/>
-              <a:t>Can gender be used to predict insurance charges?</a:t>
-            </a:r>
-          </a:p>
-          <a:p>
-            <a:r>
-              <a:rPr lang="en-US" dirty="0"/>
-              <a:t>Is the difference in charges between men and women in this data set statistically significant?</a:t>
-            </a:r>
-          </a:p>
-          <a:p>
-            <a:r>
-              <a:rPr lang="en-US" dirty="0"/>
-              <a:t>Does the region in which you live effect your charges?</a:t>
-            </a:r>
-          </a:p>
-        </p:txBody>
-      </p:sp>
-      <p:sp>
-        <p:nvSpPr>
-          <p:cNvPr id="4" name="TextBox 3">
-            <a:extLst>
-              <a:ext uri="{FF2B5EF4-FFF2-40B4-BE49-F238E27FC236}">
-                <a16:creationId xmlns:a16="http://schemas.microsoft.com/office/drawing/2014/main" id="{4A3DD61A-D5EC-2F45-8574-EA3D6EF6EF48}"/>
-              </a:ext>
-            </a:extLst>
-          </p:cNvPr>
-          <p:cNvSpPr txBox="1"/>
-          <p:nvPr/>
-        </p:nvSpPr>
-        <p:spPr>
-          <a:xfrm>
-            <a:off x="328613" y="3015042"/>
-            <a:ext cx="5924382" cy="2308324"/>
-          </a:xfrm>
-          <a:prstGeom prst="rect">
-            <a:avLst/>
-          </a:prstGeom>
-          <a:noFill/>
-        </p:spPr>
-        <p:txBody>
-          <a:bodyPr wrap="square" rtlCol="0" anchor="ctr">
-            <a:spAutoFit/>
-          </a:bodyPr>
-          <a:lstStyle/>
-          <a:p>
-            <a:r>
-              <a:rPr lang="en-US" dirty="0"/>
-              <a:t>“While women and men both feel the impact of health costs, such as insurance premiums, co-payments, and deductibles, they can be particularly burdensome for women who on average earn lower wages, have fewer financial assets, accumulate less wealth, and have higher rates of poverty than men.” - </a:t>
-            </a:r>
-            <a:r>
-              <a:rPr lang="en-US" sz="1400" b="1" i="1" dirty="0"/>
-              <a:t>Women's Coverage, Access, and Affordability: Key Findings from the 2017 Kaiser Women’s Health Survey</a:t>
-            </a:r>
-          </a:p>
-          <a:p>
-            <a:endParaRPr lang="en-US" dirty="0"/>
-          </a:p>
-        </p:txBody>
-      </p:sp>
-    </p:spTree>
-    <p:extLst>
-      <p:ext uri="{BB962C8B-B14F-4D97-AF65-F5344CB8AC3E}">
-        <p14:creationId xmlns:p14="http://schemas.microsoft.com/office/powerpoint/2010/main" val="2365626266"/>
-      </p:ext>
-    </p:extLst>
-  </p:cSld>
-  <p:clrMapOvr>
-    <a:masterClrMapping/>
-  </p:clrMapOvr>
-</p:sld>
-</file>
-
-<file path=ppt/slides/slide3.xml><?xml version="1.0" encoding="utf-8"?>
-<p:sld xmlns:a="http://schemas.openxmlformats.org/drawingml/2006/main" xmlns:r="http://schemas.openxmlformats.org/officeDocument/2006/relationships" xmlns:p="http://schemas.openxmlformats.org/presentationml/2006/main">
-  <p:cSld>
-    <p:spTree>
-      <p:nvGrpSpPr>
-        <p:cNvPr id="1" name=""/>
-        <p:cNvGrpSpPr/>
-        <p:nvPr/>
-      </p:nvGrpSpPr>
-      <p:grpSpPr>
-        <a:xfrm>
-          <a:off x="0" y="0"/>
-          <a:ext cx="0" cy="0"/>
-          <a:chOff x="0" y="0"/>
-          <a:chExt cx="0" cy="0"/>
-        </a:xfrm>
-      </p:grpSpPr>
-      <p:sp>
-        <p:nvSpPr>
-          <p:cNvPr id="2" name="Title 1">
-            <a:extLst>
-              <a:ext uri="{FF2B5EF4-FFF2-40B4-BE49-F238E27FC236}">
-                <a16:creationId xmlns:a16="http://schemas.microsoft.com/office/drawing/2014/main" id="{E952DAF5-3E11-E640-BABB-9C5F65800E88}"/>
-              </a:ext>
-            </a:extLst>
-          </p:cNvPr>
-          <p:cNvSpPr>
-            <a:spLocks noGrp="1"/>
-          </p:cNvSpPr>
-          <p:nvPr>
-            <p:ph type="title"/>
-          </p:nvPr>
-        </p:nvSpPr>
-        <p:spPr>
-          <a:xfrm>
-            <a:off x="424447" y="824092"/>
-            <a:ext cx="11029616" cy="988666"/>
-          </a:xfrm>
-        </p:spPr>
-        <p:txBody>
-          <a:bodyPr/>
-          <a:lstStyle/>
-          <a:p>
-            <a:r>
-              <a:rPr lang="en-US" b="1" dirty="0">
-                <a:solidFill>
-                  <a:schemeClr val="accent1"/>
-                </a:solidFill>
-              </a:rPr>
-              <a:t>THE SAMPLE DATA SET</a:t>
-            </a:r>
-            <a:br>
-              <a:rPr lang="en-US" sz="3200" b="1" dirty="0">
-                <a:solidFill>
-                  <a:schemeClr val="accent1"/>
-                </a:solidFill>
-              </a:rPr>
-            </a:br>
-            <a:r>
-              <a:rPr lang="en-US" sz="2400" b="1" dirty="0"/>
-              <a:t>ONE  YEAR OF insurance charges for 1,338 people</a:t>
-            </a:r>
-            <a:br>
-              <a:rPr lang="en-US" sz="2400" b="1" dirty="0"/>
-            </a:br>
-            <a:endParaRPr lang="en-US" sz="2400" b="1" dirty="0">
-              <a:solidFill>
-                <a:schemeClr val="accent1"/>
-              </a:solidFill>
-            </a:endParaRPr>
-          </a:p>
-        </p:txBody>
-      </p:sp>
-      <p:sp>
-        <p:nvSpPr>
-          <p:cNvPr id="11" name="Content Placeholder 10">
-            <a:extLst>
-              <a:ext uri="{FF2B5EF4-FFF2-40B4-BE49-F238E27FC236}">
-                <a16:creationId xmlns:a16="http://schemas.microsoft.com/office/drawing/2014/main" id="{AE544CB2-EF18-B846-9DD3-9E955C2169A9}"/>
-              </a:ext>
-            </a:extLst>
-          </p:cNvPr>
-          <p:cNvSpPr>
-            <a:spLocks noGrp="1"/>
-          </p:cNvSpPr>
-          <p:nvPr>
-            <p:ph idx="1"/>
-          </p:nvPr>
-        </p:nvSpPr>
-        <p:spPr>
-          <a:xfrm>
-            <a:off x="424448" y="1989221"/>
-            <a:ext cx="11186360" cy="4283242"/>
-          </a:xfrm>
-        </p:spPr>
-        <p:txBody>
-          <a:bodyPr/>
-          <a:lstStyle/>
-          <a:p>
-            <a:pPr marL="0" indent="0">
-              <a:buNone/>
-            </a:pPr>
-            <a:r>
-              <a:rPr lang="en-US" sz="2400" b="1" dirty="0">
-                <a:solidFill>
-                  <a:schemeClr val="accent1"/>
-                </a:solidFill>
-              </a:rPr>
-              <a:t> </a:t>
-            </a:r>
-          </a:p>
-          <a:p>
-            <a:r>
-              <a:rPr lang="en-US" sz="2400" b="1" dirty="0">
-                <a:solidFill>
-                  <a:schemeClr val="accent1"/>
-                </a:solidFill>
-              </a:rPr>
-              <a:t>TOTAL CHARGES FOR THE YEAR</a:t>
-            </a:r>
-          </a:p>
-          <a:p>
-            <a:r>
-              <a:rPr lang="en-US" sz="2400" b="1" dirty="0">
-                <a:solidFill>
-                  <a:schemeClr val="accent1"/>
-                </a:solidFill>
-              </a:rPr>
-              <a:t>676 MALES, 662 FEMALES</a:t>
-            </a:r>
-          </a:p>
-          <a:p>
-            <a:r>
-              <a:rPr lang="en-US" sz="2400" b="1" dirty="0">
-                <a:solidFill>
-                  <a:schemeClr val="accent1"/>
-                </a:solidFill>
-              </a:rPr>
-              <a:t>AVERAGE AGE OF 39 </a:t>
-            </a:r>
-          </a:p>
-          <a:p>
-            <a:r>
-              <a:rPr lang="en-US" sz="2400" b="1" dirty="0">
-                <a:solidFill>
-                  <a:schemeClr val="accent1"/>
-                </a:solidFill>
-              </a:rPr>
-              <a:t>BMI,  NUMBER OF CHILDREN,  REGION</a:t>
-            </a:r>
-          </a:p>
-          <a:p>
-            <a:r>
-              <a:rPr lang="en-US" sz="2400" b="1" dirty="0">
-                <a:solidFill>
-                  <a:schemeClr val="accent1"/>
-                </a:solidFill>
-              </a:rPr>
-              <a:t>AS EXPECTED, CHARGES INCREASE FOR WOMEN AND MEN AS THEY GET OLDER</a:t>
-            </a:r>
-          </a:p>
-          <a:p>
-            <a:r>
-              <a:rPr lang="en-US" sz="2400" b="1" dirty="0">
-                <a:solidFill>
-                  <a:schemeClr val="accent1"/>
-                </a:solidFill>
-              </a:rPr>
-              <a:t>THE CHARGES OUTLIERS IN THIS DATA SET ARE NOT EXPLAINED. IT IS UNKOWN IF THEY REPRESENT CHRONIC ILLNESSES, ACCIDENTS ETC</a:t>
-            </a:r>
-          </a:p>
-          <a:p>
-            <a:endParaRPr lang="en-US" dirty="0"/>
-          </a:p>
-        </p:txBody>
-      </p:sp>
-    </p:spTree>
-    <p:extLst>
-      <p:ext uri="{BB962C8B-B14F-4D97-AF65-F5344CB8AC3E}">
-        <p14:creationId xmlns:p14="http://schemas.microsoft.com/office/powerpoint/2010/main" val="2874590467"/>
-      </p:ext>
-    </p:extLst>
-  </p:cSld>
-  <p:clrMapOvr>
-    <a:masterClrMapping/>
-  </p:clrMapOvr>
-</p:sld>
-</file>
-
-<file path=ppt/slides/slide4.xml><?xml version="1.0" encoding="utf-8"?>
-<p:sld xmlns:a="http://schemas.openxmlformats.org/drawingml/2006/main" xmlns:r="http://schemas.openxmlformats.org/officeDocument/2006/relationships" xmlns:p="http://schemas.openxmlformats.org/presentationml/2006/main">
-  <p:cSld>
-    <p:spTree>
-      <p:nvGrpSpPr>
-        <p:cNvPr id="1" name=""/>
-        <p:cNvGrpSpPr/>
-        <p:nvPr/>
-      </p:nvGrpSpPr>
-      <p:grpSpPr>
-        <a:xfrm>
-          <a:off x="0" y="0"/>
-          <a:ext cx="0" cy="0"/>
-          <a:chOff x="0" y="0"/>
-          <a:chExt cx="0" cy="0"/>
-        </a:xfrm>
-      </p:grpSpPr>
-      <p:pic>
-        <p:nvPicPr>
-          <p:cNvPr id="2" name="Picture 1">
-            <a:extLst>
-              <a:ext uri="{FF2B5EF4-FFF2-40B4-BE49-F238E27FC236}">
-                <a16:creationId xmlns:a16="http://schemas.microsoft.com/office/drawing/2014/main" id="{86E2E6AF-BDEA-934D-8E96-05FF342E83BE}"/>
-              </a:ext>
-            </a:extLst>
-          </p:cNvPr>
-          <p:cNvPicPr>
-            <a:picLocks noChangeAspect="1"/>
-          </p:cNvPicPr>
-          <p:nvPr/>
-        </p:nvPicPr>
-        <p:blipFill>
-          <a:blip r:embed="rId2"/>
-          <a:srcRect/>
-          <a:stretch/>
-        </p:blipFill>
-        <p:spPr>
-          <a:xfrm>
-            <a:off x="0" y="1989221"/>
-            <a:ext cx="6469995" cy="4237277"/>
-          </a:xfrm>
-          <a:prstGeom prst="rect">
-            <a:avLst/>
-          </a:prstGeom>
-        </p:spPr>
-      </p:pic>
-      <p:sp>
-        <p:nvSpPr>
-          <p:cNvPr id="4" name="TextBox 3">
-            <a:extLst>
-              <a:ext uri="{FF2B5EF4-FFF2-40B4-BE49-F238E27FC236}">
-                <a16:creationId xmlns:a16="http://schemas.microsoft.com/office/drawing/2014/main" id="{9CEB39A4-E6FD-2449-A5B8-0CE6284D33EB}"/>
-              </a:ext>
-            </a:extLst>
-          </p:cNvPr>
-          <p:cNvSpPr txBox="1"/>
-          <p:nvPr/>
-        </p:nvSpPr>
-        <p:spPr>
-          <a:xfrm>
-            <a:off x="1106908" y="788892"/>
-            <a:ext cx="5197640" cy="1477328"/>
-          </a:xfrm>
-          <a:prstGeom prst="rect">
-            <a:avLst/>
-          </a:prstGeom>
-          <a:noFill/>
-        </p:spPr>
-        <p:txBody>
-          <a:bodyPr wrap="square" rtlCol="0">
-            <a:spAutoFit/>
-          </a:bodyPr>
-          <a:lstStyle/>
-          <a:p>
-            <a:pPr marL="285750" indent="-285750">
-              <a:buFont typeface="Wingdings" pitchFamily="2" charset="2"/>
-              <a:buChar char="§"/>
-            </a:pPr>
-            <a:r>
-              <a:rPr lang="en-US" b="1" dirty="0">
-                <a:solidFill>
-                  <a:schemeClr val="accent1"/>
-                </a:solidFill>
-              </a:rPr>
-              <a:t>BIMODAL, 2 DISTINCT DATA SETS?</a:t>
-            </a:r>
-          </a:p>
-          <a:p>
-            <a:pPr marL="285750" indent="-285750">
-              <a:buFont typeface="Wingdings" pitchFamily="2" charset="2"/>
-              <a:buChar char="§"/>
-            </a:pPr>
-            <a:r>
-              <a:rPr lang="en-US" b="1" dirty="0">
-                <a:solidFill>
-                  <a:schemeClr val="accent1"/>
-                </a:solidFill>
-              </a:rPr>
-              <a:t>UNEXPLAINABLE OUTLIERS</a:t>
-            </a:r>
-          </a:p>
-          <a:p>
-            <a:pPr marL="285750" indent="-285750">
-              <a:buFont typeface="Wingdings" pitchFamily="2" charset="2"/>
-              <a:buChar char="§"/>
-            </a:pPr>
-            <a:r>
-              <a:rPr lang="en-US" b="1" dirty="0">
-                <a:solidFill>
-                  <a:schemeClr val="accent1"/>
-                </a:solidFill>
-              </a:rPr>
-              <a:t>CHARGES INCREASE WITH AGE</a:t>
-            </a:r>
-          </a:p>
-          <a:p>
-            <a:pPr marL="285750" indent="-285750">
-              <a:buFont typeface="Wingdings" pitchFamily="2" charset="2"/>
-              <a:buChar char="§"/>
-            </a:pPr>
-            <a:endParaRPr lang="en-US" b="1" dirty="0">
-              <a:solidFill>
-                <a:schemeClr val="accent1"/>
-              </a:solidFill>
-            </a:endParaRPr>
-          </a:p>
-          <a:p>
-            <a:endParaRPr lang="en-US" dirty="0"/>
-          </a:p>
-        </p:txBody>
-      </p:sp>
-      <p:pic>
-        <p:nvPicPr>
-          <p:cNvPr id="6" name="Picture 5" descr="A screenshot of a cell phone&#10;&#10;Description automatically generated">
-            <a:extLst>
-              <a:ext uri="{FF2B5EF4-FFF2-40B4-BE49-F238E27FC236}">
-                <a16:creationId xmlns:a16="http://schemas.microsoft.com/office/drawing/2014/main" id="{94ECF8B9-B051-3647-B6E3-17E282959682}"/>
-              </a:ext>
-            </a:extLst>
-          </p:cNvPr>
-          <p:cNvPicPr>
-            <a:picLocks noChangeAspect="1"/>
-          </p:cNvPicPr>
-          <p:nvPr/>
-        </p:nvPicPr>
-        <p:blipFill>
-          <a:blip r:embed="rId3"/>
-          <a:stretch>
-            <a:fillRect/>
-          </a:stretch>
-        </p:blipFill>
-        <p:spPr>
-          <a:xfrm>
-            <a:off x="6469995" y="1989221"/>
-            <a:ext cx="5703231" cy="3735113"/>
-          </a:xfrm>
-          <a:prstGeom prst="rect">
-            <a:avLst/>
-          </a:prstGeom>
-        </p:spPr>
-      </p:pic>
-      <p:sp>
-        <p:nvSpPr>
-          <p:cNvPr id="7" name="TextBox 6">
-            <a:extLst>
-              <a:ext uri="{FF2B5EF4-FFF2-40B4-BE49-F238E27FC236}">
-                <a16:creationId xmlns:a16="http://schemas.microsoft.com/office/drawing/2014/main" id="{9C361D79-BEB6-AE46-8600-C268459ED428}"/>
-              </a:ext>
-            </a:extLst>
-          </p:cNvPr>
-          <p:cNvSpPr txBox="1"/>
-          <p:nvPr/>
-        </p:nvSpPr>
-        <p:spPr>
-          <a:xfrm>
-            <a:off x="7218947" y="788892"/>
-            <a:ext cx="4828674" cy="1200329"/>
-          </a:xfrm>
-          <a:prstGeom prst="rect">
-            <a:avLst/>
-          </a:prstGeom>
-          <a:noFill/>
-        </p:spPr>
-        <p:txBody>
-          <a:bodyPr wrap="square" rtlCol="0">
-            <a:spAutoFit/>
-          </a:bodyPr>
-          <a:lstStyle/>
-          <a:p>
-            <a:r>
-              <a:rPr lang="en-US" b="1" dirty="0">
-                <a:solidFill>
-                  <a:schemeClr val="accent1"/>
-                </a:solidFill>
-              </a:rPr>
-              <a:t>NON-SMOKERS: 1064</a:t>
-            </a:r>
-          </a:p>
-          <a:p>
-            <a:endParaRPr lang="en-US" b="1" dirty="0">
-              <a:solidFill>
-                <a:schemeClr val="accent1"/>
-              </a:solidFill>
-            </a:endParaRPr>
-          </a:p>
-          <a:p>
-            <a:r>
-              <a:rPr lang="en-US" b="1" dirty="0">
-                <a:solidFill>
-                  <a:schemeClr val="accent1"/>
-                </a:solidFill>
-              </a:rPr>
-              <a:t>SMOKERS: 274</a:t>
-            </a:r>
-          </a:p>
-          <a:p>
-            <a:r>
-              <a:rPr lang="en-US" dirty="0">
-                <a:solidFill>
-                  <a:schemeClr val="tx2"/>
-                </a:solidFill>
-              </a:rPr>
-              <a:t>26% of the data, but 49.5% of the charges</a:t>
-            </a:r>
-            <a:endParaRPr lang="en-US" b="1" dirty="0">
-              <a:solidFill>
-                <a:schemeClr val="accent1"/>
-              </a:solidFill>
-            </a:endParaRPr>
-          </a:p>
-        </p:txBody>
-      </p:sp>
-    </p:spTree>
-    <p:extLst>
-      <p:ext uri="{BB962C8B-B14F-4D97-AF65-F5344CB8AC3E}">
-        <p14:creationId xmlns:p14="http://schemas.microsoft.com/office/powerpoint/2010/main" val="3928363096"/>
-      </p:ext>
-    </p:extLst>
-  </p:cSld>
-  <p:clrMapOvr>
-    <a:masterClrMapping/>
-  </p:clrMapOvr>
-</p:sld>
-</file>
-
-<file path=ppt/slides/slide5.xml><?xml version="1.0" encoding="utf-8"?>
-<p:sld xmlns:a="http://schemas.openxmlformats.org/drawingml/2006/main" xmlns:r="http://schemas.openxmlformats.org/officeDocument/2006/relationships" xmlns:p="http://schemas.openxmlformats.org/presentationml/2006/main">
-  <p:cSld>
-    <p:spTree>
-      <p:nvGrpSpPr>
-        <p:cNvPr id="1" name=""/>
-        <p:cNvGrpSpPr/>
-        <p:nvPr/>
-      </p:nvGrpSpPr>
-      <p:grpSpPr>
-        <a:xfrm>
-          <a:off x="0" y="0"/>
-          <a:ext cx="0" cy="0"/>
-          <a:chOff x="0" y="0"/>
-          <a:chExt cx="0" cy="0"/>
-        </a:xfrm>
-      </p:grpSpPr>
-      <p:sp>
-        <p:nvSpPr>
-          <p:cNvPr id="21" name="Rectangle 23">
-            <a:extLst>
-              <a:ext uri="{FF2B5EF4-FFF2-40B4-BE49-F238E27FC236}">
-                <a16:creationId xmlns:a16="http://schemas.microsoft.com/office/drawing/2014/main" id="{00401440-1DC9-4C9E-A3BA-4DECEEB46503}"/>
-              </a:ext>
-              <a:ext uri="{C183D7F6-B498-43B3-948B-1728B52AA6E4}">
-                <adec:decorative xmlns:adec="http://schemas.microsoft.com/office/drawing/2017/decorative" val="1"/>
-              </a:ext>
-            </a:extLst>
-          </p:cNvPr>
-          <p:cNvSpPr>
-            <a:spLocks noGrp="1" noRot="1" noChangeAspect="1" noMove="1" noResize="1" noEditPoints="1" noAdjustHandles="1" noChangeArrowheads="1" noChangeShapeType="1" noTextEdit="1"/>
-          </p:cNvSpPr>
-          <p:nvPr>
-            <p:extLst>
-              <p:ext uri="{386F3935-93C4-4BCD-93E2-E3B085C9AB24}">
-                <p16:designElem xmlns:p16="http://schemas.microsoft.com/office/powerpoint/2015/main" val="1"/>
-              </p:ext>
-            </p:extLst>
-          </p:nvPr>
-        </p:nvSpPr>
-        <p:spPr>
-          <a:xfrm>
-            <a:off x="0" y="0"/>
-            <a:ext cx="12192000" cy="6858000"/>
-          </a:xfrm>
-          <a:prstGeom prst="rect">
-            <a:avLst/>
-          </a:prstGeom>
-          <a:solidFill>
-            <a:srgbClr val="FFFFFF"/>
-          </a:solidFill>
-          <a:ln>
-            <a:noFill/>
-          </a:ln>
-        </p:spPr>
-        <p:style>
-          <a:lnRef idx="2">
-            <a:schemeClr val="accent1">
-              <a:shade val="50000"/>
-            </a:schemeClr>
-          </a:lnRef>
-          <a:fillRef idx="1">
-            <a:schemeClr val="accent1"/>
-          </a:fillRef>
-          <a:effectRef idx="0">
-            <a:schemeClr val="accent1"/>
-          </a:effectRef>
-          <a:fontRef idx="minor">
-            <a:schemeClr val="lt1"/>
-          </a:fontRef>
-        </p:style>
-        <p:txBody>
-          <a:bodyPr rtlCol="0" anchor="ctr"/>
-          <a:lstStyle/>
-          <a:p>
-            <a:pPr algn="ctr"/>
-            <a:endParaRPr lang="en-US" dirty="0"/>
-          </a:p>
-        </p:txBody>
-      </p:sp>
-      <p:cxnSp>
-        <p:nvCxnSpPr>
-          <p:cNvPr id="22" name="Straight Connector 25">
-            <a:extLst>
-              <a:ext uri="{FF2B5EF4-FFF2-40B4-BE49-F238E27FC236}">
-                <a16:creationId xmlns:a16="http://schemas.microsoft.com/office/drawing/2014/main" id="{EEE3F140-02CB-4BBC-ABC0-8BF046C9D1B8}"/>
-              </a:ext>
-              <a:ext uri="{C183D7F6-B498-43B3-948B-1728B52AA6E4}">
-                <adec:decorative xmlns:adec="http://schemas.microsoft.com/office/drawing/2017/decorative" val="1"/>
-              </a:ext>
-            </a:extLst>
-          </p:cNvPr>
-          <p:cNvCxnSpPr>
-            <a:cxnSpLocks noGrp="1" noRot="1" noChangeAspect="1" noMove="1" noResize="1" noEditPoints="1" noAdjustHandles="1" noChangeArrowheads="1" noChangeShapeType="1"/>
-          </p:cNvCxnSpPr>
-          <p:nvPr>
-            <p:extLst>
-              <p:ext uri="{386F3935-93C4-4BCD-93E2-E3B085C9AB24}">
-                <p16:designElem xmlns:p16="http://schemas.microsoft.com/office/powerpoint/2015/main" val="1"/>
-              </p:ext>
-            </p:extLst>
-          </p:nvPr>
-        </p:nvCxnSpPr>
-        <p:spPr>
-          <a:xfrm>
-            <a:off x="6096000" y="1436050"/>
-            <a:ext cx="0" cy="1645920"/>
-          </a:xfrm>
-          <a:prstGeom prst="line">
-            <a:avLst/>
-          </a:prstGeom>
-          <a:ln w="19050">
-            <a:solidFill>
-              <a:srgbClr val="465359"/>
-            </a:solidFill>
-          </a:ln>
-        </p:spPr>
-        <p:style>
-          <a:lnRef idx="1">
-            <a:schemeClr val="accent1"/>
-          </a:lnRef>
-          <a:fillRef idx="0">
-            <a:schemeClr val="accent1"/>
-          </a:fillRef>
-          <a:effectRef idx="0">
-            <a:schemeClr val="accent1"/>
-          </a:effectRef>
-          <a:fontRef idx="minor">
-            <a:schemeClr val="tx1"/>
-          </a:fontRef>
-        </p:style>
-      </p:cxnSp>
-      <p:sp useBgFill="1">
-        <p:nvSpPr>
-          <p:cNvPr id="23" name="Rectangle 27">
-            <a:extLst>
-              <a:ext uri="{FF2B5EF4-FFF2-40B4-BE49-F238E27FC236}">
-                <a16:creationId xmlns:a16="http://schemas.microsoft.com/office/drawing/2014/main" id="{36B822CC-7DA9-4417-AA94-64CEB676F0B8}"/>
-              </a:ext>
-              <a:ext uri="{C183D7F6-B498-43B3-948B-1728B52AA6E4}">
-                <adec:decorative xmlns:adec="http://schemas.microsoft.com/office/drawing/2017/decorative" val="1"/>
-              </a:ext>
-            </a:extLst>
-          </p:cNvPr>
-          <p:cNvSpPr>
-            <a:spLocks noGrp="1" noRot="1" noChangeAspect="1" noMove="1" noResize="1" noEditPoints="1" noAdjustHandles="1" noChangeArrowheads="1" noChangeShapeType="1" noTextEdit="1"/>
-          </p:cNvSpPr>
-          <p:nvPr>
-            <p:extLst>
-              <p:ext uri="{386F3935-93C4-4BCD-93E2-E3B085C9AB24}">
-                <p16:designElem xmlns:p16="http://schemas.microsoft.com/office/powerpoint/2015/main" val="1"/>
-              </p:ext>
-            </p:extLst>
-          </p:nvPr>
-        </p:nvSpPr>
-        <p:spPr>
-          <a:xfrm>
-            <a:off x="447234" y="4219240"/>
-            <a:ext cx="11301984" cy="94997"/>
-          </a:xfrm>
-          <a:prstGeom prst="rect">
-            <a:avLst/>
-          </a:prstGeom>
-          <a:ln>
-            <a:noFill/>
-          </a:ln>
-          <a:effectLst/>
-        </p:spPr>
-        <p:style>
-          <a:lnRef idx="1">
-            <a:schemeClr val="accent1"/>
-          </a:lnRef>
-          <a:fillRef idx="3">
-            <a:schemeClr val="accent1"/>
-          </a:fillRef>
-          <a:effectRef idx="2">
-            <a:schemeClr val="accent1"/>
-          </a:effectRef>
-          <a:fontRef idx="minor">
-            <a:schemeClr val="lt1"/>
-          </a:fontRef>
-        </p:style>
-      </p:sp>
-      <p:sp useBgFill="1">
-        <p:nvSpPr>
-          <p:cNvPr id="25" name="Rectangle 29">
-            <a:extLst>
-              <a:ext uri="{FF2B5EF4-FFF2-40B4-BE49-F238E27FC236}">
-                <a16:creationId xmlns:a16="http://schemas.microsoft.com/office/drawing/2014/main" id="{AFA01E88-71CC-4FF3-9E81-51E0C32B45E4}"/>
-              </a:ext>
-              <a:ext uri="{C183D7F6-B498-43B3-948B-1728B52AA6E4}">
-                <adec:decorative xmlns:adec="http://schemas.microsoft.com/office/drawing/2017/decorative" val="1"/>
-              </a:ext>
-            </a:extLst>
-          </p:cNvPr>
-          <p:cNvSpPr>
-            <a:spLocks noGrp="1" noRot="1" noChangeAspect="1" noMove="1" noResize="1" noEditPoints="1" noAdjustHandles="1" noChangeArrowheads="1" noChangeShapeType="1" noTextEdit="1"/>
-          </p:cNvSpPr>
-          <p:nvPr>
-            <p:extLst>
-              <p:ext uri="{386F3935-93C4-4BCD-93E2-E3B085C9AB24}">
-                <p16:designElem xmlns:p16="http://schemas.microsoft.com/office/powerpoint/2015/main" val="1"/>
-              </p:ext>
-            </p:extLst>
-          </p:nvPr>
-        </p:nvSpPr>
-        <p:spPr>
-          <a:xfrm>
-            <a:off x="447234" y="4359623"/>
-            <a:ext cx="11303626" cy="2051143"/>
-          </a:xfrm>
-          <a:prstGeom prst="rect">
-            <a:avLst/>
-          </a:prstGeom>
-          <a:ln w="6350" cmpd="sng">
-            <a:noFill/>
-          </a:ln>
-          <a:effectLst/>
-        </p:spPr>
-        <p:style>
-          <a:lnRef idx="1">
-            <a:schemeClr val="accent1"/>
-          </a:lnRef>
-          <a:fillRef idx="3">
-            <a:schemeClr val="accent1"/>
-          </a:fillRef>
-          <a:effectRef idx="2">
-            <a:schemeClr val="accent1"/>
-          </a:effectRef>
-          <a:fontRef idx="minor">
-            <a:schemeClr val="lt1"/>
-          </a:fontRef>
-        </p:style>
-      </p:sp>
-      <p:sp>
-        <p:nvSpPr>
-          <p:cNvPr id="2" name="Title 1">
-            <a:extLst>
-              <a:ext uri="{FF2B5EF4-FFF2-40B4-BE49-F238E27FC236}">
                 <a16:creationId xmlns:a16="http://schemas.microsoft.com/office/drawing/2014/main" id="{7E0E4C79-55A7-344B-A0E5-2EB7903112A9}"/>
               </a:ext>
             </a:extLst>
@@ -5794,8 +5490,8 @@
         </p:nvSpPr>
         <p:spPr>
           <a:xfrm>
-            <a:off x="2772062" y="265910"/>
-            <a:ext cx="5759193" cy="924907"/>
+            <a:off x="209751" y="609600"/>
+            <a:ext cx="5759193" cy="409281"/>
           </a:xfrm>
         </p:spPr>
         <p:txBody>
@@ -5834,8 +5530,8 @@
         </p:nvSpPr>
         <p:spPr>
           <a:xfrm>
-            <a:off x="2475545" y="1064267"/>
-            <a:ext cx="7240909" cy="1256611"/>
+            <a:off x="217628" y="1027109"/>
+            <a:ext cx="6171150" cy="1864101"/>
           </a:xfrm>
         </p:spPr>
         <p:txBody>
@@ -5850,6 +5546,16 @@
             </a:pPr>
             <a:r>
               <a:rPr lang="en-US" dirty="0"/>
+              <a:t>Smokers are 26% of the data, but 49.5% of the charges</a:t>
+            </a:r>
+          </a:p>
+          <a:p>
+            <a:pPr>
+              <a:buFont typeface="Wingdings" pitchFamily="2" charset="2"/>
+              <a:buChar char="§"/>
+            </a:pPr>
+            <a:r>
+              <a:rPr lang="en-US" dirty="0"/>
               <a:t>Slight relationship between charges and age, much weaker correlation </a:t>
             </a:r>
           </a:p>
@@ -5864,6 +5570,9 @@
               <a:rPr lang="en-US" dirty="0"/>
               <a:t>But for non-smokers, the charges look almost flat</a:t>
             </a:r>
+          </a:p>
+          <a:p>
+            <a:endParaRPr lang="en-US" dirty="0"/>
           </a:p>
         </p:txBody>
       </p:sp>
@@ -5882,14 +5591,14 @@
           <p:nvPr/>
         </p:nvPicPr>
         <p:blipFill>
-          <a:blip r:embed="rId2"/>
+          <a:blip r:embed="rId3"/>
           <a:stretch>
             <a:fillRect/>
           </a:stretch>
         </p:blipFill>
         <p:spPr>
           <a:xfrm>
-            <a:off x="637463" y="2973754"/>
+            <a:off x="6642891" y="90304"/>
             <a:ext cx="5331481" cy="2624979"/>
           </a:xfrm>
           <a:prstGeom prst="rect">
@@ -5912,15 +5621,45 @@
           <p:nvPr/>
         </p:nvPicPr>
         <p:blipFill>
-          <a:blip r:embed="rId3"/>
+          <a:blip r:embed="rId4"/>
           <a:stretch>
             <a:fillRect/>
           </a:stretch>
         </p:blipFill>
         <p:spPr>
           <a:xfrm>
-            <a:off x="6223056" y="2973754"/>
-            <a:ext cx="5086605" cy="3444056"/>
+            <a:off x="0" y="3005276"/>
+            <a:ext cx="5521708" cy="3738657"/>
+          </a:xfrm>
+          <a:prstGeom prst="rect">
+            <a:avLst/>
+          </a:prstGeom>
+        </p:spPr>
+      </p:pic>
+      <p:pic>
+        <p:nvPicPr>
+          <p:cNvPr id="35" name="Picture 34" descr="A screenshot of a cell phone&#10;&#10;Description automatically generated">
+            <a:extLst>
+              <a:ext uri="{FF2B5EF4-FFF2-40B4-BE49-F238E27FC236}">
+                <a16:creationId xmlns:a16="http://schemas.microsoft.com/office/drawing/2014/main" id="{0E997EFA-D5D8-ED4B-A0AE-3F515FF3AF21}"/>
+              </a:ext>
+            </a:extLst>
+          </p:cNvPr>
+          <p:cNvPicPr>
+            <a:picLocks noChangeAspect="1"/>
+          </p:cNvPicPr>
+          <p:nvPr/>
+        </p:nvPicPr>
+        <p:blipFill>
+          <a:blip r:embed="rId5"/>
+          <a:stretch>
+            <a:fillRect/>
+          </a:stretch>
+        </p:blipFill>
+        <p:spPr>
+          <a:xfrm>
+            <a:off x="6368056" y="3186266"/>
+            <a:ext cx="5376710" cy="3376676"/>
           </a:xfrm>
           <a:prstGeom prst="rect">
             <a:avLst/>
@@ -5940,7 +5679,7 @@
 </p:sld>
 </file>
 
-<file path=ppt/slides/slide6.xml><?xml version="1.0" encoding="utf-8"?>
+<file path=ppt/slides/slide12.xml><?xml version="1.0" encoding="utf-8"?>
 <p:sld xmlns:a="http://schemas.openxmlformats.org/drawingml/2006/main" xmlns:r="http://schemas.openxmlformats.org/officeDocument/2006/relationships" xmlns:p="http://schemas.openxmlformats.org/presentationml/2006/main">
   <p:cSld>
     <p:bg>
@@ -5965,243 +5704,83 @@
           <a:chExt cx="0" cy="0"/>
         </a:xfrm>
       </p:grpSpPr>
-      <p:sp useBgFill="1">
-        <p:nvSpPr>
-          <p:cNvPr id="33" name="Rectangle 27">
+      <p:sp>
+        <p:nvSpPr>
+          <p:cNvPr id="2" name="Title 1">
             <a:extLst>
               <a:ext uri="{FF2B5EF4-FFF2-40B4-BE49-F238E27FC236}">
-                <a16:creationId xmlns:a16="http://schemas.microsoft.com/office/drawing/2014/main" id="{B1CC0937-4B54-4AB8-9605-7DEED999380B}"/>
-              </a:ext>
-              <a:ext uri="{C183D7F6-B498-43B3-948B-1728B52AA6E4}">
-                <adec:decorative xmlns:adec="http://schemas.microsoft.com/office/drawing/2017/decorative" val="1"/>
+                <a16:creationId xmlns:a16="http://schemas.microsoft.com/office/drawing/2014/main" id="{9901A9B4-B103-744A-9D25-8AEFEAE1BEF2}"/>
               </a:ext>
             </a:extLst>
           </p:cNvPr>
           <p:cNvSpPr>
-            <a:spLocks noGrp="1" noRot="1" noChangeAspect="1" noMove="1" noResize="1" noEditPoints="1" noAdjustHandles="1" noChangeArrowheads="1" noChangeShapeType="1" noTextEdit="1"/>
-          </p:cNvSpPr>
-          <p:nvPr>
-            <p:extLst>
-              <p:ext uri="{386F3935-93C4-4BCD-93E2-E3B085C9AB24}">
-                <p16:designElem xmlns:p16="http://schemas.microsoft.com/office/powerpoint/2015/main" val="1"/>
-              </p:ext>
-            </p:extLst>
-          </p:nvPr>
-        </p:nvSpPr>
-        <p:spPr>
-          <a:xfrm>
-            <a:off x="0" y="548640"/>
-            <a:ext cx="12192000" cy="6309360"/>
-          </a:xfrm>
-          <a:prstGeom prst="rect">
-            <a:avLst/>
-          </a:prstGeom>
-          <a:ln>
-            <a:noFill/>
-          </a:ln>
-        </p:spPr>
-        <p:style>
-          <a:lnRef idx="2">
-            <a:schemeClr val="accent1">
-              <a:shade val="50000"/>
-            </a:schemeClr>
-          </a:lnRef>
-          <a:fillRef idx="1">
-            <a:schemeClr val="accent1"/>
-          </a:fillRef>
-          <a:effectRef idx="0">
-            <a:schemeClr val="accent1"/>
-          </a:effectRef>
-          <a:fontRef idx="minor">
-            <a:schemeClr val="lt1"/>
-          </a:fontRef>
-        </p:style>
-        <p:txBody>
-          <a:bodyPr rtlCol="0" anchor="ctr"/>
+            <a:spLocks noGrp="1"/>
+          </p:cNvSpPr>
+          <p:nvPr>
+            <p:ph type="title"/>
+          </p:nvPr>
+        </p:nvSpPr>
+        <p:spPr>
+          <a:xfrm>
+            <a:off x="581194" y="3705725"/>
+            <a:ext cx="3310504" cy="2502967"/>
+          </a:xfrm>
+        </p:spPr>
+        <p:txBody>
+          <a:bodyPr anchor="t">
+            <a:normAutofit/>
+          </a:bodyPr>
           <a:lstStyle/>
           <a:p>
-            <a:pPr algn="ctr"/>
-            <a:endParaRPr lang="en-US"/>
-          </a:p>
-        </p:txBody>
-      </p:sp>
-      <p:sp>
-        <p:nvSpPr>
-          <p:cNvPr id="30" name="Rectangle 29">
-            <a:extLst>
-              <a:ext uri="{FF2B5EF4-FFF2-40B4-BE49-F238E27FC236}">
-                <a16:creationId xmlns:a16="http://schemas.microsoft.com/office/drawing/2014/main" id="{BE3EDEA1-97CC-41C2-BE54-EA64ACE7F97E}"/>
-              </a:ext>
-              <a:ext uri="{C183D7F6-B498-43B3-948B-1728B52AA6E4}">
-                <adec:decorative xmlns:adec="http://schemas.microsoft.com/office/drawing/2017/decorative" val="1"/>
-              </a:ext>
-            </a:extLst>
-          </p:cNvPr>
-          <p:cNvSpPr>
-            <a:spLocks noGrp="1" noRot="1" noChangeAspect="1" noMove="1" noResize="1" noEditPoints="1" noAdjustHandles="1" noChangeArrowheads="1" noChangeShapeType="1" noTextEdit="1"/>
-          </p:cNvSpPr>
-          <p:nvPr>
-            <p:extLst>
-              <p:ext uri="{386F3935-93C4-4BCD-93E2-E3B085C9AB24}">
-                <p16:designElem xmlns:p16="http://schemas.microsoft.com/office/powerpoint/2015/main" val="1"/>
-              </p:ext>
-            </p:extLst>
-          </p:nvPr>
-        </p:nvSpPr>
-        <p:spPr>
-          <a:xfrm>
-            <a:off x="4241830" y="614407"/>
-            <a:ext cx="7507794" cy="1189298"/>
-          </a:xfrm>
-          <a:prstGeom prst="rect">
-            <a:avLst/>
-          </a:prstGeom>
-          <a:solidFill>
-            <a:schemeClr val="accent1"/>
-          </a:solidFill>
-          <a:ln>
-            <a:noFill/>
-          </a:ln>
-          <a:effectLst/>
-        </p:spPr>
-        <p:style>
-          <a:lnRef idx="1">
-            <a:schemeClr val="accent1"/>
-          </a:lnRef>
-          <a:fillRef idx="3">
-            <a:schemeClr val="accent1"/>
-          </a:fillRef>
-          <a:effectRef idx="2">
-            <a:schemeClr val="accent1"/>
-          </a:effectRef>
-          <a:fontRef idx="minor">
-            <a:schemeClr val="lt1"/>
-          </a:fontRef>
-        </p:style>
-      </p:sp>
-      <p:sp>
-        <p:nvSpPr>
-          <p:cNvPr id="35" name="Rectangle 31">
-            <a:extLst>
-              <a:ext uri="{FF2B5EF4-FFF2-40B4-BE49-F238E27FC236}">
-                <a16:creationId xmlns:a16="http://schemas.microsoft.com/office/drawing/2014/main" id="{9926A5DB-A90A-4941-81F5-DF0E44A29719}"/>
-              </a:ext>
-              <a:ext uri="{C183D7F6-B498-43B3-948B-1728B52AA6E4}">
-                <adec:decorative xmlns:adec="http://schemas.microsoft.com/office/drawing/2017/decorative" val="1"/>
-              </a:ext>
-            </a:extLst>
-          </p:cNvPr>
-          <p:cNvSpPr>
-            <a:spLocks noGrp="1" noRot="1" noChangeAspect="1" noMove="1" noResize="1" noEditPoints="1" noAdjustHandles="1" noChangeArrowheads="1" noChangeShapeType="1" noTextEdit="1"/>
-          </p:cNvSpPr>
-          <p:nvPr>
-            <p:extLst>
-              <p:ext uri="{386F3935-93C4-4BCD-93E2-E3B085C9AB24}">
-                <p16:designElem xmlns:p16="http://schemas.microsoft.com/office/powerpoint/2015/main" val="1"/>
-              </p:ext>
-            </p:extLst>
-          </p:nvPr>
-        </p:nvSpPr>
-        <p:spPr>
-          <a:xfrm>
-            <a:off x="454391" y="641102"/>
-            <a:ext cx="3695019" cy="2827037"/>
-          </a:xfrm>
-          <a:prstGeom prst="rect">
-            <a:avLst/>
-          </a:prstGeom>
-          <a:noFill/>
-          <a:ln w="19050">
-            <a:solidFill>
-              <a:schemeClr val="tx2"/>
-            </a:solidFill>
-          </a:ln>
-        </p:spPr>
-        <p:style>
-          <a:lnRef idx="2">
-            <a:schemeClr val="accent1">
-              <a:shade val="50000"/>
-            </a:schemeClr>
-          </a:lnRef>
-          <a:fillRef idx="1">
-            <a:schemeClr val="accent1"/>
-          </a:fillRef>
-          <a:effectRef idx="0">
-            <a:schemeClr val="accent1"/>
-          </a:effectRef>
-          <a:fontRef idx="minor">
-            <a:schemeClr val="lt1"/>
-          </a:fontRef>
-        </p:style>
-        <p:txBody>
-          <a:bodyPr rtlCol="0" anchor="ctr"/>
-          <a:lstStyle/>
-          <a:p>
-            <a:pPr algn="ctr"/>
-            <a:endParaRPr lang="en-US"/>
-          </a:p>
-        </p:txBody>
-      </p:sp>
-      <p:sp>
-        <p:nvSpPr>
-          <p:cNvPr id="34" name="Rectangle 33">
-            <a:extLst>
-              <a:ext uri="{FF2B5EF4-FFF2-40B4-BE49-F238E27FC236}">
-                <a16:creationId xmlns:a16="http://schemas.microsoft.com/office/drawing/2014/main" id="{AB1B71B9-532D-4BBD-BEBA-D028ACC08316}"/>
-              </a:ext>
-              <a:ext uri="{C183D7F6-B498-43B3-948B-1728B52AA6E4}">
-                <adec:decorative xmlns:adec="http://schemas.microsoft.com/office/drawing/2017/decorative" val="1"/>
-              </a:ext>
-            </a:extLst>
-          </p:cNvPr>
-          <p:cNvSpPr>
-            <a:spLocks noGrp="1" noRot="1" noChangeAspect="1" noMove="1" noResize="1" noEditPoints="1" noAdjustHandles="1" noChangeArrowheads="1" noChangeShapeType="1" noTextEdit="1"/>
-          </p:cNvSpPr>
-          <p:nvPr>
-            <p:extLst>
-              <p:ext uri="{386F3935-93C4-4BCD-93E2-E3B085C9AB24}">
-                <p16:designElem xmlns:p16="http://schemas.microsoft.com/office/powerpoint/2015/main" val="1"/>
-              </p:ext>
-            </p:extLst>
-          </p:nvPr>
-        </p:nvSpPr>
-        <p:spPr>
-          <a:xfrm>
-            <a:off x="455134" y="3557674"/>
-            <a:ext cx="3695019" cy="2827037"/>
-          </a:xfrm>
-          <a:prstGeom prst="rect">
-            <a:avLst/>
-          </a:prstGeom>
-          <a:noFill/>
-          <a:ln w="19050">
-            <a:solidFill>
-              <a:schemeClr val="tx2"/>
-            </a:solidFill>
-          </a:ln>
-        </p:spPr>
-        <p:style>
-          <a:lnRef idx="2">
-            <a:schemeClr val="accent1">
-              <a:shade val="50000"/>
-            </a:schemeClr>
-          </a:lnRef>
-          <a:fillRef idx="1">
-            <a:schemeClr val="accent1"/>
-          </a:fillRef>
-          <a:effectRef idx="0">
-            <a:schemeClr val="accent1"/>
-          </a:effectRef>
-          <a:fontRef idx="minor">
-            <a:schemeClr val="lt1"/>
-          </a:fontRef>
-        </p:style>
-        <p:txBody>
-          <a:bodyPr rtlCol="0" anchor="ctr"/>
-          <a:lstStyle/>
-          <a:p>
-            <a:pPr algn="ctr"/>
-            <a:endParaRPr lang="en-US"/>
+            <a:pPr marL="285750" indent="-285750" algn="l">
+              <a:lnSpc>
+                <a:spcPct val="90000"/>
+              </a:lnSpc>
+              <a:buFont typeface="Wingdings" pitchFamily="2" charset="2"/>
+              <a:buChar char="§"/>
+            </a:pPr>
+            <a:r>
+              <a:rPr lang="en-US" sz="1800" dirty="0">
+                <a:solidFill>
+                  <a:schemeClr val="accent2"/>
+                </a:solidFill>
+              </a:rPr>
+              <a:t>REMOVE OUTLIERS: TOTAL CHARGES &gt; 22,500</a:t>
+            </a:r>
+            <a:br>
+              <a:rPr lang="en-US" sz="1800" dirty="0">
+                <a:solidFill>
+                  <a:schemeClr val="accent2"/>
+                </a:solidFill>
+              </a:rPr>
+            </a:br>
+            <a:br>
+              <a:rPr lang="en-US" sz="2200" dirty="0">
+                <a:solidFill>
+                  <a:schemeClr val="accent2"/>
+                </a:solidFill>
+              </a:rPr>
+            </a:br>
+            <a:r>
+              <a:rPr lang="en-US" sz="1800" dirty="0">
+                <a:solidFill>
+                  <a:schemeClr val="accent2"/>
+                </a:solidFill>
+              </a:rPr>
+              <a:t>After removing 24% of outlier we created a DATA SET  that is applicable to 74% of cases</a:t>
+            </a:r>
+            <a:br>
+              <a:rPr lang="en-US" sz="1800" dirty="0">
+                <a:solidFill>
+                  <a:schemeClr val="accent2"/>
+                </a:solidFill>
+              </a:rPr>
+            </a:br>
+            <a:endParaRPr lang="en-US" sz="1800" dirty="0">
+              <a:solidFill>
+                <a:schemeClr val="accent2"/>
+              </a:solidFill>
+            </a:endParaRPr>
           </a:p>
         </p:txBody>
       </p:sp>
@@ -6266,86 +5845,6 @@
           </a:prstGeom>
         </p:spPr>
       </p:pic>
-      <p:sp>
-        <p:nvSpPr>
-          <p:cNvPr id="2" name="Title 1">
-            <a:extLst>
-              <a:ext uri="{FF2B5EF4-FFF2-40B4-BE49-F238E27FC236}">
-                <a16:creationId xmlns:a16="http://schemas.microsoft.com/office/drawing/2014/main" id="{9901A9B4-B103-744A-9D25-8AEFEAE1BEF2}"/>
-              </a:ext>
-            </a:extLst>
-          </p:cNvPr>
-          <p:cNvSpPr>
-            <a:spLocks noGrp="1"/>
-          </p:cNvSpPr>
-          <p:nvPr>
-            <p:ph type="title"/>
-          </p:nvPr>
-        </p:nvSpPr>
-        <p:spPr>
-          <a:xfrm>
-            <a:off x="581194" y="3705725"/>
-            <a:ext cx="3310504" cy="2502967"/>
-          </a:xfrm>
-        </p:spPr>
-        <p:txBody>
-          <a:bodyPr anchor="t">
-            <a:normAutofit/>
-          </a:bodyPr>
-          <a:lstStyle/>
-          <a:p>
-            <a:pPr marL="285750" indent="-285750" algn="l">
-              <a:lnSpc>
-                <a:spcPct val="90000"/>
-              </a:lnSpc>
-              <a:buFont typeface="Wingdings" pitchFamily="2" charset="2"/>
-              <a:buChar char="§"/>
-            </a:pPr>
-            <a:r>
-              <a:rPr lang="en-US" sz="1800" dirty="0">
-                <a:solidFill>
-                  <a:schemeClr val="accent2"/>
-                </a:solidFill>
-              </a:rPr>
-              <a:t>REMOVE OUTLIERS: TOTAL CHARGES &gt; 22,500</a:t>
-            </a:r>
-            <a:br>
-              <a:rPr lang="en-US" sz="1800" dirty="0">
-                <a:solidFill>
-                  <a:schemeClr val="accent2"/>
-                </a:solidFill>
-              </a:rPr>
-            </a:br>
-            <a:br>
-              <a:rPr lang="en-US" sz="2200" dirty="0">
-                <a:solidFill>
-                  <a:schemeClr val="accent2"/>
-                </a:solidFill>
-              </a:rPr>
-            </a:br>
-            <a:r>
-              <a:rPr lang="en-US" sz="1800" dirty="0">
-                <a:solidFill>
-                  <a:schemeClr val="accent2"/>
-                </a:solidFill>
-              </a:rPr>
-              <a:t>After removing 24% of outlier we created a DATA SET  that is applicable to 74% of cases</a:t>
-            </a:r>
-            <a:br>
-              <a:rPr lang="en-US" sz="1800" dirty="0">
-                <a:solidFill>
-                  <a:schemeClr val="accent2"/>
-                </a:solidFill>
-              </a:rPr>
-            </a:br>
-            <a:endParaRPr lang="en-US" sz="1800" dirty="0">
-              <a:solidFill>
-                <a:schemeClr val="accent2"/>
-              </a:solidFill>
-            </a:endParaRPr>
-          </a:p>
-        </p:txBody>
-      </p:sp>
       <p:pic>
         <p:nvPicPr>
           <p:cNvPr id="39" name="Picture 38" descr="A picture containing door, clock, drawing&#10;&#10;Description automatically generated">
@@ -6429,7 +5928,7 @@
 </p:sld>
 </file>
 
-<file path=ppt/slides/slide7.xml><?xml version="1.0" encoding="utf-8"?>
+<file path=ppt/slides/slide13.xml><?xml version="1.0" encoding="utf-8"?>
 <p:sld xmlns:a="http://schemas.openxmlformats.org/drawingml/2006/main" xmlns:r="http://schemas.openxmlformats.org/officeDocument/2006/relationships" xmlns:p="http://schemas.openxmlformats.org/presentationml/2006/main">
   <p:cSld>
     <p:bg>
@@ -6653,7 +6152,7 @@
             <p:nvPr/>
           </p:nvPicPr>
           <p:blipFill>
-            <a:blip r:embed="rId2"/>
+            <a:blip r:embed="rId3"/>
             <a:srcRect/>
             <a:stretch/>
           </p:blipFill>
@@ -6753,7 +6252,7 @@
             <p:nvPr/>
           </p:nvPicPr>
           <p:blipFill>
-            <a:blip r:embed="rId3"/>
+            <a:blip r:embed="rId4"/>
             <a:srcRect/>
             <a:stretch/>
           </p:blipFill>
@@ -6885,7 +6384,562 @@
 </p:sld>
 </file>
 
-<file path=ppt/slides/slide8.xml><?xml version="1.0" encoding="utf-8"?>
+<file path=ppt/slides/slide2.xml><?xml version="1.0" encoding="utf-8"?>
+<p:sld xmlns:a="http://schemas.openxmlformats.org/drawingml/2006/main" xmlns:r="http://schemas.openxmlformats.org/officeDocument/2006/relationships" xmlns:p="http://schemas.openxmlformats.org/presentationml/2006/main">
+  <p:cSld>
+    <p:spTree>
+      <p:nvGrpSpPr>
+        <p:cNvPr id="1" name=""/>
+        <p:cNvGrpSpPr/>
+        <p:nvPr/>
+      </p:nvGrpSpPr>
+      <p:grpSpPr>
+        <a:xfrm>
+          <a:off x="0" y="0"/>
+          <a:ext cx="0" cy="0"/>
+          <a:chOff x="0" y="0"/>
+          <a:chExt cx="0" cy="0"/>
+        </a:xfrm>
+      </p:grpSpPr>
+      <p:sp>
+        <p:nvSpPr>
+          <p:cNvPr id="2" name="Title 1">
+            <a:extLst>
+              <a:ext uri="{FF2B5EF4-FFF2-40B4-BE49-F238E27FC236}">
+                <a16:creationId xmlns:a16="http://schemas.microsoft.com/office/drawing/2014/main" id="{E952DAF5-3E11-E640-BABB-9C5F65800E88}"/>
+              </a:ext>
+            </a:extLst>
+          </p:cNvPr>
+          <p:cNvSpPr>
+            <a:spLocks noGrp="1"/>
+          </p:cNvSpPr>
+          <p:nvPr>
+            <p:ph type="title"/>
+          </p:nvPr>
+        </p:nvSpPr>
+        <p:spPr>
+          <a:xfrm>
+            <a:off x="424447" y="824092"/>
+            <a:ext cx="11029616" cy="988666"/>
+          </a:xfrm>
+        </p:spPr>
+        <p:txBody>
+          <a:bodyPr/>
+          <a:lstStyle/>
+          <a:p>
+            <a:r>
+              <a:rPr lang="en-US" b="1" dirty="0">
+                <a:solidFill>
+                  <a:schemeClr val="accent1"/>
+                </a:solidFill>
+              </a:rPr>
+              <a:t>THE SAMPLE DATA SET</a:t>
+            </a:r>
+            <a:br>
+              <a:rPr lang="en-US" sz="3200" b="1" dirty="0">
+                <a:solidFill>
+                  <a:schemeClr val="accent1"/>
+                </a:solidFill>
+              </a:rPr>
+            </a:br>
+            <a:r>
+              <a:rPr lang="en-US" sz="2400" b="1" dirty="0"/>
+              <a:t>ONE  YEAR OF insurance charges for 1,338 people</a:t>
+            </a:r>
+            <a:br>
+              <a:rPr lang="en-US" sz="2400" b="1" dirty="0"/>
+            </a:br>
+            <a:endParaRPr lang="en-US" sz="2400" b="1" dirty="0">
+              <a:solidFill>
+                <a:schemeClr val="accent1"/>
+              </a:solidFill>
+            </a:endParaRPr>
+          </a:p>
+        </p:txBody>
+      </p:sp>
+      <p:sp>
+        <p:nvSpPr>
+          <p:cNvPr id="11" name="Content Placeholder 10">
+            <a:extLst>
+              <a:ext uri="{FF2B5EF4-FFF2-40B4-BE49-F238E27FC236}">
+                <a16:creationId xmlns:a16="http://schemas.microsoft.com/office/drawing/2014/main" id="{AE544CB2-EF18-B846-9DD3-9E955C2169A9}"/>
+              </a:ext>
+            </a:extLst>
+          </p:cNvPr>
+          <p:cNvSpPr>
+            <a:spLocks noGrp="1"/>
+          </p:cNvSpPr>
+          <p:nvPr>
+            <p:ph idx="1"/>
+          </p:nvPr>
+        </p:nvSpPr>
+        <p:spPr>
+          <a:xfrm>
+            <a:off x="424448" y="1989221"/>
+            <a:ext cx="11186360" cy="4283242"/>
+          </a:xfrm>
+        </p:spPr>
+        <p:txBody>
+          <a:bodyPr anchor="t"/>
+          <a:lstStyle/>
+          <a:p>
+            <a:pPr>
+              <a:buFont typeface="Wingdings" pitchFamily="2" charset="2"/>
+              <a:buChar char="§"/>
+            </a:pPr>
+            <a:r>
+              <a:rPr lang="en-US" sz="2400" b="1" dirty="0">
+                <a:solidFill>
+                  <a:schemeClr val="accent1"/>
+                </a:solidFill>
+              </a:rPr>
+              <a:t> TOTAL CHARGES FOR THE YEAR</a:t>
+            </a:r>
+          </a:p>
+          <a:p>
+            <a:r>
+              <a:rPr lang="en-US" sz="2400" b="1" dirty="0">
+                <a:solidFill>
+                  <a:schemeClr val="accent1"/>
+                </a:solidFill>
+              </a:rPr>
+              <a:t>676 MALES, 662 FEMALES</a:t>
+            </a:r>
+          </a:p>
+          <a:p>
+            <a:r>
+              <a:rPr lang="en-US" sz="2400" b="1" dirty="0">
+                <a:solidFill>
+                  <a:schemeClr val="accent1"/>
+                </a:solidFill>
+              </a:rPr>
+              <a:t>AVERAGE AGE OF 39 </a:t>
+            </a:r>
+          </a:p>
+          <a:p>
+            <a:r>
+              <a:rPr lang="en-US" sz="2400" b="1" dirty="0">
+                <a:solidFill>
+                  <a:schemeClr val="accent1"/>
+                </a:solidFill>
+              </a:rPr>
+              <a:t>BMI,  NUMBER OF CHILDREN,  REGION</a:t>
+            </a:r>
+          </a:p>
+          <a:p>
+            <a:endParaRPr lang="en-US" dirty="0"/>
+          </a:p>
+        </p:txBody>
+      </p:sp>
+    </p:spTree>
+    <p:extLst>
+      <p:ext uri="{BB962C8B-B14F-4D97-AF65-F5344CB8AC3E}">
+        <p14:creationId xmlns:p14="http://schemas.microsoft.com/office/powerpoint/2010/main" val="2874590467"/>
+      </p:ext>
+    </p:extLst>
+  </p:cSld>
+  <p:clrMapOvr>
+    <a:masterClrMapping/>
+  </p:clrMapOvr>
+</p:sld>
+</file>
+
+<file path=ppt/slides/slide3.xml><?xml version="1.0" encoding="utf-8"?>
+<p:sld xmlns:a="http://schemas.openxmlformats.org/drawingml/2006/main" xmlns:r="http://schemas.openxmlformats.org/officeDocument/2006/relationships" xmlns:p="http://schemas.openxmlformats.org/presentationml/2006/main">
+  <p:cSld>
+    <p:spTree>
+      <p:nvGrpSpPr>
+        <p:cNvPr id="1" name=""/>
+        <p:cNvGrpSpPr/>
+        <p:nvPr/>
+      </p:nvGrpSpPr>
+      <p:grpSpPr>
+        <a:xfrm>
+          <a:off x="0" y="0"/>
+          <a:ext cx="0" cy="0"/>
+          <a:chOff x="0" y="0"/>
+          <a:chExt cx="0" cy="0"/>
+        </a:xfrm>
+      </p:grpSpPr>
+      <p:sp>
+        <p:nvSpPr>
+          <p:cNvPr id="4" name="TextBox 3">
+            <a:extLst>
+              <a:ext uri="{FF2B5EF4-FFF2-40B4-BE49-F238E27FC236}">
+                <a16:creationId xmlns:a16="http://schemas.microsoft.com/office/drawing/2014/main" id="{9CEB39A4-E6FD-2449-A5B8-0CE6284D33EB}"/>
+              </a:ext>
+            </a:extLst>
+          </p:cNvPr>
+          <p:cNvSpPr txBox="1"/>
+          <p:nvPr/>
+        </p:nvSpPr>
+        <p:spPr>
+          <a:xfrm>
+            <a:off x="1106908" y="788892"/>
+            <a:ext cx="4828674" cy="1200329"/>
+          </a:xfrm>
+          <a:prstGeom prst="rect">
+            <a:avLst/>
+          </a:prstGeom>
+          <a:noFill/>
+        </p:spPr>
+        <p:txBody>
+          <a:bodyPr wrap="square" rtlCol="0">
+            <a:spAutoFit/>
+          </a:bodyPr>
+          <a:lstStyle/>
+          <a:p>
+            <a:pPr marL="285750" indent="-285750">
+              <a:buFont typeface="Wingdings" pitchFamily="2" charset="2"/>
+              <a:buChar char="§"/>
+            </a:pPr>
+            <a:r>
+              <a:rPr lang="en-US" b="1" dirty="0">
+                <a:solidFill>
+                  <a:schemeClr val="accent1"/>
+                </a:solidFill>
+              </a:rPr>
+              <a:t>BIMODAL, 2 DISTINCT DATA SETS?</a:t>
+            </a:r>
+          </a:p>
+          <a:p>
+            <a:pPr marL="285750" indent="-285750">
+              <a:buFont typeface="Wingdings" pitchFamily="2" charset="2"/>
+              <a:buChar char="§"/>
+            </a:pPr>
+            <a:r>
+              <a:rPr lang="en-US" b="1" dirty="0">
+                <a:solidFill>
+                  <a:schemeClr val="accent1"/>
+                </a:solidFill>
+              </a:rPr>
+              <a:t>UNEXPLAINABLE OUTLIERS</a:t>
+            </a:r>
+          </a:p>
+          <a:p>
+            <a:pPr marL="285750" indent="-285750">
+              <a:buFont typeface="Wingdings" pitchFamily="2" charset="2"/>
+              <a:buChar char="§"/>
+            </a:pPr>
+            <a:r>
+              <a:rPr lang="en-US" b="1" dirty="0">
+                <a:solidFill>
+                  <a:schemeClr val="accent1"/>
+                </a:solidFill>
+              </a:rPr>
+              <a:t>CHARGES INCREASE WITH AGE</a:t>
+            </a:r>
+          </a:p>
+          <a:p>
+            <a:pPr marL="285750" indent="-285750">
+              <a:buFont typeface="Wingdings" pitchFamily="2" charset="2"/>
+              <a:buChar char="§"/>
+            </a:pPr>
+            <a:r>
+              <a:rPr lang="en-US" b="1" dirty="0">
+                <a:solidFill>
+                  <a:schemeClr val="accent1"/>
+                </a:solidFill>
+              </a:rPr>
+              <a:t>SMOKERS PAY MORE</a:t>
+            </a:r>
+          </a:p>
+        </p:txBody>
+      </p:sp>
+      <p:sp>
+        <p:nvSpPr>
+          <p:cNvPr id="7" name="TextBox 6">
+            <a:extLst>
+              <a:ext uri="{FF2B5EF4-FFF2-40B4-BE49-F238E27FC236}">
+                <a16:creationId xmlns:a16="http://schemas.microsoft.com/office/drawing/2014/main" id="{9C361D79-BEB6-AE46-8600-C268459ED428}"/>
+              </a:ext>
+            </a:extLst>
+          </p:cNvPr>
+          <p:cNvSpPr txBox="1"/>
+          <p:nvPr/>
+        </p:nvSpPr>
+        <p:spPr>
+          <a:xfrm>
+            <a:off x="6613489" y="791721"/>
+            <a:ext cx="5085347" cy="1200329"/>
+          </a:xfrm>
+          <a:prstGeom prst="rect">
+            <a:avLst/>
+          </a:prstGeom>
+          <a:noFill/>
+        </p:spPr>
+        <p:txBody>
+          <a:bodyPr wrap="square" rtlCol="0">
+            <a:spAutoFit/>
+          </a:bodyPr>
+          <a:lstStyle/>
+          <a:p>
+            <a:r>
+              <a:rPr lang="en-US" b="1" dirty="0">
+                <a:solidFill>
+                  <a:schemeClr val="accent1"/>
+                </a:solidFill>
+              </a:rPr>
+              <a:t>NON-SMOKERS: 1064</a:t>
+            </a:r>
+          </a:p>
+          <a:p>
+            <a:endParaRPr lang="en-US" b="1" dirty="0">
+              <a:solidFill>
+                <a:schemeClr val="accent1"/>
+              </a:solidFill>
+            </a:endParaRPr>
+          </a:p>
+          <a:p>
+            <a:r>
+              <a:rPr lang="en-US" b="1" dirty="0">
+                <a:solidFill>
+                  <a:schemeClr val="accent1"/>
+                </a:solidFill>
+              </a:rPr>
+              <a:t>SMOKERS: 274</a:t>
+            </a:r>
+          </a:p>
+          <a:p>
+            <a:r>
+              <a:rPr lang="en-US" dirty="0">
+                <a:solidFill>
+                  <a:schemeClr val="tx2"/>
+                </a:solidFill>
+              </a:rPr>
+              <a:t>26% of the data, but 49.5% of the charges</a:t>
+            </a:r>
+            <a:endParaRPr lang="en-US" b="1" dirty="0">
+              <a:solidFill>
+                <a:schemeClr val="accent1"/>
+              </a:solidFill>
+            </a:endParaRPr>
+          </a:p>
+        </p:txBody>
+      </p:sp>
+      <p:pic>
+        <p:nvPicPr>
+          <p:cNvPr id="9" name="Picture 8" descr="Chart, scatter chart&#10;&#10;Description automatically generated">
+            <a:extLst>
+              <a:ext uri="{FF2B5EF4-FFF2-40B4-BE49-F238E27FC236}">
+                <a16:creationId xmlns:a16="http://schemas.microsoft.com/office/drawing/2014/main" id="{9AEBF577-0540-1341-998B-6FFD7BFF9346}"/>
+              </a:ext>
+            </a:extLst>
+          </p:cNvPr>
+          <p:cNvPicPr>
+            <a:picLocks noChangeAspect="1"/>
+          </p:cNvPicPr>
+          <p:nvPr/>
+        </p:nvPicPr>
+        <p:blipFill>
+          <a:blip r:embed="rId3"/>
+          <a:stretch>
+            <a:fillRect/>
+          </a:stretch>
+        </p:blipFill>
+        <p:spPr>
+          <a:xfrm>
+            <a:off x="184221" y="2718079"/>
+            <a:ext cx="6429268" cy="3739660"/>
+          </a:xfrm>
+          <a:prstGeom prst="rect">
+            <a:avLst/>
+          </a:prstGeom>
+        </p:spPr>
+      </p:pic>
+      <p:pic>
+        <p:nvPicPr>
+          <p:cNvPr id="11" name="Picture 10" descr="A picture containing text&#10;&#10;Description automatically generated">
+            <a:extLst>
+              <a:ext uri="{FF2B5EF4-FFF2-40B4-BE49-F238E27FC236}">
+                <a16:creationId xmlns:a16="http://schemas.microsoft.com/office/drawing/2014/main" id="{D3012FB8-A69F-0A4C-A9A3-4A7D56EACDBC}"/>
+              </a:ext>
+            </a:extLst>
+          </p:cNvPr>
+          <p:cNvPicPr>
+            <a:picLocks noChangeAspect="1"/>
+          </p:cNvPicPr>
+          <p:nvPr/>
+        </p:nvPicPr>
+        <p:blipFill>
+          <a:blip r:embed="rId4"/>
+          <a:stretch>
+            <a:fillRect/>
+          </a:stretch>
+        </p:blipFill>
+        <p:spPr>
+          <a:xfrm>
+            <a:off x="713611" y="2715250"/>
+            <a:ext cx="1447800" cy="863600"/>
+          </a:xfrm>
+          <a:prstGeom prst="rect">
+            <a:avLst/>
+          </a:prstGeom>
+        </p:spPr>
+      </p:pic>
+      <p:pic>
+        <p:nvPicPr>
+          <p:cNvPr id="13" name="Picture 12">
+            <a:extLst>
+              <a:ext uri="{FF2B5EF4-FFF2-40B4-BE49-F238E27FC236}">
+                <a16:creationId xmlns:a16="http://schemas.microsoft.com/office/drawing/2014/main" id="{F8A7CEE1-27C9-9A42-8F91-EB21BAD363B8}"/>
+              </a:ext>
+            </a:extLst>
+          </p:cNvPr>
+          <p:cNvPicPr>
+            <a:picLocks noChangeAspect="1"/>
+          </p:cNvPicPr>
+          <p:nvPr/>
+        </p:nvPicPr>
+        <p:blipFill>
+          <a:blip r:embed="rId5"/>
+          <a:srcRect/>
+          <a:stretch/>
+        </p:blipFill>
+        <p:spPr>
+          <a:xfrm>
+            <a:off x="6613489" y="2924955"/>
+            <a:ext cx="5394290" cy="3532784"/>
+          </a:xfrm>
+          <a:prstGeom prst="rect">
+            <a:avLst/>
+          </a:prstGeom>
+        </p:spPr>
+      </p:pic>
+    </p:spTree>
+    <p:extLst>
+      <p:ext uri="{BB962C8B-B14F-4D97-AF65-F5344CB8AC3E}">
+        <p14:creationId xmlns:p14="http://schemas.microsoft.com/office/powerpoint/2010/main" val="3928363096"/>
+      </p:ext>
+    </p:extLst>
+  </p:cSld>
+  <p:clrMapOvr>
+    <a:masterClrMapping/>
+  </p:clrMapOvr>
+</p:sld>
+</file>
+
+<file path=ppt/slides/slide4.xml><?xml version="1.0" encoding="utf-8"?>
+<p:sld xmlns:a="http://schemas.openxmlformats.org/drawingml/2006/main" xmlns:r="http://schemas.openxmlformats.org/officeDocument/2006/relationships" xmlns:p="http://schemas.openxmlformats.org/presentationml/2006/main">
+  <p:cSld>
+    <p:spTree>
+      <p:nvGrpSpPr>
+        <p:cNvPr id="1" name=""/>
+        <p:cNvGrpSpPr/>
+        <p:nvPr/>
+      </p:nvGrpSpPr>
+      <p:grpSpPr>
+        <a:xfrm>
+          <a:off x="0" y="0"/>
+          <a:ext cx="0" cy="0"/>
+          <a:chOff x="0" y="0"/>
+          <a:chExt cx="0" cy="0"/>
+        </a:xfrm>
+      </p:grpSpPr>
+      <p:pic>
+        <p:nvPicPr>
+          <p:cNvPr id="16" name="Picture 15" descr="Chart, bar chart&#10;&#10;Description automatically generated">
+            <a:extLst>
+              <a:ext uri="{FF2B5EF4-FFF2-40B4-BE49-F238E27FC236}">
+                <a16:creationId xmlns:a16="http://schemas.microsoft.com/office/drawing/2014/main" id="{3BCDF3E5-EEF5-2E4C-9C11-2EE3DC3936FA}"/>
+              </a:ext>
+            </a:extLst>
+          </p:cNvPr>
+          <p:cNvPicPr>
+            <a:picLocks noChangeAspect="1"/>
+          </p:cNvPicPr>
+          <p:nvPr/>
+        </p:nvPicPr>
+        <p:blipFill>
+          <a:blip r:embed="rId3"/>
+          <a:stretch>
+            <a:fillRect/>
+          </a:stretch>
+        </p:blipFill>
+        <p:spPr>
+          <a:xfrm>
+            <a:off x="2294020" y="590247"/>
+            <a:ext cx="9420663" cy="5994163"/>
+          </a:xfrm>
+          <a:prstGeom prst="rect">
+            <a:avLst/>
+          </a:prstGeom>
+        </p:spPr>
+      </p:pic>
+      <p:pic>
+        <p:nvPicPr>
+          <p:cNvPr id="6" name="Picture 5" descr="A screenshot of a cell phone&#10;&#10;Description automatically generated">
+            <a:extLst>
+              <a:ext uri="{FF2B5EF4-FFF2-40B4-BE49-F238E27FC236}">
+                <a16:creationId xmlns:a16="http://schemas.microsoft.com/office/drawing/2014/main" id="{9D180E8B-1EF2-494F-9C2D-2F63DAAFB343}"/>
+              </a:ext>
+            </a:extLst>
+          </p:cNvPr>
+          <p:cNvPicPr>
+            <a:picLocks noChangeAspect="1"/>
+          </p:cNvPicPr>
+          <p:nvPr/>
+        </p:nvPicPr>
+        <p:blipFill>
+          <a:blip r:embed="rId4"/>
+          <a:stretch>
+            <a:fillRect/>
+          </a:stretch>
+        </p:blipFill>
+        <p:spPr>
+          <a:xfrm>
+            <a:off x="3656215" y="1909010"/>
+            <a:ext cx="3027233" cy="1490472"/>
+          </a:xfrm>
+          <a:prstGeom prst="rect">
+            <a:avLst/>
+          </a:prstGeom>
+        </p:spPr>
+      </p:pic>
+      <p:pic>
+        <p:nvPicPr>
+          <p:cNvPr id="36" name="Picture 35" descr="A picture containing chart&#10;&#10;Description automatically generated">
+            <a:extLst>
+              <a:ext uri="{FF2B5EF4-FFF2-40B4-BE49-F238E27FC236}">
+                <a16:creationId xmlns:a16="http://schemas.microsoft.com/office/drawing/2014/main" id="{74132C26-58C8-6840-9EB6-893AD60F9C53}"/>
+              </a:ext>
+            </a:extLst>
+          </p:cNvPr>
+          <p:cNvPicPr>
+            <a:picLocks noChangeAspect="1"/>
+          </p:cNvPicPr>
+          <p:nvPr/>
+        </p:nvPicPr>
+        <p:blipFill>
+          <a:blip r:embed="rId5"/>
+          <a:stretch>
+            <a:fillRect/>
+          </a:stretch>
+        </p:blipFill>
+        <p:spPr>
+          <a:xfrm>
+            <a:off x="10889183" y="1145005"/>
+            <a:ext cx="825500" cy="876300"/>
+          </a:xfrm>
+          <a:prstGeom prst="rect">
+            <a:avLst/>
+          </a:prstGeom>
+        </p:spPr>
+      </p:pic>
+    </p:spTree>
+    <p:extLst>
+      <p:ext uri="{BB962C8B-B14F-4D97-AF65-F5344CB8AC3E}">
+        <p14:creationId xmlns:p14="http://schemas.microsoft.com/office/powerpoint/2010/main" val="3230281857"/>
+      </p:ext>
+    </p:extLst>
+  </p:cSld>
+  <p:clrMapOvr>
+    <a:masterClrMapping/>
+  </p:clrMapOvr>
+</p:sld>
+</file>
+
+<file path=ppt/slides/slide5.xml><?xml version="1.0" encoding="utf-8"?>
 <p:sld xmlns:a="http://schemas.openxmlformats.org/drawingml/2006/main" xmlns:r="http://schemas.openxmlformats.org/officeDocument/2006/relationships" xmlns:p="http://schemas.openxmlformats.org/presentationml/2006/main">
   <p:cSld>
     <p:bg>
@@ -6910,487 +6964,12 @@
           <a:chExt cx="0" cy="0"/>
         </a:xfrm>
       </p:grpSpPr>
-      <p:sp useBgFill="1">
-        <p:nvSpPr>
-          <p:cNvPr id="53" name="Rectangle 47">
+      <p:pic>
+        <p:nvPicPr>
+          <p:cNvPr id="19" name="Picture 18" descr="Chart, scatter chart&#10;&#10;Description automatically generated">
             <a:extLst>
               <a:ext uri="{FF2B5EF4-FFF2-40B4-BE49-F238E27FC236}">
-                <a16:creationId xmlns:a16="http://schemas.microsoft.com/office/drawing/2014/main" id="{A21E7785-3D2D-4FF8-9C82-42CE9DBD7BB9}"/>
-              </a:ext>
-              <a:ext uri="{C183D7F6-B498-43B3-948B-1728B52AA6E4}">
-                <adec:decorative xmlns:adec="http://schemas.microsoft.com/office/drawing/2017/decorative" val="1"/>
-              </a:ext>
-            </a:extLst>
-          </p:cNvPr>
-          <p:cNvSpPr>
-            <a:spLocks noGrp="1" noRot="1" noChangeAspect="1" noMove="1" noResize="1" noEditPoints="1" noAdjustHandles="1" noChangeArrowheads="1" noChangeShapeType="1" noTextEdit="1"/>
-          </p:cNvSpPr>
-          <p:nvPr>
-            <p:extLst>
-              <p:ext uri="{386F3935-93C4-4BCD-93E2-E3B085C9AB24}">
-                <p16:designElem xmlns:p16="http://schemas.microsoft.com/office/powerpoint/2015/main" val="1"/>
-              </p:ext>
-            </p:extLst>
-          </p:nvPr>
-        </p:nvSpPr>
-        <p:spPr>
-          <a:xfrm>
-            <a:off x="0" y="548641"/>
-            <a:ext cx="12191999" cy="6309360"/>
-          </a:xfrm>
-          <a:prstGeom prst="rect">
-            <a:avLst/>
-          </a:prstGeom>
-          <a:ln>
-            <a:noFill/>
-          </a:ln>
-        </p:spPr>
-        <p:style>
-          <a:lnRef idx="2">
-            <a:schemeClr val="accent1">
-              <a:shade val="50000"/>
-            </a:schemeClr>
-          </a:lnRef>
-          <a:fillRef idx="1">
-            <a:schemeClr val="accent1"/>
-          </a:fillRef>
-          <a:effectRef idx="0">
-            <a:schemeClr val="accent1"/>
-          </a:effectRef>
-          <a:fontRef idx="minor">
-            <a:schemeClr val="lt1"/>
-          </a:fontRef>
-        </p:style>
-        <p:txBody>
-          <a:bodyPr rtlCol="0" anchor="ctr"/>
-          <a:lstStyle/>
-          <a:p>
-            <a:pPr algn="ctr"/>
-            <a:endParaRPr lang="en-US"/>
-          </a:p>
-        </p:txBody>
-      </p:sp>
-      <p:sp>
-        <p:nvSpPr>
-          <p:cNvPr id="55" name="Rectangle 49">
-            <a:extLst>
-              <a:ext uri="{FF2B5EF4-FFF2-40B4-BE49-F238E27FC236}">
-                <a16:creationId xmlns:a16="http://schemas.microsoft.com/office/drawing/2014/main" id="{9911E146-5AE8-4892-B0B5-42052873B9E5}"/>
-              </a:ext>
-              <a:ext uri="{C183D7F6-B498-43B3-948B-1728B52AA6E4}">
-                <adec:decorative xmlns:adec="http://schemas.microsoft.com/office/drawing/2017/decorative" val="1"/>
-              </a:ext>
-            </a:extLst>
-          </p:cNvPr>
-          <p:cNvSpPr>
-            <a:spLocks noGrp="1" noRot="1" noChangeAspect="1" noMove="1" noResize="1" noEditPoints="1" noAdjustHandles="1" noChangeArrowheads="1" noChangeShapeType="1" noTextEdit="1"/>
-          </p:cNvSpPr>
-          <p:nvPr>
-            <p:extLst>
-              <p:ext uri="{386F3935-93C4-4BCD-93E2-E3B085C9AB24}">
-                <p16:designElem xmlns:p16="http://schemas.microsoft.com/office/powerpoint/2015/main" val="1"/>
-              </p:ext>
-            </p:extLst>
-          </p:nvPr>
-        </p:nvSpPr>
-        <p:spPr>
-          <a:xfrm>
-            <a:off x="442377" y="3194092"/>
-            <a:ext cx="3705323" cy="3206708"/>
-          </a:xfrm>
-          <a:prstGeom prst="rect">
-            <a:avLst/>
-          </a:prstGeom>
-          <a:solidFill>
-            <a:schemeClr val="accent1"/>
-          </a:solidFill>
-          <a:ln>
-            <a:noFill/>
-          </a:ln>
-          <a:effectLst/>
-        </p:spPr>
-        <p:style>
-          <a:lnRef idx="1">
-            <a:schemeClr val="accent1"/>
-          </a:lnRef>
-          <a:fillRef idx="3">
-            <a:schemeClr val="accent1"/>
-          </a:fillRef>
-          <a:effectRef idx="2">
-            <a:schemeClr val="accent1"/>
-          </a:effectRef>
-          <a:fontRef idx="minor">
-            <a:schemeClr val="lt1"/>
-          </a:fontRef>
-        </p:style>
-      </p:sp>
-      <p:sp>
-        <p:nvSpPr>
-          <p:cNvPr id="2" name="Title 1">
-            <a:extLst>
-              <a:ext uri="{FF2B5EF4-FFF2-40B4-BE49-F238E27FC236}">
-                <a16:creationId xmlns:a16="http://schemas.microsoft.com/office/drawing/2014/main" id="{331C21C6-7084-FE4F-8FC4-AD73E7446C3F}"/>
-              </a:ext>
-            </a:extLst>
-          </p:cNvPr>
-          <p:cNvSpPr>
-            <a:spLocks noGrp="1"/>
-          </p:cNvSpPr>
-          <p:nvPr>
-            <p:ph type="title"/>
-          </p:nvPr>
-        </p:nvSpPr>
-        <p:spPr>
-          <a:xfrm>
-            <a:off x="593253" y="3425294"/>
-            <a:ext cx="3397924" cy="2800478"/>
-          </a:xfrm>
-        </p:spPr>
-        <p:txBody>
-          <a:bodyPr anchor="ctr">
-            <a:normAutofit/>
-          </a:bodyPr>
-          <a:lstStyle/>
-          <a:p>
-            <a:pPr>
-              <a:lnSpc>
-                <a:spcPct val="90000"/>
-              </a:lnSpc>
-            </a:pPr>
-            <a:r>
-              <a:rPr lang="en-US" sz="2600">
-                <a:solidFill>
-                  <a:srgbClr val="FFFFFF"/>
-                </a:solidFill>
-              </a:rPr>
-              <a:t>When we look only at the non-smokers, WE SEE WOMEN’S CHARGES ARE 13% HIGHER regardless of region</a:t>
-            </a:r>
-          </a:p>
-        </p:txBody>
-      </p:sp>
-      <p:sp>
-        <p:nvSpPr>
-          <p:cNvPr id="57" name="Rectangle 51">
-            <a:extLst>
-              <a:ext uri="{FF2B5EF4-FFF2-40B4-BE49-F238E27FC236}">
-                <a16:creationId xmlns:a16="http://schemas.microsoft.com/office/drawing/2014/main" id="{978A552A-290C-474C-9CC8-401379CD133C}"/>
-              </a:ext>
-              <a:ext uri="{C183D7F6-B498-43B3-948B-1728B52AA6E4}">
-                <adec:decorative xmlns:adec="http://schemas.microsoft.com/office/drawing/2017/decorative" val="1"/>
-              </a:ext>
-            </a:extLst>
-          </p:cNvPr>
-          <p:cNvSpPr>
-            <a:spLocks noGrp="1" noRot="1" noChangeAspect="1" noMove="1" noResize="1" noEditPoints="1" noAdjustHandles="1" noChangeArrowheads="1" noChangeShapeType="1" noTextEdit="1"/>
-          </p:cNvSpPr>
-          <p:nvPr>
-            <p:extLst>
-              <p:ext uri="{386F3935-93C4-4BCD-93E2-E3B085C9AB24}">
-                <p16:designElem xmlns:p16="http://schemas.microsoft.com/office/powerpoint/2015/main" val="1"/>
-              </p:ext>
-            </p:extLst>
-          </p:nvPr>
-        </p:nvSpPr>
-        <p:spPr>
-          <a:xfrm>
-            <a:off x="446534" y="457200"/>
-            <a:ext cx="3703320" cy="94997"/>
-          </a:xfrm>
-          <a:prstGeom prst="rect">
-            <a:avLst/>
-          </a:prstGeom>
-          <a:solidFill>
-            <a:schemeClr val="accent1"/>
-          </a:solidFill>
-          <a:ln>
-            <a:noFill/>
-          </a:ln>
-          <a:effectLst/>
-        </p:spPr>
-        <p:style>
-          <a:lnRef idx="1">
-            <a:schemeClr val="accent1"/>
-          </a:lnRef>
-          <a:fillRef idx="3">
-            <a:schemeClr val="accent1"/>
-          </a:fillRef>
-          <a:effectRef idx="2">
-            <a:schemeClr val="accent1"/>
-          </a:effectRef>
-          <a:fontRef idx="minor">
-            <a:schemeClr val="lt1"/>
-          </a:fontRef>
-        </p:style>
-      </p:sp>
-      <p:sp>
-        <p:nvSpPr>
-          <p:cNvPr id="59" name="Rectangle 53">
-            <a:extLst>
-              <a:ext uri="{FF2B5EF4-FFF2-40B4-BE49-F238E27FC236}">
-                <a16:creationId xmlns:a16="http://schemas.microsoft.com/office/drawing/2014/main" id="{57D8432A-7050-43CE-AC0E-48F00C7D5232}"/>
-              </a:ext>
-              <a:ext uri="{C183D7F6-B498-43B3-948B-1728B52AA6E4}">
-                <adec:decorative xmlns:adec="http://schemas.microsoft.com/office/drawing/2017/decorative" val="1"/>
-              </a:ext>
-            </a:extLst>
-          </p:cNvPr>
-          <p:cNvSpPr>
-            <a:spLocks noGrp="1" noRot="1" noChangeAspect="1" noMove="1" noResize="1" noEditPoints="1" noAdjustHandles="1" noChangeArrowheads="1" noChangeShapeType="1" noTextEdit="1"/>
-          </p:cNvSpPr>
-          <p:nvPr>
-            <p:extLst>
-              <p:ext uri="{386F3935-93C4-4BCD-93E2-E3B085C9AB24}">
-                <p16:designElem xmlns:p16="http://schemas.microsoft.com/office/powerpoint/2015/main" val="1"/>
-              </p:ext>
-            </p:extLst>
-          </p:nvPr>
-        </p:nvSpPr>
-        <p:spPr>
-          <a:xfrm>
-            <a:off x="4241830" y="457200"/>
-            <a:ext cx="3703320" cy="91440"/>
-          </a:xfrm>
-          <a:prstGeom prst="rect">
-            <a:avLst/>
-          </a:prstGeom>
-          <a:solidFill>
-            <a:schemeClr val="accent2"/>
-          </a:solidFill>
-          <a:ln>
-            <a:noFill/>
-          </a:ln>
-          <a:effectLst/>
-        </p:spPr>
-        <p:style>
-          <a:lnRef idx="1">
-            <a:schemeClr val="accent1"/>
-          </a:lnRef>
-          <a:fillRef idx="3">
-            <a:schemeClr val="accent1"/>
-          </a:fillRef>
-          <a:effectRef idx="2">
-            <a:schemeClr val="accent1"/>
-          </a:effectRef>
-          <a:fontRef idx="minor">
-            <a:schemeClr val="lt1"/>
-          </a:fontRef>
-        </p:style>
-      </p:sp>
-      <p:sp>
-        <p:nvSpPr>
-          <p:cNvPr id="61" name="Rectangle 55">
-            <a:extLst>
-              <a:ext uri="{FF2B5EF4-FFF2-40B4-BE49-F238E27FC236}">
-                <a16:creationId xmlns:a16="http://schemas.microsoft.com/office/drawing/2014/main" id="{55B5BA19-E267-49E0-A8F7-3435C91189DE}"/>
-              </a:ext>
-              <a:ext uri="{C183D7F6-B498-43B3-948B-1728B52AA6E4}">
-                <adec:decorative xmlns:adec="http://schemas.microsoft.com/office/drawing/2017/decorative" val="1"/>
-              </a:ext>
-            </a:extLst>
-          </p:cNvPr>
-          <p:cNvSpPr>
-            <a:spLocks noGrp="1" noRot="1" noChangeAspect="1" noMove="1" noResize="1" noEditPoints="1" noAdjustHandles="1" noChangeArrowheads="1" noChangeShapeType="1" noTextEdit="1"/>
-          </p:cNvSpPr>
-          <p:nvPr>
-            <p:extLst>
-              <p:ext uri="{386F3935-93C4-4BCD-93E2-E3B085C9AB24}">
-                <p16:designElem xmlns:p16="http://schemas.microsoft.com/office/powerpoint/2015/main" val="1"/>
-              </p:ext>
-            </p:extLst>
-          </p:nvPr>
-        </p:nvSpPr>
-        <p:spPr>
-          <a:xfrm>
-            <a:off x="8042147" y="453643"/>
-            <a:ext cx="3703320" cy="98554"/>
-          </a:xfrm>
-          <a:prstGeom prst="rect">
-            <a:avLst/>
-          </a:prstGeom>
-          <a:solidFill>
-            <a:schemeClr val="accent4"/>
-          </a:solidFill>
-          <a:ln>
-            <a:noFill/>
-          </a:ln>
-          <a:effectLst/>
-        </p:spPr>
-        <p:style>
-          <a:lnRef idx="1">
-            <a:schemeClr val="accent1"/>
-          </a:lnRef>
-          <a:fillRef idx="3">
-            <a:schemeClr val="accent1"/>
-          </a:fillRef>
-          <a:effectRef idx="2">
-            <a:schemeClr val="accent1"/>
-          </a:effectRef>
-          <a:fontRef idx="minor">
-            <a:schemeClr val="lt1"/>
-          </a:fontRef>
-        </p:style>
-      </p:sp>
-      <p:sp>
-        <p:nvSpPr>
-          <p:cNvPr id="63" name="Rectangle 57">
-            <a:extLst>
-              <a:ext uri="{FF2B5EF4-FFF2-40B4-BE49-F238E27FC236}">
-                <a16:creationId xmlns:a16="http://schemas.microsoft.com/office/drawing/2014/main" id="{D19504FF-266B-4F6E-BAA1-DF9730E90020}"/>
-              </a:ext>
-              <a:ext uri="{C183D7F6-B498-43B3-948B-1728B52AA6E4}">
-                <adec:decorative xmlns:adec="http://schemas.microsoft.com/office/drawing/2017/decorative" val="1"/>
-              </a:ext>
-            </a:extLst>
-          </p:cNvPr>
-          <p:cNvSpPr>
-            <a:spLocks noGrp="1" noRot="1" noChangeAspect="1" noMove="1" noResize="1" noEditPoints="1" noAdjustHandles="1" noChangeArrowheads="1" noChangeShapeType="1" noTextEdit="1"/>
-          </p:cNvSpPr>
-          <p:nvPr>
-            <p:extLst>
-              <p:ext uri="{386F3935-93C4-4BCD-93E2-E3B085C9AB24}">
-                <p16:designElem xmlns:p16="http://schemas.microsoft.com/office/powerpoint/2015/main" val="1"/>
-              </p:ext>
-            </p:extLst>
-          </p:nvPr>
-        </p:nvSpPr>
-        <p:spPr>
-          <a:xfrm>
-            <a:off x="442377" y="654222"/>
-            <a:ext cx="3702878" cy="2437844"/>
-          </a:xfrm>
-          <a:prstGeom prst="rect">
-            <a:avLst/>
-          </a:prstGeom>
-          <a:noFill/>
-          <a:ln w="19050">
-            <a:solidFill>
-              <a:schemeClr val="accent4"/>
-            </a:solidFill>
-          </a:ln>
-        </p:spPr>
-        <p:style>
-          <a:lnRef idx="2">
-            <a:schemeClr val="accent1">
-              <a:shade val="50000"/>
-            </a:schemeClr>
-          </a:lnRef>
-          <a:fillRef idx="1">
-            <a:schemeClr val="accent1"/>
-          </a:fillRef>
-          <a:effectRef idx="0">
-            <a:schemeClr val="accent1"/>
-          </a:effectRef>
-          <a:fontRef idx="minor">
-            <a:schemeClr val="lt1"/>
-          </a:fontRef>
-        </p:style>
-        <p:txBody>
-          <a:bodyPr rtlCol="0" anchor="ctr"/>
-          <a:lstStyle/>
-          <a:p>
-            <a:pPr algn="ctr"/>
-            <a:endParaRPr lang="en-US"/>
-          </a:p>
-        </p:txBody>
-      </p:sp>
-      <p:pic>
-        <p:nvPicPr>
-          <p:cNvPr id="16" name="Picture 15" descr="A screenshot of a cell phone&#10;&#10;Description automatically generated">
-            <a:extLst>
-              <a:ext uri="{FF2B5EF4-FFF2-40B4-BE49-F238E27FC236}">
-                <a16:creationId xmlns:a16="http://schemas.microsoft.com/office/drawing/2014/main" id="{435AF26C-8AA4-D245-8478-DC929CCF3A03}"/>
-              </a:ext>
-            </a:extLst>
-          </p:cNvPr>
-          <p:cNvPicPr>
-            <a:picLocks noChangeAspect="1"/>
-          </p:cNvPicPr>
-          <p:nvPr/>
-        </p:nvPicPr>
-        <p:blipFill rotWithShape="1">
-          <a:blip r:embed="rId2"/>
-          <a:srcRect t="9209" r="2" b="4809"/>
-          <a:stretch/>
-        </p:blipFill>
-        <p:spPr>
-          <a:xfrm>
-            <a:off x="873473" y="780711"/>
-            <a:ext cx="2837481" cy="2167476"/>
-          </a:xfrm>
-          <a:prstGeom prst="rect">
-            <a:avLst/>
-          </a:prstGeom>
-        </p:spPr>
-      </p:pic>
-      <p:sp>
-        <p:nvSpPr>
-          <p:cNvPr id="64" name="Rectangle 59">
-            <a:extLst>
-              <a:ext uri="{FF2B5EF4-FFF2-40B4-BE49-F238E27FC236}">
-                <a16:creationId xmlns:a16="http://schemas.microsoft.com/office/drawing/2014/main" id="{6464F78D-891F-49EC-ADDE-5E581A66ACA9}"/>
-              </a:ext>
-              <a:ext uri="{C183D7F6-B498-43B3-948B-1728B52AA6E4}">
-                <adec:decorative xmlns:adec="http://schemas.microsoft.com/office/drawing/2017/decorative" val="1"/>
-              </a:ext>
-            </a:extLst>
-          </p:cNvPr>
-          <p:cNvSpPr>
-            <a:spLocks noGrp="1" noRot="1" noChangeAspect="1" noMove="1" noResize="1" noEditPoints="1" noAdjustHandles="1" noChangeArrowheads="1" noChangeShapeType="1" noTextEdit="1"/>
-          </p:cNvSpPr>
-          <p:nvPr>
-            <p:extLst>
-              <p:ext uri="{386F3935-93C4-4BCD-93E2-E3B085C9AB24}">
-                <p16:designElem xmlns:p16="http://schemas.microsoft.com/office/powerpoint/2015/main" val="1"/>
-              </p:ext>
-            </p:extLst>
-          </p:nvPr>
-        </p:nvSpPr>
-        <p:spPr>
-          <a:xfrm>
-            <a:off x="4240312" y="654222"/>
-            <a:ext cx="3702878" cy="2437844"/>
-          </a:xfrm>
-          <a:prstGeom prst="rect">
-            <a:avLst/>
-          </a:prstGeom>
-          <a:noFill/>
-          <a:ln w="19050">
-            <a:solidFill>
-              <a:schemeClr val="accent4"/>
-            </a:solidFill>
-          </a:ln>
-        </p:spPr>
-        <p:style>
-          <a:lnRef idx="2">
-            <a:schemeClr val="accent1">
-              <a:shade val="50000"/>
-            </a:schemeClr>
-          </a:lnRef>
-          <a:fillRef idx="1">
-            <a:schemeClr val="accent1"/>
-          </a:fillRef>
-          <a:effectRef idx="0">
-            <a:schemeClr val="accent1"/>
-          </a:effectRef>
-          <a:fontRef idx="minor">
-            <a:schemeClr val="lt1"/>
-          </a:fontRef>
-        </p:style>
-        <p:txBody>
-          <a:bodyPr rtlCol="0" anchor="ctr"/>
-          <a:lstStyle/>
-          <a:p>
-            <a:pPr algn="ctr"/>
-            <a:endParaRPr lang="en-US"/>
-          </a:p>
-        </p:txBody>
-      </p:sp>
-      <p:pic>
-        <p:nvPicPr>
-          <p:cNvPr id="28" name="Picture 27" descr="A screenshot of a cell phone&#10;&#10;Description automatically generated">
-            <a:extLst>
-              <a:ext uri="{FF2B5EF4-FFF2-40B4-BE49-F238E27FC236}">
-                <a16:creationId xmlns:a16="http://schemas.microsoft.com/office/drawing/2014/main" id="{5218AD00-53C0-3843-9C3A-7F1857EDAE0B}"/>
+                <a16:creationId xmlns:a16="http://schemas.microsoft.com/office/drawing/2014/main" id="{15BBFD67-1BC4-604C-B5A9-7BB300543B88}"/>
               </a:ext>
             </a:extLst>
           </p:cNvPr>
@@ -7407,20 +6986,432 @@
         </p:blipFill>
         <p:spPr>
           <a:xfrm>
-            <a:off x="4391187" y="797468"/>
-            <a:ext cx="3392496" cy="2130552"/>
+            <a:off x="4229337" y="1785905"/>
+            <a:ext cx="7930579" cy="5027883"/>
           </a:xfrm>
           <a:prstGeom prst="rect">
             <a:avLst/>
           </a:prstGeom>
         </p:spPr>
       </p:pic>
+      <p:sp>
+        <p:nvSpPr>
+          <p:cNvPr id="2" name="Title 1">
+            <a:extLst>
+              <a:ext uri="{FF2B5EF4-FFF2-40B4-BE49-F238E27FC236}">
+                <a16:creationId xmlns:a16="http://schemas.microsoft.com/office/drawing/2014/main" id="{9901A9B4-B103-744A-9D25-8AEFEAE1BEF2}"/>
+              </a:ext>
+            </a:extLst>
+          </p:cNvPr>
+          <p:cNvSpPr>
+            <a:spLocks noGrp="1"/>
+          </p:cNvSpPr>
+          <p:nvPr>
+            <p:ph type="title"/>
+          </p:nvPr>
+        </p:nvSpPr>
+        <p:spPr>
+          <a:xfrm>
+            <a:off x="1596189" y="760864"/>
+            <a:ext cx="8999621" cy="461666"/>
+          </a:xfrm>
+        </p:spPr>
+        <p:txBody>
+          <a:bodyPr anchor="t">
+            <a:normAutofit/>
+          </a:bodyPr>
+          <a:lstStyle/>
+          <a:p>
+            <a:pPr>
+              <a:lnSpc>
+                <a:spcPct val="90000"/>
+              </a:lnSpc>
+            </a:pPr>
+            <a:r>
+              <a:rPr lang="en-US" sz="2400" dirty="0">
+                <a:solidFill>
+                  <a:schemeClr val="accent2"/>
+                </a:solidFill>
+              </a:rPr>
+              <a:t>Non-smokers only with charges under $22,500</a:t>
+            </a:r>
+            <a:br>
+              <a:rPr lang="en-US" sz="1800" dirty="0">
+                <a:solidFill>
+                  <a:schemeClr val="accent2"/>
+                </a:solidFill>
+              </a:rPr>
+            </a:br>
+            <a:br>
+              <a:rPr lang="en-US" sz="2200" dirty="0">
+                <a:solidFill>
+                  <a:schemeClr val="accent2"/>
+                </a:solidFill>
+              </a:rPr>
+            </a:br>
+            <a:br>
+              <a:rPr lang="en-US" sz="1800" dirty="0">
+                <a:solidFill>
+                  <a:schemeClr val="accent2"/>
+                </a:solidFill>
+              </a:rPr>
+            </a:br>
+            <a:endParaRPr lang="en-US" sz="1800" dirty="0">
+              <a:solidFill>
+                <a:schemeClr val="accent2"/>
+              </a:solidFill>
+            </a:endParaRPr>
+          </a:p>
+        </p:txBody>
+      </p:sp>
+      <p:grpSp>
+        <p:nvGrpSpPr>
+          <p:cNvPr id="7" name="Group 6">
+            <a:extLst>
+              <a:ext uri="{FF2B5EF4-FFF2-40B4-BE49-F238E27FC236}">
+                <a16:creationId xmlns:a16="http://schemas.microsoft.com/office/drawing/2014/main" id="{6BED9D5E-74F5-5543-BA46-DE9F0C4230A2}"/>
+              </a:ext>
+            </a:extLst>
+          </p:cNvPr>
+          <p:cNvGrpSpPr/>
+          <p:nvPr/>
+        </p:nvGrpSpPr>
+        <p:grpSpPr>
+          <a:xfrm>
+            <a:off x="134456" y="4012218"/>
+            <a:ext cx="3336800" cy="2486575"/>
+            <a:chOff x="299551" y="3613660"/>
+            <a:chExt cx="4113858" cy="3019215"/>
+          </a:xfrm>
+        </p:grpSpPr>
+        <p:pic>
+          <p:nvPicPr>
+            <p:cNvPr id="8" name="Content Placeholder 8">
+              <a:extLst>
+                <a:ext uri="{FF2B5EF4-FFF2-40B4-BE49-F238E27FC236}">
+                  <a16:creationId xmlns:a16="http://schemas.microsoft.com/office/drawing/2014/main" id="{CB4858BF-695F-7842-8F0A-FA5C12F5F83E}"/>
+                </a:ext>
+              </a:extLst>
+            </p:cNvPr>
+            <p:cNvPicPr>
+              <a:picLocks noChangeAspect="1"/>
+            </p:cNvPicPr>
+            <p:nvPr/>
+          </p:nvPicPr>
+          <p:blipFill>
+            <a:blip r:embed="rId4"/>
+            <a:srcRect/>
+            <a:stretch/>
+          </p:blipFill>
+          <p:spPr>
+            <a:xfrm>
+              <a:off x="299551" y="3648544"/>
+              <a:ext cx="4113858" cy="2984331"/>
+            </a:xfrm>
+            <a:prstGeom prst="rect">
+              <a:avLst/>
+            </a:prstGeom>
+          </p:spPr>
+        </p:pic>
+        <p:sp>
+          <p:nvSpPr>
+            <p:cNvPr id="9" name="Oval 8">
+              <a:extLst>
+                <a:ext uri="{FF2B5EF4-FFF2-40B4-BE49-F238E27FC236}">
+                  <a16:creationId xmlns:a16="http://schemas.microsoft.com/office/drawing/2014/main" id="{750B9220-3FE0-B14D-94A4-9941D0572BFD}"/>
+                </a:ext>
+              </a:extLst>
+            </p:cNvPr>
+            <p:cNvSpPr/>
+            <p:nvPr/>
+          </p:nvSpPr>
+          <p:spPr>
+            <a:xfrm rot="20936872">
+              <a:off x="2918121" y="3613660"/>
+              <a:ext cx="893504" cy="832982"/>
+            </a:xfrm>
+            <a:prstGeom prst="ellipse">
+              <a:avLst/>
+            </a:prstGeom>
+            <a:noFill/>
+            <a:ln>
+              <a:solidFill>
+                <a:srgbClr val="FF0000"/>
+              </a:solidFill>
+            </a:ln>
+          </p:spPr>
+          <p:style>
+            <a:lnRef idx="1">
+              <a:schemeClr val="accent1"/>
+            </a:lnRef>
+            <a:fillRef idx="3">
+              <a:schemeClr val="accent1"/>
+            </a:fillRef>
+            <a:effectRef idx="2">
+              <a:schemeClr val="accent1"/>
+            </a:effectRef>
+            <a:fontRef idx="minor">
+              <a:schemeClr val="lt1"/>
+            </a:fontRef>
+          </p:style>
+          <p:txBody>
+            <a:bodyPr rtlCol="0" anchor="ctr"/>
+            <a:lstStyle/>
+            <a:p>
+              <a:pPr algn="ctr"/>
+              <a:endParaRPr lang="en-US"/>
+            </a:p>
+          </p:txBody>
+        </p:sp>
+      </p:grpSp>
+      <p:grpSp>
+        <p:nvGrpSpPr>
+          <p:cNvPr id="10" name="Group 9">
+            <a:extLst>
+              <a:ext uri="{FF2B5EF4-FFF2-40B4-BE49-F238E27FC236}">
+                <a16:creationId xmlns:a16="http://schemas.microsoft.com/office/drawing/2014/main" id="{CDB5C8D3-CB6E-6D48-B4D7-E758BB770794}"/>
+              </a:ext>
+            </a:extLst>
+          </p:cNvPr>
+          <p:cNvGrpSpPr/>
+          <p:nvPr/>
+        </p:nvGrpSpPr>
+        <p:grpSpPr>
+          <a:xfrm>
+            <a:off x="152761" y="1309237"/>
+            <a:ext cx="3300191" cy="2448812"/>
+            <a:chOff x="7306286" y="3616915"/>
+            <a:chExt cx="3752149" cy="2784174"/>
+          </a:xfrm>
+        </p:grpSpPr>
+        <p:pic>
+          <p:nvPicPr>
+            <p:cNvPr id="11" name="Picture 10">
+              <a:extLst>
+                <a:ext uri="{FF2B5EF4-FFF2-40B4-BE49-F238E27FC236}">
+                  <a16:creationId xmlns:a16="http://schemas.microsoft.com/office/drawing/2014/main" id="{9222F638-F296-2B48-83AE-8318CB81FBCA}"/>
+                </a:ext>
+              </a:extLst>
+            </p:cNvPr>
+            <p:cNvPicPr>
+              <a:picLocks noChangeAspect="1"/>
+            </p:cNvPicPr>
+            <p:nvPr/>
+          </p:nvPicPr>
+          <p:blipFill>
+            <a:blip r:embed="rId5"/>
+            <a:srcRect/>
+            <a:stretch/>
+          </p:blipFill>
+          <p:spPr>
+            <a:xfrm>
+              <a:off x="7306286" y="3679154"/>
+              <a:ext cx="3752149" cy="2721935"/>
+            </a:xfrm>
+            <a:prstGeom prst="rect">
+              <a:avLst/>
+            </a:prstGeom>
+          </p:spPr>
+        </p:pic>
+        <p:sp>
+          <p:nvSpPr>
+            <p:cNvPr id="12" name="Oval 11">
+              <a:extLst>
+                <a:ext uri="{FF2B5EF4-FFF2-40B4-BE49-F238E27FC236}">
+                  <a16:creationId xmlns:a16="http://schemas.microsoft.com/office/drawing/2014/main" id="{E447E6C0-15D0-174D-A3C5-770DA73B1F9C}"/>
+                </a:ext>
+              </a:extLst>
+            </p:cNvPr>
+            <p:cNvSpPr/>
+            <p:nvPr/>
+          </p:nvSpPr>
+          <p:spPr>
+            <a:xfrm rot="20936872">
+              <a:off x="9607944" y="3616915"/>
+              <a:ext cx="926836" cy="826468"/>
+            </a:xfrm>
+            <a:prstGeom prst="ellipse">
+              <a:avLst/>
+            </a:prstGeom>
+            <a:noFill/>
+            <a:ln>
+              <a:solidFill>
+                <a:srgbClr val="FF0000"/>
+              </a:solidFill>
+            </a:ln>
+          </p:spPr>
+          <p:style>
+            <a:lnRef idx="1">
+              <a:schemeClr val="accent1"/>
+            </a:lnRef>
+            <a:fillRef idx="3">
+              <a:schemeClr val="accent1"/>
+            </a:fillRef>
+            <a:effectRef idx="2">
+              <a:schemeClr val="accent1"/>
+            </a:effectRef>
+            <a:fontRef idx="minor">
+              <a:schemeClr val="lt1"/>
+            </a:fontRef>
+          </p:style>
+          <p:txBody>
+            <a:bodyPr rtlCol="0" anchor="ctr"/>
+            <a:lstStyle/>
+            <a:p>
+              <a:pPr algn="ctr"/>
+              <a:endParaRPr lang="en-US"/>
+            </a:p>
+          </p:txBody>
+        </p:sp>
+      </p:grpSp>
       <p:pic>
         <p:nvPicPr>
-          <p:cNvPr id="23" name="Picture 22" descr="A screenshot of a cell phone&#10;&#10;Description automatically generated">
+          <p:cNvPr id="17" name="Picture 16" descr="A picture containing graphical user interface&#10;&#10;Description automatically generated">
             <a:extLst>
               <a:ext uri="{FF2B5EF4-FFF2-40B4-BE49-F238E27FC236}">
-                <a16:creationId xmlns:a16="http://schemas.microsoft.com/office/drawing/2014/main" id="{73F9B532-B43B-3F45-BE06-979F7F3A8811}"/>
+                <a16:creationId xmlns:a16="http://schemas.microsoft.com/office/drawing/2014/main" id="{0EA111F4-AD03-404E-BAF5-C2A61B0D50F2}"/>
+              </a:ext>
+            </a:extLst>
+          </p:cNvPr>
+          <p:cNvPicPr>
+            <a:picLocks noChangeAspect="1"/>
+          </p:cNvPicPr>
+          <p:nvPr/>
+        </p:nvPicPr>
+        <p:blipFill>
+          <a:blip r:embed="rId6"/>
+          <a:stretch>
+            <a:fillRect/>
+          </a:stretch>
+        </p:blipFill>
+        <p:spPr>
+          <a:xfrm>
+            <a:off x="11366045" y="1659766"/>
+            <a:ext cx="673194" cy="601386"/>
+          </a:xfrm>
+          <a:prstGeom prst="rect">
+            <a:avLst/>
+          </a:prstGeom>
+        </p:spPr>
+      </p:pic>
+    </p:spTree>
+    <p:extLst>
+      <p:ext uri="{BB962C8B-B14F-4D97-AF65-F5344CB8AC3E}">
+        <p14:creationId xmlns:p14="http://schemas.microsoft.com/office/powerpoint/2010/main" val="847540855"/>
+      </p:ext>
+    </p:extLst>
+  </p:cSld>
+  <p:clrMapOvr>
+    <a:masterClrMapping/>
+  </p:clrMapOvr>
+</p:sld>
+</file>
+
+<file path=ppt/slides/slide6.xml><?xml version="1.0" encoding="utf-8"?>
+<p:sld xmlns:a="http://schemas.openxmlformats.org/drawingml/2006/main" xmlns:r="http://schemas.openxmlformats.org/officeDocument/2006/relationships" xmlns:p="http://schemas.openxmlformats.org/presentationml/2006/main">
+  <p:cSld>
+    <p:bg>
+      <p:bgPr>
+        <a:solidFill>
+          <a:schemeClr val="bg1"/>
+        </a:solidFill>
+        <a:effectLst/>
+      </p:bgPr>
+    </p:bg>
+    <p:spTree>
+      <p:nvGrpSpPr>
+        <p:cNvPr id="1" name=""/>
+        <p:cNvGrpSpPr/>
+        <p:nvPr/>
+      </p:nvGrpSpPr>
+      <p:grpSpPr>
+        <a:xfrm>
+          <a:off x="0" y="0"/>
+          <a:ext cx="0" cy="0"/>
+          <a:chOff x="0" y="0"/>
+          <a:chExt cx="0" cy="0"/>
+        </a:xfrm>
+      </p:grpSpPr>
+      <p:sp>
+        <p:nvSpPr>
+          <p:cNvPr id="2" name="Title 1">
+            <a:extLst>
+              <a:ext uri="{FF2B5EF4-FFF2-40B4-BE49-F238E27FC236}">
+                <a16:creationId xmlns:a16="http://schemas.microsoft.com/office/drawing/2014/main" id="{331C21C6-7084-FE4F-8FC4-AD73E7446C3F}"/>
+              </a:ext>
+            </a:extLst>
+          </p:cNvPr>
+          <p:cNvSpPr>
+            <a:spLocks noGrp="1"/>
+          </p:cNvSpPr>
+          <p:nvPr>
+            <p:ph type="title"/>
+          </p:nvPr>
+        </p:nvSpPr>
+        <p:spPr>
+          <a:xfrm>
+            <a:off x="593253" y="3425294"/>
+            <a:ext cx="3397924" cy="2800478"/>
+          </a:xfrm>
+        </p:spPr>
+        <p:txBody>
+          <a:bodyPr anchor="ctr">
+            <a:normAutofit/>
+          </a:bodyPr>
+          <a:lstStyle/>
+          <a:p>
+            <a:pPr>
+              <a:lnSpc>
+                <a:spcPct val="90000"/>
+              </a:lnSpc>
+            </a:pPr>
+            <a:r>
+              <a:rPr lang="en-US" sz="2600">
+                <a:solidFill>
+                  <a:srgbClr val="FFFFFF"/>
+                </a:solidFill>
+              </a:rPr>
+              <a:t>When we look only at the non-smokers, WE SEE WOMEN’S CHARGES ARE 13% HIGHER regardless of region</a:t>
+            </a:r>
+          </a:p>
+        </p:txBody>
+      </p:sp>
+      <p:pic>
+        <p:nvPicPr>
+          <p:cNvPr id="40" name="Picture 39" descr="Chart, bar chart&#10;&#10;Description automatically generated">
+            <a:extLst>
+              <a:ext uri="{FF2B5EF4-FFF2-40B4-BE49-F238E27FC236}">
+                <a16:creationId xmlns:a16="http://schemas.microsoft.com/office/drawing/2014/main" id="{C7D3F2F3-62C7-5D4A-A32D-EC5E87F464FD}"/>
+              </a:ext>
+            </a:extLst>
+          </p:cNvPr>
+          <p:cNvPicPr>
+            <a:picLocks noChangeAspect="1"/>
+          </p:cNvPicPr>
+          <p:nvPr/>
+        </p:nvPicPr>
+        <p:blipFill>
+          <a:blip r:embed="rId3"/>
+          <a:stretch>
+            <a:fillRect/>
+          </a:stretch>
+        </p:blipFill>
+        <p:spPr>
+          <a:xfrm>
+            <a:off x="0" y="948285"/>
+            <a:ext cx="5907763" cy="3701249"/>
+          </a:xfrm>
+          <a:prstGeom prst="rect">
+            <a:avLst/>
+          </a:prstGeom>
+        </p:spPr>
+      </p:pic>
+      <p:pic>
+        <p:nvPicPr>
+          <p:cNvPr id="44" name="Picture 43" descr="Chart, bar chart&#10;&#10;Description automatically generated">
+            <a:extLst>
+              <a:ext uri="{FF2B5EF4-FFF2-40B4-BE49-F238E27FC236}">
+                <a16:creationId xmlns:a16="http://schemas.microsoft.com/office/drawing/2014/main" id="{3CFB13C4-83C8-2549-BB21-90A280F2A2C1}"/>
               </a:ext>
             </a:extLst>
           </p:cNvPr>
@@ -7431,12 +7422,14 @@
         </p:nvPicPr>
         <p:blipFill>
           <a:blip r:embed="rId4"/>
-          <a:stretch/>
+          <a:stretch>
+            <a:fillRect/>
+          </a:stretch>
         </p:blipFill>
         <p:spPr>
           <a:xfrm>
-            <a:off x="8188827" y="805372"/>
-            <a:ext cx="3400442" cy="2135543"/>
+            <a:off x="6096000" y="954496"/>
+            <a:ext cx="5886426" cy="3696789"/>
           </a:xfrm>
           <a:prstGeom prst="rect">
             <a:avLst/>
@@ -7445,128 +7438,10 @@
       </p:pic>
       <p:sp>
         <p:nvSpPr>
-          <p:cNvPr id="65" name="Rectangle 61">
+          <p:cNvPr id="67" name="TextBox 66">
             <a:extLst>
               <a:ext uri="{FF2B5EF4-FFF2-40B4-BE49-F238E27FC236}">
-                <a16:creationId xmlns:a16="http://schemas.microsoft.com/office/drawing/2014/main" id="{E125488F-35F4-46B0-BDF0-AFAA3610078B}"/>
-              </a:ext>
-              <a:ext uri="{C183D7F6-B498-43B3-948B-1728B52AA6E4}">
-                <adec:decorative xmlns:adec="http://schemas.microsoft.com/office/drawing/2017/decorative" val="1"/>
-              </a:ext>
-            </a:extLst>
-          </p:cNvPr>
-          <p:cNvSpPr>
-            <a:spLocks noGrp="1" noRot="1" noChangeAspect="1" noMove="1" noResize="1" noEditPoints="1" noAdjustHandles="1" noChangeArrowheads="1" noChangeShapeType="1" noTextEdit="1"/>
-          </p:cNvSpPr>
-          <p:nvPr>
-            <p:extLst>
-              <p:ext uri="{386F3935-93C4-4BCD-93E2-E3B085C9AB24}">
-                <p16:designElem xmlns:p16="http://schemas.microsoft.com/office/powerpoint/2015/main" val="1"/>
-              </p:ext>
-            </p:extLst>
-          </p:nvPr>
-        </p:nvSpPr>
-        <p:spPr>
-          <a:xfrm>
-            <a:off x="8036239" y="654222"/>
-            <a:ext cx="3702878" cy="2437844"/>
-          </a:xfrm>
-          <a:prstGeom prst="rect">
-            <a:avLst/>
-          </a:prstGeom>
-          <a:noFill/>
-          <a:ln w="19050">
-            <a:solidFill>
-              <a:schemeClr val="accent4"/>
-            </a:solidFill>
-          </a:ln>
-        </p:spPr>
-        <p:style>
-          <a:lnRef idx="2">
-            <a:schemeClr val="accent1">
-              <a:shade val="50000"/>
-            </a:schemeClr>
-          </a:lnRef>
-          <a:fillRef idx="1">
-            <a:schemeClr val="accent1"/>
-          </a:fillRef>
-          <a:effectRef idx="0">
-            <a:schemeClr val="accent1"/>
-          </a:effectRef>
-          <a:fontRef idx="minor">
-            <a:schemeClr val="lt1"/>
-          </a:fontRef>
-        </p:style>
-        <p:txBody>
-          <a:bodyPr rtlCol="0" anchor="ctr"/>
-          <a:lstStyle/>
-          <a:p>
-            <a:pPr algn="ctr"/>
-            <a:endParaRPr lang="en-US"/>
-          </a:p>
-        </p:txBody>
-      </p:sp>
-      <p:sp>
-        <p:nvSpPr>
-          <p:cNvPr id="3" name="Content Placeholder 2">
-            <a:extLst>
-              <a:ext uri="{FF2B5EF4-FFF2-40B4-BE49-F238E27FC236}">
-                <a16:creationId xmlns:a16="http://schemas.microsoft.com/office/drawing/2014/main" id="{76D63729-2DCB-9A43-873B-54BA70ED434C}"/>
-              </a:ext>
-            </a:extLst>
-          </p:cNvPr>
-          <p:cNvSpPr>
-            <a:spLocks noGrp="1"/>
-          </p:cNvSpPr>
-          <p:nvPr>
-            <p:ph idx="1"/>
-          </p:nvPr>
-        </p:nvSpPr>
-        <p:spPr>
-          <a:xfrm>
-            <a:off x="4590077" y="3608649"/>
-            <a:ext cx="6864154" cy="2800477"/>
-          </a:xfrm>
-        </p:spPr>
-        <p:txBody>
-          <a:bodyPr>
-            <a:normAutofit/>
-          </a:bodyPr>
-          <a:lstStyle/>
-          <a:p>
-            <a:r>
-              <a:rPr lang="en-US" dirty="0"/>
-              <a:t>Charges for non-smokers, men and women, by region</a:t>
-            </a:r>
-          </a:p>
-          <a:p>
-            <a:r>
-              <a:rPr lang="en-US" dirty="0"/>
-              <a:t>Even accounting for other factors like </a:t>
-            </a:r>
-            <a:r>
-              <a:rPr lang="en-US" dirty="0" err="1"/>
-              <a:t>bmi</a:t>
-            </a:r>
-            <a:r>
-              <a:rPr lang="en-US" dirty="0"/>
-              <a:t>, # of children, age, women’s charges are higher</a:t>
-            </a:r>
-          </a:p>
-          <a:p>
-            <a:r>
-              <a:rPr lang="en-US" dirty="0"/>
-              <a:t>Is there a statistical difference in average charges between men and women?</a:t>
-            </a:r>
-          </a:p>
-        </p:txBody>
-      </p:sp>
-      <p:sp>
-        <p:nvSpPr>
-          <p:cNvPr id="25" name="TextBox 24">
-            <a:extLst>
-              <a:ext uri="{FF2B5EF4-FFF2-40B4-BE49-F238E27FC236}">
-                <a16:creationId xmlns:a16="http://schemas.microsoft.com/office/drawing/2014/main" id="{C7300E78-324F-9C44-98EC-60043FA778C7}"/>
+                <a16:creationId xmlns:a16="http://schemas.microsoft.com/office/drawing/2014/main" id="{6384B291-BB87-A44E-B263-6670D41F25F6}"/>
               </a:ext>
             </a:extLst>
           </p:cNvPr>
@@ -7575,47 +7450,608 @@
         </p:nvSpPr>
         <p:spPr>
           <a:xfrm>
-            <a:off x="873473" y="2731440"/>
-            <a:ext cx="2837481" cy="216747"/>
+            <a:off x="2048892" y="53604"/>
+            <a:ext cx="8944448" cy="369332"/>
           </a:xfrm>
           <a:prstGeom prst="rect">
             <a:avLst/>
           </a:prstGeom>
-          <a:solidFill>
-            <a:srgbClr val="000000">
-              <a:alpha val="50000"/>
-            </a:srgbClr>
-          </a:solidFill>
-          <a:ln>
-            <a:noFill/>
-          </a:ln>
+          <a:noFill/>
         </p:spPr>
         <p:txBody>
           <a:bodyPr wrap="square" rtlCol="0">
-            <a:noAutofit/>
+            <a:spAutoFit/>
           </a:bodyPr>
           <a:lstStyle/>
           <a:p>
-            <a:pPr algn="ctr">
+            <a:r>
+              <a:rPr lang="en-US" b="1" dirty="0">
+                <a:solidFill>
+                  <a:schemeClr val="accent1"/>
+                </a:solidFill>
+              </a:rPr>
+              <a:t>DO GENDER AND REGION SIGNIFICANTLY EFFECT YOUR CHARGES?</a:t>
+            </a:r>
+          </a:p>
+        </p:txBody>
+      </p:sp>
+      <p:sp>
+        <p:nvSpPr>
+          <p:cNvPr id="68" name="TextBox 67">
+            <a:extLst>
+              <a:ext uri="{FF2B5EF4-FFF2-40B4-BE49-F238E27FC236}">
+                <a16:creationId xmlns:a16="http://schemas.microsoft.com/office/drawing/2014/main" id="{E52AE731-8108-D043-B8CB-E5EE820D4998}"/>
+              </a:ext>
+            </a:extLst>
+          </p:cNvPr>
+          <p:cNvSpPr txBox="1"/>
+          <p:nvPr/>
+        </p:nvSpPr>
+        <p:spPr>
+          <a:xfrm>
+            <a:off x="1427709" y="617212"/>
+            <a:ext cx="3641558" cy="369332"/>
+          </a:xfrm>
+          <a:prstGeom prst="rect">
+            <a:avLst/>
+          </a:prstGeom>
+          <a:noFill/>
+        </p:spPr>
+        <p:txBody>
+          <a:bodyPr wrap="square" rtlCol="0">
+            <a:spAutoFit/>
+          </a:bodyPr>
+          <a:lstStyle/>
+          <a:p>
+            <a:r>
+              <a:rPr lang="en-US" dirty="0"/>
+              <a:t>SMOKERS AND NON-SMOKERS</a:t>
+            </a:r>
+          </a:p>
+        </p:txBody>
+      </p:sp>
+      <p:sp>
+        <p:nvSpPr>
+          <p:cNvPr id="69" name="TextBox 68">
+            <a:extLst>
+              <a:ext uri="{FF2B5EF4-FFF2-40B4-BE49-F238E27FC236}">
+                <a16:creationId xmlns:a16="http://schemas.microsoft.com/office/drawing/2014/main" id="{CB1580A4-19BB-CB48-96A1-6BEDE8E8A1F7}"/>
+              </a:ext>
+            </a:extLst>
+          </p:cNvPr>
+          <p:cNvSpPr txBox="1"/>
+          <p:nvPr/>
+        </p:nvSpPr>
+        <p:spPr>
+          <a:xfrm>
+            <a:off x="8149466" y="617212"/>
+            <a:ext cx="3641558" cy="369332"/>
+          </a:xfrm>
+          <a:prstGeom prst="rect">
+            <a:avLst/>
+          </a:prstGeom>
+          <a:noFill/>
+        </p:spPr>
+        <p:txBody>
+          <a:bodyPr wrap="square" rtlCol="0">
+            <a:spAutoFit/>
+          </a:bodyPr>
+          <a:lstStyle/>
+          <a:p>
+            <a:r>
+              <a:rPr lang="en-US" dirty="0"/>
+              <a:t>NON-SMOKERS ONLY</a:t>
+            </a:r>
+          </a:p>
+        </p:txBody>
+      </p:sp>
+      <p:pic>
+        <p:nvPicPr>
+          <p:cNvPr id="71" name="Picture 70" descr="A picture containing table&#10;&#10;Description automatically generated">
+            <a:extLst>
+              <a:ext uri="{FF2B5EF4-FFF2-40B4-BE49-F238E27FC236}">
+                <a16:creationId xmlns:a16="http://schemas.microsoft.com/office/drawing/2014/main" id="{EF0370D4-EADC-354C-8103-F6EB1AD995EF}"/>
+              </a:ext>
+            </a:extLst>
+          </p:cNvPr>
+          <p:cNvPicPr>
+            <a:picLocks noChangeAspect="1"/>
+          </p:cNvPicPr>
+          <p:nvPr/>
+        </p:nvPicPr>
+        <p:blipFill>
+          <a:blip r:embed="rId5"/>
+          <a:stretch>
+            <a:fillRect/>
+          </a:stretch>
+        </p:blipFill>
+        <p:spPr>
+          <a:xfrm>
+            <a:off x="8897280" y="4649534"/>
+            <a:ext cx="1452325" cy="2107295"/>
+          </a:xfrm>
+          <a:prstGeom prst="rect">
+            <a:avLst/>
+          </a:prstGeom>
+        </p:spPr>
+      </p:pic>
+      <p:pic>
+        <p:nvPicPr>
+          <p:cNvPr id="73" name="Picture 72" descr="Table&#10;&#10;Description automatically generated">
+            <a:extLst>
+              <a:ext uri="{FF2B5EF4-FFF2-40B4-BE49-F238E27FC236}">
+                <a16:creationId xmlns:a16="http://schemas.microsoft.com/office/drawing/2014/main" id="{EDA4D66F-1325-6449-999A-FF93C7E1E7FA}"/>
+              </a:ext>
+            </a:extLst>
+          </p:cNvPr>
+          <p:cNvPicPr>
+            <a:picLocks noChangeAspect="1"/>
+          </p:cNvPicPr>
+          <p:nvPr/>
+        </p:nvPicPr>
+        <p:blipFill>
+          <a:blip r:embed="rId6"/>
+          <a:stretch>
+            <a:fillRect/>
+          </a:stretch>
+        </p:blipFill>
+        <p:spPr>
+          <a:xfrm>
+            <a:off x="1776421" y="4707670"/>
+            <a:ext cx="1959584" cy="1991021"/>
+          </a:xfrm>
+          <a:prstGeom prst="rect">
+            <a:avLst/>
+          </a:prstGeom>
+        </p:spPr>
+      </p:pic>
+    </p:spTree>
+    <p:extLst>
+      <p:ext uri="{BB962C8B-B14F-4D97-AF65-F5344CB8AC3E}">
+        <p14:creationId xmlns:p14="http://schemas.microsoft.com/office/powerpoint/2010/main" val="3957755877"/>
+      </p:ext>
+    </p:extLst>
+  </p:cSld>
+  <p:clrMapOvr>
+    <a:masterClrMapping/>
+  </p:clrMapOvr>
+</p:sld>
+</file>
+
+<file path=ppt/slides/slide7.xml><?xml version="1.0" encoding="utf-8"?>
+<p:sld xmlns:a="http://schemas.openxmlformats.org/drawingml/2006/main" xmlns:r="http://schemas.openxmlformats.org/officeDocument/2006/relationships" xmlns:p="http://schemas.openxmlformats.org/presentationml/2006/main">
+  <p:cSld>
+    <p:spTree>
+      <p:nvGrpSpPr>
+        <p:cNvPr id="1" name=""/>
+        <p:cNvGrpSpPr/>
+        <p:nvPr/>
+      </p:nvGrpSpPr>
+      <p:grpSpPr>
+        <a:xfrm>
+          <a:off x="0" y="0"/>
+          <a:ext cx="0" cy="0"/>
+          <a:chOff x="0" y="0"/>
+          <a:chExt cx="0" cy="0"/>
+        </a:xfrm>
+      </p:grpSpPr>
+      <p:sp>
+        <p:nvSpPr>
+          <p:cNvPr id="2" name="Title 1">
+            <a:extLst>
+              <a:ext uri="{FF2B5EF4-FFF2-40B4-BE49-F238E27FC236}">
+                <a16:creationId xmlns:a16="http://schemas.microsoft.com/office/drawing/2014/main" id="{5F86FBD6-CD90-BC4D-8A95-8D3819D84FFB}"/>
+              </a:ext>
+            </a:extLst>
+          </p:cNvPr>
+          <p:cNvSpPr>
+            <a:spLocks noGrp="1"/>
+          </p:cNvSpPr>
+          <p:nvPr>
+            <p:ph type="title"/>
+          </p:nvPr>
+        </p:nvSpPr>
+        <p:spPr/>
+        <p:txBody>
+          <a:bodyPr anchor="t">
+            <a:normAutofit/>
+          </a:bodyPr>
+          <a:lstStyle/>
+          <a:p>
+            <a:pPr algn="ctr"/>
+            <a:r>
+              <a:rPr lang="en-US" sz="2400" dirty="0"/>
+              <a:t>For this data, the difference between women’s avg charges and men’s avg charges was statistically significant.</a:t>
+            </a:r>
+          </a:p>
+        </p:txBody>
+      </p:sp>
+      <p:sp>
+        <p:nvSpPr>
+          <p:cNvPr id="3" name="Content Placeholder 2">
+            <a:extLst>
+              <a:ext uri="{FF2B5EF4-FFF2-40B4-BE49-F238E27FC236}">
+                <a16:creationId xmlns:a16="http://schemas.microsoft.com/office/drawing/2014/main" id="{3B8AD5E0-C112-8345-9BF2-995B9960531B}"/>
+              </a:ext>
+            </a:extLst>
+          </p:cNvPr>
+          <p:cNvSpPr>
+            <a:spLocks noGrp="1"/>
+          </p:cNvSpPr>
+          <p:nvPr>
+            <p:ph idx="1"/>
+          </p:nvPr>
+        </p:nvSpPr>
+        <p:spPr>
+          <a:xfrm>
+            <a:off x="581193" y="2180496"/>
+            <a:ext cx="3140576" cy="3678303"/>
+          </a:xfrm>
+        </p:spPr>
+        <p:txBody>
+          <a:bodyPr/>
+          <a:lstStyle/>
+          <a:p>
+            <a:r>
+              <a:rPr lang="en-US" dirty="0"/>
+              <a:t>BUT I WAS NOT ABLE TO BUILD A RELIABLE LINEAR REGRESSION MODEL</a:t>
+            </a:r>
+          </a:p>
+          <a:p>
+            <a:r>
+              <a:rPr lang="en-US" dirty="0"/>
+              <a:t>THE LOGISTIC REGRESSION MODEL WAS RIGHTONLY  ABOUT ½ THE TIME</a:t>
+            </a:r>
+          </a:p>
+        </p:txBody>
+      </p:sp>
+      <p:sp>
+        <p:nvSpPr>
+          <p:cNvPr id="6" name="Content Placeholder 2">
+            <a:extLst>
+              <a:ext uri="{FF2B5EF4-FFF2-40B4-BE49-F238E27FC236}">
+                <a16:creationId xmlns:a16="http://schemas.microsoft.com/office/drawing/2014/main" id="{29E32849-A66A-0947-980D-FFB012A237D3}"/>
+              </a:ext>
+            </a:extLst>
+          </p:cNvPr>
+          <p:cNvSpPr txBox="1">
+            <a:spLocks/>
+          </p:cNvSpPr>
+          <p:nvPr/>
+        </p:nvSpPr>
+        <p:spPr>
+          <a:xfrm>
+            <a:off x="769716" y="1710593"/>
+            <a:ext cx="11039650" cy="673769"/>
+          </a:xfrm>
+          <a:prstGeom prst="rect">
+            <a:avLst/>
+          </a:prstGeom>
+        </p:spPr>
+        <p:txBody>
+          <a:bodyPr vert="horz" lIns="91440" tIns="45720" rIns="91440" bIns="45720" rtlCol="0" anchor="ctr">
+            <a:normAutofit/>
+          </a:bodyPr>
+          <a:lstStyle>
+            <a:lvl1pPr marL="306000" indent="-306000" algn="l" defTabSz="457200" rtl="0" eaLnBrk="1" latinLnBrk="0" hangingPunct="1">
+              <a:spcBef>
+                <a:spcPct val="20000"/>
+              </a:spcBef>
               <a:spcAft>
                 <a:spcPts val="600"/>
               </a:spcAft>
-            </a:pPr>
-            <a:r>
-              <a:rPr lang="en-US" sz="800">
-                <a:solidFill>
-                  <a:srgbClr val="FFFFFF"/>
-                </a:solidFill>
-              </a:rPr>
-              <a:t>ARE REGION AND GENDER SIGNIFICANTLY RELATED TO COSTS?</a:t>
-            </a:r>
+              <a:buClr>
+                <a:schemeClr val="accent2"/>
+              </a:buClr>
+              <a:buSzPct val="92000"/>
+              <a:buFont typeface="Wingdings 2" panose="05020102010507070707" pitchFamily="18" charset="2"/>
+              <a:buChar char=""/>
+              <a:defRPr sz="1800" kern="1200">
+                <a:solidFill>
+                  <a:schemeClr val="tx2"/>
+                </a:solidFill>
+                <a:latin typeface="+mn-lt"/>
+                <a:ea typeface="+mn-ea"/>
+                <a:cs typeface="+mn-cs"/>
+              </a:defRPr>
+            </a:lvl1pPr>
+            <a:lvl2pPr marL="630000" indent="-306000" algn="l" defTabSz="457200" rtl="0" eaLnBrk="1" latinLnBrk="0" hangingPunct="1">
+              <a:spcBef>
+                <a:spcPct val="20000"/>
+              </a:spcBef>
+              <a:spcAft>
+                <a:spcPts val="600"/>
+              </a:spcAft>
+              <a:buClr>
+                <a:schemeClr val="accent2"/>
+              </a:buClr>
+              <a:buSzPct val="92000"/>
+              <a:buFont typeface="Wingdings 2" panose="05020102010507070707" pitchFamily="18" charset="2"/>
+              <a:buChar char=""/>
+              <a:defRPr sz="1600" kern="1200">
+                <a:solidFill>
+                  <a:schemeClr val="tx2"/>
+                </a:solidFill>
+                <a:latin typeface="+mn-lt"/>
+                <a:ea typeface="+mn-ea"/>
+                <a:cs typeface="+mn-cs"/>
+              </a:defRPr>
+            </a:lvl2pPr>
+            <a:lvl3pPr marL="900000" indent="-270000" algn="l" defTabSz="457200" rtl="0" eaLnBrk="1" latinLnBrk="0" hangingPunct="1">
+              <a:spcBef>
+                <a:spcPct val="20000"/>
+              </a:spcBef>
+              <a:spcAft>
+                <a:spcPts val="600"/>
+              </a:spcAft>
+              <a:buClr>
+                <a:schemeClr val="accent2"/>
+              </a:buClr>
+              <a:buSzPct val="92000"/>
+              <a:buFont typeface="Wingdings 2" panose="05020102010507070707" pitchFamily="18" charset="2"/>
+              <a:buChar char=""/>
+              <a:defRPr sz="1400" kern="1200">
+                <a:solidFill>
+                  <a:schemeClr val="tx2"/>
+                </a:solidFill>
+                <a:latin typeface="+mn-lt"/>
+                <a:ea typeface="+mn-ea"/>
+                <a:cs typeface="+mn-cs"/>
+              </a:defRPr>
+            </a:lvl3pPr>
+            <a:lvl4pPr marL="1242000" indent="-234000" algn="l" defTabSz="457200" rtl="0" eaLnBrk="1" latinLnBrk="0" hangingPunct="1">
+              <a:spcBef>
+                <a:spcPct val="20000"/>
+              </a:spcBef>
+              <a:spcAft>
+                <a:spcPts val="600"/>
+              </a:spcAft>
+              <a:buClr>
+                <a:schemeClr val="accent2"/>
+              </a:buClr>
+              <a:buSzPct val="92000"/>
+              <a:buFont typeface="Wingdings 2" panose="05020102010507070707" pitchFamily="18" charset="2"/>
+              <a:buChar char=""/>
+              <a:defRPr sz="1200" kern="1200">
+                <a:solidFill>
+                  <a:schemeClr val="tx2"/>
+                </a:solidFill>
+                <a:latin typeface="+mn-lt"/>
+                <a:ea typeface="+mn-ea"/>
+                <a:cs typeface="+mn-cs"/>
+              </a:defRPr>
+            </a:lvl4pPr>
+            <a:lvl5pPr marL="1602000" indent="-234000" algn="l" defTabSz="457200" rtl="0" eaLnBrk="1" latinLnBrk="0" hangingPunct="1">
+              <a:spcBef>
+                <a:spcPct val="20000"/>
+              </a:spcBef>
+              <a:spcAft>
+                <a:spcPts val="600"/>
+              </a:spcAft>
+              <a:buClr>
+                <a:schemeClr val="accent2"/>
+              </a:buClr>
+              <a:buSzPct val="92000"/>
+              <a:buFont typeface="Wingdings 2" panose="05020102010507070707" pitchFamily="18" charset="2"/>
+              <a:buChar char=""/>
+              <a:defRPr sz="1200" kern="1200">
+                <a:solidFill>
+                  <a:schemeClr val="tx2"/>
+                </a:solidFill>
+                <a:latin typeface="+mn-lt"/>
+                <a:ea typeface="+mn-ea"/>
+                <a:cs typeface="+mn-cs"/>
+              </a:defRPr>
+            </a:lvl5pPr>
+            <a:lvl6pPr marL="1900000" indent="-228600" algn="l" defTabSz="457200" rtl="0" eaLnBrk="1" latinLnBrk="0" hangingPunct="1">
+              <a:spcBef>
+                <a:spcPct val="20000"/>
+              </a:spcBef>
+              <a:spcAft>
+                <a:spcPts val="600"/>
+              </a:spcAft>
+              <a:buClr>
+                <a:schemeClr val="accent2"/>
+              </a:buClr>
+              <a:buSzPct val="92000"/>
+              <a:buFont typeface="Wingdings 2" panose="05020102010507070707" pitchFamily="18" charset="2"/>
+              <a:buChar char=""/>
+              <a:defRPr sz="1200" kern="1200">
+                <a:solidFill>
+                  <a:schemeClr val="tx2"/>
+                </a:solidFill>
+                <a:latin typeface="+mn-lt"/>
+                <a:ea typeface="+mn-ea"/>
+                <a:cs typeface="+mn-cs"/>
+              </a:defRPr>
+            </a:lvl6pPr>
+            <a:lvl7pPr marL="2200000" indent="-228600" algn="l" defTabSz="457200" rtl="0" eaLnBrk="1" latinLnBrk="0" hangingPunct="1">
+              <a:spcBef>
+                <a:spcPct val="20000"/>
+              </a:spcBef>
+              <a:spcAft>
+                <a:spcPts val="600"/>
+              </a:spcAft>
+              <a:buClr>
+                <a:schemeClr val="accent2"/>
+              </a:buClr>
+              <a:buSzPct val="92000"/>
+              <a:buFont typeface="Wingdings 2" panose="05020102010507070707" pitchFamily="18" charset="2"/>
+              <a:buChar char=""/>
+              <a:defRPr sz="1200" kern="1200">
+                <a:solidFill>
+                  <a:schemeClr val="tx2"/>
+                </a:solidFill>
+                <a:latin typeface="+mn-lt"/>
+                <a:ea typeface="+mn-ea"/>
+                <a:cs typeface="+mn-cs"/>
+              </a:defRPr>
+            </a:lvl7pPr>
+            <a:lvl8pPr marL="2500000" indent="-228600" algn="l" defTabSz="457200" rtl="0" eaLnBrk="1" latinLnBrk="0" hangingPunct="1">
+              <a:spcBef>
+                <a:spcPct val="20000"/>
+              </a:spcBef>
+              <a:spcAft>
+                <a:spcPts val="600"/>
+              </a:spcAft>
+              <a:buClr>
+                <a:schemeClr val="accent2"/>
+              </a:buClr>
+              <a:buSzPct val="92000"/>
+              <a:buFont typeface="Wingdings 2" panose="05020102010507070707" pitchFamily="18" charset="2"/>
+              <a:buChar char=""/>
+              <a:defRPr sz="1200" kern="1200">
+                <a:solidFill>
+                  <a:schemeClr val="tx2"/>
+                </a:solidFill>
+                <a:latin typeface="+mn-lt"/>
+                <a:ea typeface="+mn-ea"/>
+                <a:cs typeface="+mn-cs"/>
+              </a:defRPr>
+            </a:lvl8pPr>
+            <a:lvl9pPr marL="2800000" indent="-228600" algn="l" defTabSz="457200" rtl="0" eaLnBrk="1" latinLnBrk="0" hangingPunct="1">
+              <a:spcBef>
+                <a:spcPct val="20000"/>
+              </a:spcBef>
+              <a:spcAft>
+                <a:spcPts val="600"/>
+              </a:spcAft>
+              <a:buClr>
+                <a:schemeClr val="accent2"/>
+              </a:buClr>
+              <a:buSzPct val="92000"/>
+              <a:buFont typeface="Wingdings 2" panose="05020102010507070707" pitchFamily="18" charset="2"/>
+              <a:buChar char=""/>
+              <a:defRPr sz="1200" kern="1200">
+                <a:solidFill>
+                  <a:schemeClr val="tx2"/>
+                </a:solidFill>
+                <a:latin typeface="+mn-lt"/>
+                <a:ea typeface="+mn-ea"/>
+                <a:cs typeface="+mn-cs"/>
+              </a:defRPr>
+            </a:lvl9pPr>
+          </a:lstStyle>
+          <a:p>
+            <a:r>
+              <a:rPr lang="en-US"/>
+              <a:t>Even if you don’t smoke, where you live can significantly effect your charges</a:t>
+            </a:r>
+          </a:p>
+          <a:p>
+            <a:r>
+              <a:rPr lang="en-US"/>
+              <a:t>If you are a woman, gender and where you live effect your charges</a:t>
+            </a:r>
+            <a:endParaRPr lang="en-US" dirty="0"/>
           </a:p>
         </p:txBody>
       </p:sp>
     </p:spTree>
     <p:extLst>
       <p:ext uri="{BB962C8B-B14F-4D97-AF65-F5344CB8AC3E}">
-        <p14:creationId xmlns:p14="http://schemas.microsoft.com/office/powerpoint/2010/main" val="1812117299"/>
+        <p14:creationId xmlns:p14="http://schemas.microsoft.com/office/powerpoint/2010/main" val="3973478709"/>
+      </p:ext>
+    </p:extLst>
+  </p:cSld>
+  <p:clrMapOvr>
+    <a:masterClrMapping/>
+  </p:clrMapOvr>
+</p:sld>
+</file>
+
+<file path=ppt/slides/slide8.xml><?xml version="1.0" encoding="utf-8"?>
+<p:sld xmlns:a="http://schemas.openxmlformats.org/drawingml/2006/main" xmlns:r="http://schemas.openxmlformats.org/officeDocument/2006/relationships" xmlns:p="http://schemas.openxmlformats.org/presentationml/2006/main">
+  <p:cSld>
+    <p:spTree>
+      <p:nvGrpSpPr>
+        <p:cNvPr id="1" name=""/>
+        <p:cNvGrpSpPr/>
+        <p:nvPr/>
+      </p:nvGrpSpPr>
+      <p:grpSpPr>
+        <a:xfrm>
+          <a:off x="0" y="0"/>
+          <a:ext cx="0" cy="0"/>
+          <a:chOff x="0" y="0"/>
+          <a:chExt cx="0" cy="0"/>
+        </a:xfrm>
+      </p:grpSpPr>
+      <p:sp>
+        <p:nvSpPr>
+          <p:cNvPr id="2" name="Title 1">
+            <a:extLst>
+              <a:ext uri="{FF2B5EF4-FFF2-40B4-BE49-F238E27FC236}">
+                <a16:creationId xmlns:a16="http://schemas.microsoft.com/office/drawing/2014/main" id="{5711F0C9-5508-FA40-84B9-72BE20D837C5}"/>
+              </a:ext>
+            </a:extLst>
+          </p:cNvPr>
+          <p:cNvSpPr>
+            <a:spLocks noGrp="1"/>
+          </p:cNvSpPr>
+          <p:nvPr>
+            <p:ph type="title"/>
+          </p:nvPr>
+        </p:nvSpPr>
+        <p:spPr/>
+        <p:txBody>
+          <a:bodyPr/>
+          <a:lstStyle/>
+          <a:p>
+            <a:r>
+              <a:rPr lang="en-US" dirty="0"/>
+              <a:t>SUMMARY AND NEXT STEPS</a:t>
+            </a:r>
+          </a:p>
+        </p:txBody>
+      </p:sp>
+      <p:sp>
+        <p:nvSpPr>
+          <p:cNvPr id="3" name="Content Placeholder 2">
+            <a:extLst>
+              <a:ext uri="{FF2B5EF4-FFF2-40B4-BE49-F238E27FC236}">
+                <a16:creationId xmlns:a16="http://schemas.microsoft.com/office/drawing/2014/main" id="{A987A90A-01B4-D24B-9E4D-132228FE1AEC}"/>
+              </a:ext>
+            </a:extLst>
+          </p:cNvPr>
+          <p:cNvSpPr>
+            <a:spLocks noGrp="1"/>
+          </p:cNvSpPr>
+          <p:nvPr>
+            <p:ph idx="1"/>
+          </p:nvPr>
+        </p:nvSpPr>
+        <p:spPr/>
+        <p:txBody>
+          <a:bodyPr anchor="t"/>
+          <a:lstStyle/>
+          <a:p>
+            <a:endParaRPr lang="en-US" dirty="0"/>
+          </a:p>
+          <a:p>
+            <a:r>
+              <a:rPr lang="en-US" dirty="0"/>
+              <a:t>EXPLORE OTHER TYPES OF STATISTICAL MODELS  THAT MIGHT FIT THE DATA BETTER</a:t>
+            </a:r>
+          </a:p>
+          <a:p>
+            <a:r>
+              <a:rPr lang="en-US" dirty="0"/>
+              <a:t>THE DATA SET WAS LIMITED IN SIZE AND SCOPE, REPEAT PROJECT WITH MORE DETAILED AND LARGER DATA SETS</a:t>
+            </a:r>
+          </a:p>
+          <a:p>
+            <a:r>
+              <a:rPr lang="en-US" dirty="0"/>
+              <a:t>EXPLORE UNEXPLAINED DATA ANOMOLIES AND BIMODAL ACTIVITY </a:t>
+            </a:r>
+          </a:p>
+        </p:txBody>
+      </p:sp>
+    </p:spTree>
+    <p:extLst>
+      <p:ext uri="{BB962C8B-B14F-4D97-AF65-F5344CB8AC3E}">
+        <p14:creationId xmlns:p14="http://schemas.microsoft.com/office/powerpoint/2010/main" val="82148327"/>
       </p:ext>
     </p:extLst>
   </p:cSld>
@@ -7647,7 +8083,7 @@
           <p:cNvPr id="2" name="Title 1">
             <a:extLst>
               <a:ext uri="{FF2B5EF4-FFF2-40B4-BE49-F238E27FC236}">
-                <a16:creationId xmlns:a16="http://schemas.microsoft.com/office/drawing/2014/main" id="{5F86FBD6-CD90-BC4D-8A95-8D3819D84FFB}"/>
+                <a16:creationId xmlns:a16="http://schemas.microsoft.com/office/drawing/2014/main" id="{71BD1667-0455-594F-AB36-C17B22BE530A}"/>
               </a:ext>
             </a:extLst>
           </p:cNvPr>
@@ -7658,18 +8094,20 @@
             <p:ph type="title"/>
           </p:nvPr>
         </p:nvSpPr>
-        <p:spPr/>
-        <p:txBody>
-          <a:bodyPr anchor="t">
-            <a:normAutofit/>
-          </a:bodyPr>
+        <p:spPr>
+          <a:xfrm>
+            <a:off x="581192" y="702156"/>
+            <a:ext cx="11029616" cy="1140932"/>
+          </a:xfrm>
+        </p:spPr>
+        <p:txBody>
+          <a:bodyPr anchor="t"/>
           <a:lstStyle/>
           <a:p>
-            <a:pPr algn="ctr"/>
-            <a:r>
-              <a:rPr lang="en-US" sz="2400" dirty="0"/>
-              <a:t>For this data, the difference between women’s avg charges and men’s avg charges was statistically significant.</a:t>
-            </a:r>
+            <a:br>
+              <a:rPr lang="en-US" dirty="0"/>
+            </a:br>
+            <a:endParaRPr lang="en-US" dirty="0"/>
           </a:p>
         </p:txBody>
       </p:sp>
@@ -7678,7 +8116,7 @@
           <p:cNvPr id="3" name="Content Placeholder 2">
             <a:extLst>
               <a:ext uri="{FF2B5EF4-FFF2-40B4-BE49-F238E27FC236}">
-                <a16:creationId xmlns:a16="http://schemas.microsoft.com/office/drawing/2014/main" id="{3B8AD5E0-C112-8345-9BF2-995B9960531B}"/>
+                <a16:creationId xmlns:a16="http://schemas.microsoft.com/office/drawing/2014/main" id="{CD723FF6-03FF-4B49-A8EF-E97D5FD4C2C6}"/>
               </a:ext>
             </a:extLst>
           </p:cNvPr>
@@ -7691,8 +8129,8 @@
         </p:nvSpPr>
         <p:spPr>
           <a:xfrm>
-            <a:off x="581193" y="2180496"/>
-            <a:ext cx="3140576" cy="3678303"/>
+            <a:off x="6734175" y="2451958"/>
+            <a:ext cx="4876633" cy="3434492"/>
           </a:xfrm>
         </p:spPr>
         <p:txBody>
@@ -7701,21 +8139,69 @@
           <a:p>
             <a:r>
               <a:rPr lang="en-US" dirty="0"/>
-              <a:t>BUT I WAS NOT ABLE TO BUILD A RELIABLE LINEAR REGRESSION MODEL</a:t>
+              <a:t>Can gender be used to predict insurance charges?</a:t>
             </a:r>
           </a:p>
           <a:p>
             <a:r>
               <a:rPr lang="en-US" dirty="0"/>
-              <a:t>THE LOGISTIC REGRESSION MODEL WAS RIGHTONLY  ABOUT ½ THE TIME</a:t>
-            </a:r>
+              <a:t>Is the difference in charges between men and women in this data set statistically significant?</a:t>
+            </a:r>
+          </a:p>
+          <a:p>
+            <a:r>
+              <a:rPr lang="en-US" dirty="0"/>
+              <a:t>Does the region in which you live effect your charges?</a:t>
+            </a:r>
+          </a:p>
+        </p:txBody>
+      </p:sp>
+      <p:sp>
+        <p:nvSpPr>
+          <p:cNvPr id="4" name="TextBox 3">
+            <a:extLst>
+              <a:ext uri="{FF2B5EF4-FFF2-40B4-BE49-F238E27FC236}">
+                <a16:creationId xmlns:a16="http://schemas.microsoft.com/office/drawing/2014/main" id="{4A3DD61A-D5EC-2F45-8574-EA3D6EF6EF48}"/>
+              </a:ext>
+            </a:extLst>
+          </p:cNvPr>
+          <p:cNvSpPr txBox="1"/>
+          <p:nvPr/>
+        </p:nvSpPr>
+        <p:spPr>
+          <a:xfrm>
+            <a:off x="328613" y="3015042"/>
+            <a:ext cx="5924382" cy="2308324"/>
+          </a:xfrm>
+          <a:prstGeom prst="rect">
+            <a:avLst/>
+          </a:prstGeom>
+          <a:noFill/>
+        </p:spPr>
+        <p:txBody>
+          <a:bodyPr wrap="square" rtlCol="0" anchor="ctr">
+            <a:spAutoFit/>
+          </a:bodyPr>
+          <a:lstStyle/>
+          <a:p>
+            <a:r>
+              <a:rPr lang="en-US" dirty="0"/>
+              <a:t>“While women and men both feel the impact of health costs, such as insurance premiums, co-payments, and deductibles, they can be particularly burdensome for women who on average earn lower wages, have fewer financial assets, accumulate less wealth, and have higher rates of poverty than men.” - </a:t>
+            </a:r>
+            <a:r>
+              <a:rPr lang="en-US" sz="1400" b="1" i="1" dirty="0"/>
+              <a:t>Women's Coverage, Access, and Affordability: Key Findings from the 2017 Kaiser Women’s Health Survey</a:t>
+            </a:r>
+          </a:p>
+          <a:p>
+            <a:endParaRPr lang="en-US" dirty="0"/>
           </a:p>
         </p:txBody>
       </p:sp>
     </p:spTree>
     <p:extLst>
       <p:ext uri="{BB962C8B-B14F-4D97-AF65-F5344CB8AC3E}">
-        <p14:creationId xmlns:p14="http://schemas.microsoft.com/office/powerpoint/2010/main" val="3973478709"/>
+        <p14:creationId xmlns:p14="http://schemas.microsoft.com/office/powerpoint/2010/main" val="2365626266"/>
       </p:ext>
     </p:extLst>
   </p:cSld>
